--- a/Federated Kalman filter.pptx
+++ b/Federated Kalman filter.pptx
@@ -4,6 +4,9 @@
   <p:sldMasterIdLst>
     <p:sldMasterId id="2147483648" r:id="rId1"/>
   </p:sldMasterIdLst>
+  <p:notesMasterIdLst>
+    <p:notesMasterId r:id="rId15"/>
+  </p:notesMasterIdLst>
   <p:sldIdLst>
     <p:sldId id="256" r:id="rId2"/>
     <p:sldId id="257" r:id="rId3"/>
@@ -13,6 +16,11 @@
     <p:sldId id="261" r:id="rId7"/>
     <p:sldId id="262" r:id="rId8"/>
     <p:sldId id="263" r:id="rId9"/>
+    <p:sldId id="264" r:id="rId10"/>
+    <p:sldId id="265" r:id="rId11"/>
+    <p:sldId id="266" r:id="rId12"/>
+    <p:sldId id="267" r:id="rId13"/>
+    <p:sldId id="268" r:id="rId14"/>
   </p:sldIdLst>
   <p:sldSz cx="12192000" cy="6858000"/>
   <p:notesSz cx="6858000" cy="9144000"/>
@@ -122,6 +130,7 @@
 <file path=ppt/authors.xml><?xml version="1.0" encoding="utf-8"?>
 <p188:authorLst xmlns:a="http://schemas.openxmlformats.org/drawingml/2006/main" xmlns:r="http://schemas.openxmlformats.org/officeDocument/2006/relationships" xmlns:p188="http://schemas.microsoft.com/office/powerpoint/2018/8/main">
   <p188:author id="{584E8D59-AE05-BBF8-A6E3-FC044BF3D3C1}" name="Ilan Elzam" initials="IE" userId="S::ilan.elzam@campus.technion.ac.il::f63f29b5-d0de-4c27-bd10-a730eac6049a" providerId="AD"/>
+  <p188:author id="{6CB409DB-B1A8-3E7C-E2A5-35DC1236F6F4}" name="ILAN ELZAM" initials="IE" userId="S::ILANEL@rafael.co.il::8c0845f7-86a6-4d5b-b16b-f5cd55525833" providerId="AD"/>
 </p188:authorLst>
 </file>
 
@@ -153,7 +162,7 @@
 
 <file path=ppt/comments/modernComment_105_C00BCDFB.xml><?xml version="1.0" encoding="utf-8"?>
 <p188:cmLst xmlns:a="http://schemas.openxmlformats.org/drawingml/2006/main" xmlns:r="http://schemas.openxmlformats.org/officeDocument/2006/relationships" xmlns:p188="http://schemas.microsoft.com/office/powerpoint/2018/8/main">
-  <p188:cm id="{92E20734-B62C-44D8-82CE-39C69D7EE507}" authorId="{584E8D59-AE05-BBF8-A6E3-FC044BF3D3C1}" created="2025-09-01T08:30:58.418">
+  <p188:cm id="{D134363C-78CE-4849-B2FA-01F31FE86DEB}" authorId="{6CB409DB-B1A8-3E7C-E2A5-35DC1236F6F4}" created="2025-09-08T10:01:08.356">
     <ac:deMkLst xmlns:ac="http://schemas.microsoft.com/office/drawing/2013/main/command">
       <pc:docMk xmlns:pc="http://schemas.microsoft.com/office/powerpoint/2013/main/command"/>
       <pc:sldMk xmlns:pc="http://schemas.microsoft.com/office/powerpoint/2013/main/command" cId="3221999099" sldId="261"/>
@@ -164,13 +173,566 @@
       <a:lstStyle/>
       <a:p>
         <a:r>
-          <a:rPr lang="LID4096"/>
-          <a:t>לבדוק מה בדיקות המשמעות</a:t>
+          <a:rPr lang="he-IL"/>
+          <a:t>לבדוק מה בדיוק המשמעות</a:t>
         </a:r>
       </a:p>
     </p188:txBody>
   </p188:cm>
 </p188:cmLst>
+</file>
+
+<file path=ppt/notesMasters/notesMaster1.xml><?xml version="1.0" encoding="utf-8"?>
+<p:notesMaster xmlns:a="http://schemas.openxmlformats.org/drawingml/2006/main" xmlns:r="http://schemas.openxmlformats.org/officeDocument/2006/relationships" xmlns:p="http://schemas.openxmlformats.org/presentationml/2006/main">
+  <p:cSld>
+    <p:bg>
+      <p:bgRef idx="1001">
+        <a:schemeClr val="bg1"/>
+      </p:bgRef>
+    </p:bg>
+    <p:spTree>
+      <p:nvGrpSpPr>
+        <p:cNvPr id="1" name=""/>
+        <p:cNvGrpSpPr/>
+        <p:nvPr/>
+      </p:nvGrpSpPr>
+      <p:grpSpPr>
+        <a:xfrm>
+          <a:off x="0" y="0"/>
+          <a:ext cx="0" cy="0"/>
+          <a:chOff x="0" y="0"/>
+          <a:chExt cx="0" cy="0"/>
+        </a:xfrm>
+      </p:grpSpPr>
+      <p:sp>
+        <p:nvSpPr>
+          <p:cNvPr id="2" name="Header Placeholder 1"/>
+          <p:cNvSpPr>
+            <a:spLocks noGrp="1"/>
+          </p:cNvSpPr>
+          <p:nvPr>
+            <p:ph type="hdr" sz="quarter"/>
+          </p:nvPr>
+        </p:nvSpPr>
+        <p:spPr>
+          <a:xfrm>
+            <a:off x="0" y="0"/>
+            <a:ext cx="2971800" cy="458788"/>
+          </a:xfrm>
+          <a:prstGeom prst="rect">
+            <a:avLst/>
+          </a:prstGeom>
+        </p:spPr>
+        <p:txBody>
+          <a:bodyPr vert="horz" lIns="91440" tIns="45720" rIns="91440" bIns="45720" rtlCol="0"/>
+          <a:lstStyle>
+            <a:lvl1pPr algn="r">
+              <a:defRPr sz="1200"/>
+            </a:lvl1pPr>
+          </a:lstStyle>
+          <a:p>
+            <a:endParaRPr lang="he-IL"/>
+          </a:p>
+        </p:txBody>
+      </p:sp>
+      <p:sp>
+        <p:nvSpPr>
+          <p:cNvPr id="3" name="Date Placeholder 2"/>
+          <p:cNvSpPr>
+            <a:spLocks noGrp="1"/>
+          </p:cNvSpPr>
+          <p:nvPr>
+            <p:ph type="dt" idx="1"/>
+          </p:nvPr>
+        </p:nvSpPr>
+        <p:spPr>
+          <a:xfrm>
+            <a:off x="3884613" y="0"/>
+            <a:ext cx="2971800" cy="458788"/>
+          </a:xfrm>
+          <a:prstGeom prst="rect">
+            <a:avLst/>
+          </a:prstGeom>
+        </p:spPr>
+        <p:txBody>
+          <a:bodyPr vert="horz" lIns="91440" tIns="45720" rIns="91440" bIns="45720" rtlCol="0"/>
+          <a:lstStyle>
+            <a:lvl1pPr algn="l">
+              <a:defRPr sz="1200"/>
+            </a:lvl1pPr>
+          </a:lstStyle>
+          <a:p>
+            <a:fld id="{9FBC8B04-6135-4B93-86DB-9D89BE1381F3}" type="datetimeFigureOut">
+              <a:rPr lang="he-IL" smtClean="0"/>
+              <a:t>ט"ו/אלול/תשפ"ה</a:t>
+            </a:fld>
+            <a:endParaRPr lang="he-IL"/>
+          </a:p>
+        </p:txBody>
+      </p:sp>
+      <p:sp>
+        <p:nvSpPr>
+          <p:cNvPr id="4" name="Slide Image Placeholder 3"/>
+          <p:cNvSpPr>
+            <a:spLocks noGrp="1" noRot="1" noChangeAspect="1"/>
+          </p:cNvSpPr>
+          <p:nvPr>
+            <p:ph type="sldImg" idx="2"/>
+          </p:nvPr>
+        </p:nvSpPr>
+        <p:spPr>
+          <a:xfrm>
+            <a:off x="685800" y="1143000"/>
+            <a:ext cx="5486400" cy="3086100"/>
+          </a:xfrm>
+          <a:prstGeom prst="rect">
+            <a:avLst/>
+          </a:prstGeom>
+          <a:noFill/>
+          <a:ln w="12700">
+            <a:solidFill>
+              <a:prstClr val="black"/>
+            </a:solidFill>
+          </a:ln>
+        </p:spPr>
+        <p:txBody>
+          <a:bodyPr vert="horz" lIns="91440" tIns="45720" rIns="91440" bIns="45720" rtlCol="0" anchor="ctr"/>
+          <a:lstStyle/>
+          <a:p>
+            <a:endParaRPr lang="he-IL"/>
+          </a:p>
+        </p:txBody>
+      </p:sp>
+      <p:sp>
+        <p:nvSpPr>
+          <p:cNvPr id="5" name="Notes Placeholder 4"/>
+          <p:cNvSpPr>
+            <a:spLocks noGrp="1"/>
+          </p:cNvSpPr>
+          <p:nvPr>
+            <p:ph type="body" sz="quarter" idx="3"/>
+          </p:nvPr>
+        </p:nvSpPr>
+        <p:spPr>
+          <a:xfrm>
+            <a:off x="685800" y="4400550"/>
+            <a:ext cx="5486400" cy="3600450"/>
+          </a:xfrm>
+          <a:prstGeom prst="rect">
+            <a:avLst/>
+          </a:prstGeom>
+        </p:spPr>
+        <p:txBody>
+          <a:bodyPr vert="horz" lIns="91440" tIns="45720" rIns="91440" bIns="45720" rtlCol="0"/>
+          <a:lstStyle/>
+          <a:p>
+            <a:pPr lvl="0"/>
+            <a:r>
+              <a:rPr lang="en-US"/>
+              <a:t>Click to edit Master text styles</a:t>
+            </a:r>
+          </a:p>
+          <a:p>
+            <a:pPr lvl="1"/>
+            <a:r>
+              <a:rPr lang="en-US"/>
+              <a:t>Second level</a:t>
+            </a:r>
+          </a:p>
+          <a:p>
+            <a:pPr lvl="2"/>
+            <a:r>
+              <a:rPr lang="en-US"/>
+              <a:t>Third level</a:t>
+            </a:r>
+          </a:p>
+          <a:p>
+            <a:pPr lvl="3"/>
+            <a:r>
+              <a:rPr lang="en-US"/>
+              <a:t>Fourth level</a:t>
+            </a:r>
+          </a:p>
+          <a:p>
+            <a:pPr lvl="4"/>
+            <a:r>
+              <a:rPr lang="en-US"/>
+              <a:t>Fifth level</a:t>
+            </a:r>
+            <a:endParaRPr lang="he-IL"/>
+          </a:p>
+        </p:txBody>
+      </p:sp>
+      <p:sp>
+        <p:nvSpPr>
+          <p:cNvPr id="6" name="Footer Placeholder 5"/>
+          <p:cNvSpPr>
+            <a:spLocks noGrp="1"/>
+          </p:cNvSpPr>
+          <p:nvPr>
+            <p:ph type="ftr" sz="quarter" idx="4"/>
+          </p:nvPr>
+        </p:nvSpPr>
+        <p:spPr>
+          <a:xfrm>
+            <a:off x="0" y="8685213"/>
+            <a:ext cx="2971800" cy="458787"/>
+          </a:xfrm>
+          <a:prstGeom prst="rect">
+            <a:avLst/>
+          </a:prstGeom>
+        </p:spPr>
+        <p:txBody>
+          <a:bodyPr vert="horz" lIns="91440" tIns="45720" rIns="91440" bIns="45720" rtlCol="0" anchor="b"/>
+          <a:lstStyle>
+            <a:lvl1pPr algn="r">
+              <a:defRPr sz="1200"/>
+            </a:lvl1pPr>
+          </a:lstStyle>
+          <a:p>
+            <a:endParaRPr lang="he-IL"/>
+          </a:p>
+        </p:txBody>
+      </p:sp>
+      <p:sp>
+        <p:nvSpPr>
+          <p:cNvPr id="7" name="Slide Number Placeholder 6"/>
+          <p:cNvSpPr>
+            <a:spLocks noGrp="1"/>
+          </p:cNvSpPr>
+          <p:nvPr>
+            <p:ph type="sldNum" sz="quarter" idx="5"/>
+          </p:nvPr>
+        </p:nvSpPr>
+        <p:spPr>
+          <a:xfrm>
+            <a:off x="3884613" y="8685213"/>
+            <a:ext cx="2971800" cy="458787"/>
+          </a:xfrm>
+          <a:prstGeom prst="rect">
+            <a:avLst/>
+          </a:prstGeom>
+        </p:spPr>
+        <p:txBody>
+          <a:bodyPr vert="horz" lIns="91440" tIns="45720" rIns="91440" bIns="45720" rtlCol="0" anchor="b"/>
+          <a:lstStyle>
+            <a:lvl1pPr algn="l">
+              <a:defRPr sz="1200"/>
+            </a:lvl1pPr>
+          </a:lstStyle>
+          <a:p>
+            <a:fld id="{C64F4B96-EF2B-4E12-A000-E576EF522EF2}" type="slidenum">
+              <a:rPr lang="he-IL" smtClean="0"/>
+              <a:t>‹#›</a:t>
+            </a:fld>
+            <a:endParaRPr lang="he-IL"/>
+          </a:p>
+        </p:txBody>
+      </p:sp>
+    </p:spTree>
+    <p:extLst>
+      <p:ext uri="{BB962C8B-B14F-4D97-AF65-F5344CB8AC3E}">
+        <p14:creationId xmlns:p14="http://schemas.microsoft.com/office/powerpoint/2010/main" val="1908967866"/>
+      </p:ext>
+    </p:extLst>
+  </p:cSld>
+  <p:clrMap bg1="lt1" tx1="dk1" bg2="lt2" tx2="dk2" accent1="accent1" accent2="accent2" accent3="accent3" accent4="accent4" accent5="accent5" accent6="accent6" hlink="hlink" folHlink="folHlink"/>
+  <p:notesStyle>
+    <a:lvl1pPr marL="0" algn="l" defTabSz="914400" rtl="0" eaLnBrk="1" latinLnBrk="0" hangingPunct="1">
+      <a:defRPr sz="1200" kern="1200">
+        <a:solidFill>
+          <a:schemeClr val="tx1"/>
+        </a:solidFill>
+        <a:latin typeface="+mn-lt"/>
+        <a:ea typeface="+mn-ea"/>
+        <a:cs typeface="+mn-cs"/>
+      </a:defRPr>
+    </a:lvl1pPr>
+    <a:lvl2pPr marL="457200" algn="l" defTabSz="914400" rtl="0" eaLnBrk="1" latinLnBrk="0" hangingPunct="1">
+      <a:defRPr sz="1200" kern="1200">
+        <a:solidFill>
+          <a:schemeClr val="tx1"/>
+        </a:solidFill>
+        <a:latin typeface="+mn-lt"/>
+        <a:ea typeface="+mn-ea"/>
+        <a:cs typeface="+mn-cs"/>
+      </a:defRPr>
+    </a:lvl2pPr>
+    <a:lvl3pPr marL="914400" algn="l" defTabSz="914400" rtl="0" eaLnBrk="1" latinLnBrk="0" hangingPunct="1">
+      <a:defRPr sz="1200" kern="1200">
+        <a:solidFill>
+          <a:schemeClr val="tx1"/>
+        </a:solidFill>
+        <a:latin typeface="+mn-lt"/>
+        <a:ea typeface="+mn-ea"/>
+        <a:cs typeface="+mn-cs"/>
+      </a:defRPr>
+    </a:lvl3pPr>
+    <a:lvl4pPr marL="1371600" algn="l" defTabSz="914400" rtl="0" eaLnBrk="1" latinLnBrk="0" hangingPunct="1">
+      <a:defRPr sz="1200" kern="1200">
+        <a:solidFill>
+          <a:schemeClr val="tx1"/>
+        </a:solidFill>
+        <a:latin typeface="+mn-lt"/>
+        <a:ea typeface="+mn-ea"/>
+        <a:cs typeface="+mn-cs"/>
+      </a:defRPr>
+    </a:lvl4pPr>
+    <a:lvl5pPr marL="1828800" algn="l" defTabSz="914400" rtl="0" eaLnBrk="1" latinLnBrk="0" hangingPunct="1">
+      <a:defRPr sz="1200" kern="1200">
+        <a:solidFill>
+          <a:schemeClr val="tx1"/>
+        </a:solidFill>
+        <a:latin typeface="+mn-lt"/>
+        <a:ea typeface="+mn-ea"/>
+        <a:cs typeface="+mn-cs"/>
+      </a:defRPr>
+    </a:lvl5pPr>
+    <a:lvl6pPr marL="2286000" algn="l" defTabSz="914400" rtl="0" eaLnBrk="1" latinLnBrk="0" hangingPunct="1">
+      <a:defRPr sz="1200" kern="1200">
+        <a:solidFill>
+          <a:schemeClr val="tx1"/>
+        </a:solidFill>
+        <a:latin typeface="+mn-lt"/>
+        <a:ea typeface="+mn-ea"/>
+        <a:cs typeface="+mn-cs"/>
+      </a:defRPr>
+    </a:lvl6pPr>
+    <a:lvl7pPr marL="2743200" algn="l" defTabSz="914400" rtl="0" eaLnBrk="1" latinLnBrk="0" hangingPunct="1">
+      <a:defRPr sz="1200" kern="1200">
+        <a:solidFill>
+          <a:schemeClr val="tx1"/>
+        </a:solidFill>
+        <a:latin typeface="+mn-lt"/>
+        <a:ea typeface="+mn-ea"/>
+        <a:cs typeface="+mn-cs"/>
+      </a:defRPr>
+    </a:lvl7pPr>
+    <a:lvl8pPr marL="3200400" algn="l" defTabSz="914400" rtl="0" eaLnBrk="1" latinLnBrk="0" hangingPunct="1">
+      <a:defRPr sz="1200" kern="1200">
+        <a:solidFill>
+          <a:schemeClr val="tx1"/>
+        </a:solidFill>
+        <a:latin typeface="+mn-lt"/>
+        <a:ea typeface="+mn-ea"/>
+        <a:cs typeface="+mn-cs"/>
+      </a:defRPr>
+    </a:lvl8pPr>
+    <a:lvl9pPr marL="3657600" algn="l" defTabSz="914400" rtl="0" eaLnBrk="1" latinLnBrk="0" hangingPunct="1">
+      <a:defRPr sz="1200" kern="1200">
+        <a:solidFill>
+          <a:schemeClr val="tx1"/>
+        </a:solidFill>
+        <a:latin typeface="+mn-lt"/>
+        <a:ea typeface="+mn-ea"/>
+        <a:cs typeface="+mn-cs"/>
+      </a:defRPr>
+    </a:lvl9pPr>
+  </p:notesStyle>
+</p:notesMaster>
+</file>
+
+<file path=ppt/notesSlides/notesSlide1.xml><?xml version="1.0" encoding="utf-8"?>
+<p:notes xmlns:a="http://schemas.openxmlformats.org/drawingml/2006/main" xmlns:r="http://schemas.openxmlformats.org/officeDocument/2006/relationships" xmlns:p="http://schemas.openxmlformats.org/presentationml/2006/main">
+  <p:cSld>
+    <p:spTree>
+      <p:nvGrpSpPr>
+        <p:cNvPr id="1" name=""/>
+        <p:cNvGrpSpPr/>
+        <p:nvPr/>
+      </p:nvGrpSpPr>
+      <p:grpSpPr>
+        <a:xfrm>
+          <a:off x="0" y="0"/>
+          <a:ext cx="0" cy="0"/>
+          <a:chOff x="0" y="0"/>
+          <a:chExt cx="0" cy="0"/>
+        </a:xfrm>
+      </p:grpSpPr>
+      <p:sp>
+        <p:nvSpPr>
+          <p:cNvPr id="2" name="Slide Image Placeholder 1"/>
+          <p:cNvSpPr>
+            <a:spLocks noGrp="1" noRot="1" noChangeAspect="1"/>
+          </p:cNvSpPr>
+          <p:nvPr>
+            <p:ph type="sldImg"/>
+          </p:nvPr>
+        </p:nvSpPr>
+        <p:spPr/>
+      </p:sp>
+      <p:sp>
+        <p:nvSpPr>
+          <p:cNvPr id="3" name="Notes Placeholder 2"/>
+          <p:cNvSpPr>
+            <a:spLocks noGrp="1"/>
+          </p:cNvSpPr>
+          <p:nvPr>
+            <p:ph type="body" idx="1"/>
+          </p:nvPr>
+        </p:nvSpPr>
+        <p:spPr/>
+        <p:txBody>
+          <a:bodyPr/>
+          <a:lstStyle/>
+          <a:p>
+            <a:pPr algn="r" rtl="1"/>
+            <a:r>
+              <a:rPr lang="he-IL" dirty="0"/>
+              <a:t>למעשה קיבלנו מטריצת </a:t>
+            </a:r>
+            <a:r>
+              <a:rPr lang="he-IL" dirty="0" err="1"/>
+              <a:t>קוואריאנס</a:t>
+            </a:r>
+            <a:r>
+              <a:rPr lang="he-IL" dirty="0"/>
+              <a:t> "שמרנית יותר" בצעד הקידום. כלומר כל פילטר לוקלי מסתמך יותר על המדידות ופחות על המצב המקודם. </a:t>
+            </a:r>
+          </a:p>
+          <a:p>
+            <a:pPr algn="r" rtl="1"/>
+            <a:endParaRPr lang="he-IL" dirty="0"/>
+          </a:p>
+        </p:txBody>
+      </p:sp>
+      <p:sp>
+        <p:nvSpPr>
+          <p:cNvPr id="4" name="Slide Number Placeholder 3"/>
+          <p:cNvSpPr>
+            <a:spLocks noGrp="1"/>
+          </p:cNvSpPr>
+          <p:nvPr>
+            <p:ph type="sldNum" sz="quarter" idx="5"/>
+          </p:nvPr>
+        </p:nvSpPr>
+        <p:spPr/>
+        <p:txBody>
+          <a:bodyPr/>
+          <a:lstStyle/>
+          <a:p>
+            <a:fld id="{C64F4B96-EF2B-4E12-A000-E576EF522EF2}" type="slidenum">
+              <a:rPr lang="he-IL" smtClean="0"/>
+              <a:t>9</a:t>
+            </a:fld>
+            <a:endParaRPr lang="he-IL"/>
+          </a:p>
+        </p:txBody>
+      </p:sp>
+    </p:spTree>
+    <p:extLst>
+      <p:ext uri="{BB962C8B-B14F-4D97-AF65-F5344CB8AC3E}">
+        <p14:creationId xmlns:p14="http://schemas.microsoft.com/office/powerpoint/2010/main" val="4151696702"/>
+      </p:ext>
+    </p:extLst>
+  </p:cSld>
+  <p:clrMapOvr>
+    <a:masterClrMapping/>
+  </p:clrMapOvr>
+</p:notes>
+</file>
+
+<file path=ppt/notesSlides/notesSlide2.xml><?xml version="1.0" encoding="utf-8"?>
+<p:notes xmlns:a="http://schemas.openxmlformats.org/drawingml/2006/main" xmlns:r="http://schemas.openxmlformats.org/officeDocument/2006/relationships" xmlns:p="http://schemas.openxmlformats.org/presentationml/2006/main">
+  <p:cSld>
+    <p:spTree>
+      <p:nvGrpSpPr>
+        <p:cNvPr id="1" name=""/>
+        <p:cNvGrpSpPr/>
+        <p:nvPr/>
+      </p:nvGrpSpPr>
+      <p:grpSpPr>
+        <a:xfrm>
+          <a:off x="0" y="0"/>
+          <a:ext cx="0" cy="0"/>
+          <a:chOff x="0" y="0"/>
+          <a:chExt cx="0" cy="0"/>
+        </a:xfrm>
+      </p:grpSpPr>
+      <p:sp>
+        <p:nvSpPr>
+          <p:cNvPr id="2" name="Slide Image Placeholder 1"/>
+          <p:cNvSpPr>
+            <a:spLocks noGrp="1" noRot="1" noChangeAspect="1"/>
+          </p:cNvSpPr>
+          <p:nvPr>
+            <p:ph type="sldImg"/>
+          </p:nvPr>
+        </p:nvSpPr>
+        <p:spPr/>
+      </p:sp>
+      <p:sp>
+        <p:nvSpPr>
+          <p:cNvPr id="3" name="Notes Placeholder 2"/>
+          <p:cNvSpPr>
+            <a:spLocks noGrp="1"/>
+          </p:cNvSpPr>
+          <p:nvPr>
+            <p:ph type="body" idx="1"/>
+          </p:nvPr>
+        </p:nvSpPr>
+        <p:spPr/>
+        <p:txBody>
+          <a:bodyPr/>
+          <a:lstStyle/>
+          <a:p>
+            <a:pPr algn="r" rtl="1"/>
+            <a:r>
+              <a:rPr lang="he-IL" dirty="0"/>
+              <a:t>עדכון כל פילטר לוקלי – בכל </a:t>
+            </a:r>
+            <a:r>
+              <a:rPr lang="he-IL" dirty="0" err="1"/>
+              <a:t>איטרציה</a:t>
+            </a:r>
+            <a:r>
+              <a:rPr lang="he-IL" dirty="0"/>
+              <a:t> </a:t>
+            </a:r>
+          </a:p>
+          <a:p>
+            <a:pPr algn="r" rtl="1"/>
+            <a:r>
+              <a:rPr lang="he-IL"/>
+              <a:t>התכת הפילטר – כל 10 מדידות</a:t>
+            </a:r>
+          </a:p>
+        </p:txBody>
+      </p:sp>
+      <p:sp>
+        <p:nvSpPr>
+          <p:cNvPr id="4" name="Slide Number Placeholder 3"/>
+          <p:cNvSpPr>
+            <a:spLocks noGrp="1"/>
+          </p:cNvSpPr>
+          <p:nvPr>
+            <p:ph type="sldNum" sz="quarter" idx="5"/>
+          </p:nvPr>
+        </p:nvSpPr>
+        <p:spPr/>
+        <p:txBody>
+          <a:bodyPr/>
+          <a:lstStyle/>
+          <a:p>
+            <a:fld id="{C64F4B96-EF2B-4E12-A000-E576EF522EF2}" type="slidenum">
+              <a:rPr lang="he-IL" smtClean="0"/>
+              <a:t>13</a:t>
+            </a:fld>
+            <a:endParaRPr lang="he-IL"/>
+          </a:p>
+        </p:txBody>
+      </p:sp>
+    </p:spTree>
+    <p:extLst>
+      <p:ext uri="{BB962C8B-B14F-4D97-AF65-F5344CB8AC3E}">
+        <p14:creationId xmlns:p14="http://schemas.microsoft.com/office/powerpoint/2010/main" val="3486012559"/>
+      </p:ext>
+    </p:extLst>
+  </p:cSld>
+  <p:clrMapOvr>
+    <a:masterClrMapping/>
+  </p:clrMapOvr>
+</p:notes>
 </file>
 
 <file path=ppt/slideLayouts/slideLayout1.xml><?xml version="1.0" encoding="utf-8"?>
@@ -407,7 +969,7 @@
             <a:fld id="{B61BEF0D-F0BB-DE4B-95CE-6DB70DBA9567}" type="datetimeFigureOut">
               <a:rPr lang="en-US" smtClean="0"/>
               <a:pPr/>
-              <a:t>9/1/2025</a:t>
+              <a:t>9/8/2025</a:t>
             </a:fld>
             <a:endParaRPr lang="en-US" dirty="0"/>
           </a:p>
@@ -755,7 +1317,7 @@
             <a:fld id="{B61BEF0D-F0BB-DE4B-95CE-6DB70DBA9567}" type="datetimeFigureOut">
               <a:rPr lang="en-US" smtClean="0"/>
               <a:pPr/>
-              <a:t>9/1/2025</a:t>
+              <a:t>9/8/2025</a:t>
             </a:fld>
             <a:endParaRPr lang="en-US" dirty="0"/>
           </a:p>
@@ -1057,7 +1619,7 @@
             <a:fld id="{B61BEF0D-F0BB-DE4B-95CE-6DB70DBA9567}" type="datetimeFigureOut">
               <a:rPr lang="en-US" smtClean="0"/>
               <a:pPr/>
-              <a:t>9/1/2025</a:t>
+              <a:t>9/8/2025</a:t>
             </a:fld>
             <a:endParaRPr lang="en-US" dirty="0"/>
           </a:p>
@@ -1649,7 +2211,7 @@
             <a:fld id="{B61BEF0D-F0BB-DE4B-95CE-6DB70DBA9567}" type="datetimeFigureOut">
               <a:rPr lang="en-US" smtClean="0"/>
               <a:pPr/>
-              <a:t>9/1/2025</a:t>
+              <a:t>9/8/2025</a:t>
             </a:fld>
             <a:endParaRPr lang="en-US" dirty="0"/>
           </a:p>
@@ -1951,7 +2513,7 @@
             <a:fld id="{B61BEF0D-F0BB-DE4B-95CE-6DB70DBA9567}" type="datetimeFigureOut">
               <a:rPr lang="en-US" smtClean="0"/>
               <a:pPr/>
-              <a:t>9/1/2025</a:t>
+              <a:t>9/8/2025</a:t>
             </a:fld>
             <a:endParaRPr lang="en-US" dirty="0"/>
           </a:p>
@@ -2537,7 +3099,7 @@
             <a:fld id="{B61BEF0D-F0BB-DE4B-95CE-6DB70DBA9567}" type="datetimeFigureOut">
               <a:rPr lang="en-US" smtClean="0"/>
               <a:pPr/>
-              <a:t>9/1/2025</a:t>
+              <a:t>9/8/2025</a:t>
             </a:fld>
             <a:endParaRPr lang="en-US" dirty="0"/>
           </a:p>
@@ -2888,7 +3450,7 @@
             <a:fld id="{B61BEF0D-F0BB-DE4B-95CE-6DB70DBA9567}" type="datetimeFigureOut">
               <a:rPr lang="en-US" smtClean="0"/>
               <a:pPr/>
-              <a:t>9/1/2025</a:t>
+              <a:t>9/8/2025</a:t>
             </a:fld>
             <a:endParaRPr lang="en-US" dirty="0"/>
           </a:p>
@@ -3110,7 +3672,7 @@
             <a:fld id="{B61BEF0D-F0BB-DE4B-95CE-6DB70DBA9567}" type="datetimeFigureOut">
               <a:rPr lang="en-US" smtClean="0"/>
               <a:pPr/>
-              <a:t>9/1/2025</a:t>
+              <a:t>9/8/2025</a:t>
             </a:fld>
             <a:endParaRPr lang="en-US" dirty="0"/>
           </a:p>
@@ -3396,7 +3958,7 @@
             <a:fld id="{B61BEF0D-F0BB-DE4B-95CE-6DB70DBA9567}" type="datetimeFigureOut">
               <a:rPr lang="en-US" smtClean="0"/>
               <a:pPr/>
-              <a:t>9/1/2025</a:t>
+              <a:t>9/8/2025</a:t>
             </a:fld>
             <a:endParaRPr lang="en-US" dirty="0"/>
           </a:p>
@@ -3650,7 +4212,7 @@
             <a:fld id="{B61BEF0D-F0BB-DE4B-95CE-6DB70DBA9567}" type="datetimeFigureOut">
               <a:rPr lang="en-US" smtClean="0"/>
               <a:pPr/>
-              <a:t>9/1/2025</a:t>
+              <a:t>9/8/2025</a:t>
             </a:fld>
             <a:endParaRPr lang="en-US" dirty="0"/>
           </a:p>
@@ -3950,7 +4512,7 @@
             <a:fld id="{B61BEF0D-F0BB-DE4B-95CE-6DB70DBA9567}" type="datetimeFigureOut">
               <a:rPr lang="en-US" smtClean="0"/>
               <a:pPr/>
-              <a:t>9/1/2025</a:t>
+              <a:t>9/8/2025</a:t>
             </a:fld>
             <a:endParaRPr lang="en-US" dirty="0"/>
           </a:p>
@@ -4281,7 +4843,7 @@
             <a:fld id="{B61BEF0D-F0BB-DE4B-95CE-6DB70DBA9567}" type="datetimeFigureOut">
               <a:rPr lang="en-US" smtClean="0"/>
               <a:pPr/>
-              <a:t>9/1/2025</a:t>
+              <a:t>9/8/2025</a:t>
             </a:fld>
             <a:endParaRPr lang="en-US" dirty="0"/>
           </a:p>
@@ -4716,7 +5278,7 @@
             <a:fld id="{B61BEF0D-F0BB-DE4B-95CE-6DB70DBA9567}" type="datetimeFigureOut">
               <a:rPr lang="en-US" smtClean="0"/>
               <a:pPr/>
-              <a:t>9/1/2025</a:t>
+              <a:t>9/8/2025</a:t>
             </a:fld>
             <a:endParaRPr lang="en-US" dirty="0"/>
           </a:p>
@@ -4897,7 +5459,7 @@
             <a:fld id="{B61BEF0D-F0BB-DE4B-95CE-6DB70DBA9567}" type="datetimeFigureOut">
               <a:rPr lang="en-US" smtClean="0"/>
               <a:pPr/>
-              <a:t>9/1/2025</a:t>
+              <a:t>9/8/2025</a:t>
             </a:fld>
             <a:endParaRPr lang="en-US" dirty="0"/>
           </a:p>
@@ -5046,7 +5608,7 @@
             <a:fld id="{B61BEF0D-F0BB-DE4B-95CE-6DB70DBA9567}" type="datetimeFigureOut">
               <a:rPr lang="en-US" smtClean="0"/>
               <a:pPr/>
-              <a:t>9/1/2025</a:t>
+              <a:t>9/8/2025</a:t>
             </a:fld>
             <a:endParaRPr lang="en-US" dirty="0"/>
           </a:p>
@@ -5371,7 +5933,7 @@
             <a:fld id="{B61BEF0D-F0BB-DE4B-95CE-6DB70DBA9567}" type="datetimeFigureOut">
               <a:rPr lang="en-US" smtClean="0"/>
               <a:pPr/>
-              <a:t>9/1/2025</a:t>
+              <a:t>9/8/2025</a:t>
             </a:fld>
             <a:endParaRPr lang="en-US" dirty="0"/>
           </a:p>
@@ -5719,7 +6281,7 @@
             <a:fld id="{B61BEF0D-F0BB-DE4B-95CE-6DB70DBA9567}" type="datetimeFigureOut">
               <a:rPr lang="en-US" smtClean="0"/>
               <a:pPr/>
-              <a:t>9/1/2025</a:t>
+              <a:t>9/8/2025</a:t>
             </a:fld>
             <a:endParaRPr lang="en-US" dirty="0"/>
           </a:p>
@@ -5948,7 +6510,7 @@
             <a:fld id="{B61BEF0D-F0BB-DE4B-95CE-6DB70DBA9567}" type="datetimeFigureOut">
               <a:rPr lang="en-US" smtClean="0"/>
               <a:pPr/>
-              <a:t>9/1/2025</a:t>
+              <a:t>9/8/2025</a:t>
             </a:fld>
             <a:endParaRPr lang="en-US" dirty="0"/>
           </a:p>
@@ -6030,6 +6592,106 @@
               <a:t>‹#›</a:t>
             </a:fld>
             <a:endParaRPr lang="en-US" dirty="0"/>
+          </a:p>
+        </p:txBody>
+      </p:sp>
+      <p:sp>
+        <p:nvSpPr>
+          <p:cNvPr id="9" name="TextBox 8">
+            <a:extLst>
+              <a:ext uri="{FF2B5EF4-FFF2-40B4-BE49-F238E27FC236}">
+                <a16:creationId xmlns:a16="http://schemas.microsoft.com/office/drawing/2014/main" id="{39E846AA-CD83-3A13-8747-302865F4A294}"/>
+              </a:ext>
+            </a:extLst>
+          </p:cNvPr>
+          <p:cNvSpPr txBox="1"/>
+          <p:nvPr userDrawn="1">
+            <p:extLst>
+              <p:ext uri="{1162E1C5-73C7-4A58-AE30-91384D911F3F}">
+                <p184:classification xmlns:p184="http://schemas.microsoft.com/office/powerpoint/2018/4/main" val="hdr"/>
+              </p:ext>
+            </p:extLst>
+          </p:nvPr>
+        </p:nvSpPr>
+        <p:spPr>
+          <a:xfrm>
+            <a:off x="5865813" y="63500"/>
+            <a:ext cx="489013" cy="152400"/>
+          </a:xfrm>
+          <a:prstGeom prst="rect">
+            <a:avLst/>
+          </a:prstGeom>
+        </p:spPr>
+        <p:txBody>
+          <a:bodyPr horzOverflow="overflow" lIns="0" tIns="0" rIns="0" bIns="0">
+            <a:spAutoFit/>
+          </a:bodyPr>
+          <a:lstStyle/>
+          <a:p>
+            <a:pPr algn="l"/>
+            <a:r>
+              <a:rPr lang="he-IL" sz="1000">
+                <a:solidFill>
+                  <a:srgbClr val="008000">
+                    <a:alpha val="50000"/>
+                  </a:srgbClr>
+                </a:solidFill>
+                <a:latin typeface="Calibri" panose="020F0502020204030204" pitchFamily="34" charset="0"/>
+                <a:ea typeface="Calibri" panose="020F0502020204030204" pitchFamily="34" charset="0"/>
+                <a:cs typeface="Calibri" panose="020F0502020204030204" pitchFamily="34" charset="0"/>
+              </a:rPr>
+              <a:t>OFFICIAL</a:t>
+            </a:r>
+          </a:p>
+        </p:txBody>
+      </p:sp>
+      <p:sp>
+        <p:nvSpPr>
+          <p:cNvPr id="10" name="TextBox 9">
+            <a:extLst>
+              <a:ext uri="{FF2B5EF4-FFF2-40B4-BE49-F238E27FC236}">
+                <a16:creationId xmlns:a16="http://schemas.microsoft.com/office/drawing/2014/main" id="{DD986B1E-0E3C-954E-B061-1C2B2ADF710A}"/>
+              </a:ext>
+            </a:extLst>
+          </p:cNvPr>
+          <p:cNvSpPr txBox="1"/>
+          <p:nvPr userDrawn="1">
+            <p:extLst>
+              <p:ext uri="{1162E1C5-73C7-4A58-AE30-91384D911F3F}">
+                <p184:classification xmlns:p184="http://schemas.microsoft.com/office/powerpoint/2018/4/main" val="ftr"/>
+              </p:ext>
+            </p:extLst>
+          </p:nvPr>
+        </p:nvSpPr>
+        <p:spPr>
+          <a:xfrm>
+            <a:off x="5865813" y="6642100"/>
+            <a:ext cx="489013" cy="152400"/>
+          </a:xfrm>
+          <a:prstGeom prst="rect">
+            <a:avLst/>
+          </a:prstGeom>
+        </p:spPr>
+        <p:txBody>
+          <a:bodyPr horzOverflow="overflow" lIns="0" tIns="0" rIns="0" bIns="0">
+            <a:spAutoFit/>
+          </a:bodyPr>
+          <a:lstStyle/>
+          <a:p>
+            <a:pPr algn="l"/>
+            <a:r>
+              <a:rPr lang="he-IL" sz="1000">
+                <a:solidFill>
+                  <a:srgbClr val="008000">
+                    <a:alpha val="50000"/>
+                  </a:srgbClr>
+                </a:solidFill>
+                <a:latin typeface="Calibri" panose="020F0502020204030204" pitchFamily="34" charset="0"/>
+                <a:ea typeface="Calibri" panose="020F0502020204030204" pitchFamily="34" charset="0"/>
+                <a:cs typeface="Calibri" panose="020F0502020204030204" pitchFamily="34" charset="0"/>
+              </a:rPr>
+              <a:t>OFFICIAL</a:t>
+            </a:r>
           </a:p>
         </p:txBody>
       </p:sp>
@@ -6533,6 +7195,641 @@
 </p:sld>
 </file>
 
+<file path=ppt/slides/slide10.xml><?xml version="1.0" encoding="utf-8"?>
+<p:sld xmlns:a="http://schemas.openxmlformats.org/drawingml/2006/main" xmlns:r="http://schemas.openxmlformats.org/officeDocument/2006/relationships" xmlns:p="http://schemas.openxmlformats.org/presentationml/2006/main">
+  <p:cSld>
+    <p:spTree>
+      <p:nvGrpSpPr>
+        <p:cNvPr id="1" name=""/>
+        <p:cNvGrpSpPr/>
+        <p:nvPr/>
+      </p:nvGrpSpPr>
+      <p:grpSpPr>
+        <a:xfrm>
+          <a:off x="0" y="0"/>
+          <a:ext cx="0" cy="0"/>
+          <a:chOff x="0" y="0"/>
+          <a:chExt cx="0" cy="0"/>
+        </a:xfrm>
+      </p:grpSpPr>
+      <p:sp>
+        <p:nvSpPr>
+          <p:cNvPr id="2" name="Title 1">
+            <a:extLst>
+              <a:ext uri="{FF2B5EF4-FFF2-40B4-BE49-F238E27FC236}">
+                <a16:creationId xmlns:a16="http://schemas.microsoft.com/office/drawing/2014/main" id="{88ACE49B-F07E-F115-C230-CCCE61C35EF3}"/>
+              </a:ext>
+            </a:extLst>
+          </p:cNvPr>
+          <p:cNvSpPr>
+            <a:spLocks noGrp="1"/>
+          </p:cNvSpPr>
+          <p:nvPr>
+            <p:ph type="title"/>
+          </p:nvPr>
+        </p:nvSpPr>
+        <p:spPr/>
+        <p:txBody>
+          <a:bodyPr/>
+          <a:lstStyle/>
+          <a:p>
+            <a:r>
+              <a:rPr lang="he-IL" dirty="0"/>
+              <a:t>אלגוריתם ה </a:t>
+            </a:r>
+            <a:r>
+              <a:rPr lang="en-US" dirty="0"/>
+              <a:t>FKF</a:t>
+            </a:r>
+            <a:endParaRPr lang="he-IL" dirty="0"/>
+          </a:p>
+        </p:txBody>
+      </p:sp>
+      <mc:AlternateContent xmlns:mc="http://schemas.openxmlformats.org/markup-compatibility/2006">
+        <mc:Choice xmlns:a14="http://schemas.microsoft.com/office/drawing/2010/main" Requires="a14">
+          <p:sp>
+            <p:nvSpPr>
+              <p:cNvPr id="3" name="Content Placeholder 2">
+                <a:extLst>
+                  <a:ext uri="{FF2B5EF4-FFF2-40B4-BE49-F238E27FC236}">
+                    <a16:creationId xmlns:a16="http://schemas.microsoft.com/office/drawing/2014/main" id="{250162AF-C978-32F9-2B15-2462B94FD7B3}"/>
+                  </a:ext>
+                </a:extLst>
+              </p:cNvPr>
+              <p:cNvSpPr>
+                <a:spLocks noGrp="1"/>
+              </p:cNvSpPr>
+              <p:nvPr>
+                <p:ph idx="1"/>
+              </p:nvPr>
+            </p:nvSpPr>
+            <p:spPr/>
+            <p:txBody>
+              <a:bodyPr/>
+              <a:lstStyle/>
+              <a:p>
+                <a:pPr marL="342900" indent="-342900">
+                  <a:buFont typeface="+mj-lt"/>
+                  <a:buAutoNum type="arabicPeriod"/>
+                </a:pPr>
+                <a:r>
+                  <a:rPr lang="he-IL" dirty="0"/>
+                  <a:t>"ניפוח" מטריצות </a:t>
+                </a:r>
+                <a:r>
+                  <a:rPr lang="he-IL" dirty="0" err="1"/>
+                  <a:t>הקוואריאנס</a:t>
+                </a:r>
+                <a:r>
+                  <a:rPr lang="he-IL" dirty="0"/>
+                  <a:t> הלוקליות ההתחלתיות ל </a:t>
+                </a:r>
+                <a14:m>
+                  <m:oMath xmlns:m="http://schemas.openxmlformats.org/officeDocument/2006/math">
+                    <m:sSub>
+                      <m:sSubPr>
+                        <m:ctrlPr>
+                          <a:rPr lang="en-US" b="0" i="1" smtClean="0">
+                            <a:latin typeface="Cambria Math" panose="02040503050406030204" pitchFamily="18" charset="0"/>
+                          </a:rPr>
+                        </m:ctrlPr>
+                      </m:sSubPr>
+                      <m:e>
+                        <m:r>
+                          <a:rPr lang="en-US" b="0" i="1" smtClean="0">
+                            <a:latin typeface="Cambria Math" panose="02040503050406030204" pitchFamily="18" charset="0"/>
+                          </a:rPr>
+                          <m:t>𝛾</m:t>
+                        </m:r>
+                      </m:e>
+                      <m:sub>
+                        <m:r>
+                          <a:rPr lang="en-US" b="0" i="1" smtClean="0">
+                            <a:latin typeface="Cambria Math" panose="02040503050406030204" pitchFamily="18" charset="0"/>
+                          </a:rPr>
+                          <m:t>𝑖</m:t>
+                        </m:r>
+                      </m:sub>
+                    </m:sSub>
+                  </m:oMath>
+                </a14:m>
+                <a:r>
+                  <a:rPr lang="en-US" dirty="0"/>
+                  <a:t> </a:t>
+                </a:r>
+                <a:r>
+                  <a:rPr lang="he-IL" dirty="0"/>
+                  <a:t> פעמים מטריצת </a:t>
+                </a:r>
+                <a:r>
+                  <a:rPr lang="he-IL" dirty="0" err="1"/>
+                  <a:t>הקוואריאנס</a:t>
+                </a:r>
+                <a:r>
+                  <a:rPr lang="he-IL" dirty="0"/>
+                  <a:t> ההתחלתית</a:t>
+                </a:r>
+              </a:p>
+              <a:p>
+                <a:pPr marL="342900" indent="-342900">
+                  <a:buFont typeface="+mj-lt"/>
+                  <a:buAutoNum type="arabicPeriod"/>
+                </a:pPr>
+                <a:r>
+                  <a:rPr lang="he-IL" dirty="0"/>
+                  <a:t>פילטרים לוקליים משתמשים ב </a:t>
+                </a:r>
+                <a14:m>
+                  <m:oMath xmlns:m="http://schemas.openxmlformats.org/officeDocument/2006/math">
+                    <m:sSub>
+                      <m:sSubPr>
+                        <m:ctrlPr>
+                          <a:rPr lang="en-US" b="0" i="1" smtClean="0">
+                            <a:latin typeface="Cambria Math" panose="02040503050406030204" pitchFamily="18" charset="0"/>
+                          </a:rPr>
+                        </m:ctrlPr>
+                      </m:sSubPr>
+                      <m:e>
+                        <m:r>
+                          <a:rPr lang="en-US" b="0" i="1" smtClean="0">
+                            <a:latin typeface="Cambria Math" panose="02040503050406030204" pitchFamily="18" charset="0"/>
+                          </a:rPr>
+                          <m:t>𝛾</m:t>
+                        </m:r>
+                      </m:e>
+                      <m:sub>
+                        <m:r>
+                          <a:rPr lang="en-US" b="0" i="1" smtClean="0">
+                            <a:latin typeface="Cambria Math" panose="02040503050406030204" pitchFamily="18" charset="0"/>
+                          </a:rPr>
+                          <m:t>𝑖</m:t>
+                        </m:r>
+                      </m:sub>
+                    </m:sSub>
+                  </m:oMath>
+                </a14:m>
+                <a:r>
+                  <a:rPr lang="en-US" dirty="0"/>
+                  <a:t> </a:t>
+                </a:r>
+                <a:r>
+                  <a:rPr lang="he-IL" dirty="0"/>
+                  <a:t> פעמים מטריצת רעש התהליך </a:t>
+                </a:r>
+              </a:p>
+              <a:p>
+                <a:pPr marL="342900" indent="-342900">
+                  <a:buFont typeface="+mj-lt"/>
+                  <a:buAutoNum type="arabicPeriod"/>
+                </a:pPr>
+                <a:r>
+                  <a:rPr lang="he-IL" dirty="0"/>
+                  <a:t>כל פילטר לוקלי מעבד את המדידה השייכת לו</a:t>
+                </a:r>
+              </a:p>
+              <a:p>
+                <a:pPr marL="342900" indent="-342900">
+                  <a:buFont typeface="+mj-lt"/>
+                  <a:buAutoNum type="arabicPeriod"/>
+                </a:pPr>
+                <a:r>
+                  <a:rPr lang="he-IL" dirty="0"/>
+                  <a:t>הפילטר הגלובלי (מאסטר) מבצע התכה בין הפילטר לפי שיטת </a:t>
+                </a:r>
+                <a:r>
+                  <a:rPr lang="en-US" dirty="0"/>
+                  <a:t>LS</a:t>
+                </a:r>
+                <a:r>
+                  <a:rPr lang="he-IL" dirty="0"/>
+                  <a:t>, מאתחל את שעורכי כל הפילטרים להיות השערוך הגלובלי ו"מנפח" שוב את מטריצת </a:t>
+                </a:r>
+                <a:r>
+                  <a:rPr lang="he-IL" dirty="0" err="1"/>
+                  <a:t>הקוואריאנס</a:t>
+                </a:r>
+                <a:r>
+                  <a:rPr lang="he-IL" dirty="0"/>
+                  <a:t> לכל פילטר בהתאמה </a:t>
+                </a:r>
+              </a:p>
+              <a:p>
+                <a:pPr marL="0" indent="0">
+                  <a:buNone/>
+                </a:pPr>
+                <a:endParaRPr lang="he-IL" dirty="0"/>
+              </a:p>
+              <a:p>
+                <a:pPr marL="0" indent="0">
+                  <a:buNone/>
+                </a:pPr>
+                <a:r>
+                  <a:rPr lang="he-IL" b="1" i="1" dirty="0" err="1"/>
+                  <a:t>הוריסטיקה</a:t>
+                </a:r>
+                <a:r>
+                  <a:rPr lang="he-IL" b="1" i="1" dirty="0"/>
+                  <a:t> – הגדרת </a:t>
+                </a:r>
+                <a14:m>
+                  <m:oMath xmlns:m="http://schemas.openxmlformats.org/officeDocument/2006/math">
+                    <m:sSub>
+                      <m:sSubPr>
+                        <m:ctrlPr>
+                          <a:rPr lang="en-US" b="1" i="1" smtClean="0">
+                            <a:latin typeface="Cambria Math" panose="02040503050406030204" pitchFamily="18" charset="0"/>
+                          </a:rPr>
+                        </m:ctrlPr>
+                      </m:sSubPr>
+                      <m:e>
+                        <m:r>
+                          <a:rPr lang="en-US" b="1" i="1" smtClean="0">
+                            <a:latin typeface="Cambria Math" panose="02040503050406030204" pitchFamily="18" charset="0"/>
+                          </a:rPr>
+                          <m:t>𝜸</m:t>
+                        </m:r>
+                      </m:e>
+                      <m:sub>
+                        <m:r>
+                          <a:rPr lang="en-US" b="1" i="1" smtClean="0">
+                            <a:latin typeface="Cambria Math" panose="02040503050406030204" pitchFamily="18" charset="0"/>
+                          </a:rPr>
+                          <m:t>𝒊</m:t>
+                        </m:r>
+                      </m:sub>
+                    </m:sSub>
+                    <m:r>
+                      <a:rPr lang="en-US" b="1" i="1" smtClean="0">
+                        <a:latin typeface="Cambria Math" panose="02040503050406030204" pitchFamily="18" charset="0"/>
+                      </a:rPr>
+                      <m:t>=</m:t>
+                    </m:r>
+                    <m:r>
+                      <a:rPr lang="en-US" b="1" i="1" smtClean="0">
+                        <a:latin typeface="Cambria Math" panose="02040503050406030204" pitchFamily="18" charset="0"/>
+                      </a:rPr>
+                      <m:t>𝑵𝒖𝒎</m:t>
+                    </m:r>
+                    <m:r>
+                      <a:rPr lang="en-US" b="1" i="1" smtClean="0">
+                        <a:latin typeface="Cambria Math" panose="02040503050406030204" pitchFamily="18" charset="0"/>
+                      </a:rPr>
+                      <m:t> </m:t>
+                    </m:r>
+                    <m:r>
+                      <a:rPr lang="en-US" b="1" i="1" smtClean="0">
+                        <a:latin typeface="Cambria Math" panose="02040503050406030204" pitchFamily="18" charset="0"/>
+                      </a:rPr>
+                      <m:t>𝒐𝒇</m:t>
+                    </m:r>
+                    <m:r>
+                      <a:rPr lang="en-US" b="1" i="1" smtClean="0">
+                        <a:latin typeface="Cambria Math" panose="02040503050406030204" pitchFamily="18" charset="0"/>
+                      </a:rPr>
+                      <m:t> </m:t>
+                    </m:r>
+                    <m:r>
+                      <a:rPr lang="en-US" b="1" i="1" smtClean="0">
+                        <a:latin typeface="Cambria Math" panose="02040503050406030204" pitchFamily="18" charset="0"/>
+                      </a:rPr>
+                      <m:t>𝒔𝒆𝒏𝒔𝒐𝒓𝒔</m:t>
+                    </m:r>
+                  </m:oMath>
+                </a14:m>
+                <a:endParaRPr lang="he-IL" b="1" i="1" dirty="0"/>
+              </a:p>
+            </p:txBody>
+          </p:sp>
+        </mc:Choice>
+        <mc:Fallback>
+          <p:sp>
+            <p:nvSpPr>
+              <p:cNvPr id="3" name="Content Placeholder 2">
+                <a:extLst>
+                  <a:ext uri="{FF2B5EF4-FFF2-40B4-BE49-F238E27FC236}">
+                    <a16:creationId xmlns:a16="http://schemas.microsoft.com/office/drawing/2014/main" id="{250162AF-C978-32F9-2B15-2462B94FD7B3}"/>
+                  </a:ext>
+                </a:extLst>
+              </p:cNvPr>
+              <p:cNvSpPr>
+                <a:spLocks noGrp="1" noRot="1" noChangeAspect="1" noMove="1" noResize="1" noEditPoints="1" noAdjustHandles="1" noChangeArrowheads="1" noChangeShapeType="1" noTextEdit="1"/>
+              </p:cNvSpPr>
+              <p:nvPr>
+                <p:ph idx="1"/>
+              </p:nvPr>
+            </p:nvSpPr>
+            <p:spPr>
+              <a:blipFill>
+                <a:blip r:embed="rId2"/>
+                <a:stretch>
+                  <a:fillRect r="-602"/>
+                </a:stretch>
+              </a:blipFill>
+            </p:spPr>
+            <p:txBody>
+              <a:bodyPr/>
+              <a:lstStyle/>
+              <a:p>
+                <a:r>
+                  <a:rPr lang="he-IL">
+                    <a:noFill/>
+                  </a:rPr>
+                  <a:t> </a:t>
+                </a:r>
+              </a:p>
+            </p:txBody>
+          </p:sp>
+        </mc:Fallback>
+      </mc:AlternateContent>
+    </p:spTree>
+    <p:extLst>
+      <p:ext uri="{BB962C8B-B14F-4D97-AF65-F5344CB8AC3E}">
+        <p14:creationId xmlns:p14="http://schemas.microsoft.com/office/powerpoint/2010/main" val="3768027067"/>
+      </p:ext>
+    </p:extLst>
+  </p:cSld>
+  <p:clrMapOvr>
+    <a:masterClrMapping/>
+  </p:clrMapOvr>
+</p:sld>
+</file>
+
+<file path=ppt/slides/slide11.xml><?xml version="1.0" encoding="utf-8"?>
+<p:sld xmlns:a="http://schemas.openxmlformats.org/drawingml/2006/main" xmlns:r="http://schemas.openxmlformats.org/officeDocument/2006/relationships" xmlns:p="http://schemas.openxmlformats.org/presentationml/2006/main">
+  <p:cSld>
+    <p:spTree>
+      <p:nvGrpSpPr>
+        <p:cNvPr id="1" name=""/>
+        <p:cNvGrpSpPr/>
+        <p:nvPr/>
+      </p:nvGrpSpPr>
+      <p:grpSpPr>
+        <a:xfrm>
+          <a:off x="0" y="0"/>
+          <a:ext cx="0" cy="0"/>
+          <a:chOff x="0" y="0"/>
+          <a:chExt cx="0" cy="0"/>
+        </a:xfrm>
+      </p:grpSpPr>
+      <p:sp>
+        <p:nvSpPr>
+          <p:cNvPr id="2" name="Title 1">
+            <a:extLst>
+              <a:ext uri="{FF2B5EF4-FFF2-40B4-BE49-F238E27FC236}">
+                <a16:creationId xmlns:a16="http://schemas.microsoft.com/office/drawing/2014/main" id="{2334539E-9495-5679-5DC3-11B7C81E337E}"/>
+              </a:ext>
+            </a:extLst>
+          </p:cNvPr>
+          <p:cNvSpPr>
+            <a:spLocks noGrp="1"/>
+          </p:cNvSpPr>
+          <p:nvPr>
+            <p:ph type="title"/>
+          </p:nvPr>
+        </p:nvSpPr>
+        <p:spPr/>
+        <p:txBody>
+          <a:bodyPr/>
+          <a:lstStyle/>
+          <a:p>
+            <a:r>
+              <a:rPr lang="he-IL" dirty="0"/>
+              <a:t>השוואה – </a:t>
+            </a:r>
+            <a:r>
+              <a:rPr lang="en-US" dirty="0"/>
+              <a:t>CKF vs FKF</a:t>
+            </a:r>
+            <a:endParaRPr lang="he-IL" dirty="0"/>
+          </a:p>
+        </p:txBody>
+      </p:sp>
+      <p:pic>
+        <p:nvPicPr>
+          <p:cNvPr id="7" name="Content Placeholder 6" descr="A graph with a line drawn on it&#10;&#10;AI-generated content may be incorrect.">
+            <a:extLst>
+              <a:ext uri="{FF2B5EF4-FFF2-40B4-BE49-F238E27FC236}">
+                <a16:creationId xmlns:a16="http://schemas.microsoft.com/office/drawing/2014/main" id="{3C57D3D7-B36F-CF7D-3BC5-22D1E68FC725}"/>
+              </a:ext>
+            </a:extLst>
+          </p:cNvPr>
+          <p:cNvPicPr>
+            <a:picLocks noGrp="1" noChangeAspect="1"/>
+          </p:cNvPicPr>
+          <p:nvPr>
+            <p:ph idx="1"/>
+          </p:nvPr>
+        </p:nvPicPr>
+        <p:blipFill>
+          <a:blip r:embed="rId2"/>
+          <a:stretch>
+            <a:fillRect/>
+          </a:stretch>
+        </p:blipFill>
+        <p:spPr>
+          <a:xfrm>
+            <a:off x="2771717" y="2141538"/>
+            <a:ext cx="7337540" cy="3649662"/>
+          </a:xfrm>
+        </p:spPr>
+      </p:pic>
+    </p:spTree>
+    <p:extLst>
+      <p:ext uri="{BB962C8B-B14F-4D97-AF65-F5344CB8AC3E}">
+        <p14:creationId xmlns:p14="http://schemas.microsoft.com/office/powerpoint/2010/main" val="1662530194"/>
+      </p:ext>
+    </p:extLst>
+  </p:cSld>
+  <p:clrMapOvr>
+    <a:masterClrMapping/>
+  </p:clrMapOvr>
+</p:sld>
+</file>
+
+<file path=ppt/slides/slide12.xml><?xml version="1.0" encoding="utf-8"?>
+<p:sld xmlns:a="http://schemas.openxmlformats.org/drawingml/2006/main" xmlns:r="http://schemas.openxmlformats.org/officeDocument/2006/relationships" xmlns:p="http://schemas.openxmlformats.org/presentationml/2006/main">
+  <p:cSld>
+    <p:spTree>
+      <p:nvGrpSpPr>
+        <p:cNvPr id="1" name=""/>
+        <p:cNvGrpSpPr/>
+        <p:nvPr/>
+      </p:nvGrpSpPr>
+      <p:grpSpPr>
+        <a:xfrm>
+          <a:off x="0" y="0"/>
+          <a:ext cx="0" cy="0"/>
+          <a:chOff x="0" y="0"/>
+          <a:chExt cx="0" cy="0"/>
+        </a:xfrm>
+      </p:grpSpPr>
+      <p:sp>
+        <p:nvSpPr>
+          <p:cNvPr id="2" name="Title 1">
+            <a:extLst>
+              <a:ext uri="{FF2B5EF4-FFF2-40B4-BE49-F238E27FC236}">
+                <a16:creationId xmlns:a16="http://schemas.microsoft.com/office/drawing/2014/main" id="{140E92DC-266B-E662-36F3-FE0CB6B1F386}"/>
+              </a:ext>
+            </a:extLst>
+          </p:cNvPr>
+          <p:cNvSpPr>
+            <a:spLocks noGrp="1"/>
+          </p:cNvSpPr>
+          <p:nvPr>
+            <p:ph type="title"/>
+          </p:nvPr>
+        </p:nvSpPr>
+        <p:spPr/>
+        <p:txBody>
+          <a:bodyPr/>
+          <a:lstStyle/>
+          <a:p>
+            <a:r>
+              <a:rPr lang="he-IL" dirty="0"/>
+              <a:t>השוואה – </a:t>
+            </a:r>
+            <a:r>
+              <a:rPr lang="en-US" dirty="0"/>
+              <a:t>CKF vs FKF</a:t>
+            </a:r>
+            <a:endParaRPr lang="he-IL" dirty="0"/>
+          </a:p>
+        </p:txBody>
+      </p:sp>
+      <p:pic>
+        <p:nvPicPr>
+          <p:cNvPr id="5" name="Content Placeholder 4" descr="A graph with a line going up&#10;&#10;AI-generated content may be incorrect.">
+            <a:extLst>
+              <a:ext uri="{FF2B5EF4-FFF2-40B4-BE49-F238E27FC236}">
+                <a16:creationId xmlns:a16="http://schemas.microsoft.com/office/drawing/2014/main" id="{A673E891-94C5-2928-E071-4EC50058D151}"/>
+              </a:ext>
+            </a:extLst>
+          </p:cNvPr>
+          <p:cNvPicPr>
+            <a:picLocks noGrp="1" noChangeAspect="1"/>
+          </p:cNvPicPr>
+          <p:nvPr>
+            <p:ph idx="1"/>
+          </p:nvPr>
+        </p:nvPicPr>
+        <p:blipFill>
+          <a:blip r:embed="rId2"/>
+          <a:stretch>
+            <a:fillRect/>
+          </a:stretch>
+        </p:blipFill>
+        <p:spPr>
+          <a:xfrm>
+            <a:off x="2771717" y="2141538"/>
+            <a:ext cx="7337540" cy="3649662"/>
+          </a:xfrm>
+        </p:spPr>
+      </p:pic>
+    </p:spTree>
+    <p:extLst>
+      <p:ext uri="{BB962C8B-B14F-4D97-AF65-F5344CB8AC3E}">
+        <p14:creationId xmlns:p14="http://schemas.microsoft.com/office/powerpoint/2010/main" val="4208484356"/>
+      </p:ext>
+    </p:extLst>
+  </p:cSld>
+  <p:clrMapOvr>
+    <a:masterClrMapping/>
+  </p:clrMapOvr>
+</p:sld>
+</file>
+
+<file path=ppt/slides/slide13.xml><?xml version="1.0" encoding="utf-8"?>
+<p:sld xmlns:a="http://schemas.openxmlformats.org/drawingml/2006/main" xmlns:r="http://schemas.openxmlformats.org/officeDocument/2006/relationships" xmlns:p="http://schemas.openxmlformats.org/presentationml/2006/main">
+  <p:cSld>
+    <p:spTree>
+      <p:nvGrpSpPr>
+        <p:cNvPr id="1" name=""/>
+        <p:cNvGrpSpPr/>
+        <p:nvPr/>
+      </p:nvGrpSpPr>
+      <p:grpSpPr>
+        <a:xfrm>
+          <a:off x="0" y="0"/>
+          <a:ext cx="0" cy="0"/>
+          <a:chOff x="0" y="0"/>
+          <a:chExt cx="0" cy="0"/>
+        </a:xfrm>
+      </p:grpSpPr>
+      <p:sp>
+        <p:nvSpPr>
+          <p:cNvPr id="2" name="Title 1">
+            <a:extLst>
+              <a:ext uri="{FF2B5EF4-FFF2-40B4-BE49-F238E27FC236}">
+                <a16:creationId xmlns:a16="http://schemas.microsoft.com/office/drawing/2014/main" id="{839CD5CD-A520-2FCA-3432-8EEDC1E74981}"/>
+              </a:ext>
+            </a:extLst>
+          </p:cNvPr>
+          <p:cNvSpPr>
+            <a:spLocks noGrp="1"/>
+          </p:cNvSpPr>
+          <p:nvPr>
+            <p:ph type="title"/>
+          </p:nvPr>
+        </p:nvSpPr>
+        <p:spPr/>
+        <p:txBody>
+          <a:bodyPr/>
+          <a:lstStyle/>
+          <a:p>
+            <a:r>
+              <a:rPr lang="he-IL" dirty="0"/>
+              <a:t>השוואה – </a:t>
+            </a:r>
+            <a:r>
+              <a:rPr lang="en-US" dirty="0"/>
+              <a:t>CKF vs FKF</a:t>
+            </a:r>
+            <a:endParaRPr lang="he-IL" dirty="0"/>
+          </a:p>
+        </p:txBody>
+      </p:sp>
+      <p:pic>
+        <p:nvPicPr>
+          <p:cNvPr id="5" name="Content Placeholder 4" descr="A graph with a line&#10;&#10;AI-generated content may be incorrect.">
+            <a:extLst>
+              <a:ext uri="{FF2B5EF4-FFF2-40B4-BE49-F238E27FC236}">
+                <a16:creationId xmlns:a16="http://schemas.microsoft.com/office/drawing/2014/main" id="{7921C878-B5D7-601F-4521-665885F073F5}"/>
+              </a:ext>
+            </a:extLst>
+          </p:cNvPr>
+          <p:cNvPicPr>
+            <a:picLocks noGrp="1" noChangeAspect="1"/>
+          </p:cNvPicPr>
+          <p:nvPr>
+            <p:ph idx="1"/>
+          </p:nvPr>
+        </p:nvPicPr>
+        <p:blipFill>
+          <a:blip r:embed="rId3"/>
+          <a:stretch>
+            <a:fillRect/>
+          </a:stretch>
+        </p:blipFill>
+        <p:spPr>
+          <a:xfrm>
+            <a:off x="2771717" y="2141538"/>
+            <a:ext cx="7337540" cy="3649662"/>
+          </a:xfrm>
+        </p:spPr>
+      </p:pic>
+    </p:spTree>
+    <p:extLst>
+      <p:ext uri="{BB962C8B-B14F-4D97-AF65-F5344CB8AC3E}">
+        <p14:creationId xmlns:p14="http://schemas.microsoft.com/office/powerpoint/2010/main" val="1686775549"/>
+      </p:ext>
+    </p:extLst>
+  </p:cSld>
+  <p:clrMapOvr>
+    <a:masterClrMapping/>
+  </p:clrMapOvr>
+</p:sld>
+</file>
+
 <file path=ppt/slides/slide2.xml><?xml version="1.0" encoding="utf-8"?>
 <p:sld xmlns:a="http://schemas.openxmlformats.org/drawingml/2006/main" xmlns:r="http://schemas.openxmlformats.org/officeDocument/2006/relationships" xmlns:p="http://schemas.openxmlformats.org/presentationml/2006/main">
   <p:cSld>
@@ -6671,8 +7968,8 @@
           </a:p>
         </p:txBody>
       </p:sp>
-      <mc:AlternateContent xmlns:mc="http://schemas.openxmlformats.org/markup-compatibility/2006">
-        <mc:Choice xmlns:a14="http://schemas.microsoft.com/office/drawing/2010/main" Requires="a14">
+      <mc:AlternateContent xmlns:mc="http://schemas.openxmlformats.org/markup-compatibility/2006" xmlns:a14="http://schemas.microsoft.com/office/drawing/2010/main">
+        <mc:Choice Requires="a14">
           <p:sp>
             <p:nvSpPr>
               <p:cNvPr id="3" name="מציין מיקום תוכן 2">
@@ -6760,7 +8057,7 @@
                     <m:sSub>
                       <m:sSubPr>
                         <m:ctrlPr>
-                          <a:rPr lang="en-US" b="0" smtClean="0">
+                          <a:rPr lang="en-US" b="0" i="1" smtClean="0">
                             <a:latin typeface="Cambria Math" panose="02040503050406030204" pitchFamily="18" charset="0"/>
                           </a:rPr>
                         </m:ctrlPr>
@@ -6803,7 +8100,7 @@
                     <m:sSub>
                       <m:sSubPr>
                         <m:ctrlPr>
-                          <a:rPr lang="en-US" b="0" smtClean="0">
+                          <a:rPr lang="en-US" b="0" i="1" smtClean="0">
                             <a:latin typeface="Cambria Math" panose="02040503050406030204" pitchFamily="18" charset="0"/>
                           </a:rPr>
                         </m:ctrlPr>
@@ -6855,7 +8152,7 @@
                     <m:sSub>
                       <m:sSubPr>
                         <m:ctrlPr>
-                          <a:rPr lang="en-US" b="0" smtClean="0">
+                          <a:rPr lang="en-US" b="0" i="1" smtClean="0">
                             <a:latin typeface="Cambria Math" panose="02040503050406030204" pitchFamily="18" charset="0"/>
                           </a:rPr>
                         </m:ctrlPr>
@@ -6892,7 +8189,7 @@
                     <m:sSub>
                       <m:sSubPr>
                         <m:ctrlPr>
-                          <a:rPr lang="en-US" b="0" i="0" smtClean="0">
+                          <a:rPr lang="en-US" b="0" i="1" smtClean="0">
                             <a:latin typeface="Cambria Math" panose="02040503050406030204" pitchFamily="18" charset="0"/>
                           </a:rPr>
                         </m:ctrlPr>
@@ -7608,7 +8905,7 @@
             </p:txBody>
           </p:sp>
         </mc:Choice>
-        <mc:Fallback>
+        <mc:Fallback xmlns="">
           <p:sp>
             <p:nvSpPr>
               <p:cNvPr id="3" name="מציין מיקום תוכן 2">
@@ -7707,8 +9004,8 @@
           </a:p>
         </p:txBody>
       </p:sp>
-      <mc:AlternateContent xmlns:mc="http://schemas.openxmlformats.org/markup-compatibility/2006">
-        <mc:Choice xmlns:a14="http://schemas.microsoft.com/office/drawing/2010/main" Requires="a14">
+      <mc:AlternateContent xmlns:mc="http://schemas.openxmlformats.org/markup-compatibility/2006" xmlns:a14="http://schemas.microsoft.com/office/drawing/2010/main">
+        <mc:Choice Requires="a14">
           <p:sp>
             <p:nvSpPr>
               <p:cNvPr id="3" name="מציין מיקום תוכן 2">
@@ -8655,7 +9952,7 @@
             </p:txBody>
           </p:sp>
         </mc:Choice>
-        <mc:Fallback>
+        <mc:Fallback xmlns="">
           <p:sp>
             <p:nvSpPr>
               <p:cNvPr id="3" name="מציין מיקום תוכן 2">
@@ -8766,8 +10063,8 @@
           </a:p>
         </p:txBody>
       </p:sp>
-      <mc:AlternateContent xmlns:mc="http://schemas.openxmlformats.org/markup-compatibility/2006">
-        <mc:Choice xmlns:a14="http://schemas.microsoft.com/office/drawing/2010/main" Requires="a14">
+      <mc:AlternateContent xmlns:mc="http://schemas.openxmlformats.org/markup-compatibility/2006" xmlns:a14="http://schemas.microsoft.com/office/drawing/2010/main">
+        <mc:Choice Requires="a14">
           <p:sp>
             <p:nvSpPr>
               <p:cNvPr id="3" name="מציין מיקום תוכן 2">
@@ -9044,7 +10341,13 @@
                                     <a:rPr lang="en-US" b="0" i="1" smtClean="0">
                                       <a:latin typeface="Cambria Math" panose="02040503050406030204" pitchFamily="18" charset="0"/>
                                     </a:rPr>
-                                    <m:t>𝑐𝑜𝑚𝑚𝑜𝑛</m:t>
+                                    <m:t>𝑐</m:t>
+                                  </m:r>
+                                  <m:r>
+                                    <a:rPr lang="en-US" b="0" i="1" smtClean="0">
+                                      <a:latin typeface="Cambria Math" panose="02040503050406030204" pitchFamily="18" charset="0"/>
+                                    </a:rPr>
+                                    <m:t>𝑜𝑚𝑚𝑜𝑛</m:t>
                                   </m:r>
                                   <m:r>
                                     <a:rPr lang="en-US" b="0" i="1" smtClean="0">
@@ -9220,7 +10523,13 @@
                                     <a:rPr lang="en-US" b="0" i="1" smtClean="0">
                                       <a:latin typeface="Cambria Math" panose="02040503050406030204" pitchFamily="18" charset="0"/>
                                     </a:rPr>
-                                    <m:t>11</m:t>
+                                    <m:t>1</m:t>
+                                  </m:r>
+                                  <m:r>
+                                    <a:rPr lang="en-US" b="0" i="1" smtClean="0">
+                                      <a:latin typeface="Cambria Math" panose="02040503050406030204" pitchFamily="18" charset="0"/>
+                                    </a:rPr>
+                                    <m:t>1</m:t>
                                   </m:r>
                                 </m:sub>
                               </m:sSub>
@@ -9472,7 +10781,13 @@
                                     <a:rPr lang="en-US" b="0" i="1" smtClean="0">
                                       <a:latin typeface="Cambria Math" panose="02040503050406030204" pitchFamily="18" charset="0"/>
                                     </a:rPr>
-                                    <m:t>𝑐𝑐𝑖</m:t>
+                                    <m:t>𝑐</m:t>
+                                  </m:r>
+                                  <m:r>
+                                    <a:rPr lang="en-US" b="0" i="1" smtClean="0">
+                                      <a:latin typeface="Cambria Math" panose="02040503050406030204" pitchFamily="18" charset="0"/>
+                                    </a:rPr>
+                                    <m:t>𝑐𝑖</m:t>
                                   </m:r>
                                 </m:sub>
                               </m:sSub>
@@ -9605,7 +10920,7 @@
             </p:txBody>
           </p:sp>
         </mc:Choice>
-        <mc:Fallback>
+        <mc:Fallback xmlns="">
           <p:sp>
             <p:nvSpPr>
               <p:cNvPr id="3" name="מציין מיקום תוכן 2">
@@ -10539,13 +11854,6 @@
                 <a:endParaRPr lang="en-US" b="1" dirty="0"/>
               </a:p>
               <a:p>
-                <a:r>
-                  <a:rPr lang="he-IL" dirty="0"/>
-                  <a:t>השאלה המתבקשת היא כלהלן – באילו מקרים ניתן לומר כי מטריצות הקרוס קורלציה מתאפסות?</a:t>
-                </a:r>
-                <a:endParaRPr lang="en-US" dirty="0"/>
-              </a:p>
-              <a:p>
                 <a:endParaRPr lang="he-IL" dirty="0"/>
               </a:p>
             </p:txBody>
@@ -10585,7 +11893,7 @@
               <a:lstStyle/>
               <a:p>
                 <a:r>
-                  <a:rPr lang="LID4096">
+                  <a:rPr lang="he-IL">
                     <a:noFill/>
                   </a:rPr>
                   <a:t> </a:t>
@@ -10692,15 +12000,7 @@
               <a:p>
                 <a:r>
                   <a:rPr lang="he-IL" dirty="0"/>
-                  <a:t>תהליך העדכון </a:t>
-                </a:r>
-                <a:r>
-                  <a:rPr lang="he-IL" dirty="0" err="1"/>
-                  <a:t>הגלבולי</a:t>
-                </a:r>
-                <a:r>
-                  <a:rPr lang="he-IL" dirty="0"/>
-                  <a:t> בהתבסס על חיישן </a:t>
+                  <a:t>תהליך העדכון בהתבסס על חיישן </a:t>
                 </a:r>
                 <a:r>
                   <a:rPr lang="en-US" dirty="0" err="1"/>
@@ -11805,7 +13105,7 @@
               <a:lstStyle/>
               <a:p>
                 <a:r>
-                  <a:rPr lang="LID4096">
+                  <a:rPr lang="he-IL">
                     <a:noFill/>
                   </a:rPr>
                   <a:t> </a:t>
@@ -12518,7 +13818,13 @@
                                         <a:rPr lang="en-US" b="0" i="1" smtClean="0">
                                           <a:latin typeface="Cambria Math" panose="02040503050406030204" pitchFamily="18" charset="0"/>
                                         </a:rPr>
-                                        <m:t>11</m:t>
+                                        <m:t>1</m:t>
+                                      </m:r>
+                                      <m:r>
+                                        <a:rPr lang="en-US" b="0" i="1" smtClean="0">
+                                          <a:latin typeface="Cambria Math" panose="02040503050406030204" pitchFamily="18" charset="0"/>
+                                        </a:rPr>
+                                        <m:t>1</m:t>
                                       </m:r>
                                     </m:sub>
                                   </m:sSub>
@@ -13097,7 +14403,7 @@
                               <m:sSubSup>
                                 <m:sSubSupPr>
                                   <m:ctrlPr>
-                                    <a:rPr lang="en-US" b="0" i="0" smtClean="0">
+                                    <a:rPr lang="en-US" b="0" i="1" smtClean="0">
                                       <a:latin typeface="Cambria Math" panose="02040503050406030204" pitchFamily="18" charset="0"/>
                                     </a:rPr>
                                   </m:ctrlPr>
@@ -13198,7 +14504,7 @@
                               <m:sSubSup>
                                 <m:sSubSupPr>
                                   <m:ctrlPr>
-                                    <a:rPr lang="en-US" b="0" i="0" smtClean="0">
+                                    <a:rPr lang="en-US" b="0" i="1" smtClean="0">
                                       <a:latin typeface="Cambria Math" panose="02040503050406030204" pitchFamily="18" charset="0"/>
                                     </a:rPr>
                                   </m:ctrlPr>
@@ -13470,6 +14776,21 @@
                     </m:d>
                   </m:oMath>
                 </a14:m>
+                <a:endParaRPr lang="en-US" b="0" dirty="0"/>
+              </a:p>
+              <a:p>
+                <a:r>
+                  <a:rPr lang="he-IL" dirty="0"/>
+                  <a:t>נחסום מלעיל את מטריצת </a:t>
+                </a:r>
+                <a:r>
+                  <a:rPr lang="he-IL" dirty="0" err="1"/>
+                  <a:t>הקווריאנס</a:t>
+                </a:r>
+                <a:r>
+                  <a:rPr lang="he-IL" dirty="0"/>
+                  <a:t> הגלובלית בעזרת מטריצה בלוק - אלכסונית</a:t>
+                </a:r>
                 <a:endParaRPr lang="LID4096" dirty="0"/>
               </a:p>
             </p:txBody>
@@ -13505,7 +14826,7 @@
               <a:lstStyle/>
               <a:p>
                 <a:r>
-                  <a:rPr lang="LID4096">
+                  <a:rPr lang="he-IL">
                     <a:noFill/>
                   </a:rPr>
                   <a:t> </a:t>
@@ -13519,6 +14840,3059 @@
     <p:extLst>
       <p:ext uri="{BB962C8B-B14F-4D97-AF65-F5344CB8AC3E}">
         <p14:creationId xmlns:p14="http://schemas.microsoft.com/office/powerpoint/2010/main" val="4009457947"/>
+      </p:ext>
+    </p:extLst>
+  </p:cSld>
+  <p:clrMapOvr>
+    <a:masterClrMapping/>
+  </p:clrMapOvr>
+</p:sld>
+</file>
+
+<file path=ppt/slides/slide9.xml><?xml version="1.0" encoding="utf-8"?>
+<p:sld xmlns:a="http://schemas.openxmlformats.org/drawingml/2006/main" xmlns:r="http://schemas.openxmlformats.org/officeDocument/2006/relationships" xmlns:p="http://schemas.openxmlformats.org/presentationml/2006/main">
+  <p:cSld>
+    <p:spTree>
+      <p:nvGrpSpPr>
+        <p:cNvPr id="1" name=""/>
+        <p:cNvGrpSpPr/>
+        <p:nvPr/>
+      </p:nvGrpSpPr>
+      <p:grpSpPr>
+        <a:xfrm>
+          <a:off x="0" y="0"/>
+          <a:ext cx="0" cy="0"/>
+          <a:chOff x="0" y="0"/>
+          <a:chExt cx="0" cy="0"/>
+        </a:xfrm>
+      </p:grpSpPr>
+      <p:sp>
+        <p:nvSpPr>
+          <p:cNvPr id="2" name="Title 1">
+            <a:extLst>
+              <a:ext uri="{FF2B5EF4-FFF2-40B4-BE49-F238E27FC236}">
+                <a16:creationId xmlns:a16="http://schemas.microsoft.com/office/drawing/2014/main" id="{89C41559-C60D-43CE-2A55-9CFAACC0B96C}"/>
+              </a:ext>
+            </a:extLst>
+          </p:cNvPr>
+          <p:cNvSpPr>
+            <a:spLocks noGrp="1"/>
+          </p:cNvSpPr>
+          <p:nvPr>
+            <p:ph type="title"/>
+          </p:nvPr>
+        </p:nvSpPr>
+        <p:spPr/>
+        <p:txBody>
+          <a:bodyPr/>
+          <a:lstStyle/>
+          <a:p>
+            <a:r>
+              <a:rPr lang="he-IL" dirty="0"/>
+              <a:t>מבנה ה – </a:t>
+            </a:r>
+            <a:r>
+              <a:rPr lang="en-US" dirty="0"/>
+              <a:t>FKF</a:t>
+            </a:r>
+            <a:r>
+              <a:rPr lang="he-IL" dirty="0"/>
+              <a:t> (תהליך קידום)</a:t>
+            </a:r>
+          </a:p>
+        </p:txBody>
+      </p:sp>
+      <mc:AlternateContent xmlns:mc="http://schemas.openxmlformats.org/markup-compatibility/2006">
+        <mc:Choice xmlns:a14="http://schemas.microsoft.com/office/drawing/2010/main" Requires="a14">
+          <p:sp>
+            <p:nvSpPr>
+              <p:cNvPr id="3" name="Content Placeholder 2">
+                <a:extLst>
+                  <a:ext uri="{FF2B5EF4-FFF2-40B4-BE49-F238E27FC236}">
+                    <a16:creationId xmlns:a16="http://schemas.microsoft.com/office/drawing/2014/main" id="{D1C9FF8F-AAD0-2A04-76EA-5D88BEB33094}"/>
+                  </a:ext>
+                </a:extLst>
+              </p:cNvPr>
+              <p:cNvSpPr>
+                <a:spLocks noGrp="1"/>
+              </p:cNvSpPr>
+              <p:nvPr>
+                <p:ph idx="1"/>
+              </p:nvPr>
+            </p:nvSpPr>
+            <p:spPr>
+              <a:xfrm flipH="1">
+                <a:off x="146303" y="2142067"/>
+                <a:ext cx="11359895" cy="3649133"/>
+              </a:xfrm>
+            </p:spPr>
+            <p:txBody>
+              <a:bodyPr>
+                <a:normAutofit fontScale="85000" lnSpcReduction="10000"/>
+              </a:bodyPr>
+              <a:lstStyle/>
+              <a:p>
+                <a14:m>
+                  <m:oMath xmlns:m="http://schemas.openxmlformats.org/officeDocument/2006/math">
+                    <m:d>
+                      <m:dPr>
+                        <m:begChr m:val="["/>
+                        <m:endChr m:val="]"/>
+                        <m:ctrlPr>
+                          <a:rPr lang="en-150" i="1" smtClean="0">
+                            <a:latin typeface="Cambria Math" panose="02040503050406030204" pitchFamily="18" charset="0"/>
+                          </a:rPr>
+                        </m:ctrlPr>
+                      </m:dPr>
+                      <m:e>
+                        <m:m>
+                          <m:mPr>
+                            <m:mcs>
+                              <m:mc>
+                                <m:mcPr>
+                                  <m:count m:val="1"/>
+                                  <m:mcJc m:val="center"/>
+                                </m:mcPr>
+                              </m:mc>
+                            </m:mcs>
+                            <m:ctrlPr>
+                              <a:rPr lang="en-150" i="1">
+                                <a:latin typeface="Cambria Math" panose="02040503050406030204" pitchFamily="18" charset="0"/>
+                              </a:rPr>
+                            </m:ctrlPr>
+                          </m:mPr>
+                          <m:mr>
+                            <m:e>
+                              <m:sSub>
+                                <m:sSubPr>
+                                  <m:ctrlPr>
+                                    <a:rPr lang="en-US" i="1">
+                                      <a:latin typeface="Cambria Math" panose="02040503050406030204" pitchFamily="18" charset="0"/>
+                                    </a:rPr>
+                                  </m:ctrlPr>
+                                </m:sSubPr>
+                                <m:e>
+                                  <m:r>
+                                    <a:rPr lang="en-US" i="1">
+                                      <a:latin typeface="Cambria Math" panose="02040503050406030204" pitchFamily="18" charset="0"/>
+                                    </a:rPr>
+                                    <m:t>𝐺</m:t>
+                                  </m:r>
+                                </m:e>
+                                <m:sub>
+                                  <m:r>
+                                    <a:rPr lang="en-US" i="1">
+                                      <a:latin typeface="Cambria Math" panose="02040503050406030204" pitchFamily="18" charset="0"/>
+                                    </a:rPr>
+                                    <m:t>1</m:t>
+                                  </m:r>
+                                </m:sub>
+                              </m:sSub>
+                            </m:e>
+                          </m:mr>
+                          <m:mr>
+                            <m:e>
+                              <m:r>
+                                <a:rPr lang="en-US" i="1">
+                                  <a:latin typeface="Cambria Math" panose="02040503050406030204" pitchFamily="18" charset="0"/>
+                                </a:rPr>
+                                <m:t>⋮</m:t>
+                              </m:r>
+                            </m:e>
+                          </m:mr>
+                          <m:mr>
+                            <m:e>
+                              <m:sSub>
+                                <m:sSubPr>
+                                  <m:ctrlPr>
+                                    <a:rPr lang="en-US" i="1">
+                                      <a:latin typeface="Cambria Math" panose="02040503050406030204" pitchFamily="18" charset="0"/>
+                                    </a:rPr>
+                                  </m:ctrlPr>
+                                </m:sSubPr>
+                                <m:e>
+                                  <m:r>
+                                    <a:rPr lang="en-US" i="1">
+                                      <a:latin typeface="Cambria Math" panose="02040503050406030204" pitchFamily="18" charset="0"/>
+                                    </a:rPr>
+                                    <m:t>𝐺</m:t>
+                                  </m:r>
+                                </m:e>
+                                <m:sub>
+                                  <m:r>
+                                    <a:rPr lang="en-US" i="1">
+                                      <a:latin typeface="Cambria Math" panose="02040503050406030204" pitchFamily="18" charset="0"/>
+                                    </a:rPr>
+                                    <m:t>𝑁</m:t>
+                                  </m:r>
+                                </m:sub>
+                              </m:sSub>
+                            </m:e>
+                          </m:mr>
+                        </m:m>
+                      </m:e>
+                    </m:d>
+                    <m:r>
+                      <a:rPr lang="en-US" i="1">
+                        <a:latin typeface="Cambria Math" panose="02040503050406030204" pitchFamily="18" charset="0"/>
+                      </a:rPr>
+                      <m:t>𝑄</m:t>
+                    </m:r>
+                    <m:d>
+                      <m:dPr>
+                        <m:begChr m:val="["/>
+                        <m:endChr m:val="]"/>
+                        <m:ctrlPr>
+                          <a:rPr lang="en-US" i="1">
+                            <a:latin typeface="Cambria Math" panose="02040503050406030204" pitchFamily="18" charset="0"/>
+                          </a:rPr>
+                        </m:ctrlPr>
+                      </m:dPr>
+                      <m:e>
+                        <m:m>
+                          <m:mPr>
+                            <m:mcs>
+                              <m:mc>
+                                <m:mcPr>
+                                  <m:count m:val="3"/>
+                                  <m:mcJc m:val="center"/>
+                                </m:mcPr>
+                              </m:mc>
+                            </m:mcs>
+                            <m:ctrlPr>
+                              <a:rPr lang="en-US" i="1">
+                                <a:latin typeface="Cambria Math" panose="02040503050406030204" pitchFamily="18" charset="0"/>
+                              </a:rPr>
+                            </m:ctrlPr>
+                          </m:mPr>
+                          <m:mr>
+                            <m:e>
+                              <m:sSubSup>
+                                <m:sSubSupPr>
+                                  <m:ctrlPr>
+                                    <a:rPr lang="en-US" i="1">
+                                      <a:latin typeface="Cambria Math" panose="02040503050406030204" pitchFamily="18" charset="0"/>
+                                    </a:rPr>
+                                  </m:ctrlPr>
+                                </m:sSubSupPr>
+                                <m:e>
+                                  <m:r>
+                                    <m:rPr>
+                                      <m:brk m:alnAt="7"/>
+                                    </m:rPr>
+                                    <a:rPr lang="en-US" i="1">
+                                      <a:latin typeface="Cambria Math" panose="02040503050406030204" pitchFamily="18" charset="0"/>
+                                    </a:rPr>
+                                    <m:t>𝐺</m:t>
+                                  </m:r>
+                                </m:e>
+                                <m:sub>
+                                  <m:r>
+                                    <m:rPr>
+                                      <m:brk m:alnAt="7"/>
+                                    </m:rPr>
+                                    <a:rPr lang="en-US" i="1">
+                                      <a:latin typeface="Cambria Math" panose="02040503050406030204" pitchFamily="18" charset="0"/>
+                                    </a:rPr>
+                                    <m:t>1</m:t>
+                                  </m:r>
+                                </m:sub>
+                                <m:sup>
+                                  <m:r>
+                                    <m:rPr>
+                                      <m:brk m:alnAt="7"/>
+                                    </m:rPr>
+                                    <a:rPr lang="en-US" i="1">
+                                      <a:latin typeface="Cambria Math" panose="02040503050406030204" pitchFamily="18" charset="0"/>
+                                    </a:rPr>
+                                    <m:t>𝑇</m:t>
+                                  </m:r>
+                                </m:sup>
+                              </m:sSubSup>
+                            </m:e>
+                            <m:e>
+                              <m:r>
+                                <a:rPr lang="en-US" i="1">
+                                  <a:latin typeface="Cambria Math" panose="02040503050406030204" pitchFamily="18" charset="0"/>
+                                </a:rPr>
+                                <m:t>…</m:t>
+                              </m:r>
+                            </m:e>
+                            <m:e>
+                              <m:sSubSup>
+                                <m:sSubSupPr>
+                                  <m:ctrlPr>
+                                    <a:rPr lang="en-US" i="1">
+                                      <a:latin typeface="Cambria Math" panose="02040503050406030204" pitchFamily="18" charset="0"/>
+                                    </a:rPr>
+                                  </m:ctrlPr>
+                                </m:sSubSupPr>
+                                <m:e>
+                                  <m:r>
+                                    <a:rPr lang="en-US" i="1">
+                                      <a:latin typeface="Cambria Math" panose="02040503050406030204" pitchFamily="18" charset="0"/>
+                                    </a:rPr>
+                                    <m:t>𝐺</m:t>
+                                  </m:r>
+                                </m:e>
+                                <m:sub>
+                                  <m:r>
+                                    <a:rPr lang="en-US" i="1">
+                                      <a:latin typeface="Cambria Math" panose="02040503050406030204" pitchFamily="18" charset="0"/>
+                                    </a:rPr>
+                                    <m:t>𝑁</m:t>
+                                  </m:r>
+                                </m:sub>
+                                <m:sup>
+                                  <m:r>
+                                    <a:rPr lang="en-US" i="1">
+                                      <a:latin typeface="Cambria Math" panose="02040503050406030204" pitchFamily="18" charset="0"/>
+                                    </a:rPr>
+                                    <m:t>𝑇</m:t>
+                                  </m:r>
+                                </m:sup>
+                              </m:sSubSup>
+                            </m:e>
+                          </m:mr>
+                        </m:m>
+                      </m:e>
+                    </m:d>
+                    <m:r>
+                      <a:rPr lang="en-US" b="0" i="1" smtClean="0">
+                        <a:latin typeface="Cambria Math" panose="02040503050406030204" pitchFamily="18" charset="0"/>
+                      </a:rPr>
+                      <m:t>=</m:t>
+                    </m:r>
+                    <m:d>
+                      <m:dPr>
+                        <m:begChr m:val="["/>
+                        <m:endChr m:val="]"/>
+                        <m:ctrlPr>
+                          <a:rPr lang="en-US" b="0" i="1" smtClean="0">
+                            <a:latin typeface="Cambria Math" panose="02040503050406030204" pitchFamily="18" charset="0"/>
+                          </a:rPr>
+                        </m:ctrlPr>
+                      </m:dPr>
+                      <m:e>
+                        <m:m>
+                          <m:mPr>
+                            <m:mcs>
+                              <m:mc>
+                                <m:mcPr>
+                                  <m:count m:val="3"/>
+                                  <m:mcJc m:val="center"/>
+                                </m:mcPr>
+                              </m:mc>
+                            </m:mcs>
+                            <m:ctrlPr>
+                              <a:rPr lang="en-US" b="0" i="1" smtClean="0">
+                                <a:latin typeface="Cambria Math" panose="02040503050406030204" pitchFamily="18" charset="0"/>
+                              </a:rPr>
+                            </m:ctrlPr>
+                          </m:mPr>
+                          <m:mr>
+                            <m:e>
+                              <m:sSub>
+                                <m:sSubPr>
+                                  <m:ctrlPr>
+                                    <a:rPr lang="en-US" b="0" i="1" smtClean="0">
+                                      <a:latin typeface="Cambria Math" panose="02040503050406030204" pitchFamily="18" charset="0"/>
+                                    </a:rPr>
+                                  </m:ctrlPr>
+                                </m:sSubPr>
+                                <m:e>
+                                  <m:r>
+                                    <m:rPr>
+                                      <m:brk m:alnAt="7"/>
+                                    </m:rPr>
+                                    <a:rPr lang="en-US" b="0" i="1" smtClean="0">
+                                      <a:latin typeface="Cambria Math" panose="02040503050406030204" pitchFamily="18" charset="0"/>
+                                    </a:rPr>
+                                    <m:t>𝐺</m:t>
+                                  </m:r>
+                                </m:e>
+                                <m:sub>
+                                  <m:r>
+                                    <m:rPr>
+                                      <m:brk m:alnAt="7"/>
+                                    </m:rPr>
+                                    <a:rPr lang="en-US" b="0" i="1" smtClean="0">
+                                      <a:latin typeface="Cambria Math" panose="02040503050406030204" pitchFamily="18" charset="0"/>
+                                    </a:rPr>
+                                    <m:t>1</m:t>
+                                  </m:r>
+                                </m:sub>
+                              </m:sSub>
+                            </m:e>
+                            <m:e>
+                              <m:r>
+                                <a:rPr lang="en-US" b="0" i="1" smtClean="0">
+                                  <a:latin typeface="Cambria Math" panose="02040503050406030204" pitchFamily="18" charset="0"/>
+                                </a:rPr>
+                                <m:t>⋯</m:t>
+                              </m:r>
+                            </m:e>
+                            <m:e>
+                              <m:r>
+                                <a:rPr lang="en-US" b="0" i="1" smtClean="0">
+                                  <a:latin typeface="Cambria Math" panose="02040503050406030204" pitchFamily="18" charset="0"/>
+                                </a:rPr>
+                                <m:t>0</m:t>
+                              </m:r>
+                            </m:e>
+                          </m:mr>
+                          <m:mr>
+                            <m:e>
+                              <m:r>
+                                <a:rPr lang="en-US" b="0" i="1" smtClean="0">
+                                  <a:latin typeface="Cambria Math" panose="02040503050406030204" pitchFamily="18" charset="0"/>
+                                </a:rPr>
+                                <m:t>⋮</m:t>
+                              </m:r>
+                            </m:e>
+                            <m:e>
+                              <m:r>
+                                <a:rPr lang="en-US" b="0" i="1" smtClean="0">
+                                  <a:latin typeface="Cambria Math" panose="02040503050406030204" pitchFamily="18" charset="0"/>
+                                </a:rPr>
+                                <m:t>⋱</m:t>
+                              </m:r>
+                            </m:e>
+                            <m:e>
+                              <m:r>
+                                <a:rPr lang="en-US" b="0" i="1" smtClean="0">
+                                  <a:latin typeface="Cambria Math" panose="02040503050406030204" pitchFamily="18" charset="0"/>
+                                </a:rPr>
+                                <m:t>⋮</m:t>
+                              </m:r>
+                            </m:e>
+                          </m:mr>
+                          <m:mr>
+                            <m:e>
+                              <m:r>
+                                <a:rPr lang="en-US" b="0" i="1" smtClean="0">
+                                  <a:latin typeface="Cambria Math" panose="02040503050406030204" pitchFamily="18" charset="0"/>
+                                </a:rPr>
+                                <m:t>0</m:t>
+                              </m:r>
+                            </m:e>
+                            <m:e>
+                              <m:r>
+                                <a:rPr lang="en-US" b="0" i="1" smtClean="0">
+                                  <a:latin typeface="Cambria Math" panose="02040503050406030204" pitchFamily="18" charset="0"/>
+                                </a:rPr>
+                                <m:t>⋯</m:t>
+                              </m:r>
+                            </m:e>
+                            <m:e>
+                              <m:sSub>
+                                <m:sSubPr>
+                                  <m:ctrlPr>
+                                    <a:rPr lang="en-US" b="0" i="1" smtClean="0">
+                                      <a:latin typeface="Cambria Math" panose="02040503050406030204" pitchFamily="18" charset="0"/>
+                                    </a:rPr>
+                                  </m:ctrlPr>
+                                </m:sSubPr>
+                                <m:e>
+                                  <m:r>
+                                    <a:rPr lang="en-US" b="0" i="1" smtClean="0">
+                                      <a:latin typeface="Cambria Math" panose="02040503050406030204" pitchFamily="18" charset="0"/>
+                                    </a:rPr>
+                                    <m:t>𝐺</m:t>
+                                  </m:r>
+                                </m:e>
+                                <m:sub>
+                                  <m:r>
+                                    <a:rPr lang="en-US" b="0" i="1" smtClean="0">
+                                      <a:latin typeface="Cambria Math" panose="02040503050406030204" pitchFamily="18" charset="0"/>
+                                    </a:rPr>
+                                    <m:t>𝑁</m:t>
+                                  </m:r>
+                                </m:sub>
+                              </m:sSub>
+                            </m:e>
+                          </m:mr>
+                        </m:m>
+                      </m:e>
+                    </m:d>
+                    <m:d>
+                      <m:dPr>
+                        <m:begChr m:val="["/>
+                        <m:endChr m:val="]"/>
+                        <m:ctrlPr>
+                          <a:rPr lang="en-US" b="0" i="1" smtClean="0">
+                            <a:latin typeface="Cambria Math" panose="02040503050406030204" pitchFamily="18" charset="0"/>
+                          </a:rPr>
+                        </m:ctrlPr>
+                      </m:dPr>
+                      <m:e>
+                        <m:m>
+                          <m:mPr>
+                            <m:mcs>
+                              <m:mc>
+                                <m:mcPr>
+                                  <m:count m:val="3"/>
+                                  <m:mcJc m:val="center"/>
+                                </m:mcPr>
+                              </m:mc>
+                            </m:mcs>
+                            <m:ctrlPr>
+                              <a:rPr lang="en-US" b="0" i="1" smtClean="0">
+                                <a:latin typeface="Cambria Math" panose="02040503050406030204" pitchFamily="18" charset="0"/>
+                              </a:rPr>
+                            </m:ctrlPr>
+                          </m:mPr>
+                          <m:mr>
+                            <m:e>
+                              <m:r>
+                                <m:rPr>
+                                  <m:brk m:alnAt="7"/>
+                                </m:rPr>
+                                <a:rPr lang="en-US" b="0" i="1" smtClean="0">
+                                  <a:latin typeface="Cambria Math" panose="02040503050406030204" pitchFamily="18" charset="0"/>
+                                </a:rPr>
+                                <m:t>𝑄</m:t>
+                              </m:r>
+                            </m:e>
+                            <m:e>
+                              <m:r>
+                                <a:rPr lang="en-US" b="0" i="1" smtClean="0">
+                                  <a:latin typeface="Cambria Math" panose="02040503050406030204" pitchFamily="18" charset="0"/>
+                                </a:rPr>
+                                <m:t>⋯</m:t>
+                              </m:r>
+                            </m:e>
+                            <m:e>
+                              <m:r>
+                                <a:rPr lang="en-US" b="0" i="1" smtClean="0">
+                                  <a:latin typeface="Cambria Math" panose="02040503050406030204" pitchFamily="18" charset="0"/>
+                                </a:rPr>
+                                <m:t>𝑄</m:t>
+                              </m:r>
+                            </m:e>
+                          </m:mr>
+                          <m:mr>
+                            <m:e>
+                              <m:r>
+                                <a:rPr lang="en-US" b="0" i="1" smtClean="0">
+                                  <a:latin typeface="Cambria Math" panose="02040503050406030204" pitchFamily="18" charset="0"/>
+                                </a:rPr>
+                                <m:t>⋮</m:t>
+                              </m:r>
+                            </m:e>
+                            <m:e>
+                              <m:r>
+                                <a:rPr lang="en-US" b="0" i="1" smtClean="0">
+                                  <a:latin typeface="Cambria Math" panose="02040503050406030204" pitchFamily="18" charset="0"/>
+                                </a:rPr>
+                                <m:t>⋱</m:t>
+                              </m:r>
+                            </m:e>
+                            <m:e>
+                              <m:r>
+                                <a:rPr lang="en-US" b="0" i="1" smtClean="0">
+                                  <a:latin typeface="Cambria Math" panose="02040503050406030204" pitchFamily="18" charset="0"/>
+                                </a:rPr>
+                                <m:t>⋮</m:t>
+                              </m:r>
+                            </m:e>
+                          </m:mr>
+                          <m:mr>
+                            <m:e>
+                              <m:r>
+                                <a:rPr lang="en-US" b="0" i="1" smtClean="0">
+                                  <a:latin typeface="Cambria Math" panose="02040503050406030204" pitchFamily="18" charset="0"/>
+                                </a:rPr>
+                                <m:t>𝑄</m:t>
+                              </m:r>
+                            </m:e>
+                            <m:e>
+                              <m:r>
+                                <a:rPr lang="en-US" b="0" i="1" smtClean="0">
+                                  <a:latin typeface="Cambria Math" panose="02040503050406030204" pitchFamily="18" charset="0"/>
+                                </a:rPr>
+                                <m:t>⋯</m:t>
+                              </m:r>
+                            </m:e>
+                            <m:e>
+                              <m:r>
+                                <a:rPr lang="en-US" b="0" i="1" smtClean="0">
+                                  <a:latin typeface="Cambria Math" panose="02040503050406030204" pitchFamily="18" charset="0"/>
+                                </a:rPr>
+                                <m:t>𝑄</m:t>
+                              </m:r>
+                            </m:e>
+                          </m:mr>
+                        </m:m>
+                      </m:e>
+                    </m:d>
+                    <m:d>
+                      <m:dPr>
+                        <m:begChr m:val="["/>
+                        <m:endChr m:val="]"/>
+                        <m:ctrlPr>
+                          <a:rPr lang="en-US" b="0" i="1" smtClean="0">
+                            <a:latin typeface="Cambria Math" panose="02040503050406030204" pitchFamily="18" charset="0"/>
+                          </a:rPr>
+                        </m:ctrlPr>
+                      </m:dPr>
+                      <m:e>
+                        <m:m>
+                          <m:mPr>
+                            <m:mcs>
+                              <m:mc>
+                                <m:mcPr>
+                                  <m:count m:val="3"/>
+                                  <m:mcJc m:val="center"/>
+                                </m:mcPr>
+                              </m:mc>
+                            </m:mcs>
+                            <m:ctrlPr>
+                              <a:rPr lang="en-US" b="0" i="1" smtClean="0">
+                                <a:latin typeface="Cambria Math" panose="02040503050406030204" pitchFamily="18" charset="0"/>
+                              </a:rPr>
+                            </m:ctrlPr>
+                          </m:mPr>
+                          <m:mr>
+                            <m:e>
+                              <m:sSubSup>
+                                <m:sSubSupPr>
+                                  <m:ctrlPr>
+                                    <a:rPr lang="en-US" b="0" i="1" smtClean="0">
+                                      <a:latin typeface="Cambria Math" panose="02040503050406030204" pitchFamily="18" charset="0"/>
+                                    </a:rPr>
+                                  </m:ctrlPr>
+                                </m:sSubSupPr>
+                                <m:e>
+                                  <m:r>
+                                    <m:rPr>
+                                      <m:brk m:alnAt="7"/>
+                                    </m:rPr>
+                                    <a:rPr lang="en-US" b="0" i="1" smtClean="0">
+                                      <a:latin typeface="Cambria Math" panose="02040503050406030204" pitchFamily="18" charset="0"/>
+                                    </a:rPr>
+                                    <m:t>𝐺</m:t>
+                                  </m:r>
+                                </m:e>
+                                <m:sub>
+                                  <m:r>
+                                    <m:rPr>
+                                      <m:brk m:alnAt="7"/>
+                                    </m:rPr>
+                                    <a:rPr lang="en-US" b="0" i="1" smtClean="0">
+                                      <a:latin typeface="Cambria Math" panose="02040503050406030204" pitchFamily="18" charset="0"/>
+                                    </a:rPr>
+                                    <m:t>1</m:t>
+                                  </m:r>
+                                </m:sub>
+                                <m:sup>
+                                  <m:r>
+                                    <m:rPr>
+                                      <m:brk m:alnAt="7"/>
+                                    </m:rPr>
+                                    <a:rPr lang="en-US" b="0" i="1" smtClean="0">
+                                      <a:latin typeface="Cambria Math" panose="02040503050406030204" pitchFamily="18" charset="0"/>
+                                    </a:rPr>
+                                    <m:t>𝑇</m:t>
+                                  </m:r>
+                                </m:sup>
+                              </m:sSubSup>
+                            </m:e>
+                            <m:e>
+                              <m:r>
+                                <a:rPr lang="en-US" b="0" i="1" smtClean="0">
+                                  <a:latin typeface="Cambria Math" panose="02040503050406030204" pitchFamily="18" charset="0"/>
+                                </a:rPr>
+                                <m:t>⋯</m:t>
+                              </m:r>
+                            </m:e>
+                            <m:e>
+                              <m:r>
+                                <a:rPr lang="en-US" b="0" i="1" smtClean="0">
+                                  <a:latin typeface="Cambria Math" panose="02040503050406030204" pitchFamily="18" charset="0"/>
+                                </a:rPr>
+                                <m:t>0</m:t>
+                              </m:r>
+                            </m:e>
+                          </m:mr>
+                          <m:mr>
+                            <m:e>
+                              <m:r>
+                                <a:rPr lang="en-US" b="0" i="1" smtClean="0">
+                                  <a:latin typeface="Cambria Math" panose="02040503050406030204" pitchFamily="18" charset="0"/>
+                                </a:rPr>
+                                <m:t>⋮</m:t>
+                              </m:r>
+                            </m:e>
+                            <m:e>
+                              <m:r>
+                                <a:rPr lang="en-US" b="0" i="1" smtClean="0">
+                                  <a:latin typeface="Cambria Math" panose="02040503050406030204" pitchFamily="18" charset="0"/>
+                                </a:rPr>
+                                <m:t>⋱</m:t>
+                              </m:r>
+                            </m:e>
+                            <m:e>
+                              <m:r>
+                                <a:rPr lang="en-US" b="0" i="1" smtClean="0">
+                                  <a:latin typeface="Cambria Math" panose="02040503050406030204" pitchFamily="18" charset="0"/>
+                                </a:rPr>
+                                <m:t>⋮</m:t>
+                              </m:r>
+                            </m:e>
+                          </m:mr>
+                          <m:mr>
+                            <m:e>
+                              <m:r>
+                                <a:rPr lang="en-US" b="0" i="1" smtClean="0">
+                                  <a:latin typeface="Cambria Math" panose="02040503050406030204" pitchFamily="18" charset="0"/>
+                                </a:rPr>
+                                <m:t>0</m:t>
+                              </m:r>
+                            </m:e>
+                            <m:e>
+                              <m:r>
+                                <a:rPr lang="en-US" b="0" i="1" smtClean="0">
+                                  <a:latin typeface="Cambria Math" panose="02040503050406030204" pitchFamily="18" charset="0"/>
+                                </a:rPr>
+                                <m:t>⋯</m:t>
+                              </m:r>
+                            </m:e>
+                            <m:e>
+                              <m:sSubSup>
+                                <m:sSubSupPr>
+                                  <m:ctrlPr>
+                                    <a:rPr lang="en-US" b="0" i="1" smtClean="0">
+                                      <a:latin typeface="Cambria Math" panose="02040503050406030204" pitchFamily="18" charset="0"/>
+                                    </a:rPr>
+                                  </m:ctrlPr>
+                                </m:sSubSupPr>
+                                <m:e>
+                                  <m:r>
+                                    <a:rPr lang="en-US" b="0" i="1" smtClean="0">
+                                      <a:latin typeface="Cambria Math" panose="02040503050406030204" pitchFamily="18" charset="0"/>
+                                    </a:rPr>
+                                    <m:t>𝐺</m:t>
+                                  </m:r>
+                                </m:e>
+                                <m:sub>
+                                  <m:r>
+                                    <a:rPr lang="en-US" b="0" i="1" smtClean="0">
+                                      <a:latin typeface="Cambria Math" panose="02040503050406030204" pitchFamily="18" charset="0"/>
+                                    </a:rPr>
+                                    <m:t>2</m:t>
+                                  </m:r>
+                                </m:sub>
+                                <m:sup>
+                                  <m:r>
+                                    <a:rPr lang="en-US" b="0" i="1" smtClean="0">
+                                      <a:latin typeface="Cambria Math" panose="02040503050406030204" pitchFamily="18" charset="0"/>
+                                    </a:rPr>
+                                    <m:t>𝑇</m:t>
+                                  </m:r>
+                                </m:sup>
+                              </m:sSubSup>
+                            </m:e>
+                          </m:mr>
+                        </m:m>
+                      </m:e>
+                    </m:d>
+                  </m:oMath>
+                </a14:m>
+                <a:endParaRPr lang="en-US" b="0" dirty="0"/>
+              </a:p>
+              <a:p>
+                <a:r>
+                  <a:rPr lang="he-IL" dirty="0"/>
+                  <a:t>ניתן להראות כי</a:t>
+                </a:r>
+                <a14:m>
+                  <m:oMath xmlns:m="http://schemas.openxmlformats.org/officeDocument/2006/math">
+                    <m:d>
+                      <m:dPr>
+                        <m:begChr m:val="["/>
+                        <m:endChr m:val="]"/>
+                        <m:ctrlPr>
+                          <a:rPr lang="en-US" i="1">
+                            <a:latin typeface="Cambria Math" panose="02040503050406030204" pitchFamily="18" charset="0"/>
+                          </a:rPr>
+                        </m:ctrlPr>
+                      </m:dPr>
+                      <m:e>
+                        <m:m>
+                          <m:mPr>
+                            <m:mcs>
+                              <m:mc>
+                                <m:mcPr>
+                                  <m:count m:val="3"/>
+                                  <m:mcJc m:val="center"/>
+                                </m:mcPr>
+                              </m:mc>
+                            </m:mcs>
+                            <m:ctrlPr>
+                              <a:rPr lang="en-US" i="1">
+                                <a:latin typeface="Cambria Math" panose="02040503050406030204" pitchFamily="18" charset="0"/>
+                              </a:rPr>
+                            </m:ctrlPr>
+                          </m:mPr>
+                          <m:mr>
+                            <m:e>
+                              <m:r>
+                                <m:rPr>
+                                  <m:brk m:alnAt="7"/>
+                                </m:rPr>
+                                <a:rPr lang="en-US" i="1">
+                                  <a:latin typeface="Cambria Math" panose="02040503050406030204" pitchFamily="18" charset="0"/>
+                                </a:rPr>
+                                <m:t>𝑄</m:t>
+                              </m:r>
+                            </m:e>
+                            <m:e>
+                              <m:r>
+                                <a:rPr lang="en-US" i="1">
+                                  <a:latin typeface="Cambria Math" panose="02040503050406030204" pitchFamily="18" charset="0"/>
+                                </a:rPr>
+                                <m:t>⋯</m:t>
+                              </m:r>
+                            </m:e>
+                            <m:e>
+                              <m:r>
+                                <a:rPr lang="en-US" i="1">
+                                  <a:latin typeface="Cambria Math" panose="02040503050406030204" pitchFamily="18" charset="0"/>
+                                </a:rPr>
+                                <m:t>𝑄</m:t>
+                              </m:r>
+                            </m:e>
+                          </m:mr>
+                          <m:mr>
+                            <m:e>
+                              <m:r>
+                                <a:rPr lang="en-US" i="1">
+                                  <a:latin typeface="Cambria Math" panose="02040503050406030204" pitchFamily="18" charset="0"/>
+                                </a:rPr>
+                                <m:t>⋮</m:t>
+                              </m:r>
+                            </m:e>
+                            <m:e>
+                              <m:r>
+                                <a:rPr lang="en-US" i="1">
+                                  <a:latin typeface="Cambria Math" panose="02040503050406030204" pitchFamily="18" charset="0"/>
+                                </a:rPr>
+                                <m:t>⋱</m:t>
+                              </m:r>
+                            </m:e>
+                            <m:e>
+                              <m:r>
+                                <a:rPr lang="en-US" i="1">
+                                  <a:latin typeface="Cambria Math" panose="02040503050406030204" pitchFamily="18" charset="0"/>
+                                </a:rPr>
+                                <m:t>⋮</m:t>
+                              </m:r>
+                            </m:e>
+                          </m:mr>
+                          <m:mr>
+                            <m:e>
+                              <m:r>
+                                <a:rPr lang="en-US" i="1">
+                                  <a:latin typeface="Cambria Math" panose="02040503050406030204" pitchFamily="18" charset="0"/>
+                                </a:rPr>
+                                <m:t>𝑄</m:t>
+                              </m:r>
+                            </m:e>
+                            <m:e>
+                              <m:r>
+                                <a:rPr lang="en-US" i="1">
+                                  <a:latin typeface="Cambria Math" panose="02040503050406030204" pitchFamily="18" charset="0"/>
+                                </a:rPr>
+                                <m:t>⋯</m:t>
+                              </m:r>
+                            </m:e>
+                            <m:e>
+                              <m:r>
+                                <a:rPr lang="en-US" i="1">
+                                  <a:latin typeface="Cambria Math" panose="02040503050406030204" pitchFamily="18" charset="0"/>
+                                </a:rPr>
+                                <m:t>𝑄</m:t>
+                              </m:r>
+                            </m:e>
+                          </m:mr>
+                        </m:m>
+                      </m:e>
+                    </m:d>
+                    <m:r>
+                      <a:rPr lang="en-US" b="0" i="1" smtClean="0">
+                        <a:latin typeface="Cambria Math" panose="02040503050406030204" pitchFamily="18" charset="0"/>
+                      </a:rPr>
+                      <m:t>≤</m:t>
+                    </m:r>
+                    <m:d>
+                      <m:dPr>
+                        <m:begChr m:val="["/>
+                        <m:endChr m:val="]"/>
+                        <m:ctrlPr>
+                          <a:rPr lang="en-US" b="0" i="1" smtClean="0">
+                            <a:latin typeface="Cambria Math" panose="02040503050406030204" pitchFamily="18" charset="0"/>
+                          </a:rPr>
+                        </m:ctrlPr>
+                      </m:dPr>
+                      <m:e>
+                        <m:m>
+                          <m:mPr>
+                            <m:mcs>
+                              <m:mc>
+                                <m:mcPr>
+                                  <m:count m:val="3"/>
+                                  <m:mcJc m:val="center"/>
+                                </m:mcPr>
+                              </m:mc>
+                            </m:mcs>
+                            <m:ctrlPr>
+                              <a:rPr lang="en-US" b="0" i="1" smtClean="0">
+                                <a:latin typeface="Cambria Math" panose="02040503050406030204" pitchFamily="18" charset="0"/>
+                              </a:rPr>
+                            </m:ctrlPr>
+                          </m:mPr>
+                          <m:mr>
+                            <m:e>
+                              <m:sSub>
+                                <m:sSubPr>
+                                  <m:ctrlPr>
+                                    <a:rPr lang="en-US" b="0" i="1" smtClean="0">
+                                      <a:latin typeface="Cambria Math" panose="02040503050406030204" pitchFamily="18" charset="0"/>
+                                    </a:rPr>
+                                  </m:ctrlPr>
+                                </m:sSubPr>
+                                <m:e>
+                                  <m:r>
+                                    <a:rPr lang="en-US" b="0" i="1" smtClean="0">
+                                      <a:latin typeface="Cambria Math" panose="02040503050406030204" pitchFamily="18" charset="0"/>
+                                    </a:rPr>
+                                    <m:t>𝛾</m:t>
+                                  </m:r>
+                                </m:e>
+                                <m:sub>
+                                  <m:r>
+                                    <a:rPr lang="en-US" b="0" i="1" smtClean="0">
+                                      <a:latin typeface="Cambria Math" panose="02040503050406030204" pitchFamily="18" charset="0"/>
+                                    </a:rPr>
+                                    <m:t>1</m:t>
+                                  </m:r>
+                                </m:sub>
+                              </m:sSub>
+                              <m:r>
+                                <a:rPr lang="en-US" b="0" i="1" smtClean="0">
+                                  <a:latin typeface="Cambria Math" panose="02040503050406030204" pitchFamily="18" charset="0"/>
+                                </a:rPr>
+                                <m:t>𝑄</m:t>
+                              </m:r>
+                            </m:e>
+                            <m:e>
+                              <m:r>
+                                <a:rPr lang="en-US" b="0" i="1" smtClean="0">
+                                  <a:latin typeface="Cambria Math" panose="02040503050406030204" pitchFamily="18" charset="0"/>
+                                </a:rPr>
+                                <m:t>⋯</m:t>
+                              </m:r>
+                            </m:e>
+                            <m:e>
+                              <m:r>
+                                <a:rPr lang="en-US" b="0" i="1" smtClean="0">
+                                  <a:latin typeface="Cambria Math" panose="02040503050406030204" pitchFamily="18" charset="0"/>
+                                </a:rPr>
+                                <m:t>0</m:t>
+                              </m:r>
+                            </m:e>
+                          </m:mr>
+                          <m:mr>
+                            <m:e>
+                              <m:r>
+                                <a:rPr lang="en-US" b="0" i="1" smtClean="0">
+                                  <a:latin typeface="Cambria Math" panose="02040503050406030204" pitchFamily="18" charset="0"/>
+                                </a:rPr>
+                                <m:t>⋮</m:t>
+                              </m:r>
+                            </m:e>
+                            <m:e>
+                              <m:r>
+                                <a:rPr lang="en-US" b="0" i="1" smtClean="0">
+                                  <a:latin typeface="Cambria Math" panose="02040503050406030204" pitchFamily="18" charset="0"/>
+                                </a:rPr>
+                                <m:t>⋱</m:t>
+                              </m:r>
+                            </m:e>
+                            <m:e>
+                              <m:r>
+                                <a:rPr lang="en-US" b="0" i="1" smtClean="0">
+                                  <a:latin typeface="Cambria Math" panose="02040503050406030204" pitchFamily="18" charset="0"/>
+                                </a:rPr>
+                                <m:t>⋮</m:t>
+                              </m:r>
+                            </m:e>
+                          </m:mr>
+                          <m:mr>
+                            <m:e>
+                              <m:r>
+                                <a:rPr lang="en-US" b="0" i="1" smtClean="0">
+                                  <a:latin typeface="Cambria Math" panose="02040503050406030204" pitchFamily="18" charset="0"/>
+                                </a:rPr>
+                                <m:t>0</m:t>
+                              </m:r>
+                            </m:e>
+                            <m:e>
+                              <m:r>
+                                <a:rPr lang="en-US" b="0" i="1" smtClean="0">
+                                  <a:latin typeface="Cambria Math" panose="02040503050406030204" pitchFamily="18" charset="0"/>
+                                </a:rPr>
+                                <m:t>⋯</m:t>
+                              </m:r>
+                            </m:e>
+                            <m:e>
+                              <m:sSub>
+                                <m:sSubPr>
+                                  <m:ctrlPr>
+                                    <a:rPr lang="en-US" b="0" i="1" smtClean="0">
+                                      <a:latin typeface="Cambria Math" panose="02040503050406030204" pitchFamily="18" charset="0"/>
+                                    </a:rPr>
+                                  </m:ctrlPr>
+                                </m:sSubPr>
+                                <m:e>
+                                  <m:r>
+                                    <a:rPr lang="en-US" b="0" i="1" smtClean="0">
+                                      <a:latin typeface="Cambria Math" panose="02040503050406030204" pitchFamily="18" charset="0"/>
+                                    </a:rPr>
+                                    <m:t>𝛾</m:t>
+                                  </m:r>
+                                </m:e>
+                                <m:sub>
+                                  <m:r>
+                                    <a:rPr lang="en-US" b="0" i="1" smtClean="0">
+                                      <a:latin typeface="Cambria Math" panose="02040503050406030204" pitchFamily="18" charset="0"/>
+                                    </a:rPr>
+                                    <m:t>𝑁</m:t>
+                                  </m:r>
+                                </m:sub>
+                              </m:sSub>
+                              <m:r>
+                                <a:rPr lang="en-US" b="0" i="1" smtClean="0">
+                                  <a:latin typeface="Cambria Math" panose="02040503050406030204" pitchFamily="18" charset="0"/>
+                                </a:rPr>
+                                <m:t>𝑄</m:t>
+                              </m:r>
+                            </m:e>
+                          </m:mr>
+                        </m:m>
+                      </m:e>
+                    </m:d>
+                  </m:oMath>
+                </a14:m>
+                <a:r>
+                  <a:rPr lang="he-IL" dirty="0"/>
+                  <a:t> כך ש </a:t>
+                </a:r>
+                <a14:m>
+                  <m:oMath xmlns:m="http://schemas.openxmlformats.org/officeDocument/2006/math">
+                    <m:f>
+                      <m:fPr>
+                        <m:ctrlPr>
+                          <a:rPr lang="en-US" b="0" i="1" smtClean="0">
+                            <a:latin typeface="Cambria Math" panose="02040503050406030204" pitchFamily="18" charset="0"/>
+                          </a:rPr>
+                        </m:ctrlPr>
+                      </m:fPr>
+                      <m:num>
+                        <m:r>
+                          <a:rPr lang="en-US" b="0" i="1" smtClean="0">
+                            <a:latin typeface="Cambria Math" panose="02040503050406030204" pitchFamily="18" charset="0"/>
+                          </a:rPr>
+                          <m:t>1</m:t>
+                        </m:r>
+                      </m:num>
+                      <m:den>
+                        <m:sSub>
+                          <m:sSubPr>
+                            <m:ctrlPr>
+                              <a:rPr lang="en-US" b="0" i="1" smtClean="0">
+                                <a:latin typeface="Cambria Math" panose="02040503050406030204" pitchFamily="18" charset="0"/>
+                              </a:rPr>
+                            </m:ctrlPr>
+                          </m:sSubPr>
+                          <m:e>
+                            <m:r>
+                              <a:rPr lang="en-US" b="0" i="1" smtClean="0">
+                                <a:latin typeface="Cambria Math" panose="02040503050406030204" pitchFamily="18" charset="0"/>
+                              </a:rPr>
+                              <m:t>𝛾</m:t>
+                            </m:r>
+                          </m:e>
+                          <m:sub>
+                            <m:r>
+                              <a:rPr lang="en-US" b="0" i="1" smtClean="0">
+                                <a:latin typeface="Cambria Math" panose="02040503050406030204" pitchFamily="18" charset="0"/>
+                              </a:rPr>
+                              <m:t>1</m:t>
+                            </m:r>
+                          </m:sub>
+                        </m:sSub>
+                      </m:den>
+                    </m:f>
+                    <m:r>
+                      <a:rPr lang="en-US" b="0" i="1" smtClean="0">
+                        <a:latin typeface="Cambria Math" panose="02040503050406030204" pitchFamily="18" charset="0"/>
+                      </a:rPr>
+                      <m:t>+…+</m:t>
+                    </m:r>
+                    <m:f>
+                      <m:fPr>
+                        <m:ctrlPr>
+                          <a:rPr lang="en-US" b="0" i="1" smtClean="0">
+                            <a:latin typeface="Cambria Math" panose="02040503050406030204" pitchFamily="18" charset="0"/>
+                          </a:rPr>
+                        </m:ctrlPr>
+                      </m:fPr>
+                      <m:num>
+                        <m:r>
+                          <a:rPr lang="en-US" b="0" i="1" smtClean="0">
+                            <a:latin typeface="Cambria Math" panose="02040503050406030204" pitchFamily="18" charset="0"/>
+                          </a:rPr>
+                          <m:t>1</m:t>
+                        </m:r>
+                      </m:num>
+                      <m:den>
+                        <m:sSub>
+                          <m:sSubPr>
+                            <m:ctrlPr>
+                              <a:rPr lang="en-US" b="0" i="1" smtClean="0">
+                                <a:latin typeface="Cambria Math" panose="02040503050406030204" pitchFamily="18" charset="0"/>
+                              </a:rPr>
+                            </m:ctrlPr>
+                          </m:sSubPr>
+                          <m:e>
+                            <m:r>
+                              <a:rPr lang="en-US" b="0" i="1" smtClean="0">
+                                <a:latin typeface="Cambria Math" panose="02040503050406030204" pitchFamily="18" charset="0"/>
+                              </a:rPr>
+                              <m:t>𝛾</m:t>
+                            </m:r>
+                          </m:e>
+                          <m:sub>
+                            <m:r>
+                              <a:rPr lang="en-US" b="0" i="1" smtClean="0">
+                                <a:latin typeface="Cambria Math" panose="02040503050406030204" pitchFamily="18" charset="0"/>
+                              </a:rPr>
+                              <m:t>𝑁</m:t>
+                            </m:r>
+                          </m:sub>
+                        </m:sSub>
+                      </m:den>
+                    </m:f>
+                    <m:r>
+                      <a:rPr lang="en-US" b="0" i="1" smtClean="0">
+                        <a:latin typeface="Cambria Math" panose="02040503050406030204" pitchFamily="18" charset="0"/>
+                      </a:rPr>
+                      <m:t>=</m:t>
+                    </m:r>
+                    <m:r>
+                      <a:rPr lang="en-US" b="0" i="1" smtClean="0">
+                        <a:latin typeface="Cambria Math" panose="02040503050406030204" pitchFamily="18" charset="0"/>
+                      </a:rPr>
+                      <m:t>1</m:t>
+                    </m:r>
+                  </m:oMath>
+                </a14:m>
+                <a:endParaRPr lang="he-IL" dirty="0"/>
+              </a:p>
+              <a:p>
+                <a:r>
+                  <a:rPr lang="he-IL" dirty="0"/>
+                  <a:t>כך למעשה נחסום את מטריצת </a:t>
+                </a:r>
+                <a:r>
+                  <a:rPr lang="he-IL" dirty="0" err="1"/>
+                  <a:t>הקוואריאנס</a:t>
+                </a:r>
+                <a:r>
+                  <a:rPr lang="he-IL" dirty="0"/>
+                  <a:t> הגלובלית בעזרת מטריצה אלכסונית</a:t>
+                </a:r>
+              </a:p>
+              <a:p>
+                <a14:m>
+                  <m:oMath xmlns:m="http://schemas.openxmlformats.org/officeDocument/2006/math">
+                    <m:sSub>
+                      <m:sSubPr>
+                        <m:ctrlPr>
+                          <a:rPr lang="en-US" i="1">
+                            <a:latin typeface="Cambria Math" panose="02040503050406030204" pitchFamily="18" charset="0"/>
+                          </a:rPr>
+                        </m:ctrlPr>
+                      </m:sSubPr>
+                      <m:e>
+                        <m:d>
+                          <m:dPr>
+                            <m:begChr m:val="["/>
+                            <m:endChr m:val="]"/>
+                            <m:ctrlPr>
+                              <a:rPr lang="en-150" i="1">
+                                <a:latin typeface="Cambria Math" panose="02040503050406030204" pitchFamily="18" charset="0"/>
+                              </a:rPr>
+                            </m:ctrlPr>
+                          </m:dPr>
+                          <m:e>
+                            <m:m>
+                              <m:mPr>
+                                <m:mcs>
+                                  <m:mc>
+                                    <m:mcPr>
+                                      <m:count m:val="3"/>
+                                      <m:mcJc m:val="center"/>
+                                    </m:mcPr>
+                                  </m:mc>
+                                </m:mcs>
+                                <m:ctrlPr>
+                                  <a:rPr lang="en-150" i="1">
+                                    <a:latin typeface="Cambria Math" panose="02040503050406030204" pitchFamily="18" charset="0"/>
+                                  </a:rPr>
+                                </m:ctrlPr>
+                              </m:mPr>
+                              <m:mr>
+                                <m:e>
+                                  <m:sSub>
+                                    <m:sSubPr>
+                                      <m:ctrlPr>
+                                        <a:rPr lang="en-US" i="1">
+                                          <a:latin typeface="Cambria Math" panose="02040503050406030204" pitchFamily="18" charset="0"/>
+                                        </a:rPr>
+                                      </m:ctrlPr>
+                                    </m:sSubPr>
+                                    <m:e>
+                                      <m:r>
+                                        <m:rPr>
+                                          <m:brk m:alnAt="7"/>
+                                        </m:rPr>
+                                        <a:rPr lang="en-US" i="1">
+                                          <a:latin typeface="Cambria Math" panose="02040503050406030204" pitchFamily="18" charset="0"/>
+                                        </a:rPr>
+                                        <m:t>𝑃</m:t>
+                                      </m:r>
+                                    </m:e>
+                                    <m:sub>
+                                      <m:r>
+                                        <m:rPr>
+                                          <m:brk m:alnAt="7"/>
+                                        </m:rPr>
+                                        <a:rPr lang="en-US" i="1">
+                                          <a:latin typeface="Cambria Math" panose="02040503050406030204" pitchFamily="18" charset="0"/>
+                                        </a:rPr>
+                                        <m:t>1</m:t>
+                                      </m:r>
+                                      <m:r>
+                                        <a:rPr lang="en-US" i="1">
+                                          <a:latin typeface="Cambria Math" panose="02040503050406030204" pitchFamily="18" charset="0"/>
+                                        </a:rPr>
+                                        <m:t>1</m:t>
+                                      </m:r>
+                                    </m:sub>
+                                  </m:sSub>
+                                </m:e>
+                                <m:e>
+                                  <m:r>
+                                    <a:rPr lang="en-150" i="1">
+                                      <a:latin typeface="Cambria Math" panose="02040503050406030204" pitchFamily="18" charset="0"/>
+                                    </a:rPr>
+                                    <m:t>⋯</m:t>
+                                  </m:r>
+                                </m:e>
+                                <m:e>
+                                  <m:sSub>
+                                    <m:sSubPr>
+                                      <m:ctrlPr>
+                                        <a:rPr lang="en-US" i="1">
+                                          <a:latin typeface="Cambria Math" panose="02040503050406030204" pitchFamily="18" charset="0"/>
+                                        </a:rPr>
+                                      </m:ctrlPr>
+                                    </m:sSubPr>
+                                    <m:e>
+                                      <m:r>
+                                        <a:rPr lang="en-US" i="1">
+                                          <a:latin typeface="Cambria Math" panose="02040503050406030204" pitchFamily="18" charset="0"/>
+                                        </a:rPr>
+                                        <m:t>𝑃</m:t>
+                                      </m:r>
+                                    </m:e>
+                                    <m:sub>
+                                      <m:r>
+                                        <a:rPr lang="en-US" i="1">
+                                          <a:latin typeface="Cambria Math" panose="02040503050406030204" pitchFamily="18" charset="0"/>
+                                        </a:rPr>
+                                        <m:t>1</m:t>
+                                      </m:r>
+                                      <m:r>
+                                        <a:rPr lang="en-US" i="1">
+                                          <a:latin typeface="Cambria Math" panose="02040503050406030204" pitchFamily="18" charset="0"/>
+                                        </a:rPr>
+                                        <m:t>𝑁</m:t>
+                                      </m:r>
+                                    </m:sub>
+                                  </m:sSub>
+                                </m:e>
+                              </m:mr>
+                              <m:mr>
+                                <m:e>
+                                  <m:r>
+                                    <a:rPr lang="en-150" i="1">
+                                      <a:latin typeface="Cambria Math" panose="02040503050406030204" pitchFamily="18" charset="0"/>
+                                    </a:rPr>
+                                    <m:t>⋮</m:t>
+                                  </m:r>
+                                </m:e>
+                                <m:e>
+                                  <m:r>
+                                    <a:rPr lang="en-150" i="1">
+                                      <a:latin typeface="Cambria Math" panose="02040503050406030204" pitchFamily="18" charset="0"/>
+                                    </a:rPr>
+                                    <m:t>⋱</m:t>
+                                  </m:r>
+                                </m:e>
+                                <m:e>
+                                  <m:r>
+                                    <a:rPr lang="en-150" i="1">
+                                      <a:latin typeface="Cambria Math" panose="02040503050406030204" pitchFamily="18" charset="0"/>
+                                    </a:rPr>
+                                    <m:t>⋮</m:t>
+                                  </m:r>
+                                </m:e>
+                              </m:mr>
+                              <m:mr>
+                                <m:e>
+                                  <m:sSub>
+                                    <m:sSubPr>
+                                      <m:ctrlPr>
+                                        <a:rPr lang="en-US" i="1">
+                                          <a:latin typeface="Cambria Math" panose="02040503050406030204" pitchFamily="18" charset="0"/>
+                                        </a:rPr>
+                                      </m:ctrlPr>
+                                    </m:sSubPr>
+                                    <m:e>
+                                      <m:r>
+                                        <a:rPr lang="en-US" i="1">
+                                          <a:latin typeface="Cambria Math" panose="02040503050406030204" pitchFamily="18" charset="0"/>
+                                        </a:rPr>
+                                        <m:t>𝑃</m:t>
+                                      </m:r>
+                                    </m:e>
+                                    <m:sub>
+                                      <m:r>
+                                        <a:rPr lang="en-US" i="1">
+                                          <a:latin typeface="Cambria Math" panose="02040503050406030204" pitchFamily="18" charset="0"/>
+                                        </a:rPr>
+                                        <m:t>𝑁</m:t>
+                                      </m:r>
+                                      <m:r>
+                                        <a:rPr lang="en-US" i="1">
+                                          <a:latin typeface="Cambria Math" panose="02040503050406030204" pitchFamily="18" charset="0"/>
+                                        </a:rPr>
+                                        <m:t>1</m:t>
+                                      </m:r>
+                                    </m:sub>
+                                  </m:sSub>
+                                </m:e>
+                                <m:e>
+                                  <m:r>
+                                    <a:rPr lang="en-150" i="1">
+                                      <a:latin typeface="Cambria Math" panose="02040503050406030204" pitchFamily="18" charset="0"/>
+                                    </a:rPr>
+                                    <m:t>⋯</m:t>
+                                  </m:r>
+                                </m:e>
+                                <m:e>
+                                  <m:sSub>
+                                    <m:sSubPr>
+                                      <m:ctrlPr>
+                                        <a:rPr lang="en-US" i="1">
+                                          <a:latin typeface="Cambria Math" panose="02040503050406030204" pitchFamily="18" charset="0"/>
+                                        </a:rPr>
+                                      </m:ctrlPr>
+                                    </m:sSubPr>
+                                    <m:e>
+                                      <m:r>
+                                        <a:rPr lang="en-US" i="1">
+                                          <a:latin typeface="Cambria Math" panose="02040503050406030204" pitchFamily="18" charset="0"/>
+                                        </a:rPr>
+                                        <m:t>𝑃</m:t>
+                                      </m:r>
+                                    </m:e>
+                                    <m:sub>
+                                      <m:r>
+                                        <a:rPr lang="en-US" i="1">
+                                          <a:latin typeface="Cambria Math" panose="02040503050406030204" pitchFamily="18" charset="0"/>
+                                        </a:rPr>
+                                        <m:t>𝑁𝑁</m:t>
+                                      </m:r>
+                                    </m:sub>
+                                  </m:sSub>
+                                </m:e>
+                              </m:mr>
+                            </m:m>
+                          </m:e>
+                        </m:d>
+                      </m:e>
+                      <m:sub>
+                        <m:r>
+                          <a:rPr lang="en-US" i="1">
+                            <a:latin typeface="Cambria Math" panose="02040503050406030204" pitchFamily="18" charset="0"/>
+                          </a:rPr>
+                          <m:t>𝑘</m:t>
+                        </m:r>
+                        <m:r>
+                          <a:rPr lang="en-US" i="1">
+                            <a:latin typeface="Cambria Math" panose="02040503050406030204" pitchFamily="18" charset="0"/>
+                          </a:rPr>
+                          <m:t>1</m:t>
+                        </m:r>
+                      </m:sub>
+                    </m:sSub>
+                    <m:r>
+                      <a:rPr lang="en-US" b="0" i="1" smtClean="0">
+                        <a:latin typeface="Cambria Math" panose="02040503050406030204" pitchFamily="18" charset="0"/>
+                      </a:rPr>
+                      <m:t>≤</m:t>
+                    </m:r>
+                    <m:d>
+                      <m:dPr>
+                        <m:begChr m:val="["/>
+                        <m:endChr m:val="]"/>
+                        <m:ctrlPr>
+                          <a:rPr lang="en-US" i="1">
+                            <a:latin typeface="Cambria Math" panose="02040503050406030204" pitchFamily="18" charset="0"/>
+                          </a:rPr>
+                        </m:ctrlPr>
+                      </m:dPr>
+                      <m:e>
+                        <m:m>
+                          <m:mPr>
+                            <m:mcs>
+                              <m:mc>
+                                <m:mcPr>
+                                  <m:count m:val="3"/>
+                                  <m:mcJc m:val="center"/>
+                                </m:mcPr>
+                              </m:mc>
+                            </m:mcs>
+                            <m:ctrlPr>
+                              <a:rPr lang="en-US" i="1">
+                                <a:latin typeface="Cambria Math" panose="02040503050406030204" pitchFamily="18" charset="0"/>
+                              </a:rPr>
+                            </m:ctrlPr>
+                          </m:mPr>
+                          <m:mr>
+                            <m:e>
+                              <m:sSub>
+                                <m:sSubPr>
+                                  <m:ctrlPr>
+                                    <a:rPr lang="en-US" i="1">
+                                      <a:latin typeface="Cambria Math" panose="02040503050406030204" pitchFamily="18" charset="0"/>
+                                    </a:rPr>
+                                  </m:ctrlPr>
+                                </m:sSubPr>
+                                <m:e>
+                                  <m:r>
+                                    <m:rPr>
+                                      <m:sty m:val="p"/>
+                                    </m:rPr>
+                                    <a:rPr lang="en-US">
+                                      <a:latin typeface="Cambria Math" panose="02040503050406030204" pitchFamily="18" charset="0"/>
+                                    </a:rPr>
+                                    <m:t>Φ</m:t>
+                                  </m:r>
+                                </m:e>
+                                <m:sub>
+                                  <m:r>
+                                    <a:rPr lang="en-US" i="1">
+                                      <a:latin typeface="Cambria Math" panose="02040503050406030204" pitchFamily="18" charset="0"/>
+                                    </a:rPr>
+                                    <m:t>11</m:t>
+                                  </m:r>
+                                </m:sub>
+                              </m:sSub>
+                            </m:e>
+                            <m:e>
+                              <m:r>
+                                <a:rPr lang="en-US" i="1">
+                                  <a:latin typeface="Cambria Math" panose="02040503050406030204" pitchFamily="18" charset="0"/>
+                                </a:rPr>
+                                <m:t>⋯</m:t>
+                              </m:r>
+                            </m:e>
+                            <m:e>
+                              <m:r>
+                                <a:rPr lang="en-US" i="1">
+                                  <a:latin typeface="Cambria Math" panose="02040503050406030204" pitchFamily="18" charset="0"/>
+                                </a:rPr>
+                                <m:t>0</m:t>
+                              </m:r>
+                            </m:e>
+                          </m:mr>
+                          <m:mr>
+                            <m:e>
+                              <m:r>
+                                <a:rPr lang="en-US" i="1">
+                                  <a:latin typeface="Cambria Math" panose="02040503050406030204" pitchFamily="18" charset="0"/>
+                                </a:rPr>
+                                <m:t>⋮</m:t>
+                              </m:r>
+                            </m:e>
+                            <m:e>
+                              <m:r>
+                                <a:rPr lang="en-US" i="1">
+                                  <a:latin typeface="Cambria Math" panose="02040503050406030204" pitchFamily="18" charset="0"/>
+                                </a:rPr>
+                                <m:t>⋱</m:t>
+                              </m:r>
+                            </m:e>
+                            <m:e>
+                              <m:r>
+                                <a:rPr lang="en-US" i="1">
+                                  <a:latin typeface="Cambria Math" panose="02040503050406030204" pitchFamily="18" charset="0"/>
+                                </a:rPr>
+                                <m:t>⋮</m:t>
+                              </m:r>
+                            </m:e>
+                          </m:mr>
+                          <m:mr>
+                            <m:e>
+                              <m:r>
+                                <a:rPr lang="en-US" i="1">
+                                  <a:latin typeface="Cambria Math" panose="02040503050406030204" pitchFamily="18" charset="0"/>
+                                </a:rPr>
+                                <m:t>0</m:t>
+                              </m:r>
+                            </m:e>
+                            <m:e>
+                              <m:r>
+                                <a:rPr lang="en-US" i="1">
+                                  <a:latin typeface="Cambria Math" panose="02040503050406030204" pitchFamily="18" charset="0"/>
+                                </a:rPr>
+                                <m:t>⋯</m:t>
+                              </m:r>
+                            </m:e>
+                            <m:e>
+                              <m:sSub>
+                                <m:sSubPr>
+                                  <m:ctrlPr>
+                                    <a:rPr lang="en-US" i="1">
+                                      <a:latin typeface="Cambria Math" panose="02040503050406030204" pitchFamily="18" charset="0"/>
+                                    </a:rPr>
+                                  </m:ctrlPr>
+                                </m:sSubPr>
+                                <m:e>
+                                  <m:r>
+                                    <m:rPr>
+                                      <m:sty m:val="p"/>
+                                    </m:rPr>
+                                    <a:rPr lang="en-US">
+                                      <a:latin typeface="Cambria Math" panose="02040503050406030204" pitchFamily="18" charset="0"/>
+                                    </a:rPr>
+                                    <m:t>Φ</m:t>
+                                  </m:r>
+                                </m:e>
+                                <m:sub>
+                                  <m:r>
+                                    <a:rPr lang="en-US" i="1">
+                                      <a:latin typeface="Cambria Math" panose="02040503050406030204" pitchFamily="18" charset="0"/>
+                                    </a:rPr>
+                                    <m:t>𝑁𝑁</m:t>
+                                  </m:r>
+                                </m:sub>
+                              </m:sSub>
+                            </m:e>
+                          </m:mr>
+                        </m:m>
+                      </m:e>
+                    </m:d>
+                    <m:sSub>
+                      <m:sSubPr>
+                        <m:ctrlPr>
+                          <a:rPr lang="en-US" i="1">
+                            <a:latin typeface="Cambria Math" panose="02040503050406030204" pitchFamily="18" charset="0"/>
+                          </a:rPr>
+                        </m:ctrlPr>
+                      </m:sSubPr>
+                      <m:e>
+                        <m:d>
+                          <m:dPr>
+                            <m:begChr m:val="["/>
+                            <m:endChr m:val="]"/>
+                            <m:ctrlPr>
+                              <a:rPr lang="en-150" i="1">
+                                <a:latin typeface="Cambria Math" panose="02040503050406030204" pitchFamily="18" charset="0"/>
+                              </a:rPr>
+                            </m:ctrlPr>
+                          </m:dPr>
+                          <m:e>
+                            <m:m>
+                              <m:mPr>
+                                <m:mcs>
+                                  <m:mc>
+                                    <m:mcPr>
+                                      <m:count m:val="3"/>
+                                      <m:mcJc m:val="center"/>
+                                    </m:mcPr>
+                                  </m:mc>
+                                </m:mcs>
+                                <m:ctrlPr>
+                                  <a:rPr lang="en-150" i="1">
+                                    <a:latin typeface="Cambria Math" panose="02040503050406030204" pitchFamily="18" charset="0"/>
+                                  </a:rPr>
+                                </m:ctrlPr>
+                              </m:mPr>
+                              <m:mr>
+                                <m:e>
+                                  <m:sSub>
+                                    <m:sSubPr>
+                                      <m:ctrlPr>
+                                        <a:rPr lang="en-US" i="1">
+                                          <a:latin typeface="Cambria Math" panose="02040503050406030204" pitchFamily="18" charset="0"/>
+                                        </a:rPr>
+                                      </m:ctrlPr>
+                                    </m:sSubPr>
+                                    <m:e>
+                                      <m:r>
+                                        <m:rPr>
+                                          <m:brk m:alnAt="7"/>
+                                        </m:rPr>
+                                        <a:rPr lang="en-US" i="1">
+                                          <a:latin typeface="Cambria Math" panose="02040503050406030204" pitchFamily="18" charset="0"/>
+                                        </a:rPr>
+                                        <m:t>𝑃</m:t>
+                                      </m:r>
+                                    </m:e>
+                                    <m:sub>
+                                      <m:r>
+                                        <m:rPr>
+                                          <m:brk m:alnAt="7"/>
+                                        </m:rPr>
+                                        <a:rPr lang="en-US" i="1">
+                                          <a:latin typeface="Cambria Math" panose="02040503050406030204" pitchFamily="18" charset="0"/>
+                                        </a:rPr>
+                                        <m:t>1</m:t>
+                                      </m:r>
+                                      <m:r>
+                                        <a:rPr lang="en-US" i="1">
+                                          <a:latin typeface="Cambria Math" panose="02040503050406030204" pitchFamily="18" charset="0"/>
+                                        </a:rPr>
+                                        <m:t>1</m:t>
+                                      </m:r>
+                                    </m:sub>
+                                  </m:sSub>
+                                </m:e>
+                                <m:e>
+                                  <m:r>
+                                    <a:rPr lang="en-150" i="1">
+                                      <a:latin typeface="Cambria Math" panose="02040503050406030204" pitchFamily="18" charset="0"/>
+                                    </a:rPr>
+                                    <m:t>⋯</m:t>
+                                  </m:r>
+                                </m:e>
+                                <m:e>
+                                  <m:sSub>
+                                    <m:sSubPr>
+                                      <m:ctrlPr>
+                                        <a:rPr lang="en-US" i="1">
+                                          <a:latin typeface="Cambria Math" panose="02040503050406030204" pitchFamily="18" charset="0"/>
+                                        </a:rPr>
+                                      </m:ctrlPr>
+                                    </m:sSubPr>
+                                    <m:e>
+                                      <m:r>
+                                        <a:rPr lang="en-US" i="1">
+                                          <a:latin typeface="Cambria Math" panose="02040503050406030204" pitchFamily="18" charset="0"/>
+                                        </a:rPr>
+                                        <m:t>𝑃</m:t>
+                                      </m:r>
+                                    </m:e>
+                                    <m:sub>
+                                      <m:r>
+                                        <a:rPr lang="en-US" i="1">
+                                          <a:latin typeface="Cambria Math" panose="02040503050406030204" pitchFamily="18" charset="0"/>
+                                        </a:rPr>
+                                        <m:t>1</m:t>
+                                      </m:r>
+                                      <m:r>
+                                        <a:rPr lang="en-US" i="1">
+                                          <a:latin typeface="Cambria Math" panose="02040503050406030204" pitchFamily="18" charset="0"/>
+                                        </a:rPr>
+                                        <m:t>𝑁</m:t>
+                                      </m:r>
+                                    </m:sub>
+                                  </m:sSub>
+                                </m:e>
+                              </m:mr>
+                              <m:mr>
+                                <m:e>
+                                  <m:r>
+                                    <a:rPr lang="en-150" i="1">
+                                      <a:latin typeface="Cambria Math" panose="02040503050406030204" pitchFamily="18" charset="0"/>
+                                    </a:rPr>
+                                    <m:t>⋮</m:t>
+                                  </m:r>
+                                </m:e>
+                                <m:e>
+                                  <m:r>
+                                    <a:rPr lang="en-150" i="1">
+                                      <a:latin typeface="Cambria Math" panose="02040503050406030204" pitchFamily="18" charset="0"/>
+                                    </a:rPr>
+                                    <m:t>⋱</m:t>
+                                  </m:r>
+                                </m:e>
+                                <m:e>
+                                  <m:r>
+                                    <a:rPr lang="en-150" i="1">
+                                      <a:latin typeface="Cambria Math" panose="02040503050406030204" pitchFamily="18" charset="0"/>
+                                    </a:rPr>
+                                    <m:t>⋮</m:t>
+                                  </m:r>
+                                </m:e>
+                              </m:mr>
+                              <m:mr>
+                                <m:e>
+                                  <m:sSub>
+                                    <m:sSubPr>
+                                      <m:ctrlPr>
+                                        <a:rPr lang="en-US" i="1">
+                                          <a:latin typeface="Cambria Math" panose="02040503050406030204" pitchFamily="18" charset="0"/>
+                                        </a:rPr>
+                                      </m:ctrlPr>
+                                    </m:sSubPr>
+                                    <m:e>
+                                      <m:r>
+                                        <a:rPr lang="en-US" i="1">
+                                          <a:latin typeface="Cambria Math" panose="02040503050406030204" pitchFamily="18" charset="0"/>
+                                        </a:rPr>
+                                        <m:t>𝑃</m:t>
+                                      </m:r>
+                                    </m:e>
+                                    <m:sub>
+                                      <m:r>
+                                        <a:rPr lang="en-US" i="1">
+                                          <a:latin typeface="Cambria Math" panose="02040503050406030204" pitchFamily="18" charset="0"/>
+                                        </a:rPr>
+                                        <m:t>𝑁</m:t>
+                                      </m:r>
+                                      <m:r>
+                                        <a:rPr lang="en-US" i="1">
+                                          <a:latin typeface="Cambria Math" panose="02040503050406030204" pitchFamily="18" charset="0"/>
+                                        </a:rPr>
+                                        <m:t>1</m:t>
+                                      </m:r>
+                                    </m:sub>
+                                  </m:sSub>
+                                </m:e>
+                                <m:e>
+                                  <m:r>
+                                    <a:rPr lang="en-150" i="1">
+                                      <a:latin typeface="Cambria Math" panose="02040503050406030204" pitchFamily="18" charset="0"/>
+                                    </a:rPr>
+                                    <m:t>⋯</m:t>
+                                  </m:r>
+                                </m:e>
+                                <m:e>
+                                  <m:sSub>
+                                    <m:sSubPr>
+                                      <m:ctrlPr>
+                                        <a:rPr lang="en-US" i="1">
+                                          <a:latin typeface="Cambria Math" panose="02040503050406030204" pitchFamily="18" charset="0"/>
+                                        </a:rPr>
+                                      </m:ctrlPr>
+                                    </m:sSubPr>
+                                    <m:e>
+                                      <m:r>
+                                        <a:rPr lang="en-US" i="1">
+                                          <a:latin typeface="Cambria Math" panose="02040503050406030204" pitchFamily="18" charset="0"/>
+                                        </a:rPr>
+                                        <m:t>𝑃</m:t>
+                                      </m:r>
+                                    </m:e>
+                                    <m:sub>
+                                      <m:r>
+                                        <a:rPr lang="en-US" i="1">
+                                          <a:latin typeface="Cambria Math" panose="02040503050406030204" pitchFamily="18" charset="0"/>
+                                        </a:rPr>
+                                        <m:t>𝑁𝑁</m:t>
+                                      </m:r>
+                                    </m:sub>
+                                  </m:sSub>
+                                </m:e>
+                              </m:mr>
+                            </m:m>
+                          </m:e>
+                        </m:d>
+                      </m:e>
+                      <m:sub>
+                        <m:r>
+                          <a:rPr lang="en-US" i="1">
+                            <a:latin typeface="Cambria Math" panose="02040503050406030204" pitchFamily="18" charset="0"/>
+                          </a:rPr>
+                          <m:t>𝑘</m:t>
+                        </m:r>
+                      </m:sub>
+                    </m:sSub>
+                    <m:d>
+                      <m:dPr>
+                        <m:begChr m:val="["/>
+                        <m:endChr m:val="]"/>
+                        <m:ctrlPr>
+                          <a:rPr lang="en-US" i="1">
+                            <a:latin typeface="Cambria Math" panose="02040503050406030204" pitchFamily="18" charset="0"/>
+                          </a:rPr>
+                        </m:ctrlPr>
+                      </m:dPr>
+                      <m:e>
+                        <m:m>
+                          <m:mPr>
+                            <m:mcs>
+                              <m:mc>
+                                <m:mcPr>
+                                  <m:count m:val="3"/>
+                                  <m:mcJc m:val="center"/>
+                                </m:mcPr>
+                              </m:mc>
+                            </m:mcs>
+                            <m:ctrlPr>
+                              <a:rPr lang="en-US" i="1">
+                                <a:latin typeface="Cambria Math" panose="02040503050406030204" pitchFamily="18" charset="0"/>
+                              </a:rPr>
+                            </m:ctrlPr>
+                          </m:mPr>
+                          <m:mr>
+                            <m:e>
+                              <m:sSubSup>
+                                <m:sSubSupPr>
+                                  <m:ctrlPr>
+                                    <a:rPr lang="en-US" i="1">
+                                      <a:latin typeface="Cambria Math" panose="02040503050406030204" pitchFamily="18" charset="0"/>
+                                    </a:rPr>
+                                  </m:ctrlPr>
+                                </m:sSubSupPr>
+                                <m:e>
+                                  <m:r>
+                                    <m:rPr>
+                                      <m:sty m:val="p"/>
+                                    </m:rPr>
+                                    <a:rPr lang="en-US">
+                                      <a:latin typeface="Cambria Math" panose="02040503050406030204" pitchFamily="18" charset="0"/>
+                                    </a:rPr>
+                                    <m:t>Φ</m:t>
+                                  </m:r>
+                                </m:e>
+                                <m:sub>
+                                  <m:r>
+                                    <a:rPr lang="en-US" i="1">
+                                      <a:latin typeface="Cambria Math" panose="02040503050406030204" pitchFamily="18" charset="0"/>
+                                    </a:rPr>
+                                    <m:t>11</m:t>
+                                  </m:r>
+                                </m:sub>
+                                <m:sup>
+                                  <m:r>
+                                    <m:rPr>
+                                      <m:sty m:val="p"/>
+                                    </m:rPr>
+                                    <a:rPr lang="en-US">
+                                      <a:latin typeface="Cambria Math" panose="02040503050406030204" pitchFamily="18" charset="0"/>
+                                    </a:rPr>
+                                    <m:t>T</m:t>
+                                  </m:r>
+                                </m:sup>
+                              </m:sSubSup>
+                            </m:e>
+                            <m:e>
+                              <m:r>
+                                <a:rPr lang="en-US" i="1">
+                                  <a:latin typeface="Cambria Math" panose="02040503050406030204" pitchFamily="18" charset="0"/>
+                                </a:rPr>
+                                <m:t>⋯</m:t>
+                              </m:r>
+                            </m:e>
+                            <m:e>
+                              <m:r>
+                                <a:rPr lang="en-US" i="1">
+                                  <a:latin typeface="Cambria Math" panose="02040503050406030204" pitchFamily="18" charset="0"/>
+                                </a:rPr>
+                                <m:t>0</m:t>
+                              </m:r>
+                            </m:e>
+                          </m:mr>
+                          <m:mr>
+                            <m:e>
+                              <m:r>
+                                <a:rPr lang="en-US" i="1">
+                                  <a:latin typeface="Cambria Math" panose="02040503050406030204" pitchFamily="18" charset="0"/>
+                                </a:rPr>
+                                <m:t>⋮</m:t>
+                              </m:r>
+                            </m:e>
+                            <m:e>
+                              <m:r>
+                                <a:rPr lang="en-US" i="1">
+                                  <a:latin typeface="Cambria Math" panose="02040503050406030204" pitchFamily="18" charset="0"/>
+                                </a:rPr>
+                                <m:t>⋱</m:t>
+                              </m:r>
+                            </m:e>
+                            <m:e>
+                              <m:r>
+                                <a:rPr lang="en-US" i="1">
+                                  <a:latin typeface="Cambria Math" panose="02040503050406030204" pitchFamily="18" charset="0"/>
+                                </a:rPr>
+                                <m:t>⋮</m:t>
+                              </m:r>
+                            </m:e>
+                          </m:mr>
+                          <m:mr>
+                            <m:e>
+                              <m:r>
+                                <a:rPr lang="en-US" i="1">
+                                  <a:latin typeface="Cambria Math" panose="02040503050406030204" pitchFamily="18" charset="0"/>
+                                </a:rPr>
+                                <m:t>0</m:t>
+                              </m:r>
+                            </m:e>
+                            <m:e>
+                              <m:r>
+                                <a:rPr lang="en-US" i="1">
+                                  <a:latin typeface="Cambria Math" panose="02040503050406030204" pitchFamily="18" charset="0"/>
+                                </a:rPr>
+                                <m:t>⋯</m:t>
+                              </m:r>
+                            </m:e>
+                            <m:e>
+                              <m:sSubSup>
+                                <m:sSubSupPr>
+                                  <m:ctrlPr>
+                                    <a:rPr lang="en-US" i="1">
+                                      <a:latin typeface="Cambria Math" panose="02040503050406030204" pitchFamily="18" charset="0"/>
+                                    </a:rPr>
+                                  </m:ctrlPr>
+                                </m:sSubSupPr>
+                                <m:e>
+                                  <m:r>
+                                    <m:rPr>
+                                      <m:sty m:val="p"/>
+                                    </m:rPr>
+                                    <a:rPr lang="en-US">
+                                      <a:latin typeface="Cambria Math" panose="02040503050406030204" pitchFamily="18" charset="0"/>
+                                    </a:rPr>
+                                    <m:t>Φ</m:t>
+                                  </m:r>
+                                </m:e>
+                                <m:sub>
+                                  <m:r>
+                                    <a:rPr lang="en-US" i="1">
+                                      <a:latin typeface="Cambria Math" panose="02040503050406030204" pitchFamily="18" charset="0"/>
+                                    </a:rPr>
+                                    <m:t>𝑁𝑁</m:t>
+                                  </m:r>
+                                </m:sub>
+                                <m:sup>
+                                  <m:r>
+                                    <m:rPr>
+                                      <m:sty m:val="p"/>
+                                    </m:rPr>
+                                    <a:rPr lang="en-US">
+                                      <a:latin typeface="Cambria Math" panose="02040503050406030204" pitchFamily="18" charset="0"/>
+                                    </a:rPr>
+                                    <m:t>T</m:t>
+                                  </m:r>
+                                </m:sup>
+                              </m:sSubSup>
+                            </m:e>
+                          </m:mr>
+                        </m:m>
+                      </m:e>
+                    </m:d>
+                    <m:r>
+                      <a:rPr lang="en-US" i="1">
+                        <a:latin typeface="Cambria Math" panose="02040503050406030204" pitchFamily="18" charset="0"/>
+                      </a:rPr>
+                      <m:t>+</m:t>
+                    </m:r>
+                    <m:d>
+                      <m:dPr>
+                        <m:begChr m:val="["/>
+                        <m:endChr m:val="]"/>
+                        <m:ctrlPr>
+                          <a:rPr lang="en-US" i="1">
+                            <a:latin typeface="Cambria Math" panose="02040503050406030204" pitchFamily="18" charset="0"/>
+                          </a:rPr>
+                        </m:ctrlPr>
+                      </m:dPr>
+                      <m:e>
+                        <m:m>
+                          <m:mPr>
+                            <m:mcs>
+                              <m:mc>
+                                <m:mcPr>
+                                  <m:count m:val="3"/>
+                                  <m:mcJc m:val="center"/>
+                                </m:mcPr>
+                              </m:mc>
+                            </m:mcs>
+                            <m:ctrlPr>
+                              <a:rPr lang="en-US" i="1">
+                                <a:latin typeface="Cambria Math" panose="02040503050406030204" pitchFamily="18" charset="0"/>
+                              </a:rPr>
+                            </m:ctrlPr>
+                          </m:mPr>
+                          <m:mr>
+                            <m:e>
+                              <m:sSub>
+                                <m:sSubPr>
+                                  <m:ctrlPr>
+                                    <a:rPr lang="en-US" i="1">
+                                      <a:latin typeface="Cambria Math" panose="02040503050406030204" pitchFamily="18" charset="0"/>
+                                    </a:rPr>
+                                  </m:ctrlPr>
+                                </m:sSubPr>
+                                <m:e>
+                                  <m:r>
+                                    <m:rPr>
+                                      <m:brk m:alnAt="7"/>
+                                    </m:rPr>
+                                    <a:rPr lang="en-US" i="1">
+                                      <a:latin typeface="Cambria Math" panose="02040503050406030204" pitchFamily="18" charset="0"/>
+                                    </a:rPr>
+                                    <m:t>𝐺</m:t>
+                                  </m:r>
+                                </m:e>
+                                <m:sub>
+                                  <m:r>
+                                    <m:rPr>
+                                      <m:brk m:alnAt="7"/>
+                                    </m:rPr>
+                                    <a:rPr lang="en-US" i="1">
+                                      <a:latin typeface="Cambria Math" panose="02040503050406030204" pitchFamily="18" charset="0"/>
+                                    </a:rPr>
+                                    <m:t>1</m:t>
+                                  </m:r>
+                                </m:sub>
+                              </m:sSub>
+                            </m:e>
+                            <m:e>
+                              <m:r>
+                                <a:rPr lang="en-US" i="1">
+                                  <a:latin typeface="Cambria Math" panose="02040503050406030204" pitchFamily="18" charset="0"/>
+                                </a:rPr>
+                                <m:t>⋯</m:t>
+                              </m:r>
+                            </m:e>
+                            <m:e>
+                              <m:r>
+                                <a:rPr lang="en-US" i="1">
+                                  <a:latin typeface="Cambria Math" panose="02040503050406030204" pitchFamily="18" charset="0"/>
+                                </a:rPr>
+                                <m:t>0</m:t>
+                              </m:r>
+                            </m:e>
+                          </m:mr>
+                          <m:mr>
+                            <m:e>
+                              <m:r>
+                                <a:rPr lang="en-US" i="1">
+                                  <a:latin typeface="Cambria Math" panose="02040503050406030204" pitchFamily="18" charset="0"/>
+                                </a:rPr>
+                                <m:t>⋮</m:t>
+                              </m:r>
+                            </m:e>
+                            <m:e>
+                              <m:r>
+                                <a:rPr lang="en-US" i="1">
+                                  <a:latin typeface="Cambria Math" panose="02040503050406030204" pitchFamily="18" charset="0"/>
+                                </a:rPr>
+                                <m:t>⋱</m:t>
+                              </m:r>
+                            </m:e>
+                            <m:e>
+                              <m:r>
+                                <a:rPr lang="en-US" i="1">
+                                  <a:latin typeface="Cambria Math" panose="02040503050406030204" pitchFamily="18" charset="0"/>
+                                </a:rPr>
+                                <m:t>⋮</m:t>
+                              </m:r>
+                            </m:e>
+                          </m:mr>
+                          <m:mr>
+                            <m:e>
+                              <m:r>
+                                <a:rPr lang="en-US" i="1">
+                                  <a:latin typeface="Cambria Math" panose="02040503050406030204" pitchFamily="18" charset="0"/>
+                                </a:rPr>
+                                <m:t>0</m:t>
+                              </m:r>
+                            </m:e>
+                            <m:e>
+                              <m:r>
+                                <a:rPr lang="en-US" i="1">
+                                  <a:latin typeface="Cambria Math" panose="02040503050406030204" pitchFamily="18" charset="0"/>
+                                </a:rPr>
+                                <m:t>⋯</m:t>
+                              </m:r>
+                            </m:e>
+                            <m:e>
+                              <m:sSub>
+                                <m:sSubPr>
+                                  <m:ctrlPr>
+                                    <a:rPr lang="en-US" i="1">
+                                      <a:latin typeface="Cambria Math" panose="02040503050406030204" pitchFamily="18" charset="0"/>
+                                    </a:rPr>
+                                  </m:ctrlPr>
+                                </m:sSubPr>
+                                <m:e>
+                                  <m:r>
+                                    <a:rPr lang="en-US" i="1">
+                                      <a:latin typeface="Cambria Math" panose="02040503050406030204" pitchFamily="18" charset="0"/>
+                                    </a:rPr>
+                                    <m:t>𝐺</m:t>
+                                  </m:r>
+                                </m:e>
+                                <m:sub>
+                                  <m:r>
+                                    <a:rPr lang="en-US" i="1">
+                                      <a:latin typeface="Cambria Math" panose="02040503050406030204" pitchFamily="18" charset="0"/>
+                                    </a:rPr>
+                                    <m:t>𝑁</m:t>
+                                  </m:r>
+                                </m:sub>
+                              </m:sSub>
+                            </m:e>
+                          </m:mr>
+                        </m:m>
+                      </m:e>
+                    </m:d>
+                    <m:d>
+                      <m:dPr>
+                        <m:begChr m:val="["/>
+                        <m:endChr m:val="]"/>
+                        <m:ctrlPr>
+                          <a:rPr lang="en-US" i="1">
+                            <a:latin typeface="Cambria Math" panose="02040503050406030204" pitchFamily="18" charset="0"/>
+                          </a:rPr>
+                        </m:ctrlPr>
+                      </m:dPr>
+                      <m:e>
+                        <m:m>
+                          <m:mPr>
+                            <m:mcs>
+                              <m:mc>
+                                <m:mcPr>
+                                  <m:count m:val="3"/>
+                                  <m:mcJc m:val="center"/>
+                                </m:mcPr>
+                              </m:mc>
+                            </m:mcs>
+                            <m:ctrlPr>
+                              <a:rPr lang="en-US" i="1">
+                                <a:latin typeface="Cambria Math" panose="02040503050406030204" pitchFamily="18" charset="0"/>
+                              </a:rPr>
+                            </m:ctrlPr>
+                          </m:mPr>
+                          <m:mr>
+                            <m:e>
+                              <m:sSub>
+                                <m:sSubPr>
+                                  <m:ctrlPr>
+                                    <a:rPr lang="en-US" i="1">
+                                      <a:latin typeface="Cambria Math" panose="02040503050406030204" pitchFamily="18" charset="0"/>
+                                    </a:rPr>
+                                  </m:ctrlPr>
+                                </m:sSubPr>
+                                <m:e>
+                                  <m:r>
+                                    <a:rPr lang="en-US" i="1">
+                                      <a:latin typeface="Cambria Math" panose="02040503050406030204" pitchFamily="18" charset="0"/>
+                                    </a:rPr>
+                                    <m:t>𝛾</m:t>
+                                  </m:r>
+                                </m:e>
+                                <m:sub>
+                                  <m:r>
+                                    <a:rPr lang="en-US" i="1">
+                                      <a:latin typeface="Cambria Math" panose="02040503050406030204" pitchFamily="18" charset="0"/>
+                                    </a:rPr>
+                                    <m:t>1</m:t>
+                                  </m:r>
+                                </m:sub>
+                              </m:sSub>
+                              <m:r>
+                                <a:rPr lang="en-US" i="1">
+                                  <a:latin typeface="Cambria Math" panose="02040503050406030204" pitchFamily="18" charset="0"/>
+                                </a:rPr>
+                                <m:t>𝑄</m:t>
+                              </m:r>
+                            </m:e>
+                            <m:e>
+                              <m:r>
+                                <a:rPr lang="en-US" i="1">
+                                  <a:latin typeface="Cambria Math" panose="02040503050406030204" pitchFamily="18" charset="0"/>
+                                </a:rPr>
+                                <m:t>⋯</m:t>
+                              </m:r>
+                            </m:e>
+                            <m:e>
+                              <m:r>
+                                <a:rPr lang="en-US" i="1">
+                                  <a:latin typeface="Cambria Math" panose="02040503050406030204" pitchFamily="18" charset="0"/>
+                                </a:rPr>
+                                <m:t>0</m:t>
+                              </m:r>
+                            </m:e>
+                          </m:mr>
+                          <m:mr>
+                            <m:e>
+                              <m:r>
+                                <a:rPr lang="en-US" i="1">
+                                  <a:latin typeface="Cambria Math" panose="02040503050406030204" pitchFamily="18" charset="0"/>
+                                </a:rPr>
+                                <m:t>⋮</m:t>
+                              </m:r>
+                            </m:e>
+                            <m:e>
+                              <m:r>
+                                <a:rPr lang="en-US" i="1">
+                                  <a:latin typeface="Cambria Math" panose="02040503050406030204" pitchFamily="18" charset="0"/>
+                                </a:rPr>
+                                <m:t>⋱</m:t>
+                              </m:r>
+                            </m:e>
+                            <m:e>
+                              <m:r>
+                                <a:rPr lang="en-US" i="1">
+                                  <a:latin typeface="Cambria Math" panose="02040503050406030204" pitchFamily="18" charset="0"/>
+                                </a:rPr>
+                                <m:t>⋮</m:t>
+                              </m:r>
+                            </m:e>
+                          </m:mr>
+                          <m:mr>
+                            <m:e>
+                              <m:r>
+                                <a:rPr lang="en-US" i="1">
+                                  <a:latin typeface="Cambria Math" panose="02040503050406030204" pitchFamily="18" charset="0"/>
+                                </a:rPr>
+                                <m:t>0</m:t>
+                              </m:r>
+                            </m:e>
+                            <m:e>
+                              <m:r>
+                                <a:rPr lang="en-US" i="1">
+                                  <a:latin typeface="Cambria Math" panose="02040503050406030204" pitchFamily="18" charset="0"/>
+                                </a:rPr>
+                                <m:t>⋯</m:t>
+                              </m:r>
+                            </m:e>
+                            <m:e>
+                              <m:sSub>
+                                <m:sSubPr>
+                                  <m:ctrlPr>
+                                    <a:rPr lang="en-US" i="1">
+                                      <a:latin typeface="Cambria Math" panose="02040503050406030204" pitchFamily="18" charset="0"/>
+                                    </a:rPr>
+                                  </m:ctrlPr>
+                                </m:sSubPr>
+                                <m:e>
+                                  <m:r>
+                                    <a:rPr lang="en-US" i="1">
+                                      <a:latin typeface="Cambria Math" panose="02040503050406030204" pitchFamily="18" charset="0"/>
+                                    </a:rPr>
+                                    <m:t>𝛾</m:t>
+                                  </m:r>
+                                </m:e>
+                                <m:sub>
+                                  <m:r>
+                                    <a:rPr lang="en-US" i="1">
+                                      <a:latin typeface="Cambria Math" panose="02040503050406030204" pitchFamily="18" charset="0"/>
+                                    </a:rPr>
+                                    <m:t>𝑁</m:t>
+                                  </m:r>
+                                </m:sub>
+                              </m:sSub>
+                              <m:r>
+                                <a:rPr lang="en-US" i="1">
+                                  <a:latin typeface="Cambria Math" panose="02040503050406030204" pitchFamily="18" charset="0"/>
+                                </a:rPr>
+                                <m:t>𝑄</m:t>
+                              </m:r>
+                            </m:e>
+                          </m:mr>
+                        </m:m>
+                      </m:e>
+                    </m:d>
+                    <m:d>
+                      <m:dPr>
+                        <m:begChr m:val="["/>
+                        <m:endChr m:val="]"/>
+                        <m:ctrlPr>
+                          <a:rPr lang="en-US" i="1">
+                            <a:latin typeface="Cambria Math" panose="02040503050406030204" pitchFamily="18" charset="0"/>
+                          </a:rPr>
+                        </m:ctrlPr>
+                      </m:dPr>
+                      <m:e>
+                        <m:m>
+                          <m:mPr>
+                            <m:mcs>
+                              <m:mc>
+                                <m:mcPr>
+                                  <m:count m:val="3"/>
+                                  <m:mcJc m:val="center"/>
+                                </m:mcPr>
+                              </m:mc>
+                            </m:mcs>
+                            <m:ctrlPr>
+                              <a:rPr lang="en-US" i="1">
+                                <a:latin typeface="Cambria Math" panose="02040503050406030204" pitchFamily="18" charset="0"/>
+                              </a:rPr>
+                            </m:ctrlPr>
+                          </m:mPr>
+                          <m:mr>
+                            <m:e>
+                              <m:sSubSup>
+                                <m:sSubSupPr>
+                                  <m:ctrlPr>
+                                    <a:rPr lang="en-US" i="1">
+                                      <a:latin typeface="Cambria Math" panose="02040503050406030204" pitchFamily="18" charset="0"/>
+                                    </a:rPr>
+                                  </m:ctrlPr>
+                                </m:sSubSupPr>
+                                <m:e>
+                                  <m:r>
+                                    <m:rPr>
+                                      <m:brk m:alnAt="7"/>
+                                    </m:rPr>
+                                    <a:rPr lang="en-US" i="1">
+                                      <a:latin typeface="Cambria Math" panose="02040503050406030204" pitchFamily="18" charset="0"/>
+                                    </a:rPr>
+                                    <m:t>𝐺</m:t>
+                                  </m:r>
+                                </m:e>
+                                <m:sub>
+                                  <m:r>
+                                    <m:rPr>
+                                      <m:brk m:alnAt="7"/>
+                                    </m:rPr>
+                                    <a:rPr lang="en-US" i="1">
+                                      <a:latin typeface="Cambria Math" panose="02040503050406030204" pitchFamily="18" charset="0"/>
+                                    </a:rPr>
+                                    <m:t>1</m:t>
+                                  </m:r>
+                                </m:sub>
+                                <m:sup>
+                                  <m:r>
+                                    <m:rPr>
+                                      <m:brk m:alnAt="7"/>
+                                    </m:rPr>
+                                    <a:rPr lang="en-US" i="1">
+                                      <a:latin typeface="Cambria Math" panose="02040503050406030204" pitchFamily="18" charset="0"/>
+                                    </a:rPr>
+                                    <m:t>𝑇</m:t>
+                                  </m:r>
+                                </m:sup>
+                              </m:sSubSup>
+                            </m:e>
+                            <m:e>
+                              <m:r>
+                                <a:rPr lang="en-US" i="1">
+                                  <a:latin typeface="Cambria Math" panose="02040503050406030204" pitchFamily="18" charset="0"/>
+                                </a:rPr>
+                                <m:t>⋯</m:t>
+                              </m:r>
+                            </m:e>
+                            <m:e>
+                              <m:r>
+                                <a:rPr lang="en-US" i="1">
+                                  <a:latin typeface="Cambria Math" panose="02040503050406030204" pitchFamily="18" charset="0"/>
+                                </a:rPr>
+                                <m:t>0</m:t>
+                              </m:r>
+                            </m:e>
+                          </m:mr>
+                          <m:mr>
+                            <m:e>
+                              <m:r>
+                                <a:rPr lang="en-US" i="1">
+                                  <a:latin typeface="Cambria Math" panose="02040503050406030204" pitchFamily="18" charset="0"/>
+                                </a:rPr>
+                                <m:t>⋮</m:t>
+                              </m:r>
+                            </m:e>
+                            <m:e>
+                              <m:r>
+                                <a:rPr lang="en-US" i="1">
+                                  <a:latin typeface="Cambria Math" panose="02040503050406030204" pitchFamily="18" charset="0"/>
+                                </a:rPr>
+                                <m:t>⋱</m:t>
+                              </m:r>
+                            </m:e>
+                            <m:e>
+                              <m:r>
+                                <a:rPr lang="en-US" i="1">
+                                  <a:latin typeface="Cambria Math" panose="02040503050406030204" pitchFamily="18" charset="0"/>
+                                </a:rPr>
+                                <m:t>⋮</m:t>
+                              </m:r>
+                            </m:e>
+                          </m:mr>
+                          <m:mr>
+                            <m:e>
+                              <m:r>
+                                <a:rPr lang="en-US" i="1">
+                                  <a:latin typeface="Cambria Math" panose="02040503050406030204" pitchFamily="18" charset="0"/>
+                                </a:rPr>
+                                <m:t>0</m:t>
+                              </m:r>
+                            </m:e>
+                            <m:e>
+                              <m:r>
+                                <a:rPr lang="en-US" i="1">
+                                  <a:latin typeface="Cambria Math" panose="02040503050406030204" pitchFamily="18" charset="0"/>
+                                </a:rPr>
+                                <m:t>⋯</m:t>
+                              </m:r>
+                            </m:e>
+                            <m:e>
+                              <m:sSubSup>
+                                <m:sSubSupPr>
+                                  <m:ctrlPr>
+                                    <a:rPr lang="en-US" i="1">
+                                      <a:latin typeface="Cambria Math" panose="02040503050406030204" pitchFamily="18" charset="0"/>
+                                    </a:rPr>
+                                  </m:ctrlPr>
+                                </m:sSubSupPr>
+                                <m:e>
+                                  <m:r>
+                                    <a:rPr lang="en-US" i="1">
+                                      <a:latin typeface="Cambria Math" panose="02040503050406030204" pitchFamily="18" charset="0"/>
+                                    </a:rPr>
+                                    <m:t>𝐺</m:t>
+                                  </m:r>
+                                </m:e>
+                                <m:sub>
+                                  <m:r>
+                                    <a:rPr lang="en-US" i="1">
+                                      <a:latin typeface="Cambria Math" panose="02040503050406030204" pitchFamily="18" charset="0"/>
+                                    </a:rPr>
+                                    <m:t>2</m:t>
+                                  </m:r>
+                                </m:sub>
+                                <m:sup>
+                                  <m:r>
+                                    <a:rPr lang="en-US" i="1">
+                                      <a:latin typeface="Cambria Math" panose="02040503050406030204" pitchFamily="18" charset="0"/>
+                                    </a:rPr>
+                                    <m:t>𝑇</m:t>
+                                  </m:r>
+                                </m:sup>
+                              </m:sSubSup>
+                            </m:e>
+                          </m:mr>
+                        </m:m>
+                      </m:e>
+                    </m:d>
+                  </m:oMath>
+                </a14:m>
+                <a:endParaRPr lang="en-US" dirty="0"/>
+              </a:p>
+              <a:p>
+                <a:r>
+                  <a:rPr lang="he-IL" dirty="0"/>
+                  <a:t>או בצורה שקולה </a:t>
+                </a:r>
+                <a14:m>
+                  <m:oMath xmlns:m="http://schemas.openxmlformats.org/officeDocument/2006/math">
+                    <m:m>
+                      <m:mPr>
+                        <m:mcs>
+                          <m:mc>
+                            <m:mcPr>
+                              <m:count m:val="1"/>
+                              <m:mcJc m:val="center"/>
+                            </m:mcPr>
+                          </m:mc>
+                        </m:mcs>
+                        <m:ctrlPr>
+                          <a:rPr lang="he-IL" i="1" smtClean="0">
+                            <a:latin typeface="Cambria Math" panose="02040503050406030204" pitchFamily="18" charset="0"/>
+                          </a:rPr>
+                        </m:ctrlPr>
+                      </m:mPr>
+                      <m:mr>
+                        <m:e>
+                          <m:sSub>
+                            <m:sSubPr>
+                              <m:ctrlPr>
+                                <a:rPr lang="he-IL" b="0" i="1" smtClean="0">
+                                  <a:latin typeface="Cambria Math" panose="02040503050406030204" pitchFamily="18" charset="0"/>
+                                </a:rPr>
+                              </m:ctrlPr>
+                            </m:sSubPr>
+                            <m:e>
+                              <m:r>
+                                <m:rPr>
+                                  <m:brk m:alnAt="7"/>
+                                </m:rPr>
+                                <a:rPr lang="en-US" b="0" i="1" smtClean="0">
+                                  <a:latin typeface="Cambria Math" panose="02040503050406030204" pitchFamily="18" charset="0"/>
+                                </a:rPr>
+                                <m:t>𝑃</m:t>
+                              </m:r>
+                            </m:e>
+                            <m:sub>
+                              <m:r>
+                                <m:rPr>
+                                  <m:brk m:alnAt="7"/>
+                                </m:rPr>
+                                <a:rPr lang="en-US" b="0" i="1" smtClean="0">
+                                  <a:latin typeface="Cambria Math" panose="02040503050406030204" pitchFamily="18" charset="0"/>
+                                </a:rPr>
+                                <m:t>𝑖𝑖</m:t>
+                              </m:r>
+                            </m:sub>
+                          </m:sSub>
+                          <m:d>
+                            <m:dPr>
+                              <m:begChr m:val="|"/>
+                              <m:endChr m:val="|"/>
+                              <m:ctrlPr>
+                                <a:rPr lang="en-US" b="0" i="1" smtClean="0">
+                                  <a:latin typeface="Cambria Math" panose="02040503050406030204" pitchFamily="18" charset="0"/>
+                                </a:rPr>
+                              </m:ctrlPr>
+                            </m:dPr>
+                            <m:e>
+                              <m:r>
+                                <m:rPr>
+                                  <m:brk m:alnAt="7"/>
+                                </m:rPr>
+                                <a:rPr lang="en-US" b="0" i="1" smtClean="0">
+                                  <a:latin typeface="Cambria Math" panose="02040503050406030204" pitchFamily="18" charset="0"/>
+                                </a:rPr>
+                                <m:t>𝑘</m:t>
+                              </m:r>
+                              <m:r>
+                                <m:rPr>
+                                  <m:brk m:alnAt="7"/>
+                                </m:rPr>
+                                <a:rPr lang="en-US" b="0" i="1" smtClean="0">
+                                  <a:latin typeface="Cambria Math" panose="02040503050406030204" pitchFamily="18" charset="0"/>
+                                </a:rPr>
+                                <m:t>1</m:t>
+                              </m:r>
+                              <m:r>
+                                <m:rPr>
+                                  <m:brk m:alnAt="7"/>
+                                </m:rPr>
+                                <a:rPr lang="en-US" b="0" i="1" smtClean="0">
+                                  <a:latin typeface="Cambria Math" panose="02040503050406030204" pitchFamily="18" charset="0"/>
+                                </a:rPr>
+                                <m:t>=</m:t>
+                              </m:r>
+                              <m:sSub>
+                                <m:sSubPr>
+                                  <m:ctrlPr>
+                                    <a:rPr lang="en-US" b="0" i="1" smtClean="0">
+                                      <a:latin typeface="Cambria Math" panose="02040503050406030204" pitchFamily="18" charset="0"/>
+                                    </a:rPr>
+                                  </m:ctrlPr>
+                                </m:sSubPr>
+                                <m:e>
+                                  <m:r>
+                                    <m:rPr>
+                                      <m:sty m:val="p"/>
+                                    </m:rPr>
+                                    <a:rPr lang="en-US" b="0" i="0" smtClean="0">
+                                      <a:latin typeface="Cambria Math" panose="02040503050406030204" pitchFamily="18" charset="0"/>
+                                    </a:rPr>
+                                    <m:t>Φ</m:t>
+                                  </m:r>
+                                </m:e>
+                                <m:sub>
+                                  <m:r>
+                                    <a:rPr lang="en-US" b="0" i="1" smtClean="0">
+                                      <a:latin typeface="Cambria Math" panose="02040503050406030204" pitchFamily="18" charset="0"/>
+                                    </a:rPr>
+                                    <m:t>𝑖𝑖</m:t>
+                                  </m:r>
+                                </m:sub>
+                              </m:sSub>
+                              <m:sSub>
+                                <m:sSubPr>
+                                  <m:ctrlPr>
+                                    <a:rPr lang="en-US" b="0" i="1" smtClean="0">
+                                      <a:latin typeface="Cambria Math" panose="02040503050406030204" pitchFamily="18" charset="0"/>
+                                    </a:rPr>
+                                  </m:ctrlPr>
+                                </m:sSubPr>
+                                <m:e>
+                                  <m:r>
+                                    <a:rPr lang="en-US" b="0" i="1" smtClean="0">
+                                      <a:latin typeface="Cambria Math" panose="02040503050406030204" pitchFamily="18" charset="0"/>
+                                    </a:rPr>
+                                    <m:t>𝑃</m:t>
+                                  </m:r>
+                                </m:e>
+                                <m:sub>
+                                  <m:r>
+                                    <a:rPr lang="en-US" b="0" i="1" smtClean="0">
+                                      <a:latin typeface="Cambria Math" panose="02040503050406030204" pitchFamily="18" charset="0"/>
+                                    </a:rPr>
+                                    <m:t>𝑖𝑖</m:t>
+                                  </m:r>
+                                </m:sub>
+                              </m:sSub>
+                            </m:e>
+                          </m:d>
+                          <m:r>
+                            <a:rPr lang="en-US" b="0" i="1" smtClean="0">
+                              <a:latin typeface="Cambria Math" panose="02040503050406030204" pitchFamily="18" charset="0"/>
+                            </a:rPr>
+                            <m:t>𝑘</m:t>
+                          </m:r>
+                          <m:sSubSup>
+                            <m:sSubSupPr>
+                              <m:ctrlPr>
+                                <a:rPr lang="en-US" b="0" i="1" smtClean="0">
+                                  <a:latin typeface="Cambria Math" panose="02040503050406030204" pitchFamily="18" charset="0"/>
+                                </a:rPr>
+                              </m:ctrlPr>
+                            </m:sSubSupPr>
+                            <m:e>
+                              <m:r>
+                                <m:rPr>
+                                  <m:sty m:val="p"/>
+                                </m:rPr>
+                                <a:rPr lang="en-US" b="0" i="0" smtClean="0">
+                                  <a:latin typeface="Cambria Math" panose="02040503050406030204" pitchFamily="18" charset="0"/>
+                                </a:rPr>
+                                <m:t>Φ</m:t>
+                              </m:r>
+                            </m:e>
+                            <m:sub>
+                              <m:r>
+                                <a:rPr lang="en-US" b="0" i="1" smtClean="0">
+                                  <a:latin typeface="Cambria Math" panose="02040503050406030204" pitchFamily="18" charset="0"/>
+                                </a:rPr>
+                                <m:t>𝑖𝑖</m:t>
+                              </m:r>
+                            </m:sub>
+                            <m:sup>
+                              <m:r>
+                                <a:rPr lang="en-US" b="0" i="1" smtClean="0">
+                                  <a:latin typeface="Cambria Math" panose="02040503050406030204" pitchFamily="18" charset="0"/>
+                                </a:rPr>
+                                <m:t>𝑇</m:t>
+                              </m:r>
+                            </m:sup>
+                          </m:sSubSup>
+                          <m:r>
+                            <a:rPr lang="en-US" b="0" i="1" smtClean="0">
+                              <a:latin typeface="Cambria Math" panose="02040503050406030204" pitchFamily="18" charset="0"/>
+                            </a:rPr>
+                            <m:t>+</m:t>
+                          </m:r>
+                          <m:sSub>
+                            <m:sSubPr>
+                              <m:ctrlPr>
+                                <a:rPr lang="en-US" b="0" i="1" smtClean="0">
+                                  <a:latin typeface="Cambria Math" panose="02040503050406030204" pitchFamily="18" charset="0"/>
+                                </a:rPr>
+                              </m:ctrlPr>
+                            </m:sSubPr>
+                            <m:e>
+                              <m:r>
+                                <a:rPr lang="en-US" b="0" i="1" smtClean="0">
+                                  <a:latin typeface="Cambria Math" panose="02040503050406030204" pitchFamily="18" charset="0"/>
+                                </a:rPr>
+                                <m:t>𝐺</m:t>
+                              </m:r>
+                            </m:e>
+                            <m:sub>
+                              <m:r>
+                                <a:rPr lang="en-US" b="0" i="1" smtClean="0">
+                                  <a:latin typeface="Cambria Math" panose="02040503050406030204" pitchFamily="18" charset="0"/>
+                                </a:rPr>
+                                <m:t>𝑖</m:t>
+                              </m:r>
+                            </m:sub>
+                          </m:sSub>
+                          <m:sSub>
+                            <m:sSubPr>
+                              <m:ctrlPr>
+                                <a:rPr lang="en-US" b="0" i="1" smtClean="0">
+                                  <a:latin typeface="Cambria Math" panose="02040503050406030204" pitchFamily="18" charset="0"/>
+                                </a:rPr>
+                              </m:ctrlPr>
+                            </m:sSubPr>
+                            <m:e>
+                              <m:r>
+                                <a:rPr lang="en-US" b="0" i="1" smtClean="0">
+                                  <a:latin typeface="Cambria Math" panose="02040503050406030204" pitchFamily="18" charset="0"/>
+                                </a:rPr>
+                                <m:t>𝛾</m:t>
+                              </m:r>
+                            </m:e>
+                            <m:sub>
+                              <m:r>
+                                <a:rPr lang="en-US" b="0" i="1" smtClean="0">
+                                  <a:latin typeface="Cambria Math" panose="02040503050406030204" pitchFamily="18" charset="0"/>
+                                </a:rPr>
+                                <m:t>𝑖</m:t>
+                              </m:r>
+                            </m:sub>
+                          </m:sSub>
+                          <m:r>
+                            <a:rPr lang="en-US" b="0" i="1" smtClean="0">
+                              <a:latin typeface="Cambria Math" panose="02040503050406030204" pitchFamily="18" charset="0"/>
+                            </a:rPr>
+                            <m:t>𝑄</m:t>
+                          </m:r>
+                          <m:sSubSup>
+                            <m:sSubSupPr>
+                              <m:ctrlPr>
+                                <a:rPr lang="en-US" b="0" i="1" smtClean="0">
+                                  <a:latin typeface="Cambria Math" panose="02040503050406030204" pitchFamily="18" charset="0"/>
+                                </a:rPr>
+                              </m:ctrlPr>
+                            </m:sSubSupPr>
+                            <m:e>
+                              <m:r>
+                                <a:rPr lang="en-US" b="0" i="1" smtClean="0">
+                                  <a:latin typeface="Cambria Math" panose="02040503050406030204" pitchFamily="18" charset="0"/>
+                                </a:rPr>
+                                <m:t>𝐺</m:t>
+                              </m:r>
+                            </m:e>
+                            <m:sub>
+                              <m:r>
+                                <a:rPr lang="en-US" b="0" i="1" smtClean="0">
+                                  <a:latin typeface="Cambria Math" panose="02040503050406030204" pitchFamily="18" charset="0"/>
+                                </a:rPr>
+                                <m:t>𝑖</m:t>
+                              </m:r>
+                            </m:sub>
+                            <m:sup>
+                              <m:r>
+                                <a:rPr lang="en-US" b="0" i="1" smtClean="0">
+                                  <a:latin typeface="Cambria Math" panose="02040503050406030204" pitchFamily="18" charset="0"/>
+                                </a:rPr>
+                                <m:t>𝑇</m:t>
+                              </m:r>
+                            </m:sup>
+                          </m:sSubSup>
+                        </m:e>
+                      </m:mr>
+                      <m:mr>
+                        <m:e>
+                          <m:sSub>
+                            <m:sSubPr>
+                              <m:ctrlPr>
+                                <a:rPr lang="en-US" b="0" i="1" smtClean="0">
+                                  <a:latin typeface="Cambria Math" panose="02040503050406030204" pitchFamily="18" charset="0"/>
+                                </a:rPr>
+                              </m:ctrlPr>
+                            </m:sSubPr>
+                            <m:e>
+                              <m:r>
+                                <a:rPr lang="en-US" b="0" i="1" smtClean="0">
+                                  <a:latin typeface="Cambria Math" panose="02040503050406030204" pitchFamily="18" charset="0"/>
+                                </a:rPr>
+                                <m:t>𝑃</m:t>
+                              </m:r>
+                            </m:e>
+                            <m:sub>
+                              <m:r>
+                                <a:rPr lang="en-US" b="0" i="1" smtClean="0">
+                                  <a:latin typeface="Cambria Math" panose="02040503050406030204" pitchFamily="18" charset="0"/>
+                                </a:rPr>
+                                <m:t>𝑗𝑖</m:t>
+                              </m:r>
+                            </m:sub>
+                          </m:sSub>
+                          <m:d>
+                            <m:dPr>
+                              <m:begChr m:val="|"/>
+                              <m:endChr m:val="|"/>
+                              <m:ctrlPr>
+                                <a:rPr lang="he-IL" b="0" i="1" smtClean="0">
+                                  <a:latin typeface="Cambria Math" panose="02040503050406030204" pitchFamily="18" charset="0"/>
+                                </a:rPr>
+                              </m:ctrlPr>
+                            </m:dPr>
+                            <m:e>
+                              <m:r>
+                                <a:rPr lang="en-US" b="0" i="1" smtClean="0">
+                                  <a:latin typeface="Cambria Math" panose="02040503050406030204" pitchFamily="18" charset="0"/>
+                                </a:rPr>
+                                <m:t>𝑘</m:t>
+                              </m:r>
+                              <m:r>
+                                <a:rPr lang="en-US" b="0" i="1" smtClean="0">
+                                  <a:latin typeface="Cambria Math" panose="02040503050406030204" pitchFamily="18" charset="0"/>
+                                </a:rPr>
+                                <m:t>1</m:t>
+                              </m:r>
+                              <m:r>
+                                <a:rPr lang="en-US" b="0" i="1" smtClean="0">
+                                  <a:latin typeface="Cambria Math" panose="02040503050406030204" pitchFamily="18" charset="0"/>
+                                </a:rPr>
+                                <m:t>=</m:t>
+                              </m:r>
+                              <m:sSub>
+                                <m:sSubPr>
+                                  <m:ctrlPr>
+                                    <a:rPr lang="en-US" b="0" i="1" smtClean="0">
+                                      <a:latin typeface="Cambria Math" panose="02040503050406030204" pitchFamily="18" charset="0"/>
+                                    </a:rPr>
+                                  </m:ctrlPr>
+                                </m:sSubPr>
+                                <m:e>
+                                  <m:r>
+                                    <m:rPr>
+                                      <m:sty m:val="p"/>
+                                    </m:rPr>
+                                    <a:rPr lang="en-US" b="0" i="0" smtClean="0">
+                                      <a:latin typeface="Cambria Math" panose="02040503050406030204" pitchFamily="18" charset="0"/>
+                                    </a:rPr>
+                                    <m:t>Φ</m:t>
+                                  </m:r>
+                                </m:e>
+                                <m:sub>
+                                  <m:r>
+                                    <a:rPr lang="en-US" b="0" i="1" smtClean="0">
+                                      <a:latin typeface="Cambria Math" panose="02040503050406030204" pitchFamily="18" charset="0"/>
+                                    </a:rPr>
+                                    <m:t>𝑗𝑗</m:t>
+                                  </m:r>
+                                </m:sub>
+                              </m:sSub>
+                              <m:sSub>
+                                <m:sSubPr>
+                                  <m:ctrlPr>
+                                    <a:rPr lang="en-US" b="0" i="1" smtClean="0">
+                                      <a:latin typeface="Cambria Math" panose="02040503050406030204" pitchFamily="18" charset="0"/>
+                                    </a:rPr>
+                                  </m:ctrlPr>
+                                </m:sSubPr>
+                                <m:e>
+                                  <m:r>
+                                    <a:rPr lang="en-US" b="0" i="1" smtClean="0">
+                                      <a:latin typeface="Cambria Math" panose="02040503050406030204" pitchFamily="18" charset="0"/>
+                                    </a:rPr>
+                                    <m:t>𝑃</m:t>
+                                  </m:r>
+                                </m:e>
+                                <m:sub>
+                                  <m:r>
+                                    <a:rPr lang="en-US" b="0" i="1" smtClean="0">
+                                      <a:latin typeface="Cambria Math" panose="02040503050406030204" pitchFamily="18" charset="0"/>
+                                    </a:rPr>
+                                    <m:t>𝑗𝑖</m:t>
+                                  </m:r>
+                                </m:sub>
+                              </m:sSub>
+                            </m:e>
+                          </m:d>
+                          <m:r>
+                            <a:rPr lang="en-US" b="0" i="1" smtClean="0">
+                              <a:latin typeface="Cambria Math" panose="02040503050406030204" pitchFamily="18" charset="0"/>
+                            </a:rPr>
+                            <m:t>𝑘</m:t>
+                          </m:r>
+                          <m:sSubSup>
+                            <m:sSubSupPr>
+                              <m:ctrlPr>
+                                <a:rPr lang="en-US" b="0" i="1" smtClean="0">
+                                  <a:latin typeface="Cambria Math" panose="02040503050406030204" pitchFamily="18" charset="0"/>
+                                </a:rPr>
+                              </m:ctrlPr>
+                            </m:sSubSupPr>
+                            <m:e>
+                              <m:r>
+                                <m:rPr>
+                                  <m:sty m:val="p"/>
+                                </m:rPr>
+                                <a:rPr lang="en-US" b="0" i="0" smtClean="0">
+                                  <a:latin typeface="Cambria Math" panose="02040503050406030204" pitchFamily="18" charset="0"/>
+                                </a:rPr>
+                                <m:t>Φ</m:t>
+                              </m:r>
+                            </m:e>
+                            <m:sub>
+                              <m:r>
+                                <a:rPr lang="en-US" b="0" i="1" smtClean="0">
+                                  <a:latin typeface="Cambria Math" panose="02040503050406030204" pitchFamily="18" charset="0"/>
+                                </a:rPr>
+                                <m:t>𝑖𝑖</m:t>
+                              </m:r>
+                            </m:sub>
+                            <m:sup>
+                              <m:r>
+                                <a:rPr lang="en-US" b="0" i="1" smtClean="0">
+                                  <a:latin typeface="Cambria Math" panose="02040503050406030204" pitchFamily="18" charset="0"/>
+                                </a:rPr>
+                                <m:t>𝑇</m:t>
+                              </m:r>
+                            </m:sup>
+                          </m:sSubSup>
+                          <m:r>
+                            <a:rPr lang="en-US" b="0" i="1" smtClean="0">
+                              <a:latin typeface="Cambria Math" panose="02040503050406030204" pitchFamily="18" charset="0"/>
+                            </a:rPr>
+                            <m:t>=</m:t>
+                          </m:r>
+                          <m:r>
+                            <a:rPr lang="en-US" b="0" i="1" smtClean="0">
+                              <a:latin typeface="Cambria Math" panose="02040503050406030204" pitchFamily="18" charset="0"/>
+                            </a:rPr>
+                            <m:t>0</m:t>
+                          </m:r>
+                          <m:r>
+                            <a:rPr lang="en-US" b="0" i="1" smtClean="0">
+                              <a:latin typeface="Cambria Math" panose="02040503050406030204" pitchFamily="18" charset="0"/>
+                            </a:rPr>
+                            <m:t>     </m:t>
+                          </m:r>
+                          <m:r>
+                            <m:rPr>
+                              <m:nor/>
+                            </m:rPr>
+                            <a:rPr lang="en-US" b="0" i="0" smtClean="0">
+                              <a:latin typeface="Cambria Math" panose="02040503050406030204" pitchFamily="18" charset="0"/>
+                            </a:rPr>
+                            <m:t>if</m:t>
+                          </m:r>
+                          <m:r>
+                            <m:rPr>
+                              <m:nor/>
+                            </m:rPr>
+                            <a:rPr lang="en-US" b="0" i="0" smtClean="0">
+                              <a:latin typeface="Cambria Math" panose="02040503050406030204" pitchFamily="18" charset="0"/>
+                            </a:rPr>
+                            <m:t>   </m:t>
+                          </m:r>
+                          <m:r>
+                            <m:rPr>
+                              <m:nor/>
+                            </m:rPr>
+                            <a:rPr lang="en-US" b="0" i="0" smtClean="0">
+                              <a:latin typeface="Cambria Math" panose="02040503050406030204" pitchFamily="18" charset="0"/>
+                            </a:rPr>
+                            <m:t>P</m:t>
+                          </m:r>
+                          <m:r>
+                            <m:rPr>
+                              <m:nor/>
+                            </m:rPr>
+                            <a:rPr lang="en-US" b="0" i="0" smtClean="0">
+                              <a:latin typeface="Cambria Math" panose="02040503050406030204" pitchFamily="18" charset="0"/>
+                            </a:rPr>
+                            <m:t>_</m:t>
+                          </m:r>
+                          <m:r>
+                            <m:rPr>
+                              <m:nor/>
+                            </m:rPr>
+                            <a:rPr lang="en-US" b="0" i="0" smtClean="0">
+                              <a:latin typeface="Cambria Math" panose="02040503050406030204" pitchFamily="18" charset="0"/>
+                            </a:rPr>
+                            <m:t>ji</m:t>
+                          </m:r>
+                          <m:r>
+                            <a:rPr lang="he-IL" b="0" i="1" smtClean="0">
+                              <a:latin typeface="Cambria Math" panose="02040503050406030204" pitchFamily="18" charset="0"/>
+                            </a:rPr>
+                            <m:t>|</m:t>
+                          </m:r>
+                          <m:r>
+                            <a:rPr lang="en-US" b="0" i="1" smtClean="0">
+                              <a:latin typeface="Cambria Math" panose="02040503050406030204" pitchFamily="18" charset="0"/>
+                            </a:rPr>
+                            <m:t>𝑘</m:t>
+                          </m:r>
+                          <m:r>
+                            <a:rPr lang="en-US" b="0" i="1" smtClean="0">
+                              <a:latin typeface="Cambria Math" panose="02040503050406030204" pitchFamily="18" charset="0"/>
+                            </a:rPr>
+                            <m:t>=</m:t>
+                          </m:r>
+                          <m:r>
+                            <a:rPr lang="en-US" b="0" i="1" smtClean="0">
+                              <a:latin typeface="Cambria Math" panose="02040503050406030204" pitchFamily="18" charset="0"/>
+                            </a:rPr>
+                            <m:t>0</m:t>
+                          </m:r>
+                        </m:e>
+                      </m:mr>
+                    </m:m>
+                    <m:r>
+                      <a:rPr lang="he-IL" b="0" i="1" smtClean="0">
+                        <a:latin typeface="Cambria Math" panose="02040503050406030204" pitchFamily="18" charset="0"/>
+                      </a:rPr>
+                      <m:t> </m:t>
+                    </m:r>
+                  </m:oMath>
+                </a14:m>
+                <a:endParaRPr lang="he-IL" dirty="0"/>
+              </a:p>
+            </p:txBody>
+          </p:sp>
+        </mc:Choice>
+        <mc:Fallback>
+          <p:sp>
+            <p:nvSpPr>
+              <p:cNvPr id="3" name="Content Placeholder 2">
+                <a:extLst>
+                  <a:ext uri="{FF2B5EF4-FFF2-40B4-BE49-F238E27FC236}">
+                    <a16:creationId xmlns:a16="http://schemas.microsoft.com/office/drawing/2014/main" id="{D1C9FF8F-AAD0-2A04-76EA-5D88BEB33094}"/>
+                  </a:ext>
+                </a:extLst>
+              </p:cNvPr>
+              <p:cNvSpPr>
+                <a:spLocks noGrp="1" noRot="1" noChangeAspect="1" noMove="1" noResize="1" noEditPoints="1" noAdjustHandles="1" noChangeArrowheads="1" noChangeShapeType="1" noTextEdit="1"/>
+              </p:cNvSpPr>
+              <p:nvPr>
+                <p:ph idx="1"/>
+              </p:nvPr>
+            </p:nvSpPr>
+            <p:spPr>
+              <a:xfrm flipH="1">
+                <a:off x="146303" y="2142067"/>
+                <a:ext cx="11359895" cy="3649133"/>
+              </a:xfrm>
+              <a:blipFill>
+                <a:blip r:embed="rId3"/>
+                <a:stretch>
+                  <a:fillRect r="-215"/>
+                </a:stretch>
+              </a:blipFill>
+            </p:spPr>
+            <p:txBody>
+              <a:bodyPr/>
+              <a:lstStyle/>
+              <a:p>
+                <a:r>
+                  <a:rPr lang="he-IL">
+                    <a:noFill/>
+                  </a:rPr>
+                  <a:t> </a:t>
+                </a:r>
+              </a:p>
+            </p:txBody>
+          </p:sp>
+        </mc:Fallback>
+      </mc:AlternateContent>
+    </p:spTree>
+    <p:extLst>
+      <p:ext uri="{BB962C8B-B14F-4D97-AF65-F5344CB8AC3E}">
+        <p14:creationId xmlns:p14="http://schemas.microsoft.com/office/powerpoint/2010/main" val="2933883032"/>
       </p:ext>
     </p:extLst>
   </p:cSld>
@@ -13775,4 +18149,325 @@
     </a:ext>
   </a:extLst>
 </a:theme>
+</file>
+
+<file path=ppt/theme/theme2.xml><?xml version="1.0" encoding="utf-8"?>
+<a:theme xmlns:a="http://schemas.openxmlformats.org/drawingml/2006/main" name="Office Theme">
+  <a:themeElements>
+    <a:clrScheme name="Office">
+      <a:dk1>
+        <a:sysClr val="windowText" lastClr="000000"/>
+      </a:dk1>
+      <a:lt1>
+        <a:sysClr val="window" lastClr="FFFFFF"/>
+      </a:lt1>
+      <a:dk2>
+        <a:srgbClr val="0E2841"/>
+      </a:dk2>
+      <a:lt2>
+        <a:srgbClr val="E8E8E8"/>
+      </a:lt2>
+      <a:accent1>
+        <a:srgbClr val="156082"/>
+      </a:accent1>
+      <a:accent2>
+        <a:srgbClr val="E97132"/>
+      </a:accent2>
+      <a:accent3>
+        <a:srgbClr val="196B24"/>
+      </a:accent3>
+      <a:accent4>
+        <a:srgbClr val="0F9ED5"/>
+      </a:accent4>
+      <a:accent5>
+        <a:srgbClr val="A02B93"/>
+      </a:accent5>
+      <a:accent6>
+        <a:srgbClr val="4EA72E"/>
+      </a:accent6>
+      <a:hlink>
+        <a:srgbClr val="467886"/>
+      </a:hlink>
+      <a:folHlink>
+        <a:srgbClr val="96607D"/>
+      </a:folHlink>
+    </a:clrScheme>
+    <a:fontScheme name="Office">
+      <a:majorFont>
+        <a:latin typeface="Aptos Display" panose="02110004020202020204"/>
+        <a:ea typeface=""/>
+        <a:cs typeface=""/>
+        <a:font script="Jpan" typeface="游ゴシック Light"/>
+        <a:font script="Hang" typeface="맑은 고딕"/>
+        <a:font script="Hans" typeface="等线 Light"/>
+        <a:font script="Hant" typeface="新細明體"/>
+        <a:font script="Arab" typeface="Times New Roman"/>
+        <a:font script="Hebr" typeface="Times New Roman"/>
+        <a:font script="Thai" typeface="Angsana New"/>
+        <a:font script="Ethi" typeface="Nyala"/>
+        <a:font script="Beng" typeface="Vrinda"/>
+        <a:font script="Gujr" typeface="Shruti"/>
+        <a:font script="Khmr" typeface="MoolBoran"/>
+        <a:font script="Knda" typeface="Tunga"/>
+        <a:font script="Guru" typeface="Raavi"/>
+        <a:font script="Cans" typeface="Euphemia"/>
+        <a:font script="Cher" typeface="Plantagenet Cherokee"/>
+        <a:font script="Yiii" typeface="Microsoft Yi Baiti"/>
+        <a:font script="Tibt" typeface="Microsoft Himalaya"/>
+        <a:font script="Thaa" typeface="MV Boli"/>
+        <a:font script="Deva" typeface="Mangal"/>
+        <a:font script="Telu" typeface="Gautami"/>
+        <a:font script="Taml" typeface="Latha"/>
+        <a:font script="Syrc" typeface="Estrangelo Edessa"/>
+        <a:font script="Orya" typeface="Kalinga"/>
+        <a:font script="Mlym" typeface="Kartika"/>
+        <a:font script="Laoo" typeface="DokChampa"/>
+        <a:font script="Sinh" typeface="Iskoola Pota"/>
+        <a:font script="Mong" typeface="Mongolian Baiti"/>
+        <a:font script="Viet" typeface="Times New Roman"/>
+        <a:font script="Uigh" typeface="Microsoft Uighur"/>
+        <a:font script="Geor" typeface="Sylfaen"/>
+        <a:font script="Armn" typeface="Arial"/>
+        <a:font script="Bugi" typeface="Leelawadee UI"/>
+        <a:font script="Bopo" typeface="Microsoft JhengHei"/>
+        <a:font script="Java" typeface="Javanese Text"/>
+        <a:font script="Lisu" typeface="Segoe UI"/>
+        <a:font script="Mymr" typeface="Myanmar Text"/>
+        <a:font script="Nkoo" typeface="Ebrima"/>
+        <a:font script="Olck" typeface="Nirmala UI"/>
+        <a:font script="Osma" typeface="Ebrima"/>
+        <a:font script="Phag" typeface="Phagspa"/>
+        <a:font script="Syrn" typeface="Estrangelo Edessa"/>
+        <a:font script="Syrj" typeface="Estrangelo Edessa"/>
+        <a:font script="Syre" typeface="Estrangelo Edessa"/>
+        <a:font script="Sora" typeface="Nirmala UI"/>
+        <a:font script="Tale" typeface="Microsoft Tai Le"/>
+        <a:font script="Talu" typeface="Microsoft New Tai Lue"/>
+        <a:font script="Tfng" typeface="Ebrima"/>
+      </a:majorFont>
+      <a:minorFont>
+        <a:latin typeface="Aptos" panose="02110004020202020204"/>
+        <a:ea typeface=""/>
+        <a:cs typeface=""/>
+        <a:font script="Jpan" typeface="游ゴシック"/>
+        <a:font script="Hang" typeface="맑은 고딕"/>
+        <a:font script="Hans" typeface="等线"/>
+        <a:font script="Hant" typeface="新細明體"/>
+        <a:font script="Arab" typeface="Arial"/>
+        <a:font script="Hebr" typeface="Arial"/>
+        <a:font script="Thai" typeface="Cordia New"/>
+        <a:font script="Ethi" typeface="Nyala"/>
+        <a:font script="Beng" typeface="Vrinda"/>
+        <a:font script="Gujr" typeface="Shruti"/>
+        <a:font script="Khmr" typeface="DaunPenh"/>
+        <a:font script="Knda" typeface="Tunga"/>
+        <a:font script="Guru" typeface="Raavi"/>
+        <a:font script="Cans" typeface="Euphemia"/>
+        <a:font script="Cher" typeface="Plantagenet Cherokee"/>
+        <a:font script="Yiii" typeface="Microsoft Yi Baiti"/>
+        <a:font script="Tibt" typeface="Microsoft Himalaya"/>
+        <a:font script="Thaa" typeface="MV Boli"/>
+        <a:font script="Deva" typeface="Mangal"/>
+        <a:font script="Telu" typeface="Gautami"/>
+        <a:font script="Taml" typeface="Latha"/>
+        <a:font script="Syrc" typeface="Estrangelo Edessa"/>
+        <a:font script="Orya" typeface="Kalinga"/>
+        <a:font script="Mlym" typeface="Kartika"/>
+        <a:font script="Laoo" typeface="DokChampa"/>
+        <a:font script="Sinh" typeface="Iskoola Pota"/>
+        <a:font script="Mong" typeface="Mongolian Baiti"/>
+        <a:font script="Viet" typeface="Arial"/>
+        <a:font script="Uigh" typeface="Microsoft Uighur"/>
+        <a:font script="Geor" typeface="Sylfaen"/>
+        <a:font script="Armn" typeface="Arial"/>
+        <a:font script="Bugi" typeface="Leelawadee UI"/>
+        <a:font script="Bopo" typeface="Microsoft JhengHei"/>
+        <a:font script="Java" typeface="Javanese Text"/>
+        <a:font script="Lisu" typeface="Segoe UI"/>
+        <a:font script="Mymr" typeface="Myanmar Text"/>
+        <a:font script="Nkoo" typeface="Ebrima"/>
+        <a:font script="Olck" typeface="Nirmala UI"/>
+        <a:font script="Osma" typeface="Ebrima"/>
+        <a:font script="Phag" typeface="Phagspa"/>
+        <a:font script="Syrn" typeface="Estrangelo Edessa"/>
+        <a:font script="Syrj" typeface="Estrangelo Edessa"/>
+        <a:font script="Syre" typeface="Estrangelo Edessa"/>
+        <a:font script="Sora" typeface="Nirmala UI"/>
+        <a:font script="Tale" typeface="Microsoft Tai Le"/>
+        <a:font script="Talu" typeface="Microsoft New Tai Lue"/>
+        <a:font script="Tfng" typeface="Ebrima"/>
+      </a:minorFont>
+    </a:fontScheme>
+    <a:fmtScheme name="Office">
+      <a:fillStyleLst>
+        <a:solidFill>
+          <a:schemeClr val="phClr"/>
+        </a:solidFill>
+        <a:gradFill rotWithShape="1">
+          <a:gsLst>
+            <a:gs pos="0">
+              <a:schemeClr val="phClr">
+                <a:lumMod val="110000"/>
+                <a:satMod val="105000"/>
+                <a:tint val="67000"/>
+              </a:schemeClr>
+            </a:gs>
+            <a:gs pos="50000">
+              <a:schemeClr val="phClr">
+                <a:lumMod val="105000"/>
+                <a:satMod val="103000"/>
+                <a:tint val="73000"/>
+              </a:schemeClr>
+            </a:gs>
+            <a:gs pos="100000">
+              <a:schemeClr val="phClr">
+                <a:lumMod val="105000"/>
+                <a:satMod val="109000"/>
+                <a:tint val="81000"/>
+              </a:schemeClr>
+            </a:gs>
+          </a:gsLst>
+          <a:lin ang="5400000" scaled="0"/>
+        </a:gradFill>
+        <a:gradFill rotWithShape="1">
+          <a:gsLst>
+            <a:gs pos="0">
+              <a:schemeClr val="phClr">
+                <a:satMod val="103000"/>
+                <a:lumMod val="102000"/>
+                <a:tint val="94000"/>
+              </a:schemeClr>
+            </a:gs>
+            <a:gs pos="50000">
+              <a:schemeClr val="phClr">
+                <a:satMod val="110000"/>
+                <a:lumMod val="100000"/>
+                <a:shade val="100000"/>
+              </a:schemeClr>
+            </a:gs>
+            <a:gs pos="100000">
+              <a:schemeClr val="phClr">
+                <a:lumMod val="99000"/>
+                <a:satMod val="120000"/>
+                <a:shade val="78000"/>
+              </a:schemeClr>
+            </a:gs>
+          </a:gsLst>
+          <a:lin ang="5400000" scaled="0"/>
+        </a:gradFill>
+      </a:fillStyleLst>
+      <a:lnStyleLst>
+        <a:ln w="12700" cap="flat" cmpd="sng" algn="ctr">
+          <a:solidFill>
+            <a:schemeClr val="phClr"/>
+          </a:solidFill>
+          <a:prstDash val="solid"/>
+          <a:miter lim="800000"/>
+        </a:ln>
+        <a:ln w="19050" cap="flat" cmpd="sng" algn="ctr">
+          <a:solidFill>
+            <a:schemeClr val="phClr"/>
+          </a:solidFill>
+          <a:prstDash val="solid"/>
+          <a:miter lim="800000"/>
+        </a:ln>
+        <a:ln w="25400" cap="flat" cmpd="sng" algn="ctr">
+          <a:solidFill>
+            <a:schemeClr val="phClr"/>
+          </a:solidFill>
+          <a:prstDash val="solid"/>
+          <a:miter lim="800000"/>
+        </a:ln>
+      </a:lnStyleLst>
+      <a:effectStyleLst>
+        <a:effectStyle>
+          <a:effectLst/>
+        </a:effectStyle>
+        <a:effectStyle>
+          <a:effectLst/>
+        </a:effectStyle>
+        <a:effectStyle>
+          <a:effectLst>
+            <a:outerShdw blurRad="57150" dist="19050" dir="5400000" algn="ctr" rotWithShape="0">
+              <a:srgbClr val="000000">
+                <a:alpha val="63000"/>
+              </a:srgbClr>
+            </a:outerShdw>
+          </a:effectLst>
+        </a:effectStyle>
+      </a:effectStyleLst>
+      <a:bgFillStyleLst>
+        <a:solidFill>
+          <a:schemeClr val="phClr"/>
+        </a:solidFill>
+        <a:solidFill>
+          <a:schemeClr val="phClr">
+            <a:tint val="95000"/>
+            <a:satMod val="170000"/>
+          </a:schemeClr>
+        </a:solidFill>
+        <a:gradFill rotWithShape="1">
+          <a:gsLst>
+            <a:gs pos="0">
+              <a:schemeClr val="phClr">
+                <a:tint val="93000"/>
+                <a:satMod val="150000"/>
+                <a:shade val="98000"/>
+                <a:lumMod val="102000"/>
+              </a:schemeClr>
+            </a:gs>
+            <a:gs pos="50000">
+              <a:schemeClr val="phClr">
+                <a:tint val="98000"/>
+                <a:satMod val="130000"/>
+                <a:shade val="90000"/>
+                <a:lumMod val="103000"/>
+              </a:schemeClr>
+            </a:gs>
+            <a:gs pos="100000">
+              <a:schemeClr val="phClr">
+                <a:shade val="63000"/>
+                <a:satMod val="120000"/>
+              </a:schemeClr>
+            </a:gs>
+          </a:gsLst>
+          <a:lin ang="5400000" scaled="0"/>
+        </a:gradFill>
+      </a:bgFillStyleLst>
+    </a:fmtScheme>
+  </a:themeElements>
+  <a:objectDefaults>
+    <a:lnDef>
+      <a:spPr/>
+      <a:bodyPr/>
+      <a:lstStyle/>
+      <a:style>
+        <a:lnRef idx="2">
+          <a:schemeClr val="accent1"/>
+        </a:lnRef>
+        <a:fillRef idx="0">
+          <a:schemeClr val="accent1"/>
+        </a:fillRef>
+        <a:effectRef idx="1">
+          <a:schemeClr val="accent1"/>
+        </a:effectRef>
+        <a:fontRef idx="minor">
+          <a:schemeClr val="tx1"/>
+        </a:fontRef>
+      </a:style>
+    </a:lnDef>
+  </a:objectDefaults>
+  <a:extraClrSchemeLst/>
+  <a:extLst>
+    <a:ext uri="{05A4C25C-085E-4340-85A3-A5531E510DB2}">
+      <thm15:themeFamily xmlns:thm15="http://schemas.microsoft.com/office/thememl/2012/main" name="Office Theme" id="{2E142A2C-CD16-42D6-873A-C26D2A0506FA}" vid="{1BDDFF52-6CD6-40A5-AB3C-68EB2F1E4D0A}"/>
+    </a:ext>
+  </a:extLst>
+</a:theme>
+</file>
+
+<file path=docMetadata/LabelInfo.xml><?xml version="1.0" encoding="utf-8"?>
+<clbl:labelList xmlns:clbl="http://schemas.microsoft.com/office/2020/mipLabelMetadata">
+  <clbl:label id="{ca9901fa-d2f9-4f8e-a5a0-7d0ae63b2797}" enabled="1" method="Standard" siteId="{d9d3d3ff-6c08-40ca-a4a9-aefb873ec020}" contentBits="3" removed="0"/>
+</clbl:labelList>
 </file>
--- a/Federated Kalman filter.pptx
+++ b/Federated Kalman filter.pptx
@@ -5,7 +5,7 @@
     <p:sldMasterId id="2147483648" r:id="rId1"/>
   </p:sldMasterIdLst>
   <p:notesMasterIdLst>
-    <p:notesMasterId r:id="rId15"/>
+    <p:notesMasterId r:id="rId19"/>
   </p:notesMasterIdLst>
   <p:sldIdLst>
     <p:sldId id="256" r:id="rId2"/>
@@ -21,6 +21,10 @@
     <p:sldId id="266" r:id="rId12"/>
     <p:sldId id="267" r:id="rId13"/>
     <p:sldId id="268" r:id="rId14"/>
+    <p:sldId id="269" r:id="rId15"/>
+    <p:sldId id="270" r:id="rId16"/>
+    <p:sldId id="271" r:id="rId17"/>
+    <p:sldId id="272" r:id="rId18"/>
   </p:sldIdLst>
   <p:sldSz cx="12192000" cy="6858000"/>
   <p:notesSz cx="6858000" cy="9144000"/>
@@ -264,7 +268,7 @@
           <a:p>
             <a:fld id="{9FBC8B04-6135-4B93-86DB-9D89BE1381F3}" type="datetimeFigureOut">
               <a:rPr lang="he-IL" smtClean="0"/>
-              <a:t>ט"ו/אלול/תשפ"ה</a:t>
+              <a:t>ט"ז/אלול/תשפ"ה</a:t>
             </a:fld>
             <a:endParaRPr lang="he-IL"/>
           </a:p>
@@ -676,6 +680,90 @@
           <a:bodyPr/>
           <a:lstStyle/>
           <a:p>
+            <a:endParaRPr lang="he-IL" dirty="0"/>
+          </a:p>
+        </p:txBody>
+      </p:sp>
+      <p:sp>
+        <p:nvSpPr>
+          <p:cNvPr id="4" name="Slide Number Placeholder 3"/>
+          <p:cNvSpPr>
+            <a:spLocks noGrp="1"/>
+          </p:cNvSpPr>
+          <p:nvPr>
+            <p:ph type="sldNum" sz="quarter" idx="5"/>
+          </p:nvPr>
+        </p:nvSpPr>
+        <p:spPr/>
+        <p:txBody>
+          <a:bodyPr/>
+          <a:lstStyle/>
+          <a:p>
+            <a:fld id="{C64F4B96-EF2B-4E12-A000-E576EF522EF2}" type="slidenum">
+              <a:rPr lang="he-IL" smtClean="0"/>
+              <a:t>10</a:t>
+            </a:fld>
+            <a:endParaRPr lang="he-IL"/>
+          </a:p>
+        </p:txBody>
+      </p:sp>
+    </p:spTree>
+    <p:extLst>
+      <p:ext uri="{BB962C8B-B14F-4D97-AF65-F5344CB8AC3E}">
+        <p14:creationId xmlns:p14="http://schemas.microsoft.com/office/powerpoint/2010/main" val="423026964"/>
+      </p:ext>
+    </p:extLst>
+  </p:cSld>
+  <p:clrMapOvr>
+    <a:masterClrMapping/>
+  </p:clrMapOvr>
+</p:notes>
+</file>
+
+<file path=ppt/notesSlides/notesSlide3.xml><?xml version="1.0" encoding="utf-8"?>
+<p:notes xmlns:a="http://schemas.openxmlformats.org/drawingml/2006/main" xmlns:r="http://schemas.openxmlformats.org/officeDocument/2006/relationships" xmlns:p="http://schemas.openxmlformats.org/presentationml/2006/main">
+  <p:cSld>
+    <p:spTree>
+      <p:nvGrpSpPr>
+        <p:cNvPr id="1" name=""/>
+        <p:cNvGrpSpPr/>
+        <p:nvPr/>
+      </p:nvGrpSpPr>
+      <p:grpSpPr>
+        <a:xfrm>
+          <a:off x="0" y="0"/>
+          <a:ext cx="0" cy="0"/>
+          <a:chOff x="0" y="0"/>
+          <a:chExt cx="0" cy="0"/>
+        </a:xfrm>
+      </p:grpSpPr>
+      <p:sp>
+        <p:nvSpPr>
+          <p:cNvPr id="2" name="Slide Image Placeholder 1"/>
+          <p:cNvSpPr>
+            <a:spLocks noGrp="1" noRot="1" noChangeAspect="1"/>
+          </p:cNvSpPr>
+          <p:nvPr>
+            <p:ph type="sldImg"/>
+          </p:nvPr>
+        </p:nvSpPr>
+        <p:spPr/>
+      </p:sp>
+      <p:sp>
+        <p:nvSpPr>
+          <p:cNvPr id="3" name="Notes Placeholder 2"/>
+          <p:cNvSpPr>
+            <a:spLocks noGrp="1"/>
+          </p:cNvSpPr>
+          <p:nvPr>
+            <p:ph type="body" idx="1"/>
+          </p:nvPr>
+        </p:nvSpPr>
+        <p:spPr/>
+        <p:txBody>
+          <a:bodyPr/>
+          <a:lstStyle/>
+          <a:p>
             <a:pPr algn="r" rtl="1"/>
             <a:r>
               <a:rPr lang="he-IL" dirty="0"/>
@@ -969,7 +1057,7 @@
             <a:fld id="{B61BEF0D-F0BB-DE4B-95CE-6DB70DBA9567}" type="datetimeFigureOut">
               <a:rPr lang="en-US" smtClean="0"/>
               <a:pPr/>
-              <a:t>9/8/2025</a:t>
+              <a:t>9/9/2025</a:t>
             </a:fld>
             <a:endParaRPr lang="en-US" dirty="0"/>
           </a:p>
@@ -1317,7 +1405,7 @@
             <a:fld id="{B61BEF0D-F0BB-DE4B-95CE-6DB70DBA9567}" type="datetimeFigureOut">
               <a:rPr lang="en-US" smtClean="0"/>
               <a:pPr/>
-              <a:t>9/8/2025</a:t>
+              <a:t>9/9/2025</a:t>
             </a:fld>
             <a:endParaRPr lang="en-US" dirty="0"/>
           </a:p>
@@ -1619,7 +1707,7 @@
             <a:fld id="{B61BEF0D-F0BB-DE4B-95CE-6DB70DBA9567}" type="datetimeFigureOut">
               <a:rPr lang="en-US" smtClean="0"/>
               <a:pPr/>
-              <a:t>9/8/2025</a:t>
+              <a:t>9/9/2025</a:t>
             </a:fld>
             <a:endParaRPr lang="en-US" dirty="0"/>
           </a:p>
@@ -2211,7 +2299,7 @@
             <a:fld id="{B61BEF0D-F0BB-DE4B-95CE-6DB70DBA9567}" type="datetimeFigureOut">
               <a:rPr lang="en-US" smtClean="0"/>
               <a:pPr/>
-              <a:t>9/8/2025</a:t>
+              <a:t>9/9/2025</a:t>
             </a:fld>
             <a:endParaRPr lang="en-US" dirty="0"/>
           </a:p>
@@ -2513,7 +2601,7 @@
             <a:fld id="{B61BEF0D-F0BB-DE4B-95CE-6DB70DBA9567}" type="datetimeFigureOut">
               <a:rPr lang="en-US" smtClean="0"/>
               <a:pPr/>
-              <a:t>9/8/2025</a:t>
+              <a:t>9/9/2025</a:t>
             </a:fld>
             <a:endParaRPr lang="en-US" dirty="0"/>
           </a:p>
@@ -3099,7 +3187,7 @@
             <a:fld id="{B61BEF0D-F0BB-DE4B-95CE-6DB70DBA9567}" type="datetimeFigureOut">
               <a:rPr lang="en-US" smtClean="0"/>
               <a:pPr/>
-              <a:t>9/8/2025</a:t>
+              <a:t>9/9/2025</a:t>
             </a:fld>
             <a:endParaRPr lang="en-US" dirty="0"/>
           </a:p>
@@ -3450,7 +3538,7 @@
             <a:fld id="{B61BEF0D-F0BB-DE4B-95CE-6DB70DBA9567}" type="datetimeFigureOut">
               <a:rPr lang="en-US" smtClean="0"/>
               <a:pPr/>
-              <a:t>9/8/2025</a:t>
+              <a:t>9/9/2025</a:t>
             </a:fld>
             <a:endParaRPr lang="en-US" dirty="0"/>
           </a:p>
@@ -3672,7 +3760,7 @@
             <a:fld id="{B61BEF0D-F0BB-DE4B-95CE-6DB70DBA9567}" type="datetimeFigureOut">
               <a:rPr lang="en-US" smtClean="0"/>
               <a:pPr/>
-              <a:t>9/8/2025</a:t>
+              <a:t>9/9/2025</a:t>
             </a:fld>
             <a:endParaRPr lang="en-US" dirty="0"/>
           </a:p>
@@ -3958,7 +4046,7 @@
             <a:fld id="{B61BEF0D-F0BB-DE4B-95CE-6DB70DBA9567}" type="datetimeFigureOut">
               <a:rPr lang="en-US" smtClean="0"/>
               <a:pPr/>
-              <a:t>9/8/2025</a:t>
+              <a:t>9/9/2025</a:t>
             </a:fld>
             <a:endParaRPr lang="en-US" dirty="0"/>
           </a:p>
@@ -4212,7 +4300,7 @@
             <a:fld id="{B61BEF0D-F0BB-DE4B-95CE-6DB70DBA9567}" type="datetimeFigureOut">
               <a:rPr lang="en-US" smtClean="0"/>
               <a:pPr/>
-              <a:t>9/8/2025</a:t>
+              <a:t>9/9/2025</a:t>
             </a:fld>
             <a:endParaRPr lang="en-US" dirty="0"/>
           </a:p>
@@ -4512,7 +4600,7 @@
             <a:fld id="{B61BEF0D-F0BB-DE4B-95CE-6DB70DBA9567}" type="datetimeFigureOut">
               <a:rPr lang="en-US" smtClean="0"/>
               <a:pPr/>
-              <a:t>9/8/2025</a:t>
+              <a:t>9/9/2025</a:t>
             </a:fld>
             <a:endParaRPr lang="en-US" dirty="0"/>
           </a:p>
@@ -4843,7 +4931,7 @@
             <a:fld id="{B61BEF0D-F0BB-DE4B-95CE-6DB70DBA9567}" type="datetimeFigureOut">
               <a:rPr lang="en-US" smtClean="0"/>
               <a:pPr/>
-              <a:t>9/8/2025</a:t>
+              <a:t>9/9/2025</a:t>
             </a:fld>
             <a:endParaRPr lang="en-US" dirty="0"/>
           </a:p>
@@ -5278,7 +5366,7 @@
             <a:fld id="{B61BEF0D-F0BB-DE4B-95CE-6DB70DBA9567}" type="datetimeFigureOut">
               <a:rPr lang="en-US" smtClean="0"/>
               <a:pPr/>
-              <a:t>9/8/2025</a:t>
+              <a:t>9/9/2025</a:t>
             </a:fld>
             <a:endParaRPr lang="en-US" dirty="0"/>
           </a:p>
@@ -5459,7 +5547,7 @@
             <a:fld id="{B61BEF0D-F0BB-DE4B-95CE-6DB70DBA9567}" type="datetimeFigureOut">
               <a:rPr lang="en-US" smtClean="0"/>
               <a:pPr/>
-              <a:t>9/8/2025</a:t>
+              <a:t>9/9/2025</a:t>
             </a:fld>
             <a:endParaRPr lang="en-US" dirty="0"/>
           </a:p>
@@ -5608,7 +5696,7 @@
             <a:fld id="{B61BEF0D-F0BB-DE4B-95CE-6DB70DBA9567}" type="datetimeFigureOut">
               <a:rPr lang="en-US" smtClean="0"/>
               <a:pPr/>
-              <a:t>9/8/2025</a:t>
+              <a:t>9/9/2025</a:t>
             </a:fld>
             <a:endParaRPr lang="en-US" dirty="0"/>
           </a:p>
@@ -5933,7 +6021,7 @@
             <a:fld id="{B61BEF0D-F0BB-DE4B-95CE-6DB70DBA9567}" type="datetimeFigureOut">
               <a:rPr lang="en-US" smtClean="0"/>
               <a:pPr/>
-              <a:t>9/8/2025</a:t>
+              <a:t>9/9/2025</a:t>
             </a:fld>
             <a:endParaRPr lang="en-US" dirty="0"/>
           </a:p>
@@ -6281,7 +6369,7 @@
             <a:fld id="{B61BEF0D-F0BB-DE4B-95CE-6DB70DBA9567}" type="datetimeFigureOut">
               <a:rPr lang="en-US" smtClean="0"/>
               <a:pPr/>
-              <a:t>9/8/2025</a:t>
+              <a:t>9/9/2025</a:t>
             </a:fld>
             <a:endParaRPr lang="en-US" dirty="0"/>
           </a:p>
@@ -6510,7 +6598,7 @@
             <a:fld id="{B61BEF0D-F0BB-DE4B-95CE-6DB70DBA9567}" type="datetimeFigureOut">
               <a:rPr lang="en-US" smtClean="0"/>
               <a:pPr/>
-              <a:t>9/8/2025</a:t>
+              <a:t>9/9/2025</a:t>
             </a:fld>
             <a:endParaRPr lang="en-US" dirty="0"/>
           </a:p>
@@ -7245,8 +7333,8 @@
           </a:p>
         </p:txBody>
       </p:sp>
-      <mc:AlternateContent xmlns:mc="http://schemas.openxmlformats.org/markup-compatibility/2006">
-        <mc:Choice xmlns:a14="http://schemas.microsoft.com/office/drawing/2010/main" Requires="a14">
+      <mc:AlternateContent xmlns:mc="http://schemas.openxmlformats.org/markup-compatibility/2006" xmlns:a14="http://schemas.microsoft.com/office/drawing/2010/main">
+        <mc:Choice Requires="a14">
           <p:sp>
             <p:nvSpPr>
               <p:cNvPr id="3" name="Content Placeholder 2">
@@ -7501,7 +7589,7 @@
             </p:txBody>
           </p:sp>
         </mc:Choice>
-        <mc:Fallback>
+        <mc:Fallback xmlns="">
           <p:sp>
             <p:nvSpPr>
               <p:cNvPr id="3" name="Content Placeholder 2">
@@ -7520,7 +7608,7 @@
             </p:nvSpPr>
             <p:spPr>
               <a:blipFill>
-                <a:blip r:embed="rId2"/>
+                <a:blip r:embed="rId3"/>
                 <a:stretch>
                   <a:fillRect r="-602"/>
                 </a:stretch>
@@ -7821,6 +7909,1622 @@
     <p:extLst>
       <p:ext uri="{BB962C8B-B14F-4D97-AF65-F5344CB8AC3E}">
         <p14:creationId xmlns:p14="http://schemas.microsoft.com/office/powerpoint/2010/main" val="1686775549"/>
+      </p:ext>
+    </p:extLst>
+  </p:cSld>
+  <p:clrMapOvr>
+    <a:masterClrMapping/>
+  </p:clrMapOvr>
+</p:sld>
+</file>
+
+<file path=ppt/slides/slide14.xml><?xml version="1.0" encoding="utf-8"?>
+<p:sld xmlns:a="http://schemas.openxmlformats.org/drawingml/2006/main" xmlns:r="http://schemas.openxmlformats.org/officeDocument/2006/relationships" xmlns:p="http://schemas.openxmlformats.org/presentationml/2006/main">
+  <p:cSld>
+    <p:spTree>
+      <p:nvGrpSpPr>
+        <p:cNvPr id="1" name=""/>
+        <p:cNvGrpSpPr/>
+        <p:nvPr/>
+      </p:nvGrpSpPr>
+      <p:grpSpPr>
+        <a:xfrm>
+          <a:off x="0" y="0"/>
+          <a:ext cx="0" cy="0"/>
+          <a:chOff x="0" y="0"/>
+          <a:chExt cx="0" cy="0"/>
+        </a:xfrm>
+      </p:grpSpPr>
+      <p:sp>
+        <p:nvSpPr>
+          <p:cNvPr id="2" name="Title 1">
+            <a:extLst>
+              <a:ext uri="{FF2B5EF4-FFF2-40B4-BE49-F238E27FC236}">
+                <a16:creationId xmlns:a16="http://schemas.microsoft.com/office/drawing/2014/main" id="{850C1A75-5608-C9B5-8116-B06660C85B29}"/>
+              </a:ext>
+            </a:extLst>
+          </p:cNvPr>
+          <p:cNvSpPr>
+            <a:spLocks noGrp="1"/>
+          </p:cNvSpPr>
+          <p:nvPr>
+            <p:ph type="title"/>
+          </p:nvPr>
+        </p:nvSpPr>
+        <p:spPr/>
+        <p:txBody>
+          <a:bodyPr/>
+          <a:lstStyle/>
+          <a:p>
+            <a:r>
+              <a:rPr lang="he-IL" dirty="0"/>
+              <a:t>יתרונות ה </a:t>
+            </a:r>
+            <a:r>
+              <a:rPr lang="en-US" dirty="0"/>
+              <a:t>FKF</a:t>
+            </a:r>
+            <a:r>
+              <a:rPr lang="he-IL" dirty="0"/>
+              <a:t> על ה </a:t>
+            </a:r>
+            <a:r>
+              <a:rPr lang="en-US" dirty="0"/>
+              <a:t>CKF</a:t>
+            </a:r>
+            <a:endParaRPr lang="he-IL" dirty="0"/>
+          </a:p>
+        </p:txBody>
+      </p:sp>
+      <p:sp>
+        <p:nvSpPr>
+          <p:cNvPr id="3" name="Content Placeholder 2">
+            <a:extLst>
+              <a:ext uri="{FF2B5EF4-FFF2-40B4-BE49-F238E27FC236}">
+                <a16:creationId xmlns:a16="http://schemas.microsoft.com/office/drawing/2014/main" id="{02F3AE4B-73B3-C9B0-4EBC-BBC1EBEA667C}"/>
+              </a:ext>
+            </a:extLst>
+          </p:cNvPr>
+          <p:cNvSpPr>
+            <a:spLocks noGrp="1"/>
+          </p:cNvSpPr>
+          <p:nvPr>
+            <p:ph idx="1"/>
+          </p:nvPr>
+        </p:nvSpPr>
+        <p:spPr/>
+        <p:txBody>
+          <a:bodyPr>
+            <a:normAutofit/>
+          </a:bodyPr>
+          <a:lstStyle/>
+          <a:p>
+            <a:r>
+              <a:rPr lang="he-IL" sz="2400" dirty="0"/>
+              <a:t>עומס חישובי מופחת -</a:t>
+            </a:r>
+            <a:r>
+              <a:rPr lang="en-US" sz="2400" dirty="0"/>
+              <a:t> </a:t>
+            </a:r>
+            <a:r>
+              <a:rPr lang="he-IL" sz="2400" dirty="0"/>
+              <a:t> העומס החישובי מתחלק בין מספר מעבדים (או ליבות)</a:t>
+            </a:r>
+            <a:r>
+              <a:rPr lang="en-US" sz="2400" dirty="0"/>
+              <a:t> </a:t>
+            </a:r>
+            <a:r>
+              <a:rPr lang="he-IL" sz="2400" dirty="0"/>
+              <a:t>ולכן אין צורך במעבד מרכזי אחד בעל עוצמת חישוב גדולה.</a:t>
+            </a:r>
+          </a:p>
+          <a:p>
+            <a:r>
+              <a:rPr lang="he-IL" sz="2400" dirty="0"/>
+              <a:t>מדרגיות </a:t>
+            </a:r>
+            <a:r>
+              <a:rPr lang="en-US" sz="2400" dirty="0"/>
+              <a:t>(Scalability)</a:t>
+            </a:r>
+            <a:r>
+              <a:rPr lang="he-IL" sz="2400" dirty="0"/>
+              <a:t> – קל להוסיף/ להסיר חיישנים בהתאם לתצורה ללא צורך בתכנון מחדש של כל הארכיטקטורה</a:t>
+            </a:r>
+          </a:p>
+          <a:p>
+            <a:r>
+              <a:rPr lang="he-IL" sz="2400" b="1" dirty="0"/>
+              <a:t>אמינות ועמידות גבוהות יותר – במקרה בו חיישן כושל/ מספק מדידה שגויה, שאר המערכת יכולה לתפקד כרגיל</a:t>
+            </a:r>
+          </a:p>
+          <a:p>
+            <a:endParaRPr lang="he-IL" sz="2400" dirty="0"/>
+          </a:p>
+        </p:txBody>
+      </p:sp>
+    </p:spTree>
+    <p:extLst>
+      <p:ext uri="{BB962C8B-B14F-4D97-AF65-F5344CB8AC3E}">
+        <p14:creationId xmlns:p14="http://schemas.microsoft.com/office/powerpoint/2010/main" val="2112229645"/>
+      </p:ext>
+    </p:extLst>
+  </p:cSld>
+  <p:clrMapOvr>
+    <a:masterClrMapping/>
+  </p:clrMapOvr>
+</p:sld>
+</file>
+
+<file path=ppt/slides/slide15.xml><?xml version="1.0" encoding="utf-8"?>
+<p:sld xmlns:a="http://schemas.openxmlformats.org/drawingml/2006/main" xmlns:r="http://schemas.openxmlformats.org/officeDocument/2006/relationships" xmlns:p="http://schemas.openxmlformats.org/presentationml/2006/main">
+  <p:cSld>
+    <p:spTree>
+      <p:nvGrpSpPr>
+        <p:cNvPr id="1" name=""/>
+        <p:cNvGrpSpPr/>
+        <p:nvPr/>
+      </p:nvGrpSpPr>
+      <p:grpSpPr>
+        <a:xfrm>
+          <a:off x="0" y="0"/>
+          <a:ext cx="0" cy="0"/>
+          <a:chOff x="0" y="0"/>
+          <a:chExt cx="0" cy="0"/>
+        </a:xfrm>
+      </p:grpSpPr>
+      <p:sp>
+        <p:nvSpPr>
+          <p:cNvPr id="2" name="Title 1">
+            <a:extLst>
+              <a:ext uri="{FF2B5EF4-FFF2-40B4-BE49-F238E27FC236}">
+                <a16:creationId xmlns:a16="http://schemas.microsoft.com/office/drawing/2014/main" id="{6853A274-BB0B-8EAD-6E04-6C0D93ADE66B}"/>
+              </a:ext>
+            </a:extLst>
+          </p:cNvPr>
+          <p:cNvSpPr>
+            <a:spLocks noGrp="1"/>
+          </p:cNvSpPr>
+          <p:nvPr>
+            <p:ph type="title"/>
+          </p:nvPr>
+        </p:nvSpPr>
+        <p:spPr/>
+        <p:txBody>
+          <a:bodyPr/>
+          <a:lstStyle/>
+          <a:p>
+            <a:r>
+              <a:rPr lang="he-IL" dirty="0"/>
+              <a:t>אלגוריתם לאיתור תקלות מבוסס מבחן חי-בריבוע וחלון נע</a:t>
+            </a:r>
+          </a:p>
+        </p:txBody>
+      </p:sp>
+      <mc:AlternateContent xmlns:mc="http://schemas.openxmlformats.org/markup-compatibility/2006">
+        <mc:Choice xmlns:a14="http://schemas.microsoft.com/office/drawing/2010/main" Requires="a14">
+          <p:sp>
+            <p:nvSpPr>
+              <p:cNvPr id="3" name="Content Placeholder 2">
+                <a:extLst>
+                  <a:ext uri="{FF2B5EF4-FFF2-40B4-BE49-F238E27FC236}">
+                    <a16:creationId xmlns:a16="http://schemas.microsoft.com/office/drawing/2014/main" id="{5A28CB37-E24F-B05F-0784-A77987F3A762}"/>
+                  </a:ext>
+                </a:extLst>
+              </p:cNvPr>
+              <p:cNvSpPr>
+                <a:spLocks noGrp="1"/>
+              </p:cNvSpPr>
+              <p:nvPr>
+                <p:ph idx="1"/>
+              </p:nvPr>
+            </p:nvSpPr>
+            <p:spPr/>
+            <p:txBody>
+              <a:bodyPr/>
+              <a:lstStyle/>
+              <a:p>
+                <a:pPr marL="0" indent="0">
+                  <a:buNone/>
+                </a:pPr>
+                <a:r>
+                  <a:rPr lang="he-IL" b="1" u="sng" dirty="0"/>
+                  <a:t>מטרת האלגוריתם  </a:t>
+                </a:r>
+                <a:r>
+                  <a:rPr lang="he-IL" u="sng" dirty="0"/>
+                  <a:t>-</a:t>
+                </a:r>
+                <a:r>
+                  <a:rPr lang="he-IL" dirty="0"/>
+                  <a:t> זיהוי מדידות חריגות (תקלות)</a:t>
+                </a:r>
+                <a:r>
+                  <a:rPr lang="en-US" dirty="0"/>
+                  <a:t> </a:t>
+                </a:r>
+                <a:r>
+                  <a:rPr lang="he-IL" dirty="0"/>
+                  <a:t>בזמן אמת בכל מסנן מקומי, </a:t>
+                </a:r>
+                <a:r>
+                  <a:rPr lang="he-IL" b="1" dirty="0"/>
+                  <a:t>לפני</a:t>
+                </a:r>
+                <a:r>
+                  <a:rPr lang="he-IL" dirty="0"/>
+                  <a:t> שלב היתוך הפילטרים</a:t>
+                </a:r>
+              </a:p>
+              <a:p>
+                <a:pPr marL="0" indent="0">
+                  <a:buNone/>
+                </a:pPr>
+                <a:r>
+                  <a:rPr lang="he-IL" b="1" u="sng" dirty="0"/>
+                  <a:t>גישה משולבת:</a:t>
+                </a:r>
+              </a:p>
+              <a:p>
+                <a:pPr marL="342900" indent="-342900">
+                  <a:buAutoNum type="arabicPeriod"/>
+                </a:pPr>
+                <a:r>
+                  <a:rPr lang="he-IL" dirty="0"/>
+                  <a:t>בדיקה רגעית באמצעות </a:t>
+                </a:r>
+                <a:r>
+                  <a:rPr lang="he-IL" b="1" dirty="0"/>
+                  <a:t>מבחן חי בריבוע </a:t>
+                </a:r>
+                <a14:m>
+                  <m:oMath xmlns:m="http://schemas.openxmlformats.org/officeDocument/2006/math">
+                    <m:sSup>
+                      <m:sSupPr>
+                        <m:ctrlPr>
+                          <a:rPr lang="en-US" b="1" i="0" smtClean="0">
+                            <a:latin typeface="Cambria Math" panose="02040503050406030204" pitchFamily="18" charset="0"/>
+                            <a:ea typeface="Cambria Math" panose="02040503050406030204" pitchFamily="18" charset="0"/>
+                          </a:rPr>
+                        </m:ctrlPr>
+                      </m:sSupPr>
+                      <m:e>
+                        <m:r>
+                          <a:rPr lang="en-US" b="1" i="1" smtClean="0">
+                            <a:latin typeface="Cambria Math" panose="02040503050406030204" pitchFamily="18" charset="0"/>
+                            <a:ea typeface="Cambria Math" panose="02040503050406030204" pitchFamily="18" charset="0"/>
+                          </a:rPr>
+                          <m:t>𝛘</m:t>
+                        </m:r>
+                      </m:e>
+                      <m:sup>
+                        <m:r>
+                          <a:rPr lang="en-US" b="1" i="1" smtClean="0">
+                            <a:latin typeface="Cambria Math" panose="02040503050406030204" pitchFamily="18" charset="0"/>
+                            <a:ea typeface="Cambria Math" panose="02040503050406030204" pitchFamily="18" charset="0"/>
+                          </a:rPr>
+                          <m:t>𝟐</m:t>
+                        </m:r>
+                      </m:sup>
+                    </m:sSup>
+                  </m:oMath>
+                </a14:m>
+                <a:r>
+                  <a:rPr lang="he-IL" b="1" dirty="0"/>
+                  <a:t> </a:t>
+                </a:r>
+                <a:r>
+                  <a:rPr lang="he-IL" dirty="0"/>
+                  <a:t>לזיהוי תקלות פתאומיות וגדולות</a:t>
+                </a:r>
+              </a:p>
+              <a:p>
+                <a:pPr marL="342900" indent="-342900">
+                  <a:buAutoNum type="arabicPeriod"/>
+                </a:pPr>
+                <a:r>
+                  <a:rPr lang="he-IL" dirty="0"/>
+                  <a:t>ניתוח מגמה באמצעות חלון נע לבחינת התנהגות </a:t>
+                </a:r>
+                <a:r>
+                  <a:rPr lang="he-IL" dirty="0" err="1"/>
+                  <a:t>האינובציה</a:t>
+                </a:r>
+                <a:r>
+                  <a:rPr lang="he-IL" dirty="0"/>
+                  <a:t>/ שארית </a:t>
+                </a:r>
+                <a14:m>
+                  <m:oMath xmlns:m="http://schemas.openxmlformats.org/officeDocument/2006/math">
+                    <m:r>
+                      <a:rPr lang="en-US" b="0" i="1" smtClean="0">
+                        <a:latin typeface="Cambria Math" panose="02040503050406030204" pitchFamily="18" charset="0"/>
+                      </a:rPr>
+                      <m:t>𝑟</m:t>
+                    </m:r>
+                    <m:r>
+                      <a:rPr lang="en-US" b="0" i="1" smtClean="0">
+                        <a:latin typeface="Cambria Math" panose="02040503050406030204" pitchFamily="18" charset="0"/>
+                      </a:rPr>
+                      <m:t>=</m:t>
+                    </m:r>
+                    <m:r>
+                      <a:rPr lang="en-US" b="0" i="1" smtClean="0">
+                        <a:latin typeface="Cambria Math" panose="02040503050406030204" pitchFamily="18" charset="0"/>
+                      </a:rPr>
+                      <m:t>𝑧</m:t>
+                    </m:r>
+                    <m:r>
+                      <a:rPr lang="en-US" b="0" i="1" smtClean="0">
+                        <a:latin typeface="Cambria Math" panose="02040503050406030204" pitchFamily="18" charset="0"/>
+                      </a:rPr>
+                      <m:t>−</m:t>
+                    </m:r>
+                    <m:acc>
+                      <m:accPr>
+                        <m:chr m:val="̂"/>
+                        <m:ctrlPr>
+                          <a:rPr lang="en-US" b="0" i="1" smtClean="0">
+                            <a:latin typeface="Cambria Math" panose="02040503050406030204" pitchFamily="18" charset="0"/>
+                          </a:rPr>
+                        </m:ctrlPr>
+                      </m:accPr>
+                      <m:e>
+                        <m:r>
+                          <a:rPr lang="en-US" b="0" i="1" smtClean="0">
+                            <a:latin typeface="Cambria Math" panose="02040503050406030204" pitchFamily="18" charset="0"/>
+                          </a:rPr>
+                          <m:t>𝑧</m:t>
+                        </m:r>
+                      </m:e>
+                    </m:acc>
+                    <m:r>
+                      <a:rPr lang="en-US" b="0" i="1" smtClean="0">
+                        <a:latin typeface="Cambria Math" panose="02040503050406030204" pitchFamily="18" charset="0"/>
+                      </a:rPr>
+                      <m:t>=</m:t>
+                    </m:r>
+                    <m:r>
+                      <a:rPr lang="en-US" b="0" i="1" smtClean="0">
+                        <a:latin typeface="Cambria Math" panose="02040503050406030204" pitchFamily="18" charset="0"/>
+                      </a:rPr>
+                      <m:t>𝑧</m:t>
+                    </m:r>
+                    <m:r>
+                      <a:rPr lang="en-US" b="0" i="1" smtClean="0">
+                        <a:latin typeface="Cambria Math" panose="02040503050406030204" pitchFamily="18" charset="0"/>
+                      </a:rPr>
+                      <m:t>−</m:t>
+                    </m:r>
+                    <m:r>
+                      <a:rPr lang="en-US" b="0" i="1" smtClean="0">
+                        <a:latin typeface="Cambria Math" panose="02040503050406030204" pitchFamily="18" charset="0"/>
+                      </a:rPr>
+                      <m:t>𝐻</m:t>
+                    </m:r>
+                    <m:acc>
+                      <m:accPr>
+                        <m:chr m:val="̂"/>
+                        <m:ctrlPr>
+                          <a:rPr lang="en-US" b="0" i="1" smtClean="0">
+                            <a:latin typeface="Cambria Math" panose="02040503050406030204" pitchFamily="18" charset="0"/>
+                          </a:rPr>
+                        </m:ctrlPr>
+                      </m:accPr>
+                      <m:e>
+                        <m:r>
+                          <a:rPr lang="en-US" b="0" i="1" smtClean="0">
+                            <a:latin typeface="Cambria Math" panose="02040503050406030204" pitchFamily="18" charset="0"/>
+                          </a:rPr>
+                          <m:t>𝑥</m:t>
+                        </m:r>
+                      </m:e>
+                    </m:acc>
+                  </m:oMath>
+                </a14:m>
+                <a:r>
+                  <a:rPr lang="he-IL" dirty="0"/>
+                  <a:t> לאורך זמן לזיהוי תקלות מתונות ומתמשכות</a:t>
+                </a:r>
+              </a:p>
+            </p:txBody>
+          </p:sp>
+        </mc:Choice>
+        <mc:Fallback>
+          <p:sp>
+            <p:nvSpPr>
+              <p:cNvPr id="3" name="Content Placeholder 2">
+                <a:extLst>
+                  <a:ext uri="{FF2B5EF4-FFF2-40B4-BE49-F238E27FC236}">
+                    <a16:creationId xmlns:a16="http://schemas.microsoft.com/office/drawing/2014/main" id="{5A28CB37-E24F-B05F-0784-A77987F3A762}"/>
+                  </a:ext>
+                </a:extLst>
+              </p:cNvPr>
+              <p:cNvSpPr>
+                <a:spLocks noGrp="1" noRot="1" noChangeAspect="1" noMove="1" noResize="1" noEditPoints="1" noAdjustHandles="1" noChangeArrowheads="1" noChangeShapeType="1" noTextEdit="1"/>
+              </p:cNvSpPr>
+              <p:nvPr>
+                <p:ph idx="1"/>
+              </p:nvPr>
+            </p:nvSpPr>
+            <p:spPr>
+              <a:blipFill>
+                <a:blip r:embed="rId2"/>
+                <a:stretch>
+                  <a:fillRect r="-602"/>
+                </a:stretch>
+              </a:blipFill>
+            </p:spPr>
+            <p:txBody>
+              <a:bodyPr/>
+              <a:lstStyle/>
+              <a:p>
+                <a:r>
+                  <a:rPr lang="he-IL">
+                    <a:noFill/>
+                  </a:rPr>
+                  <a:t> </a:t>
+                </a:r>
+              </a:p>
+            </p:txBody>
+          </p:sp>
+        </mc:Fallback>
+      </mc:AlternateContent>
+    </p:spTree>
+    <p:extLst>
+      <p:ext uri="{BB962C8B-B14F-4D97-AF65-F5344CB8AC3E}">
+        <p14:creationId xmlns:p14="http://schemas.microsoft.com/office/powerpoint/2010/main" val="4139011539"/>
+      </p:ext>
+    </p:extLst>
+  </p:cSld>
+  <p:clrMapOvr>
+    <a:masterClrMapping/>
+  </p:clrMapOvr>
+</p:sld>
+</file>
+
+<file path=ppt/slides/slide16.xml><?xml version="1.0" encoding="utf-8"?>
+<p:sld xmlns:a="http://schemas.openxmlformats.org/drawingml/2006/main" xmlns:r="http://schemas.openxmlformats.org/officeDocument/2006/relationships" xmlns:p="http://schemas.openxmlformats.org/presentationml/2006/main">
+  <p:cSld>
+    <p:spTree>
+      <p:nvGrpSpPr>
+        <p:cNvPr id="1" name=""/>
+        <p:cNvGrpSpPr/>
+        <p:nvPr/>
+      </p:nvGrpSpPr>
+      <p:grpSpPr>
+        <a:xfrm>
+          <a:off x="0" y="0"/>
+          <a:ext cx="0" cy="0"/>
+          <a:chOff x="0" y="0"/>
+          <a:chExt cx="0" cy="0"/>
+        </a:xfrm>
+      </p:grpSpPr>
+      <mc:AlternateContent xmlns:mc="http://schemas.openxmlformats.org/markup-compatibility/2006">
+        <mc:Choice xmlns:a14="http://schemas.microsoft.com/office/drawing/2010/main" Requires="a14">
+          <p:sp>
+            <p:nvSpPr>
+              <p:cNvPr id="2" name="Title 1">
+                <a:extLst>
+                  <a:ext uri="{FF2B5EF4-FFF2-40B4-BE49-F238E27FC236}">
+                    <a16:creationId xmlns:a16="http://schemas.microsoft.com/office/drawing/2014/main" id="{95EC5D3E-B14C-E498-CEEF-C7BF4D9B0D23}"/>
+                  </a:ext>
+                </a:extLst>
+              </p:cNvPr>
+              <p:cNvSpPr>
+                <a:spLocks noGrp="1"/>
+              </p:cNvSpPr>
+              <p:nvPr>
+                <p:ph type="title"/>
+              </p:nvPr>
+            </p:nvSpPr>
+            <p:spPr/>
+            <p:txBody>
+              <a:bodyPr/>
+              <a:lstStyle/>
+              <a:p>
+                <a:r>
+                  <a:rPr lang="he-IL" b="1" dirty="0"/>
+                  <a:t>מבחן חי בריבוע </a:t>
+                </a:r>
+                <a14:m>
+                  <m:oMath xmlns:m="http://schemas.openxmlformats.org/officeDocument/2006/math">
+                    <m:sSup>
+                      <m:sSupPr>
+                        <m:ctrlPr>
+                          <a:rPr lang="en-US" b="1" i="1">
+                            <a:latin typeface="Cambria Math" panose="02040503050406030204" pitchFamily="18" charset="0"/>
+                            <a:ea typeface="Cambria Math" panose="02040503050406030204" pitchFamily="18" charset="0"/>
+                          </a:rPr>
+                        </m:ctrlPr>
+                      </m:sSupPr>
+                      <m:e>
+                        <m:r>
+                          <a:rPr lang="en-US" b="1" i="1">
+                            <a:latin typeface="Cambria Math" panose="02040503050406030204" pitchFamily="18" charset="0"/>
+                            <a:ea typeface="Cambria Math" panose="02040503050406030204" pitchFamily="18" charset="0"/>
+                          </a:rPr>
+                          <m:t>𝛘</m:t>
+                        </m:r>
+                      </m:e>
+                      <m:sup>
+                        <m:r>
+                          <a:rPr lang="en-US" b="1" i="1">
+                            <a:latin typeface="Cambria Math" panose="02040503050406030204" pitchFamily="18" charset="0"/>
+                            <a:ea typeface="Cambria Math" panose="02040503050406030204" pitchFamily="18" charset="0"/>
+                          </a:rPr>
+                          <m:t>𝟐</m:t>
+                        </m:r>
+                      </m:sup>
+                    </m:sSup>
+                  </m:oMath>
+                </a14:m>
+                <a:endParaRPr lang="he-IL" dirty="0"/>
+              </a:p>
+            </p:txBody>
+          </p:sp>
+        </mc:Choice>
+        <mc:Fallback>
+          <p:sp>
+            <p:nvSpPr>
+              <p:cNvPr id="2" name="Title 1">
+                <a:extLst>
+                  <a:ext uri="{FF2B5EF4-FFF2-40B4-BE49-F238E27FC236}">
+                    <a16:creationId xmlns:a16="http://schemas.microsoft.com/office/drawing/2014/main" id="{95EC5D3E-B14C-E498-CEEF-C7BF4D9B0D23}"/>
+                  </a:ext>
+                </a:extLst>
+              </p:cNvPr>
+              <p:cNvSpPr>
+                <a:spLocks noGrp="1" noRot="1" noChangeAspect="1" noMove="1" noResize="1" noEditPoints="1" noAdjustHandles="1" noChangeArrowheads="1" noChangeShapeType="1" noTextEdit="1"/>
+              </p:cNvSpPr>
+              <p:nvPr>
+                <p:ph type="title"/>
+              </p:nvPr>
+            </p:nvSpPr>
+            <p:spPr>
+              <a:blipFill>
+                <a:blip r:embed="rId2"/>
+                <a:stretch>
+                  <a:fillRect r="-1866"/>
+                </a:stretch>
+              </a:blipFill>
+            </p:spPr>
+            <p:txBody>
+              <a:bodyPr/>
+              <a:lstStyle/>
+              <a:p>
+                <a:r>
+                  <a:rPr lang="he-IL">
+                    <a:noFill/>
+                  </a:rPr>
+                  <a:t> </a:t>
+                </a:r>
+              </a:p>
+            </p:txBody>
+          </p:sp>
+        </mc:Fallback>
+      </mc:AlternateContent>
+      <mc:AlternateContent xmlns:mc="http://schemas.openxmlformats.org/markup-compatibility/2006">
+        <mc:Choice xmlns:a14="http://schemas.microsoft.com/office/drawing/2010/main" Requires="a14">
+          <p:sp>
+            <p:nvSpPr>
+              <p:cNvPr id="3" name="Content Placeholder 2">
+                <a:extLst>
+                  <a:ext uri="{FF2B5EF4-FFF2-40B4-BE49-F238E27FC236}">
+                    <a16:creationId xmlns:a16="http://schemas.microsoft.com/office/drawing/2014/main" id="{B6465669-61ED-2C1A-23DA-635C5AF8927F}"/>
+                  </a:ext>
+                </a:extLst>
+              </p:cNvPr>
+              <p:cNvSpPr>
+                <a:spLocks noGrp="1"/>
+              </p:cNvSpPr>
+              <p:nvPr>
+                <p:ph idx="1"/>
+              </p:nvPr>
+            </p:nvSpPr>
+            <p:spPr>
+              <a:xfrm flipH="1">
+                <a:off x="219075" y="2142067"/>
+                <a:ext cx="11287124" cy="3649133"/>
+              </a:xfrm>
+            </p:spPr>
+            <p:txBody>
+              <a:bodyPr/>
+              <a:lstStyle/>
+              <a:p>
+                <a:r>
+                  <a:rPr lang="he-IL" dirty="0"/>
+                  <a:t>השארית היא הפער בין המדידה שהתקבלה בפועל לבין המדידה החזויה בשלב הקידום </a:t>
+                </a:r>
+                <a14:m>
+                  <m:oMath xmlns:m="http://schemas.openxmlformats.org/officeDocument/2006/math">
+                    <m:sSub>
+                      <m:sSubPr>
+                        <m:ctrlPr>
+                          <a:rPr lang="en-US" b="0" i="1" smtClean="0">
+                            <a:latin typeface="Cambria Math" panose="02040503050406030204" pitchFamily="18" charset="0"/>
+                          </a:rPr>
+                        </m:ctrlPr>
+                      </m:sSubPr>
+                      <m:e>
+                        <m:r>
+                          <a:rPr lang="en-US" b="0" i="1" smtClean="0">
+                            <a:latin typeface="Cambria Math" panose="02040503050406030204" pitchFamily="18" charset="0"/>
+                          </a:rPr>
+                          <m:t>𝑟</m:t>
+                        </m:r>
+                      </m:e>
+                      <m:sub>
+                        <m:r>
+                          <a:rPr lang="en-US" b="0" i="1" smtClean="0">
+                            <a:latin typeface="Cambria Math" panose="02040503050406030204" pitchFamily="18" charset="0"/>
+                          </a:rPr>
+                          <m:t>𝑖</m:t>
+                        </m:r>
+                        <m:r>
+                          <a:rPr lang="en-US" b="0" i="1" smtClean="0">
+                            <a:latin typeface="Cambria Math" panose="02040503050406030204" pitchFamily="18" charset="0"/>
+                          </a:rPr>
+                          <m:t>,</m:t>
+                        </m:r>
+                        <m:r>
+                          <a:rPr lang="en-US" b="0" i="1" smtClean="0">
+                            <a:latin typeface="Cambria Math" panose="02040503050406030204" pitchFamily="18" charset="0"/>
+                          </a:rPr>
+                          <m:t>𝑘</m:t>
+                        </m:r>
+                      </m:sub>
+                    </m:sSub>
+                    <m:r>
+                      <a:rPr lang="en-US" b="0" i="1" smtClean="0">
+                        <a:latin typeface="Cambria Math" panose="02040503050406030204" pitchFamily="18" charset="0"/>
+                      </a:rPr>
+                      <m:t>=</m:t>
+                    </m:r>
+                    <m:sSub>
+                      <m:sSubPr>
+                        <m:ctrlPr>
+                          <a:rPr lang="en-US" b="0" i="1" smtClean="0">
+                            <a:latin typeface="Cambria Math" panose="02040503050406030204" pitchFamily="18" charset="0"/>
+                          </a:rPr>
+                        </m:ctrlPr>
+                      </m:sSubPr>
+                      <m:e>
+                        <m:r>
+                          <a:rPr lang="en-US" b="0" i="1" smtClean="0">
+                            <a:latin typeface="Cambria Math" panose="02040503050406030204" pitchFamily="18" charset="0"/>
+                          </a:rPr>
+                          <m:t>𝑧</m:t>
+                        </m:r>
+                      </m:e>
+                      <m:sub>
+                        <m:r>
+                          <a:rPr lang="en-US" b="0" i="1" smtClean="0">
+                            <a:latin typeface="Cambria Math" panose="02040503050406030204" pitchFamily="18" charset="0"/>
+                          </a:rPr>
+                          <m:t>𝑖</m:t>
+                        </m:r>
+                        <m:r>
+                          <a:rPr lang="en-US" b="0" i="1" smtClean="0">
+                            <a:latin typeface="Cambria Math" panose="02040503050406030204" pitchFamily="18" charset="0"/>
+                          </a:rPr>
+                          <m:t>,</m:t>
+                        </m:r>
+                        <m:r>
+                          <a:rPr lang="en-US" b="0" i="1" smtClean="0">
+                            <a:latin typeface="Cambria Math" panose="02040503050406030204" pitchFamily="18" charset="0"/>
+                          </a:rPr>
+                          <m:t>𝑘</m:t>
+                        </m:r>
+                      </m:sub>
+                    </m:sSub>
+                    <m:r>
+                      <a:rPr lang="en-US" b="0" i="1" smtClean="0">
+                        <a:latin typeface="Cambria Math" panose="02040503050406030204" pitchFamily="18" charset="0"/>
+                      </a:rPr>
+                      <m:t>−</m:t>
+                    </m:r>
+                    <m:sSub>
+                      <m:sSubPr>
+                        <m:ctrlPr>
+                          <a:rPr lang="en-US" b="0" i="1" smtClean="0">
+                            <a:latin typeface="Cambria Math" panose="02040503050406030204" pitchFamily="18" charset="0"/>
+                          </a:rPr>
+                        </m:ctrlPr>
+                      </m:sSubPr>
+                      <m:e>
+                        <m:acc>
+                          <m:accPr>
+                            <m:chr m:val="̂"/>
+                            <m:ctrlPr>
+                              <a:rPr lang="en-US" b="0" i="1" smtClean="0">
+                                <a:latin typeface="Cambria Math" panose="02040503050406030204" pitchFamily="18" charset="0"/>
+                              </a:rPr>
+                            </m:ctrlPr>
+                          </m:accPr>
+                          <m:e>
+                            <m:r>
+                              <a:rPr lang="en-US" b="0" i="1" smtClean="0">
+                                <a:latin typeface="Cambria Math" panose="02040503050406030204" pitchFamily="18" charset="0"/>
+                              </a:rPr>
+                              <m:t>𝑧</m:t>
+                            </m:r>
+                          </m:e>
+                        </m:acc>
+                      </m:e>
+                      <m:sub>
+                        <m:r>
+                          <a:rPr lang="en-US" b="0" i="1" smtClean="0">
+                            <a:latin typeface="Cambria Math" panose="02040503050406030204" pitchFamily="18" charset="0"/>
+                          </a:rPr>
+                          <m:t>𝑖</m:t>
+                        </m:r>
+                        <m:r>
+                          <a:rPr lang="en-US" b="0" i="1" smtClean="0">
+                            <a:latin typeface="Cambria Math" panose="02040503050406030204" pitchFamily="18" charset="0"/>
+                          </a:rPr>
+                          <m:t>,</m:t>
+                        </m:r>
+                        <m:r>
+                          <a:rPr lang="en-US" b="0" i="1" smtClean="0">
+                            <a:latin typeface="Cambria Math" panose="02040503050406030204" pitchFamily="18" charset="0"/>
+                          </a:rPr>
+                          <m:t>𝑘</m:t>
+                        </m:r>
+                        <m:r>
+                          <a:rPr lang="en-US" b="0" i="1" smtClean="0">
+                            <a:latin typeface="Cambria Math" panose="02040503050406030204" pitchFamily="18" charset="0"/>
+                          </a:rPr>
+                          <m:t>|</m:t>
+                        </m:r>
+                        <m:r>
+                          <a:rPr lang="en-US" b="0" i="1" smtClean="0">
+                            <a:latin typeface="Cambria Math" panose="02040503050406030204" pitchFamily="18" charset="0"/>
+                          </a:rPr>
+                          <m:t>𝑘</m:t>
+                        </m:r>
+                        <m:r>
+                          <a:rPr lang="en-US" b="0" i="1" smtClean="0">
+                            <a:latin typeface="Cambria Math" panose="02040503050406030204" pitchFamily="18" charset="0"/>
+                          </a:rPr>
+                          <m:t>−</m:t>
+                        </m:r>
+                        <m:r>
+                          <a:rPr lang="en-US" b="0" i="1" smtClean="0">
+                            <a:latin typeface="Cambria Math" panose="02040503050406030204" pitchFamily="18" charset="0"/>
+                          </a:rPr>
+                          <m:t>1</m:t>
+                        </m:r>
+                      </m:sub>
+                    </m:sSub>
+                  </m:oMath>
+                </a14:m>
+                <a:endParaRPr lang="en-US" b="0" dirty="0"/>
+              </a:p>
+              <a:p>
+                <a:r>
+                  <a:rPr lang="he-IL" dirty="0" err="1"/>
+                  <a:t>קוואראינס</a:t>
+                </a:r>
+                <a:r>
+                  <a:rPr lang="he-IL" dirty="0"/>
+                  <a:t> השארית – במצב תקין השארית מתפלגת נורמלית עם תוחלת אפס </a:t>
+                </a:r>
+                <a:r>
+                  <a:rPr lang="he-IL" dirty="0" err="1"/>
+                  <a:t>וקוואריאנס</a:t>
+                </a:r>
+                <a:r>
+                  <a:rPr lang="he-IL" dirty="0"/>
+                  <a:t>:</a:t>
+                </a:r>
+                <a:r>
+                  <a:rPr lang="en-US" dirty="0"/>
+                  <a:t> </a:t>
+                </a:r>
+                <a14:m>
+                  <m:oMath xmlns:m="http://schemas.openxmlformats.org/officeDocument/2006/math">
+                    <m:sSub>
+                      <m:sSubPr>
+                        <m:ctrlPr>
+                          <a:rPr lang="en-US" b="0" i="1" smtClean="0">
+                            <a:latin typeface="Cambria Math" panose="02040503050406030204" pitchFamily="18" charset="0"/>
+                          </a:rPr>
+                        </m:ctrlPr>
+                      </m:sSubPr>
+                      <m:e>
+                        <m:r>
+                          <a:rPr lang="en-US" b="0" i="1" smtClean="0">
+                            <a:latin typeface="Cambria Math" panose="02040503050406030204" pitchFamily="18" charset="0"/>
+                          </a:rPr>
+                          <m:t>𝑊</m:t>
+                        </m:r>
+                      </m:e>
+                      <m:sub>
+                        <m:r>
+                          <a:rPr lang="en-US" b="0" i="1" smtClean="0">
+                            <a:latin typeface="Cambria Math" panose="02040503050406030204" pitchFamily="18" charset="0"/>
+                          </a:rPr>
+                          <m:t>𝑖</m:t>
+                        </m:r>
+                        <m:r>
+                          <a:rPr lang="en-US" b="0" i="1" smtClean="0">
+                            <a:latin typeface="Cambria Math" panose="02040503050406030204" pitchFamily="18" charset="0"/>
+                          </a:rPr>
+                          <m:t>,</m:t>
+                        </m:r>
+                        <m:r>
+                          <a:rPr lang="en-US" b="0" i="1" smtClean="0">
+                            <a:latin typeface="Cambria Math" panose="02040503050406030204" pitchFamily="18" charset="0"/>
+                          </a:rPr>
+                          <m:t>𝑘</m:t>
+                        </m:r>
+                      </m:sub>
+                    </m:sSub>
+                    <m:r>
+                      <a:rPr lang="en-US" b="0" i="1" smtClean="0">
+                        <a:latin typeface="Cambria Math" panose="02040503050406030204" pitchFamily="18" charset="0"/>
+                      </a:rPr>
+                      <m:t>=</m:t>
+                    </m:r>
+                    <m:r>
+                      <a:rPr lang="en-US" b="0" i="1" smtClean="0">
+                        <a:latin typeface="Cambria Math" panose="02040503050406030204" pitchFamily="18" charset="0"/>
+                      </a:rPr>
+                      <m:t>𝐻</m:t>
+                    </m:r>
+                    <m:sSub>
+                      <m:sSubPr>
+                        <m:ctrlPr>
+                          <a:rPr lang="en-US" b="0" i="1" smtClean="0">
+                            <a:latin typeface="Cambria Math" panose="02040503050406030204" pitchFamily="18" charset="0"/>
+                          </a:rPr>
+                        </m:ctrlPr>
+                      </m:sSubPr>
+                      <m:e>
+                        <m:r>
+                          <a:rPr lang="en-US" b="0" i="1" smtClean="0">
+                            <a:latin typeface="Cambria Math" panose="02040503050406030204" pitchFamily="18" charset="0"/>
+                          </a:rPr>
+                          <m:t>𝑃</m:t>
+                        </m:r>
+                      </m:e>
+                      <m:sub>
+                        <m:r>
+                          <a:rPr lang="en-US" b="0" i="1" smtClean="0">
+                            <a:latin typeface="Cambria Math" panose="02040503050406030204" pitchFamily="18" charset="0"/>
+                          </a:rPr>
+                          <m:t>𝑖</m:t>
+                        </m:r>
+                        <m:r>
+                          <a:rPr lang="en-US" b="0" i="1" smtClean="0">
+                            <a:latin typeface="Cambria Math" panose="02040503050406030204" pitchFamily="18" charset="0"/>
+                          </a:rPr>
+                          <m:t>,</m:t>
+                        </m:r>
+                        <m:r>
+                          <a:rPr lang="en-US" b="0" i="1" smtClean="0">
+                            <a:latin typeface="Cambria Math" panose="02040503050406030204" pitchFamily="18" charset="0"/>
+                          </a:rPr>
+                          <m:t>𝑘</m:t>
+                        </m:r>
+                        <m:r>
+                          <a:rPr lang="en-US" b="0" i="1" smtClean="0">
+                            <a:latin typeface="Cambria Math" panose="02040503050406030204" pitchFamily="18" charset="0"/>
+                          </a:rPr>
+                          <m:t>|</m:t>
+                        </m:r>
+                        <m:r>
+                          <a:rPr lang="en-US" b="0" i="1" smtClean="0">
+                            <a:latin typeface="Cambria Math" panose="02040503050406030204" pitchFamily="18" charset="0"/>
+                          </a:rPr>
+                          <m:t>𝑘</m:t>
+                        </m:r>
+                        <m:r>
+                          <a:rPr lang="en-US" b="0" i="1" smtClean="0">
+                            <a:latin typeface="Cambria Math" panose="02040503050406030204" pitchFamily="18" charset="0"/>
+                          </a:rPr>
+                          <m:t>−</m:t>
+                        </m:r>
+                        <m:r>
+                          <a:rPr lang="en-US" b="0" i="1" smtClean="0">
+                            <a:latin typeface="Cambria Math" panose="02040503050406030204" pitchFamily="18" charset="0"/>
+                          </a:rPr>
+                          <m:t>1</m:t>
+                        </m:r>
+                      </m:sub>
+                    </m:sSub>
+                    <m:sSup>
+                      <m:sSupPr>
+                        <m:ctrlPr>
+                          <a:rPr lang="en-US" b="0" i="1" smtClean="0">
+                            <a:latin typeface="Cambria Math" panose="02040503050406030204" pitchFamily="18" charset="0"/>
+                          </a:rPr>
+                        </m:ctrlPr>
+                      </m:sSupPr>
+                      <m:e>
+                        <m:r>
+                          <a:rPr lang="en-US" b="0" i="1" smtClean="0">
+                            <a:latin typeface="Cambria Math" panose="02040503050406030204" pitchFamily="18" charset="0"/>
+                          </a:rPr>
+                          <m:t>𝐻</m:t>
+                        </m:r>
+                      </m:e>
+                      <m:sup>
+                        <m:r>
+                          <a:rPr lang="en-US" b="0" i="1" smtClean="0">
+                            <a:latin typeface="Cambria Math" panose="02040503050406030204" pitchFamily="18" charset="0"/>
+                          </a:rPr>
+                          <m:t>𝑇</m:t>
+                        </m:r>
+                      </m:sup>
+                    </m:sSup>
+                    <m:r>
+                      <a:rPr lang="en-US" b="0" i="1" smtClean="0">
+                        <a:latin typeface="Cambria Math" panose="02040503050406030204" pitchFamily="18" charset="0"/>
+                      </a:rPr>
+                      <m:t>+</m:t>
+                    </m:r>
+                    <m:sSub>
+                      <m:sSubPr>
+                        <m:ctrlPr>
+                          <a:rPr lang="en-US" b="0" i="1" smtClean="0">
+                            <a:latin typeface="Cambria Math" panose="02040503050406030204" pitchFamily="18" charset="0"/>
+                          </a:rPr>
+                        </m:ctrlPr>
+                      </m:sSubPr>
+                      <m:e>
+                        <m:r>
+                          <a:rPr lang="en-US" b="0" i="1" smtClean="0">
+                            <a:latin typeface="Cambria Math" panose="02040503050406030204" pitchFamily="18" charset="0"/>
+                          </a:rPr>
+                          <m:t>𝑅</m:t>
+                        </m:r>
+                      </m:e>
+                      <m:sub>
+                        <m:r>
+                          <a:rPr lang="en-US" b="0" i="1" smtClean="0">
+                            <a:latin typeface="Cambria Math" panose="02040503050406030204" pitchFamily="18" charset="0"/>
+                          </a:rPr>
+                          <m:t>𝑖</m:t>
+                        </m:r>
+                        <m:r>
+                          <a:rPr lang="en-US" b="0" i="1" smtClean="0">
+                            <a:latin typeface="Cambria Math" panose="02040503050406030204" pitchFamily="18" charset="0"/>
+                          </a:rPr>
+                          <m:t>,</m:t>
+                        </m:r>
+                        <m:r>
+                          <a:rPr lang="en-US" b="0" i="1" smtClean="0">
+                            <a:latin typeface="Cambria Math" panose="02040503050406030204" pitchFamily="18" charset="0"/>
+                          </a:rPr>
+                          <m:t>𝑘</m:t>
+                        </m:r>
+                      </m:sub>
+                    </m:sSub>
+                  </m:oMath>
+                </a14:m>
+                <a:endParaRPr lang="en-US" b="0" dirty="0"/>
+              </a:p>
+              <a:p>
+                <a:r>
+                  <a:rPr lang="he-IL" dirty="0"/>
+                  <a:t>נשתמש במבחן הסטטיסטי לקבלת מדד להשוואה - </a:t>
+                </a:r>
+                <a14:m>
+                  <m:oMath xmlns:m="http://schemas.openxmlformats.org/officeDocument/2006/math">
+                    <m:sSub>
+                      <m:sSubPr>
+                        <m:ctrlPr>
+                          <a:rPr lang="en-US" b="0" i="1" smtClean="0">
+                            <a:latin typeface="Cambria Math" panose="02040503050406030204" pitchFamily="18" charset="0"/>
+                          </a:rPr>
+                        </m:ctrlPr>
+                      </m:sSubPr>
+                      <m:e>
+                        <m:r>
+                          <a:rPr lang="en-US" b="0" i="1" smtClean="0">
+                            <a:latin typeface="Cambria Math" panose="02040503050406030204" pitchFamily="18" charset="0"/>
+                          </a:rPr>
+                          <m:t>𝜆</m:t>
+                        </m:r>
+                      </m:e>
+                      <m:sub>
+                        <m:r>
+                          <a:rPr lang="en-US" b="0" i="1" smtClean="0">
+                            <a:latin typeface="Cambria Math" panose="02040503050406030204" pitchFamily="18" charset="0"/>
+                          </a:rPr>
+                          <m:t>𝑖</m:t>
+                        </m:r>
+                        <m:r>
+                          <a:rPr lang="en-US" b="0" i="1" smtClean="0">
+                            <a:latin typeface="Cambria Math" panose="02040503050406030204" pitchFamily="18" charset="0"/>
+                          </a:rPr>
+                          <m:t>,</m:t>
+                        </m:r>
+                        <m:r>
+                          <a:rPr lang="en-US" b="0" i="1" smtClean="0">
+                            <a:latin typeface="Cambria Math" panose="02040503050406030204" pitchFamily="18" charset="0"/>
+                          </a:rPr>
+                          <m:t>𝑘</m:t>
+                        </m:r>
+                      </m:sub>
+                    </m:sSub>
+                    <m:r>
+                      <a:rPr lang="en-US" b="0" i="1" smtClean="0">
+                        <a:latin typeface="Cambria Math" panose="02040503050406030204" pitchFamily="18" charset="0"/>
+                      </a:rPr>
+                      <m:t>=</m:t>
+                    </m:r>
+                    <m:sSubSup>
+                      <m:sSubSupPr>
+                        <m:ctrlPr>
+                          <a:rPr lang="en-US" b="0" i="1" smtClean="0">
+                            <a:latin typeface="Cambria Math" panose="02040503050406030204" pitchFamily="18" charset="0"/>
+                          </a:rPr>
+                        </m:ctrlPr>
+                      </m:sSubSupPr>
+                      <m:e>
+                        <m:r>
+                          <a:rPr lang="en-US" b="0" i="1" smtClean="0">
+                            <a:latin typeface="Cambria Math" panose="02040503050406030204" pitchFamily="18" charset="0"/>
+                          </a:rPr>
+                          <m:t>𝑟</m:t>
+                        </m:r>
+                      </m:e>
+                      <m:sub>
+                        <m:r>
+                          <a:rPr lang="en-US" b="0" i="1" smtClean="0">
+                            <a:latin typeface="Cambria Math" panose="02040503050406030204" pitchFamily="18" charset="0"/>
+                          </a:rPr>
+                          <m:t>𝑖</m:t>
+                        </m:r>
+                        <m:r>
+                          <a:rPr lang="en-US" b="0" i="1" smtClean="0">
+                            <a:latin typeface="Cambria Math" panose="02040503050406030204" pitchFamily="18" charset="0"/>
+                          </a:rPr>
+                          <m:t>,</m:t>
+                        </m:r>
+                        <m:r>
+                          <a:rPr lang="en-US" b="0" i="1" smtClean="0">
+                            <a:latin typeface="Cambria Math" panose="02040503050406030204" pitchFamily="18" charset="0"/>
+                          </a:rPr>
+                          <m:t>𝑘</m:t>
+                        </m:r>
+                      </m:sub>
+                      <m:sup>
+                        <m:r>
+                          <a:rPr lang="en-US" b="0" i="1" smtClean="0">
+                            <a:latin typeface="Cambria Math" panose="02040503050406030204" pitchFamily="18" charset="0"/>
+                          </a:rPr>
+                          <m:t>𝑇</m:t>
+                        </m:r>
+                      </m:sup>
+                    </m:sSubSup>
+                    <m:sSubSup>
+                      <m:sSubSupPr>
+                        <m:ctrlPr>
+                          <a:rPr lang="en-US" b="0" i="1" smtClean="0">
+                            <a:latin typeface="Cambria Math" panose="02040503050406030204" pitchFamily="18" charset="0"/>
+                          </a:rPr>
+                        </m:ctrlPr>
+                      </m:sSubSupPr>
+                      <m:e>
+                        <m:r>
+                          <a:rPr lang="en-US" b="0" i="1" smtClean="0">
+                            <a:latin typeface="Cambria Math" panose="02040503050406030204" pitchFamily="18" charset="0"/>
+                          </a:rPr>
+                          <m:t>𝑊</m:t>
+                        </m:r>
+                      </m:e>
+                      <m:sub>
+                        <m:r>
+                          <a:rPr lang="en-US" b="0" i="1" smtClean="0">
+                            <a:latin typeface="Cambria Math" panose="02040503050406030204" pitchFamily="18" charset="0"/>
+                          </a:rPr>
+                          <m:t>𝑖</m:t>
+                        </m:r>
+                        <m:r>
+                          <a:rPr lang="en-US" b="0" i="1" smtClean="0">
+                            <a:latin typeface="Cambria Math" panose="02040503050406030204" pitchFamily="18" charset="0"/>
+                          </a:rPr>
+                          <m:t>,</m:t>
+                        </m:r>
+                        <m:r>
+                          <a:rPr lang="en-US" b="0" i="1" smtClean="0">
+                            <a:latin typeface="Cambria Math" panose="02040503050406030204" pitchFamily="18" charset="0"/>
+                          </a:rPr>
+                          <m:t>𝑘</m:t>
+                        </m:r>
+                      </m:sub>
+                      <m:sup>
+                        <m:r>
+                          <a:rPr lang="en-US" b="0" i="1" smtClean="0">
+                            <a:latin typeface="Cambria Math" panose="02040503050406030204" pitchFamily="18" charset="0"/>
+                          </a:rPr>
+                          <m:t>−</m:t>
+                        </m:r>
+                        <m:r>
+                          <a:rPr lang="en-US" b="0" i="1" smtClean="0">
+                            <a:latin typeface="Cambria Math" panose="02040503050406030204" pitchFamily="18" charset="0"/>
+                          </a:rPr>
+                          <m:t>1</m:t>
+                        </m:r>
+                      </m:sup>
+                    </m:sSubSup>
+                    <m:sSub>
+                      <m:sSubPr>
+                        <m:ctrlPr>
+                          <a:rPr lang="en-US" b="0" i="1" smtClean="0">
+                            <a:latin typeface="Cambria Math" panose="02040503050406030204" pitchFamily="18" charset="0"/>
+                          </a:rPr>
+                        </m:ctrlPr>
+                      </m:sSubPr>
+                      <m:e>
+                        <m:r>
+                          <a:rPr lang="en-US" b="0" i="1" smtClean="0">
+                            <a:latin typeface="Cambria Math" panose="02040503050406030204" pitchFamily="18" charset="0"/>
+                          </a:rPr>
+                          <m:t>𝑟</m:t>
+                        </m:r>
+                      </m:e>
+                      <m:sub>
+                        <m:r>
+                          <a:rPr lang="en-US" b="0" i="1" smtClean="0">
+                            <a:latin typeface="Cambria Math" panose="02040503050406030204" pitchFamily="18" charset="0"/>
+                          </a:rPr>
+                          <m:t>𝑖</m:t>
+                        </m:r>
+                        <m:r>
+                          <a:rPr lang="en-US" b="0" i="1" smtClean="0">
+                            <a:latin typeface="Cambria Math" panose="02040503050406030204" pitchFamily="18" charset="0"/>
+                          </a:rPr>
+                          <m:t>,</m:t>
+                        </m:r>
+                        <m:r>
+                          <a:rPr lang="en-US" b="0" i="1" smtClean="0">
+                            <a:latin typeface="Cambria Math" panose="02040503050406030204" pitchFamily="18" charset="0"/>
+                          </a:rPr>
+                          <m:t>𝑘</m:t>
+                        </m:r>
+                      </m:sub>
+                    </m:sSub>
+                  </m:oMath>
+                </a14:m>
+                <a:r>
+                  <a:rPr lang="he-IL" dirty="0"/>
+                  <a:t>. תחת פעולה תקינה </a:t>
+                </a:r>
+                <a14:m>
+                  <m:oMath xmlns:m="http://schemas.openxmlformats.org/officeDocument/2006/math">
+                    <m:sSub>
+                      <m:sSubPr>
+                        <m:ctrlPr>
+                          <a:rPr lang="en-US" b="0" i="1" smtClean="0">
+                            <a:latin typeface="Cambria Math" panose="02040503050406030204" pitchFamily="18" charset="0"/>
+                          </a:rPr>
+                        </m:ctrlPr>
+                      </m:sSubPr>
+                      <m:e>
+                        <m:r>
+                          <a:rPr lang="en-US" b="0" i="1" smtClean="0">
+                            <a:latin typeface="Cambria Math" panose="02040503050406030204" pitchFamily="18" charset="0"/>
+                          </a:rPr>
+                          <m:t>𝜆</m:t>
+                        </m:r>
+                      </m:e>
+                      <m:sub>
+                        <m:r>
+                          <a:rPr lang="en-US" b="0" i="1" smtClean="0">
+                            <a:latin typeface="Cambria Math" panose="02040503050406030204" pitchFamily="18" charset="0"/>
+                          </a:rPr>
+                          <m:t>𝑖</m:t>
+                        </m:r>
+                        <m:r>
+                          <a:rPr lang="en-US" b="0" i="1" smtClean="0">
+                            <a:latin typeface="Cambria Math" panose="02040503050406030204" pitchFamily="18" charset="0"/>
+                          </a:rPr>
+                          <m:t>,</m:t>
+                        </m:r>
+                        <m:r>
+                          <a:rPr lang="en-US" b="0" i="1" smtClean="0">
+                            <a:latin typeface="Cambria Math" panose="02040503050406030204" pitchFamily="18" charset="0"/>
+                          </a:rPr>
+                          <m:t>𝑘</m:t>
+                        </m:r>
+                      </m:sub>
+                    </m:sSub>
+                  </m:oMath>
+                </a14:m>
+                <a:r>
+                  <a:rPr lang="he-IL" dirty="0"/>
+                  <a:t> מתפלג חי בריבוע</a:t>
+                </a:r>
+              </a:p>
+              <a:p>
+                <a:r>
+                  <a:rPr lang="he-IL" dirty="0"/>
+                  <a:t>סף ההחלטה </a:t>
+                </a:r>
+                <a14:m>
+                  <m:oMath xmlns:m="http://schemas.openxmlformats.org/officeDocument/2006/math">
+                    <m:sSub>
+                      <m:sSubPr>
+                        <m:ctrlPr>
+                          <a:rPr lang="en-US" b="0" i="1" smtClean="0">
+                            <a:latin typeface="Cambria Math" panose="02040503050406030204" pitchFamily="18" charset="0"/>
+                          </a:rPr>
+                        </m:ctrlPr>
+                      </m:sSubPr>
+                      <m:e>
+                        <m:r>
+                          <a:rPr lang="en-US" b="0" i="1" smtClean="0">
+                            <a:latin typeface="Cambria Math" panose="02040503050406030204" pitchFamily="18" charset="0"/>
+                          </a:rPr>
+                          <m:t>𝑇</m:t>
+                        </m:r>
+                      </m:e>
+                      <m:sub>
+                        <m:r>
+                          <a:rPr lang="en-US" b="0" i="1" smtClean="0">
+                            <a:latin typeface="Cambria Math" panose="02040503050406030204" pitchFamily="18" charset="0"/>
+                          </a:rPr>
+                          <m:t>𝑑</m:t>
+                        </m:r>
+                      </m:sub>
+                    </m:sSub>
+                  </m:oMath>
+                </a14:m>
+                <a:r>
+                  <a:rPr lang="he-IL" dirty="0"/>
+                  <a:t> נקבע לפי רמת הסמך הרצויה. כאשר </a:t>
+                </a:r>
+                <a14:m>
+                  <m:oMath xmlns:m="http://schemas.openxmlformats.org/officeDocument/2006/math">
+                    <m:sSub>
+                      <m:sSubPr>
+                        <m:ctrlPr>
+                          <a:rPr lang="en-US" b="0" i="1" smtClean="0">
+                            <a:latin typeface="Cambria Math" panose="02040503050406030204" pitchFamily="18" charset="0"/>
+                          </a:rPr>
+                        </m:ctrlPr>
+                      </m:sSubPr>
+                      <m:e>
+                        <m:r>
+                          <a:rPr lang="he-IL" b="0" i="1" smtClean="0">
+                            <a:latin typeface="Cambria Math" panose="02040503050406030204" pitchFamily="18" charset="0"/>
+                          </a:rPr>
+                          <m:t>𝜆</m:t>
+                        </m:r>
+                      </m:e>
+                      <m:sub>
+                        <m:r>
+                          <a:rPr lang="en-US" b="0" i="1" smtClean="0">
+                            <a:latin typeface="Cambria Math" panose="02040503050406030204" pitchFamily="18" charset="0"/>
+                          </a:rPr>
+                          <m:t>𝑖</m:t>
+                        </m:r>
+                        <m:r>
+                          <a:rPr lang="en-US" b="0" i="1" smtClean="0">
+                            <a:latin typeface="Cambria Math" panose="02040503050406030204" pitchFamily="18" charset="0"/>
+                          </a:rPr>
+                          <m:t>,</m:t>
+                        </m:r>
+                        <m:r>
+                          <a:rPr lang="en-US" b="0" i="1" smtClean="0">
+                            <a:latin typeface="Cambria Math" panose="02040503050406030204" pitchFamily="18" charset="0"/>
+                          </a:rPr>
+                          <m:t>𝑘</m:t>
+                        </m:r>
+                      </m:sub>
+                    </m:sSub>
+                    <m:r>
+                      <a:rPr lang="en-US" b="0" i="1" smtClean="0">
+                        <a:latin typeface="Cambria Math" panose="02040503050406030204" pitchFamily="18" charset="0"/>
+                      </a:rPr>
+                      <m:t>≥</m:t>
+                    </m:r>
+                    <m:sSub>
+                      <m:sSubPr>
+                        <m:ctrlPr>
+                          <a:rPr lang="en-US" b="0" i="1" smtClean="0">
+                            <a:latin typeface="Cambria Math" panose="02040503050406030204" pitchFamily="18" charset="0"/>
+                          </a:rPr>
+                        </m:ctrlPr>
+                      </m:sSubPr>
+                      <m:e>
+                        <m:r>
+                          <a:rPr lang="en-US" b="0" i="1" smtClean="0">
+                            <a:latin typeface="Cambria Math" panose="02040503050406030204" pitchFamily="18" charset="0"/>
+                          </a:rPr>
+                          <m:t>𝑇</m:t>
+                        </m:r>
+                      </m:e>
+                      <m:sub>
+                        <m:r>
+                          <a:rPr lang="en-US" b="0" i="1" smtClean="0">
+                            <a:latin typeface="Cambria Math" panose="02040503050406030204" pitchFamily="18" charset="0"/>
+                          </a:rPr>
+                          <m:t>𝑑</m:t>
+                        </m:r>
+                      </m:sub>
+                    </m:sSub>
+                  </m:oMath>
+                </a14:m>
+                <a:r>
+                  <a:rPr lang="he-IL" dirty="0"/>
+                  <a:t> אנו נזהה תקלה, אחרת נאמר כי המדידה תקינה</a:t>
+                </a:r>
+              </a:p>
+            </p:txBody>
+          </p:sp>
+        </mc:Choice>
+        <mc:Fallback>
+          <p:sp>
+            <p:nvSpPr>
+              <p:cNvPr id="3" name="Content Placeholder 2">
+                <a:extLst>
+                  <a:ext uri="{FF2B5EF4-FFF2-40B4-BE49-F238E27FC236}">
+                    <a16:creationId xmlns:a16="http://schemas.microsoft.com/office/drawing/2014/main" id="{B6465669-61ED-2C1A-23DA-635C5AF8927F}"/>
+                  </a:ext>
+                </a:extLst>
+              </p:cNvPr>
+              <p:cNvSpPr>
+                <a:spLocks noGrp="1" noRot="1" noChangeAspect="1" noMove="1" noResize="1" noEditPoints="1" noAdjustHandles="1" noChangeArrowheads="1" noChangeShapeType="1" noTextEdit="1"/>
+              </p:cNvSpPr>
+              <p:nvPr>
+                <p:ph idx="1"/>
+              </p:nvPr>
+            </p:nvSpPr>
+            <p:spPr>
+              <a:xfrm flipH="1">
+                <a:off x="219075" y="2142067"/>
+                <a:ext cx="11287124" cy="3649133"/>
+              </a:xfrm>
+              <a:blipFill>
+                <a:blip r:embed="rId3"/>
+                <a:stretch>
+                  <a:fillRect r="-378"/>
+                </a:stretch>
+              </a:blipFill>
+            </p:spPr>
+            <p:txBody>
+              <a:bodyPr/>
+              <a:lstStyle/>
+              <a:p>
+                <a:r>
+                  <a:rPr lang="he-IL">
+                    <a:noFill/>
+                  </a:rPr>
+                  <a:t> </a:t>
+                </a:r>
+              </a:p>
+            </p:txBody>
+          </p:sp>
+        </mc:Fallback>
+      </mc:AlternateContent>
+    </p:spTree>
+    <p:extLst>
+      <p:ext uri="{BB962C8B-B14F-4D97-AF65-F5344CB8AC3E}">
+        <p14:creationId xmlns:p14="http://schemas.microsoft.com/office/powerpoint/2010/main" val="3347465286"/>
+      </p:ext>
+    </p:extLst>
+  </p:cSld>
+  <p:clrMapOvr>
+    <a:masterClrMapping/>
+  </p:clrMapOvr>
+</p:sld>
+</file>
+
+<file path=ppt/slides/slide17.xml><?xml version="1.0" encoding="utf-8"?>
+<p:sld xmlns:a="http://schemas.openxmlformats.org/drawingml/2006/main" xmlns:r="http://schemas.openxmlformats.org/officeDocument/2006/relationships" xmlns:p="http://schemas.openxmlformats.org/presentationml/2006/main">
+  <p:cSld>
+    <p:spTree>
+      <p:nvGrpSpPr>
+        <p:cNvPr id="1" name=""/>
+        <p:cNvGrpSpPr/>
+        <p:nvPr/>
+      </p:nvGrpSpPr>
+      <p:grpSpPr>
+        <a:xfrm>
+          <a:off x="0" y="0"/>
+          <a:ext cx="0" cy="0"/>
+          <a:chOff x="0" y="0"/>
+          <a:chExt cx="0" cy="0"/>
+        </a:xfrm>
+      </p:grpSpPr>
+      <p:sp>
+        <p:nvSpPr>
+          <p:cNvPr id="2" name="Title 1">
+            <a:extLst>
+              <a:ext uri="{FF2B5EF4-FFF2-40B4-BE49-F238E27FC236}">
+                <a16:creationId xmlns:a16="http://schemas.microsoft.com/office/drawing/2014/main" id="{242B3865-20E7-3220-24DA-977963B20138}"/>
+              </a:ext>
+            </a:extLst>
+          </p:cNvPr>
+          <p:cNvSpPr>
+            <a:spLocks noGrp="1"/>
+          </p:cNvSpPr>
+          <p:nvPr>
+            <p:ph type="title"/>
+          </p:nvPr>
+        </p:nvSpPr>
+        <p:spPr/>
+        <p:txBody>
+          <a:bodyPr/>
+          <a:lstStyle/>
+          <a:p>
+            <a:r>
+              <a:rPr lang="he-IL" dirty="0"/>
+              <a:t>ניתוח חלון נע</a:t>
+            </a:r>
+          </a:p>
+        </p:txBody>
+      </p:sp>
+      <mc:AlternateContent xmlns:mc="http://schemas.openxmlformats.org/markup-compatibility/2006">
+        <mc:Choice xmlns:a14="http://schemas.microsoft.com/office/drawing/2010/main" Requires="a14">
+          <p:sp>
+            <p:nvSpPr>
+              <p:cNvPr id="3" name="Content Placeholder 2">
+                <a:extLst>
+                  <a:ext uri="{FF2B5EF4-FFF2-40B4-BE49-F238E27FC236}">
+                    <a16:creationId xmlns:a16="http://schemas.microsoft.com/office/drawing/2014/main" id="{18BC22C5-2A93-6A44-884C-C333FF776FDF}"/>
+                  </a:ext>
+                </a:extLst>
+              </p:cNvPr>
+              <p:cNvSpPr>
+                <a:spLocks noGrp="1"/>
+              </p:cNvSpPr>
+              <p:nvPr>
+                <p:ph idx="1"/>
+              </p:nvPr>
+            </p:nvSpPr>
+            <p:spPr/>
+            <p:txBody>
+              <a:bodyPr/>
+              <a:lstStyle/>
+              <a:p>
+                <a:pPr marL="0" indent="0">
+                  <a:buNone/>
+                </a:pPr>
+                <a:r>
+                  <a:rPr lang="he-IL" dirty="0"/>
+                  <a:t>מבחן חי בריבוע לא יצליח להתמודד עם תקלות מתונות וסטיות קבועות, לכן נוסיף שכבת זיהוי נוספת </a:t>
+                </a:r>
+              </a:p>
+              <a:p>
+                <a:pPr marL="0" indent="0">
+                  <a:buNone/>
+                </a:pPr>
+                <a:r>
+                  <a:rPr lang="he-IL" dirty="0"/>
+                  <a:t>ראשית, נעריך את </a:t>
+                </a:r>
+                <a:r>
+                  <a:rPr lang="he-IL" dirty="0" err="1"/>
+                  <a:t>הקוואריאנס</a:t>
+                </a:r>
+                <a:r>
+                  <a:rPr lang="he-IL" dirty="0"/>
+                  <a:t> בפועל </a:t>
+                </a:r>
+                <a14:m>
+                  <m:oMath xmlns:m="http://schemas.openxmlformats.org/officeDocument/2006/math">
+                    <m:sSub>
+                      <m:sSubPr>
+                        <m:ctrlPr>
+                          <a:rPr lang="en-US" b="0" i="1" smtClean="0">
+                            <a:latin typeface="Cambria Math" panose="02040503050406030204" pitchFamily="18" charset="0"/>
+                          </a:rPr>
+                        </m:ctrlPr>
+                      </m:sSubPr>
+                      <m:e>
+                        <m:r>
+                          <a:rPr lang="en-US" b="0" i="1" smtClean="0">
+                            <a:latin typeface="Cambria Math" panose="02040503050406030204" pitchFamily="18" charset="0"/>
+                          </a:rPr>
+                          <m:t>𝑎</m:t>
+                        </m:r>
+                      </m:e>
+                      <m:sub>
+                        <m:r>
+                          <a:rPr lang="en-US" b="0" i="1" smtClean="0">
+                            <a:latin typeface="Cambria Math" panose="02040503050406030204" pitchFamily="18" charset="0"/>
+                          </a:rPr>
+                          <m:t>𝑟</m:t>
+                        </m:r>
+                      </m:sub>
+                    </m:sSub>
+                    <m:r>
+                      <a:rPr lang="en-US" b="0" i="1" smtClean="0">
+                        <a:latin typeface="Cambria Math" panose="02040503050406030204" pitchFamily="18" charset="0"/>
+                      </a:rPr>
+                      <m:t>=</m:t>
+                    </m:r>
+                    <m:f>
+                      <m:fPr>
+                        <m:ctrlPr>
+                          <a:rPr lang="en-US" b="0" i="1" smtClean="0">
+                            <a:latin typeface="Cambria Math" panose="02040503050406030204" pitchFamily="18" charset="0"/>
+                          </a:rPr>
+                        </m:ctrlPr>
+                      </m:fPr>
+                      <m:num>
+                        <m:r>
+                          <a:rPr lang="en-US" b="0" i="1" smtClean="0">
+                            <a:latin typeface="Cambria Math" panose="02040503050406030204" pitchFamily="18" charset="0"/>
+                          </a:rPr>
+                          <m:t>1</m:t>
+                        </m:r>
+                      </m:num>
+                      <m:den>
+                        <m:r>
+                          <a:rPr lang="en-US" b="0" i="1" smtClean="0">
+                            <a:latin typeface="Cambria Math" panose="02040503050406030204" pitchFamily="18" charset="0"/>
+                          </a:rPr>
+                          <m:t>𝑁</m:t>
+                        </m:r>
+                      </m:den>
+                    </m:f>
+                    <m:r>
+                      <a:rPr lang="en-US" b="0" i="1" smtClean="0">
+                        <a:latin typeface="Cambria Math" panose="02040503050406030204" pitchFamily="18" charset="0"/>
+                      </a:rPr>
+                      <m:t>∑</m:t>
+                    </m:r>
+                  </m:oMath>
+                </a14:m>
+                <a:endParaRPr lang="he-IL" dirty="0"/>
+              </a:p>
+            </p:txBody>
+          </p:sp>
+        </mc:Choice>
+        <mc:Fallback>
+          <p:sp>
+            <p:nvSpPr>
+              <p:cNvPr id="3" name="Content Placeholder 2">
+                <a:extLst>
+                  <a:ext uri="{FF2B5EF4-FFF2-40B4-BE49-F238E27FC236}">
+                    <a16:creationId xmlns:a16="http://schemas.microsoft.com/office/drawing/2014/main" id="{18BC22C5-2A93-6A44-884C-C333FF776FDF}"/>
+                  </a:ext>
+                </a:extLst>
+              </p:cNvPr>
+              <p:cNvSpPr>
+                <a:spLocks noGrp="1" noRot="1" noChangeAspect="1" noMove="1" noResize="1" noEditPoints="1" noAdjustHandles="1" noChangeArrowheads="1" noChangeShapeType="1" noTextEdit="1"/>
+              </p:cNvSpPr>
+              <p:nvPr>
+                <p:ph idx="1"/>
+              </p:nvPr>
+            </p:nvSpPr>
+            <p:spPr>
+              <a:blipFill>
+                <a:blip r:embed="rId2"/>
+                <a:stretch>
+                  <a:fillRect r="-542"/>
+                </a:stretch>
+              </a:blipFill>
+            </p:spPr>
+            <p:txBody>
+              <a:bodyPr/>
+              <a:lstStyle/>
+              <a:p>
+                <a:r>
+                  <a:rPr lang="he-IL">
+                    <a:noFill/>
+                  </a:rPr>
+                  <a:t> </a:t>
+                </a:r>
+              </a:p>
+            </p:txBody>
+          </p:sp>
+        </mc:Fallback>
+      </mc:AlternateContent>
+    </p:spTree>
+    <p:extLst>
+      <p:ext uri="{BB962C8B-B14F-4D97-AF65-F5344CB8AC3E}">
+        <p14:creationId xmlns:p14="http://schemas.microsoft.com/office/powerpoint/2010/main" val="1209307768"/>
       </p:ext>
     </p:extLst>
   </p:cSld>
@@ -11032,8 +12736,8 @@
           </a:p>
         </p:txBody>
       </p:sp>
-      <mc:AlternateContent xmlns:mc="http://schemas.openxmlformats.org/markup-compatibility/2006">
-        <mc:Choice xmlns:a14="http://schemas.microsoft.com/office/drawing/2010/main" Requires="a14">
+      <mc:AlternateContent xmlns:mc="http://schemas.openxmlformats.org/markup-compatibility/2006" xmlns:a14="http://schemas.microsoft.com/office/drawing/2010/main">
+        <mc:Choice Requires="a14">
           <p:sp>
             <p:nvSpPr>
               <p:cNvPr id="3" name="מציין מיקום תוכן 2">
@@ -11859,7 +13563,7 @@
             </p:txBody>
           </p:sp>
         </mc:Choice>
-        <mc:Fallback>
+        <mc:Fallback xmlns="">
           <p:sp>
             <p:nvSpPr>
               <p:cNvPr id="3" name="מציין מיקום תוכן 2">
@@ -11975,8 +13679,8 @@
           </a:p>
         </p:txBody>
       </p:sp>
-      <mc:AlternateContent xmlns:mc="http://schemas.openxmlformats.org/markup-compatibility/2006">
-        <mc:Choice xmlns:a14="http://schemas.microsoft.com/office/drawing/2010/main" Requires="a14">
+      <mc:AlternateContent xmlns:mc="http://schemas.openxmlformats.org/markup-compatibility/2006" xmlns:a14="http://schemas.microsoft.com/office/drawing/2010/main">
+        <mc:Choice Requires="a14">
           <p:sp>
             <p:nvSpPr>
               <p:cNvPr id="3" name="מציין מיקום תוכן 2">
@@ -13075,7 +14779,7 @@
             </p:txBody>
           </p:sp>
         </mc:Choice>
-        <mc:Fallback>
+        <mc:Fallback xmlns="">
           <p:sp>
             <p:nvSpPr>
               <p:cNvPr id="3" name="מציין מיקום תוכן 2">
@@ -13182,8 +14886,8 @@
           </a:p>
         </p:txBody>
       </p:sp>
-      <mc:AlternateContent xmlns:mc="http://schemas.openxmlformats.org/markup-compatibility/2006">
-        <mc:Choice xmlns:a14="http://schemas.microsoft.com/office/drawing/2010/main" Requires="a14">
+      <mc:AlternateContent xmlns:mc="http://schemas.openxmlformats.org/markup-compatibility/2006" xmlns:a14="http://schemas.microsoft.com/office/drawing/2010/main">
+        <mc:Choice Requires="a14">
           <p:sp>
             <p:nvSpPr>
               <p:cNvPr id="3" name="מציין מיקום תוכן 2">
@@ -14796,7 +16500,7 @@
             </p:txBody>
           </p:sp>
         </mc:Choice>
-        <mc:Fallback>
+        <mc:Fallback xmlns="">
           <p:sp>
             <p:nvSpPr>
               <p:cNvPr id="3" name="מציין מיקום תוכן 2">
@@ -14902,8 +16606,8 @@
           </a:p>
         </p:txBody>
       </p:sp>
-      <mc:AlternateContent xmlns:mc="http://schemas.openxmlformats.org/markup-compatibility/2006">
-        <mc:Choice xmlns:a14="http://schemas.microsoft.com/office/drawing/2010/main" Requires="a14">
+      <mc:AlternateContent xmlns:mc="http://schemas.openxmlformats.org/markup-compatibility/2006" xmlns:a14="http://schemas.microsoft.com/office/drawing/2010/main">
+        <mc:Choice Requires="a14">
           <p:sp>
             <p:nvSpPr>
               <p:cNvPr id="3" name="Content Placeholder 2">
@@ -17353,7 +19057,13 @@
                                 <a:rPr lang="en-US" b="0" i="1" smtClean="0">
                                   <a:latin typeface="Cambria Math" panose="02040503050406030204" pitchFamily="18" charset="0"/>
                                 </a:rPr>
-                                <m:t>𝑖𝑖</m:t>
+                                <m:t>𝑖</m:t>
+                              </m:r>
+                              <m:r>
+                                <a:rPr lang="en-US" b="0" i="1" smtClean="0">
+                                  <a:latin typeface="Cambria Math" panose="02040503050406030204" pitchFamily="18" charset="0"/>
+                                </a:rPr>
+                                <m:t>𝑖</m:t>
                               </m:r>
                             </m:sub>
                           </m:sSub>
@@ -17845,7 +19555,7 @@
             </p:txBody>
           </p:sp>
         </mc:Choice>
-        <mc:Fallback>
+        <mc:Fallback xmlns="">
           <p:sp>
             <p:nvSpPr>
               <p:cNvPr id="3" name="Content Placeholder 2">

--- a/Federated Kalman filter.pptx
+++ b/Federated Kalman filter.pptx
@@ -5,7 +5,7 @@
     <p:sldMasterId id="2147483648" r:id="rId1"/>
   </p:sldMasterIdLst>
   <p:notesMasterIdLst>
-    <p:notesMasterId r:id="rId19"/>
+    <p:notesMasterId r:id="rId21"/>
   </p:notesMasterIdLst>
   <p:sldIdLst>
     <p:sldId id="256" r:id="rId2"/>
@@ -25,6 +25,8 @@
     <p:sldId id="270" r:id="rId16"/>
     <p:sldId id="271" r:id="rId17"/>
     <p:sldId id="272" r:id="rId18"/>
+    <p:sldId id="273" r:id="rId19"/>
+    <p:sldId id="274" r:id="rId20"/>
   </p:sldIdLst>
   <p:sldSz cx="12192000" cy="6858000"/>
   <p:notesSz cx="6858000" cy="9144000"/>
@@ -268,7 +270,7 @@
           <a:p>
             <a:fld id="{9FBC8B04-6135-4B93-86DB-9D89BE1381F3}" type="datetimeFigureOut">
               <a:rPr lang="he-IL" smtClean="0"/>
-              <a:t>ט"ז/אלול/תשפ"ה</a:t>
+              <a:t>כ"ד/אלול/תשפ"ה</a:t>
             </a:fld>
             <a:endParaRPr lang="he-IL"/>
           </a:p>
@@ -823,6 +825,90 @@
 </p:notes>
 </file>
 
+<file path=ppt/notesSlides/notesSlide4.xml><?xml version="1.0" encoding="utf-8"?>
+<p:notes xmlns:a="http://schemas.openxmlformats.org/drawingml/2006/main" xmlns:r="http://schemas.openxmlformats.org/officeDocument/2006/relationships" xmlns:p="http://schemas.openxmlformats.org/presentationml/2006/main">
+  <p:cSld>
+    <p:spTree>
+      <p:nvGrpSpPr>
+        <p:cNvPr id="1" name=""/>
+        <p:cNvGrpSpPr/>
+        <p:nvPr/>
+      </p:nvGrpSpPr>
+      <p:grpSpPr>
+        <a:xfrm>
+          <a:off x="0" y="0"/>
+          <a:ext cx="0" cy="0"/>
+          <a:chOff x="0" y="0"/>
+          <a:chExt cx="0" cy="0"/>
+        </a:xfrm>
+      </p:grpSpPr>
+      <p:sp>
+        <p:nvSpPr>
+          <p:cNvPr id="2" name="Slide Image Placeholder 1"/>
+          <p:cNvSpPr>
+            <a:spLocks noGrp="1" noRot="1" noChangeAspect="1"/>
+          </p:cNvSpPr>
+          <p:nvPr>
+            <p:ph type="sldImg"/>
+          </p:nvPr>
+        </p:nvSpPr>
+        <p:spPr/>
+      </p:sp>
+      <p:sp>
+        <p:nvSpPr>
+          <p:cNvPr id="3" name="Notes Placeholder 2"/>
+          <p:cNvSpPr>
+            <a:spLocks noGrp="1"/>
+          </p:cNvSpPr>
+          <p:nvPr>
+            <p:ph type="body" idx="1"/>
+          </p:nvPr>
+        </p:nvSpPr>
+        <p:spPr/>
+        <p:txBody>
+          <a:bodyPr/>
+          <a:lstStyle/>
+          <a:p>
+            <a:endParaRPr lang="he-IL" dirty="0"/>
+          </a:p>
+        </p:txBody>
+      </p:sp>
+      <p:sp>
+        <p:nvSpPr>
+          <p:cNvPr id="4" name="Slide Number Placeholder 3"/>
+          <p:cNvSpPr>
+            <a:spLocks noGrp="1"/>
+          </p:cNvSpPr>
+          <p:nvPr>
+            <p:ph type="sldNum" sz="quarter" idx="5"/>
+          </p:nvPr>
+        </p:nvSpPr>
+        <p:spPr/>
+        <p:txBody>
+          <a:bodyPr/>
+          <a:lstStyle/>
+          <a:p>
+            <a:fld id="{C64F4B96-EF2B-4E12-A000-E576EF522EF2}" type="slidenum">
+              <a:rPr lang="he-IL" smtClean="0"/>
+              <a:t>17</a:t>
+            </a:fld>
+            <a:endParaRPr lang="he-IL"/>
+          </a:p>
+        </p:txBody>
+      </p:sp>
+    </p:spTree>
+    <p:extLst>
+      <p:ext uri="{BB962C8B-B14F-4D97-AF65-F5344CB8AC3E}">
+        <p14:creationId xmlns:p14="http://schemas.microsoft.com/office/powerpoint/2010/main" val="3184789818"/>
+      </p:ext>
+    </p:extLst>
+  </p:cSld>
+  <p:clrMapOvr>
+    <a:masterClrMapping/>
+  </p:clrMapOvr>
+</p:notes>
+</file>
+
 <file path=ppt/slideLayouts/slideLayout1.xml><?xml version="1.0" encoding="utf-8"?>
 <p:sldLayout xmlns:a="http://schemas.openxmlformats.org/drawingml/2006/main" xmlns:r="http://schemas.openxmlformats.org/officeDocument/2006/relationships" xmlns:p="http://schemas.openxmlformats.org/presentationml/2006/main" type="title" preserve="1">
   <p:cSld name="שקופית כותרת">
@@ -1057,7 +1143,7 @@
             <a:fld id="{B61BEF0D-F0BB-DE4B-95CE-6DB70DBA9567}" type="datetimeFigureOut">
               <a:rPr lang="en-US" smtClean="0"/>
               <a:pPr/>
-              <a:t>9/9/2025</a:t>
+              <a:t>9/17/2025</a:t>
             </a:fld>
             <a:endParaRPr lang="en-US" dirty="0"/>
           </a:p>
@@ -1405,7 +1491,7 @@
             <a:fld id="{B61BEF0D-F0BB-DE4B-95CE-6DB70DBA9567}" type="datetimeFigureOut">
               <a:rPr lang="en-US" smtClean="0"/>
               <a:pPr/>
-              <a:t>9/9/2025</a:t>
+              <a:t>9/17/2025</a:t>
             </a:fld>
             <a:endParaRPr lang="en-US" dirty="0"/>
           </a:p>
@@ -1707,7 +1793,7 @@
             <a:fld id="{B61BEF0D-F0BB-DE4B-95CE-6DB70DBA9567}" type="datetimeFigureOut">
               <a:rPr lang="en-US" smtClean="0"/>
               <a:pPr/>
-              <a:t>9/9/2025</a:t>
+              <a:t>9/17/2025</a:t>
             </a:fld>
             <a:endParaRPr lang="en-US" dirty="0"/>
           </a:p>
@@ -2299,7 +2385,7 @@
             <a:fld id="{B61BEF0D-F0BB-DE4B-95CE-6DB70DBA9567}" type="datetimeFigureOut">
               <a:rPr lang="en-US" smtClean="0"/>
               <a:pPr/>
-              <a:t>9/9/2025</a:t>
+              <a:t>9/17/2025</a:t>
             </a:fld>
             <a:endParaRPr lang="en-US" dirty="0"/>
           </a:p>
@@ -2601,7 +2687,7 @@
             <a:fld id="{B61BEF0D-F0BB-DE4B-95CE-6DB70DBA9567}" type="datetimeFigureOut">
               <a:rPr lang="en-US" smtClean="0"/>
               <a:pPr/>
-              <a:t>9/9/2025</a:t>
+              <a:t>9/17/2025</a:t>
             </a:fld>
             <a:endParaRPr lang="en-US" dirty="0"/>
           </a:p>
@@ -3187,7 +3273,7 @@
             <a:fld id="{B61BEF0D-F0BB-DE4B-95CE-6DB70DBA9567}" type="datetimeFigureOut">
               <a:rPr lang="en-US" smtClean="0"/>
               <a:pPr/>
-              <a:t>9/9/2025</a:t>
+              <a:t>9/17/2025</a:t>
             </a:fld>
             <a:endParaRPr lang="en-US" dirty="0"/>
           </a:p>
@@ -3538,7 +3624,7 @@
             <a:fld id="{B61BEF0D-F0BB-DE4B-95CE-6DB70DBA9567}" type="datetimeFigureOut">
               <a:rPr lang="en-US" smtClean="0"/>
               <a:pPr/>
-              <a:t>9/9/2025</a:t>
+              <a:t>9/17/2025</a:t>
             </a:fld>
             <a:endParaRPr lang="en-US" dirty="0"/>
           </a:p>
@@ -3760,7 +3846,7 @@
             <a:fld id="{B61BEF0D-F0BB-DE4B-95CE-6DB70DBA9567}" type="datetimeFigureOut">
               <a:rPr lang="en-US" smtClean="0"/>
               <a:pPr/>
-              <a:t>9/9/2025</a:t>
+              <a:t>9/17/2025</a:t>
             </a:fld>
             <a:endParaRPr lang="en-US" dirty="0"/>
           </a:p>
@@ -4046,7 +4132,7 @@
             <a:fld id="{B61BEF0D-F0BB-DE4B-95CE-6DB70DBA9567}" type="datetimeFigureOut">
               <a:rPr lang="en-US" smtClean="0"/>
               <a:pPr/>
-              <a:t>9/9/2025</a:t>
+              <a:t>9/17/2025</a:t>
             </a:fld>
             <a:endParaRPr lang="en-US" dirty="0"/>
           </a:p>
@@ -4300,7 +4386,7 @@
             <a:fld id="{B61BEF0D-F0BB-DE4B-95CE-6DB70DBA9567}" type="datetimeFigureOut">
               <a:rPr lang="en-US" smtClean="0"/>
               <a:pPr/>
-              <a:t>9/9/2025</a:t>
+              <a:t>9/17/2025</a:t>
             </a:fld>
             <a:endParaRPr lang="en-US" dirty="0"/>
           </a:p>
@@ -4600,7 +4686,7 @@
             <a:fld id="{B61BEF0D-F0BB-DE4B-95CE-6DB70DBA9567}" type="datetimeFigureOut">
               <a:rPr lang="en-US" smtClean="0"/>
               <a:pPr/>
-              <a:t>9/9/2025</a:t>
+              <a:t>9/17/2025</a:t>
             </a:fld>
             <a:endParaRPr lang="en-US" dirty="0"/>
           </a:p>
@@ -4931,7 +5017,7 @@
             <a:fld id="{B61BEF0D-F0BB-DE4B-95CE-6DB70DBA9567}" type="datetimeFigureOut">
               <a:rPr lang="en-US" smtClean="0"/>
               <a:pPr/>
-              <a:t>9/9/2025</a:t>
+              <a:t>9/17/2025</a:t>
             </a:fld>
             <a:endParaRPr lang="en-US" dirty="0"/>
           </a:p>
@@ -5366,7 +5452,7 @@
             <a:fld id="{B61BEF0D-F0BB-DE4B-95CE-6DB70DBA9567}" type="datetimeFigureOut">
               <a:rPr lang="en-US" smtClean="0"/>
               <a:pPr/>
-              <a:t>9/9/2025</a:t>
+              <a:t>9/17/2025</a:t>
             </a:fld>
             <a:endParaRPr lang="en-US" dirty="0"/>
           </a:p>
@@ -5547,7 +5633,7 @@
             <a:fld id="{B61BEF0D-F0BB-DE4B-95CE-6DB70DBA9567}" type="datetimeFigureOut">
               <a:rPr lang="en-US" smtClean="0"/>
               <a:pPr/>
-              <a:t>9/9/2025</a:t>
+              <a:t>9/17/2025</a:t>
             </a:fld>
             <a:endParaRPr lang="en-US" dirty="0"/>
           </a:p>
@@ -5696,7 +5782,7 @@
             <a:fld id="{B61BEF0D-F0BB-DE4B-95CE-6DB70DBA9567}" type="datetimeFigureOut">
               <a:rPr lang="en-US" smtClean="0"/>
               <a:pPr/>
-              <a:t>9/9/2025</a:t>
+              <a:t>9/17/2025</a:t>
             </a:fld>
             <a:endParaRPr lang="en-US" dirty="0"/>
           </a:p>
@@ -6021,7 +6107,7 @@
             <a:fld id="{B61BEF0D-F0BB-DE4B-95CE-6DB70DBA9567}" type="datetimeFigureOut">
               <a:rPr lang="en-US" smtClean="0"/>
               <a:pPr/>
-              <a:t>9/9/2025</a:t>
+              <a:t>9/17/2025</a:t>
             </a:fld>
             <a:endParaRPr lang="en-US" dirty="0"/>
           </a:p>
@@ -6369,7 +6455,7 @@
             <a:fld id="{B61BEF0D-F0BB-DE4B-95CE-6DB70DBA9567}" type="datetimeFigureOut">
               <a:rPr lang="en-US" smtClean="0"/>
               <a:pPr/>
-              <a:t>9/9/2025</a:t>
+              <a:t>9/17/2025</a:t>
             </a:fld>
             <a:endParaRPr lang="en-US" dirty="0"/>
           </a:p>
@@ -6598,7 +6684,7 @@
             <a:fld id="{B61BEF0D-F0BB-DE4B-95CE-6DB70DBA9567}" type="datetimeFigureOut">
               <a:rPr lang="en-US" smtClean="0"/>
               <a:pPr/>
-              <a:t>9/9/2025</a:t>
+              <a:t>9/17/2025</a:t>
             </a:fld>
             <a:endParaRPr lang="en-US" dirty="0"/>
           </a:p>
@@ -7229,10 +7315,10 @@
           <a:lstStyle/>
           <a:p>
             <a:r>
-              <a:rPr lang="en-US" dirty="0"/>
+              <a:rPr lang="en-US" b="1" dirty="0"/>
               <a:t>Federated Kalman filter</a:t>
             </a:r>
-            <a:endParaRPr lang="LID4096" dirty="0"/>
+            <a:endParaRPr lang="LID4096" b="1" dirty="0"/>
           </a:p>
         </p:txBody>
       </p:sp>
@@ -7259,14 +7345,14 @@
           <a:p>
             <a:pPr algn="r"/>
             <a:r>
-              <a:rPr lang="he-IL" dirty="0"/>
+              <a:rPr lang="he-IL" b="1" dirty="0"/>
               <a:t>אילן </a:t>
             </a:r>
             <a:r>
-              <a:rPr lang="he-IL" dirty="0" err="1"/>
+              <a:rPr lang="he-IL" b="1" dirty="0" err="1"/>
               <a:t>אלזם</a:t>
             </a:r>
-            <a:endParaRPr lang="LID4096" dirty="0"/>
+            <a:endParaRPr lang="LID4096" b="1" dirty="0"/>
           </a:p>
         </p:txBody>
       </p:sp>
@@ -7322,14 +7408,14 @@
           <a:lstStyle/>
           <a:p>
             <a:r>
-              <a:rPr lang="he-IL" dirty="0"/>
+              <a:rPr lang="he-IL" b="1" dirty="0"/>
               <a:t>אלגוריתם ה </a:t>
             </a:r>
             <a:r>
-              <a:rPr lang="en-US" dirty="0"/>
+              <a:rPr lang="en-US" b="1" dirty="0"/>
               <a:t>FKF</a:t>
             </a:r>
-            <a:endParaRPr lang="he-IL" dirty="0"/>
+            <a:endParaRPr lang="he-IL" b="1" dirty="0"/>
           </a:p>
         </p:txBody>
       </p:sp>
@@ -7353,7 +7439,7 @@
             </p:nvSpPr>
             <p:spPr/>
             <p:txBody>
-              <a:bodyPr/>
+              <a:bodyPr anchor="t"/>
               <a:lstStyle/>
               <a:p>
                 <a:pPr marL="342900" indent="-342900">
@@ -7610,7 +7696,7 @@
               <a:blipFill>
                 <a:blip r:embed="rId3"/>
                 <a:stretch>
-                  <a:fillRect r="-602"/>
+                  <a:fillRect t="-1002" r="-602"/>
                 </a:stretch>
               </a:blipFill>
             </p:spPr>
@@ -7681,14 +7767,14 @@
           <a:lstStyle/>
           <a:p>
             <a:r>
-              <a:rPr lang="he-IL" dirty="0"/>
+              <a:rPr lang="he-IL" b="1" dirty="0"/>
               <a:t>השוואה – </a:t>
             </a:r>
             <a:r>
-              <a:rPr lang="en-US" dirty="0"/>
+              <a:rPr lang="en-US" b="1" dirty="0"/>
               <a:t>CKF vs FKF</a:t>
             </a:r>
-            <a:endParaRPr lang="he-IL" dirty="0"/>
+            <a:endParaRPr lang="he-IL" b="1" dirty="0"/>
           </a:p>
         </p:txBody>
       </p:sp>
@@ -7773,14 +7859,14 @@
           <a:lstStyle/>
           <a:p>
             <a:r>
-              <a:rPr lang="he-IL" dirty="0"/>
+              <a:rPr lang="he-IL" b="1" dirty="0"/>
               <a:t>השוואה – </a:t>
             </a:r>
             <a:r>
-              <a:rPr lang="en-US" dirty="0"/>
+              <a:rPr lang="en-US" b="1" dirty="0"/>
               <a:t>CKF vs FKF</a:t>
             </a:r>
-            <a:endParaRPr lang="he-IL" dirty="0"/>
+            <a:endParaRPr lang="he-IL" b="1" dirty="0"/>
           </a:p>
         </p:txBody>
       </p:sp>
@@ -7865,14 +7951,14 @@
           <a:lstStyle/>
           <a:p>
             <a:r>
-              <a:rPr lang="he-IL" dirty="0"/>
+              <a:rPr lang="he-IL" b="1" dirty="0"/>
               <a:t>השוואה – </a:t>
             </a:r>
             <a:r>
-              <a:rPr lang="en-US" dirty="0"/>
+              <a:rPr lang="en-US" b="1" dirty="0"/>
               <a:t>CKF vs FKF</a:t>
             </a:r>
-            <a:endParaRPr lang="he-IL" dirty="0"/>
+            <a:endParaRPr lang="he-IL" b="1" dirty="0"/>
           </a:p>
         </p:txBody>
       </p:sp>
@@ -7957,22 +8043,22 @@
           <a:lstStyle/>
           <a:p>
             <a:r>
-              <a:rPr lang="he-IL" dirty="0"/>
+              <a:rPr lang="he-IL" b="1" dirty="0"/>
               <a:t>יתרונות ה </a:t>
             </a:r>
             <a:r>
-              <a:rPr lang="en-US" dirty="0"/>
+              <a:rPr lang="en-US" b="1" dirty="0"/>
               <a:t>FKF</a:t>
             </a:r>
             <a:r>
-              <a:rPr lang="he-IL" dirty="0"/>
+              <a:rPr lang="he-IL" b="1" dirty="0"/>
               <a:t> על ה </a:t>
             </a:r>
             <a:r>
-              <a:rPr lang="en-US" dirty="0"/>
+              <a:rPr lang="en-US" b="1" dirty="0"/>
               <a:t>CKF</a:t>
             </a:r>
-            <a:endParaRPr lang="he-IL" dirty="0"/>
+            <a:endParaRPr lang="he-IL" b="1" dirty="0"/>
           </a:p>
         </p:txBody>
       </p:sp>
@@ -7994,7 +8080,7 @@
         </p:nvSpPr>
         <p:spPr/>
         <p:txBody>
-          <a:bodyPr>
+          <a:bodyPr anchor="t">
             <a:normAutofit/>
           </a:bodyPr>
           <a:lstStyle/>
@@ -8075,36 +8161,118 @@
           <a:chExt cx="0" cy="0"/>
         </a:xfrm>
       </p:grpSpPr>
-      <p:sp>
-        <p:nvSpPr>
-          <p:cNvPr id="2" name="Title 1">
-            <a:extLst>
-              <a:ext uri="{FF2B5EF4-FFF2-40B4-BE49-F238E27FC236}">
-                <a16:creationId xmlns:a16="http://schemas.microsoft.com/office/drawing/2014/main" id="{6853A274-BB0B-8EAD-6E04-6C0D93ADE66B}"/>
-              </a:ext>
-            </a:extLst>
-          </p:cNvPr>
-          <p:cNvSpPr>
-            <a:spLocks noGrp="1"/>
-          </p:cNvSpPr>
-          <p:nvPr>
-            <p:ph type="title"/>
-          </p:nvPr>
-        </p:nvSpPr>
-        <p:spPr/>
-        <p:txBody>
-          <a:bodyPr/>
-          <a:lstStyle/>
-          <a:p>
-            <a:r>
-              <a:rPr lang="he-IL" dirty="0"/>
-              <a:t>אלגוריתם לאיתור תקלות מבוסס מבחן חי-בריבוע וחלון נע</a:t>
-            </a:r>
-          </a:p>
-        </p:txBody>
-      </p:sp>
-      <mc:AlternateContent xmlns:mc="http://schemas.openxmlformats.org/markup-compatibility/2006">
-        <mc:Choice xmlns:a14="http://schemas.microsoft.com/office/drawing/2010/main" Requires="a14">
+      <mc:AlternateContent xmlns:mc="http://schemas.openxmlformats.org/markup-compatibility/2006" xmlns:a14="http://schemas.microsoft.com/office/drawing/2010/main">
+        <mc:Choice Requires="a14">
+          <p:sp>
+            <p:nvSpPr>
+              <p:cNvPr id="2" name="Title 1">
+                <a:extLst>
+                  <a:ext uri="{FF2B5EF4-FFF2-40B4-BE49-F238E27FC236}">
+                    <a16:creationId xmlns:a16="http://schemas.microsoft.com/office/drawing/2014/main" id="{6853A274-BB0B-8EAD-6E04-6C0D93ADE66B}"/>
+                  </a:ext>
+                </a:extLst>
+              </p:cNvPr>
+              <p:cNvSpPr>
+                <a:spLocks noGrp="1"/>
+              </p:cNvSpPr>
+              <p:nvPr>
+                <p:ph type="title"/>
+              </p:nvPr>
+            </p:nvSpPr>
+            <p:spPr/>
+            <p:txBody>
+              <a:bodyPr/>
+              <a:lstStyle/>
+              <a:p>
+                <a:r>
+                  <a:rPr lang="he-IL" b="1" dirty="0"/>
+                  <a:t>אלגוריתם לאיתור תקלות מבוסס מבחן </a:t>
+                </a:r>
+                <a14:m>
+                  <m:oMath xmlns:m="http://schemas.openxmlformats.org/officeDocument/2006/math">
+                    <m:r>
+                      <a:rPr lang="en-US" b="1" i="0" smtClean="0">
+                        <a:latin typeface="Cambria Math" panose="02040503050406030204" pitchFamily="18" charset="0"/>
+                      </a:rPr>
+                      <m:t> </m:t>
+                    </m:r>
+                    <m:sSup>
+                      <m:sSupPr>
+                        <m:ctrlPr>
+                          <a:rPr lang="en-US" b="1" i="1" smtClean="0">
+                            <a:latin typeface="Cambria Math" panose="02040503050406030204" pitchFamily="18" charset="0"/>
+                          </a:rPr>
+                        </m:ctrlPr>
+                      </m:sSupPr>
+                      <m:e>
+                        <m:r>
+                          <a:rPr lang="he-IL" b="1" i="1" smtClean="0">
+                            <a:latin typeface="Cambria Math" panose="02040503050406030204" pitchFamily="18" charset="0"/>
+                          </a:rPr>
+                          <m:t>𝝌</m:t>
+                        </m:r>
+                      </m:e>
+                      <m:sup>
+                        <m:r>
+                          <a:rPr lang="en-US" b="1" i="1" smtClean="0">
+                            <a:latin typeface="Cambria Math" panose="02040503050406030204" pitchFamily="18" charset="0"/>
+                          </a:rPr>
+                          <m:t>𝟐</m:t>
+                        </m:r>
+                      </m:sup>
+                    </m:sSup>
+                  </m:oMath>
+                </a14:m>
+                <a:r>
+                  <a:rPr lang="he-IL" b="1" dirty="0"/>
+                  <a:t>וממוצע חלון נע</a:t>
+                </a:r>
+              </a:p>
+            </p:txBody>
+          </p:sp>
+        </mc:Choice>
+        <mc:Fallback xmlns="">
+          <p:sp>
+            <p:nvSpPr>
+              <p:cNvPr id="2" name="Title 1">
+                <a:extLst>
+                  <a:ext uri="{FF2B5EF4-FFF2-40B4-BE49-F238E27FC236}">
+                    <a16:creationId xmlns:a16="http://schemas.microsoft.com/office/drawing/2014/main" id="{6853A274-BB0B-8EAD-6E04-6C0D93ADE66B}"/>
+                  </a:ext>
+                </a:extLst>
+              </p:cNvPr>
+              <p:cNvSpPr>
+                <a:spLocks noGrp="1" noRot="1" noChangeAspect="1" noMove="1" noResize="1" noEditPoints="1" noAdjustHandles="1" noChangeArrowheads="1" noChangeShapeType="1" noTextEdit="1"/>
+              </p:cNvSpPr>
+              <p:nvPr>
+                <p:ph type="title"/>
+              </p:nvPr>
+            </p:nvSpPr>
+            <p:spPr>
+              <a:blipFill>
+                <a:blip r:embed="rId2"/>
+                <a:stretch>
+                  <a:fillRect r="-1866"/>
+                </a:stretch>
+              </a:blipFill>
+            </p:spPr>
+            <p:txBody>
+              <a:bodyPr/>
+              <a:lstStyle/>
+              <a:p>
+                <a:r>
+                  <a:rPr lang="he-IL">
+                    <a:noFill/>
+                  </a:rPr>
+                  <a:t> </a:t>
+                </a:r>
+              </a:p>
+            </p:txBody>
+          </p:sp>
+        </mc:Fallback>
+      </mc:AlternateContent>
+      <mc:AlternateContent xmlns:mc="http://schemas.openxmlformats.org/markup-compatibility/2006" xmlns:a14="http://schemas.microsoft.com/office/drawing/2010/main">
+        <mc:Choice Requires="a14">
           <p:sp>
             <p:nvSpPr>
               <p:cNvPr id="3" name="Content Placeholder 2">
@@ -8123,7 +8291,7 @@
             </p:nvSpPr>
             <p:spPr/>
             <p:txBody>
-              <a:bodyPr/>
+              <a:bodyPr anchor="t"/>
               <a:lstStyle/>
               <a:p>
                 <a:pPr marL="0" indent="0">
@@ -8184,7 +8352,7 @@
                     <m:sSup>
                       <m:sSupPr>
                         <m:ctrlPr>
-                          <a:rPr lang="en-US" b="1" i="0" smtClean="0">
+                          <a:rPr lang="en-US" b="1" i="1" smtClean="0">
                             <a:latin typeface="Cambria Math" panose="02040503050406030204" pitchFamily="18" charset="0"/>
                             <a:ea typeface="Cambria Math" panose="02040503050406030204" pitchFamily="18" charset="0"/>
                           </a:rPr>
@@ -8326,13 +8494,13 @@
                 </a14:m>
                 <a:r>
                   <a:rPr lang="he-IL" dirty="0"/>
-                  <a:t> לאורך זמן לזיהוי תקלות מתונות ומתמשכות</a:t>
+                  <a:t> לאורך זמן לזיהוי תקלות מתונות ומתמשכות ולהתמודדות עם חיובים כוזבים</a:t>
                 </a:r>
               </a:p>
             </p:txBody>
           </p:sp>
         </mc:Choice>
-        <mc:Fallback>
+        <mc:Fallback xmlns="">
           <p:sp>
             <p:nvSpPr>
               <p:cNvPr id="3" name="Content Placeholder 2">
@@ -8351,9 +8519,9 @@
             </p:nvSpPr>
             <p:spPr>
               <a:blipFill>
-                <a:blip r:embed="rId2"/>
+                <a:blip r:embed="rId3"/>
                 <a:stretch>
-                  <a:fillRect r="-602"/>
+                  <a:fillRect t="-1002" r="-602"/>
                 </a:stretch>
               </a:blipFill>
             </p:spPr>
@@ -8402,8 +8570,8 @@
           <a:chExt cx="0" cy="0"/>
         </a:xfrm>
       </p:grpSpPr>
-      <mc:AlternateContent xmlns:mc="http://schemas.openxmlformats.org/markup-compatibility/2006">
-        <mc:Choice xmlns:a14="http://schemas.microsoft.com/office/drawing/2010/main" Requires="a14">
+      <mc:AlternateContent xmlns:mc="http://schemas.openxmlformats.org/markup-compatibility/2006" xmlns:a14="http://schemas.microsoft.com/office/drawing/2010/main">
+        <mc:Choice Requires="a14">
           <p:sp>
             <p:nvSpPr>
               <p:cNvPr id="2" name="Title 1">
@@ -8466,7 +8634,7 @@
             </p:txBody>
           </p:sp>
         </mc:Choice>
-        <mc:Fallback>
+        <mc:Fallback xmlns="">
           <p:sp>
             <p:nvSpPr>
               <p:cNvPr id="2" name="Title 1">
@@ -8506,8 +8674,8 @@
           </p:sp>
         </mc:Fallback>
       </mc:AlternateContent>
-      <mc:AlternateContent xmlns:mc="http://schemas.openxmlformats.org/markup-compatibility/2006">
-        <mc:Choice xmlns:a14="http://schemas.microsoft.com/office/drawing/2010/main" Requires="a14">
+      <mc:AlternateContent xmlns:mc="http://schemas.openxmlformats.org/markup-compatibility/2006" xmlns:a14="http://schemas.microsoft.com/office/drawing/2010/main">
+        <mc:Choice Requires="a14">
           <p:sp>
             <p:nvSpPr>
               <p:cNvPr id="3" name="Content Placeholder 2">
@@ -8531,7 +8699,7 @@
               </a:xfrm>
             </p:spPr>
             <p:txBody>
-              <a:bodyPr/>
+              <a:bodyPr anchor="t"/>
               <a:lstStyle/>
               <a:p>
                 <a:r>
@@ -9095,7 +9263,7 @@
                 </a14:m>
                 <a:r>
                   <a:rPr lang="he-IL" dirty="0"/>
-                  <a:t>. תחת פעולה תקינה </a:t>
+                  <a:t>. תחת </a:t>
                 </a:r>
                 <a14:m>
                   <m:oMath xmlns:m="http://schemas.openxmlformats.org/officeDocument/2006/math">
@@ -9133,6 +9301,13 @@
                             <a:latin typeface="Cambria Math" panose="02040503050406030204" pitchFamily="18" charset="0"/>
                           </a:rPr>
                           <m:t>𝑘</m:t>
+                        </m:r>
+                        <m:r>
+                          <m:rPr>
+                            <m:nor/>
+                          </m:rPr>
+                          <a:rPr lang="he-IL" dirty="0"/>
+                          <m:t>פעולה תקינה</m:t>
                         </m:r>
                       </m:sub>
                     </m:sSub>
@@ -9261,7 +9436,7 @@
             </p:txBody>
           </p:sp>
         </mc:Choice>
-        <mc:Fallback>
+        <mc:Fallback xmlns="">
           <p:sp>
             <p:nvSpPr>
               <p:cNvPr id="3" name="Content Placeholder 2">
@@ -9286,7 +9461,7 @@
               <a:blipFill>
                 <a:blip r:embed="rId3"/>
                 <a:stretch>
-                  <a:fillRect r="-378"/>
+                  <a:fillRect t="-835" r="-378"/>
                 </a:stretch>
               </a:blipFill>
             </p:spPr>
@@ -9351,14 +9526,21 @@
             <p:ph type="title"/>
           </p:nvPr>
         </p:nvSpPr>
-        <p:spPr/>
+        <p:spPr>
+          <a:xfrm>
+            <a:off x="1374774" y="609600"/>
+            <a:ext cx="10131425" cy="1456267"/>
+          </a:xfrm>
+        </p:spPr>
         <p:txBody>
-          <a:bodyPr/>
+          <a:bodyPr anchor="ctr">
+            <a:normAutofit/>
+          </a:bodyPr>
           <a:lstStyle/>
           <a:p>
             <a:r>
-              <a:rPr lang="he-IL" dirty="0"/>
-              <a:t>ניתוח חלון נע</a:t>
+              <a:rPr lang="he-IL" b="1" dirty="0"/>
+              <a:t>מבחן ממוצע חלון נע</a:t>
             </a:r>
           </a:p>
         </p:txBody>
@@ -9378,29 +9560,29 @@
                 <a:spLocks noGrp="1"/>
               </p:cNvSpPr>
               <p:nvPr>
-                <p:ph idx="1"/>
+                <p:ph sz="half" idx="1"/>
               </p:nvPr>
             </p:nvSpPr>
-            <p:spPr/>
+            <p:spPr>
+              <a:xfrm>
+                <a:off x="5320145" y="2142067"/>
+                <a:ext cx="6186053" cy="3649134"/>
+              </a:xfrm>
+            </p:spPr>
             <p:txBody>
-              <a:bodyPr/>
+              <a:bodyPr anchor="ctr">
+                <a:normAutofit lnSpcReduction="10000"/>
+              </a:bodyPr>
               <a:lstStyle/>
               <a:p>
-                <a:pPr marL="0" indent="0">
-                  <a:buNone/>
+                <a:pPr>
+                  <a:lnSpc>
+                    <a:spcPct val="90000"/>
+                  </a:lnSpc>
                 </a:pPr>
                 <a:r>
                   <a:rPr lang="he-IL" dirty="0"/>
-                  <a:t>מבחן חי בריבוע לא יצליח להתמודד עם תקלות מתונות וסטיות קבועות, לכן נוסיף שכבת זיהוי נוספת </a:t>
-                </a:r>
-              </a:p>
-              <a:p>
-                <a:pPr marL="0" indent="0">
-                  <a:buNone/>
-                </a:pPr>
-                <a:r>
-                  <a:rPr lang="he-IL" dirty="0"/>
-                  <a:t>ראשית, נעריך את </a:t>
+                  <a:t>נעריך את </a:t>
                 </a:r>
                 <a:r>
                   <a:rPr lang="he-IL" dirty="0" err="1"/>
@@ -9408,7 +9590,23 @@
                 </a:r>
                 <a:r>
                   <a:rPr lang="he-IL" dirty="0"/>
-                  <a:t> בפועל </a:t>
+                  <a:t> של </a:t>
+                </a:r>
+                <a:r>
+                  <a:rPr lang="he-IL" dirty="0" err="1"/>
+                  <a:t>האינובציה</a:t>
+                </a:r>
+                <a:r>
+                  <a:rPr lang="he-IL" dirty="0"/>
+                  <a:t> בעזרת </a:t>
+                </a:r>
+                <a:r>
+                  <a:rPr lang="he-IL" dirty="0" err="1"/>
+                  <a:t>אמדן</a:t>
+                </a:r>
+                <a:r>
+                  <a:rPr lang="he-IL" dirty="0"/>
+                  <a:t> מסוג חלון ממוצע נע </a:t>
                 </a:r>
                 <a14:m>
                   <m:oMath xmlns:m="http://schemas.openxmlformats.org/officeDocument/2006/math">
@@ -9468,15 +9666,662 @@
                         </m:r>
                       </m:den>
                     </m:f>
+                    <m:nary>
+                      <m:naryPr>
+                        <m:chr m:val="∑"/>
+                        <m:ctrlPr>
+                          <a:rPr lang="en-US" b="0" i="1" smtClean="0">
+                            <a:latin typeface="Cambria Math" panose="02040503050406030204" pitchFamily="18" charset="0"/>
+                          </a:rPr>
+                        </m:ctrlPr>
+                      </m:naryPr>
+                      <m:sub>
+                        <m:r>
+                          <m:rPr>
+                            <m:brk m:alnAt="23"/>
+                          </m:rPr>
+                          <a:rPr lang="en-US" b="0" i="1" smtClean="0">
+                            <a:latin typeface="Cambria Math" panose="02040503050406030204" pitchFamily="18" charset="0"/>
+                          </a:rPr>
+                          <m:t>𝑖</m:t>
+                        </m:r>
+                        <m:r>
+                          <a:rPr lang="en-US" b="0" i="1" smtClean="0">
+                            <a:latin typeface="Cambria Math" panose="02040503050406030204" pitchFamily="18" charset="0"/>
+                          </a:rPr>
+                          <m:t>=</m:t>
+                        </m:r>
+                        <m:r>
+                          <a:rPr lang="en-US" b="0" i="1" smtClean="0">
+                            <a:latin typeface="Cambria Math" panose="02040503050406030204" pitchFamily="18" charset="0"/>
+                          </a:rPr>
+                          <m:t>𝑘</m:t>
+                        </m:r>
+                        <m:r>
+                          <a:rPr lang="en-US" b="0" i="1" smtClean="0">
+                            <a:latin typeface="Cambria Math" panose="02040503050406030204" pitchFamily="18" charset="0"/>
+                          </a:rPr>
+                          <m:t>−</m:t>
+                        </m:r>
+                        <m:r>
+                          <a:rPr lang="en-US" b="0" i="1" smtClean="0">
+                            <a:latin typeface="Cambria Math" panose="02040503050406030204" pitchFamily="18" charset="0"/>
+                          </a:rPr>
+                          <m:t>𝑁</m:t>
+                        </m:r>
+                        <m:r>
+                          <a:rPr lang="en-US" b="0" i="1" smtClean="0">
+                            <a:latin typeface="Cambria Math" panose="02040503050406030204" pitchFamily="18" charset="0"/>
+                          </a:rPr>
+                          <m:t>+</m:t>
+                        </m:r>
+                        <m:r>
+                          <m:rPr>
+                            <m:brk m:alnAt="23"/>
+                          </m:rPr>
+                          <a:rPr lang="en-US" b="0" i="1" smtClean="0">
+                            <a:latin typeface="Cambria Math" panose="02040503050406030204" pitchFamily="18" charset="0"/>
+                          </a:rPr>
+                          <m:t>1</m:t>
+                        </m:r>
+                      </m:sub>
+                      <m:sup>
+                        <m:r>
+                          <a:rPr lang="en-US" b="0" i="1" smtClean="0">
+                            <a:latin typeface="Cambria Math" panose="02040503050406030204" pitchFamily="18" charset="0"/>
+                          </a:rPr>
+                          <m:t>𝑘</m:t>
+                        </m:r>
+                      </m:sup>
+                      <m:e>
+                        <m:sSub>
+                          <m:sSubPr>
+                            <m:ctrlPr>
+                              <a:rPr lang="en-US" b="0" i="1" smtClean="0">
+                                <a:latin typeface="Cambria Math" panose="02040503050406030204" pitchFamily="18" charset="0"/>
+                              </a:rPr>
+                            </m:ctrlPr>
+                          </m:sSubPr>
+                          <m:e>
+                            <m:r>
+                              <a:rPr lang="en-US" b="0" i="1" smtClean="0">
+                                <a:latin typeface="Cambria Math" panose="02040503050406030204" pitchFamily="18" charset="0"/>
+                              </a:rPr>
+                              <m:t>𝑟</m:t>
+                            </m:r>
+                          </m:e>
+                          <m:sub>
+                            <m:r>
+                              <a:rPr lang="en-US" b="0" i="1" smtClean="0">
+                                <a:latin typeface="Cambria Math" panose="02040503050406030204" pitchFamily="18" charset="0"/>
+                              </a:rPr>
+                              <m:t>𝑖</m:t>
+                            </m:r>
+                            <m:r>
+                              <a:rPr lang="en-US" b="0" i="1" smtClean="0">
+                                <a:latin typeface="Cambria Math" panose="02040503050406030204" pitchFamily="18" charset="0"/>
+                              </a:rPr>
+                              <m:t>,</m:t>
+                            </m:r>
+                            <m:r>
+                              <a:rPr lang="en-US" b="0" i="1" smtClean="0">
+                                <a:latin typeface="Cambria Math" panose="02040503050406030204" pitchFamily="18" charset="0"/>
+                              </a:rPr>
+                              <m:t>𝑘</m:t>
+                            </m:r>
+                          </m:sub>
+                        </m:sSub>
+                        <m:sSubSup>
+                          <m:sSubSupPr>
+                            <m:ctrlPr>
+                              <a:rPr lang="en-US" b="0" i="1" smtClean="0">
+                                <a:latin typeface="Cambria Math" panose="02040503050406030204" pitchFamily="18" charset="0"/>
+                              </a:rPr>
+                            </m:ctrlPr>
+                          </m:sSubSupPr>
+                          <m:e>
+                            <m:r>
+                              <a:rPr lang="en-US" b="0" i="1" smtClean="0">
+                                <a:latin typeface="Cambria Math" panose="02040503050406030204" pitchFamily="18" charset="0"/>
+                              </a:rPr>
+                              <m:t>𝑟</m:t>
+                            </m:r>
+                          </m:e>
+                          <m:sub>
+                            <m:r>
+                              <a:rPr lang="en-US" b="0" i="1" smtClean="0">
+                                <a:latin typeface="Cambria Math" panose="02040503050406030204" pitchFamily="18" charset="0"/>
+                              </a:rPr>
+                              <m:t>𝑖</m:t>
+                            </m:r>
+                            <m:r>
+                              <a:rPr lang="en-US" b="0" i="1" smtClean="0">
+                                <a:latin typeface="Cambria Math" panose="02040503050406030204" pitchFamily="18" charset="0"/>
+                              </a:rPr>
+                              <m:t>,</m:t>
+                            </m:r>
+                            <m:r>
+                              <a:rPr lang="en-US" b="0" i="1" smtClean="0">
+                                <a:latin typeface="Cambria Math" panose="02040503050406030204" pitchFamily="18" charset="0"/>
+                              </a:rPr>
+                              <m:t>𝑘</m:t>
+                            </m:r>
+                          </m:sub>
+                          <m:sup>
+                            <m:r>
+                              <a:rPr lang="en-US" b="0" i="1" smtClean="0">
+                                <a:latin typeface="Cambria Math" panose="02040503050406030204" pitchFamily="18" charset="0"/>
+                              </a:rPr>
+                              <m:t>𝑇</m:t>
+                            </m:r>
+                          </m:sup>
+                        </m:sSubSup>
+                      </m:e>
+                    </m:nary>
+                  </m:oMath>
+                </a14:m>
+                <a:r>
+                  <a:rPr lang="he-IL" dirty="0"/>
+                  <a:t>.</a:t>
+                </a:r>
+              </a:p>
+              <a:p>
+                <a:pPr>
+                  <a:lnSpc>
+                    <a:spcPct val="90000"/>
+                  </a:lnSpc>
+                </a:pPr>
+                <a:r>
+                  <a:rPr lang="he-IL" dirty="0"/>
+                  <a:t>מרווח החלון </a:t>
+                </a:r>
+                <a:r>
+                  <a:rPr lang="en-US" dirty="0"/>
+                  <a:t>N</a:t>
+                </a:r>
+                <a:r>
+                  <a:rPr lang="he-IL" dirty="0"/>
+                  <a:t> נבחר לכל יישום, כאשר לרוב הערכים הם בין 10 ל-12 </a:t>
+                </a:r>
+              </a:p>
+              <a:p>
+                <a:pPr>
+                  <a:lnSpc>
+                    <a:spcPct val="90000"/>
+                  </a:lnSpc>
+                </a:pPr>
+                <a:r>
+                  <a:rPr lang="he-IL" dirty="0"/>
+                  <a:t> </a:t>
+                </a:r>
+                <a:r>
+                  <a:rPr lang="he-IL" dirty="0" err="1"/>
+                  <a:t>האמדן</a:t>
+                </a:r>
+                <a:r>
+                  <a:rPr lang="he-IL" dirty="0"/>
+                  <a:t> </a:t>
+                </a:r>
+                <a14:m>
+                  <m:oMath xmlns:m="http://schemas.openxmlformats.org/officeDocument/2006/math">
+                    <m:sSub>
+                      <m:sSubPr>
+                        <m:ctrlPr>
+                          <a:rPr lang="en-US" b="0" i="1" smtClean="0">
+                            <a:latin typeface="Cambria Math" panose="02040503050406030204" pitchFamily="18" charset="0"/>
+                          </a:rPr>
+                        </m:ctrlPr>
+                      </m:sSubPr>
+                      <m:e>
+                        <m:r>
+                          <a:rPr lang="en-US" b="0" i="1" smtClean="0">
+                            <a:latin typeface="Cambria Math" panose="02040503050406030204" pitchFamily="18" charset="0"/>
+                          </a:rPr>
+                          <m:t>𝑎</m:t>
+                        </m:r>
+                      </m:e>
+                      <m:sub>
+                        <m:r>
+                          <a:rPr lang="en-US" b="0" i="1" smtClean="0">
+                            <a:latin typeface="Cambria Math" panose="02040503050406030204" pitchFamily="18" charset="0"/>
+                          </a:rPr>
+                          <m:t>𝑟</m:t>
+                        </m:r>
+                      </m:sub>
+                    </m:sSub>
+                  </m:oMath>
+                </a14:m>
+                <a:r>
+                  <a:rPr lang="he-IL" dirty="0"/>
+                  <a:t> מושווה אל מול </a:t>
+                </a:r>
+                <a:r>
+                  <a:rPr lang="he-IL" dirty="0" err="1"/>
+                  <a:t>הקוואריאנס</a:t>
+                </a:r>
+                <a:r>
+                  <a:rPr lang="he-IL" dirty="0"/>
+                  <a:t> התיאורטי </a:t>
+                </a:r>
+                <a14:m>
+                  <m:oMath xmlns:m="http://schemas.openxmlformats.org/officeDocument/2006/math">
+                    <m:sSub>
+                      <m:sSubPr>
+                        <m:ctrlPr>
+                          <a:rPr lang="en-US" i="1">
+                            <a:latin typeface="Cambria Math" panose="02040503050406030204" pitchFamily="18" charset="0"/>
+                          </a:rPr>
+                        </m:ctrlPr>
+                      </m:sSubPr>
+                      <m:e>
+                        <m:r>
+                          <a:rPr lang="en-US" i="1">
+                            <a:latin typeface="Cambria Math" panose="02040503050406030204" pitchFamily="18" charset="0"/>
+                          </a:rPr>
+                          <m:t>𝑊</m:t>
+                        </m:r>
+                      </m:e>
+                      <m:sub>
+                        <m:r>
+                          <a:rPr lang="en-US" i="1">
+                            <a:latin typeface="Cambria Math" panose="02040503050406030204" pitchFamily="18" charset="0"/>
+                          </a:rPr>
+                          <m:t>𝑖</m:t>
+                        </m:r>
+                        <m:r>
+                          <a:rPr lang="en-US" i="1">
+                            <a:latin typeface="Cambria Math" panose="02040503050406030204" pitchFamily="18" charset="0"/>
+                          </a:rPr>
+                          <m:t>,</m:t>
+                        </m:r>
+                        <m:r>
+                          <a:rPr lang="en-US" i="1">
+                            <a:latin typeface="Cambria Math" panose="02040503050406030204" pitchFamily="18" charset="0"/>
+                          </a:rPr>
+                          <m:t>𝑘</m:t>
+                        </m:r>
+                      </m:sub>
+                    </m:sSub>
+                  </m:oMath>
+                </a14:m>
+                <a:r>
+                  <a:rPr lang="en-US" dirty="0"/>
+                  <a:t> </a:t>
+                </a:r>
+                <a:r>
+                  <a:rPr lang="he-IL" dirty="0"/>
+                  <a:t> באופן הבא: </a:t>
+                </a:r>
+                <a14:m>
+                  <m:oMath xmlns:m="http://schemas.openxmlformats.org/officeDocument/2006/math">
                     <m:r>
                       <a:rPr lang="en-US" b="0" i="1" smtClean="0">
                         <a:latin typeface="Cambria Math" panose="02040503050406030204" pitchFamily="18" charset="0"/>
                       </a:rPr>
-                      <m:t>∑</m:t>
+                      <m:t>𝜂</m:t>
+                    </m:r>
+                    <m:r>
+                      <a:rPr lang="en-US" b="0" i="1" smtClean="0">
+                        <a:latin typeface="Cambria Math" panose="02040503050406030204" pitchFamily="18" charset="0"/>
+                      </a:rPr>
+                      <m:t>=</m:t>
+                    </m:r>
+                    <m:f>
+                      <m:fPr>
+                        <m:ctrlPr>
+                          <a:rPr lang="en-US" b="0" i="1" smtClean="0">
+                            <a:latin typeface="Cambria Math" panose="02040503050406030204" pitchFamily="18" charset="0"/>
+                          </a:rPr>
+                        </m:ctrlPr>
+                      </m:fPr>
+                      <m:num>
+                        <m:r>
+                          <a:rPr lang="en-US" b="0" i="1" smtClean="0">
+                            <a:latin typeface="Cambria Math" panose="02040503050406030204" pitchFamily="18" charset="0"/>
+                          </a:rPr>
+                          <m:t>𝑡𝑟</m:t>
+                        </m:r>
+                        <m:d>
+                          <m:dPr>
+                            <m:ctrlPr>
+                              <a:rPr lang="en-US" b="0" i="1" smtClean="0">
+                                <a:latin typeface="Cambria Math" panose="02040503050406030204" pitchFamily="18" charset="0"/>
+                              </a:rPr>
+                            </m:ctrlPr>
+                          </m:dPr>
+                          <m:e>
+                            <m:sSub>
+                              <m:sSubPr>
+                                <m:ctrlPr>
+                                  <a:rPr lang="en-US" i="1">
+                                    <a:latin typeface="Cambria Math" panose="02040503050406030204" pitchFamily="18" charset="0"/>
+                                  </a:rPr>
+                                </m:ctrlPr>
+                              </m:sSubPr>
+                              <m:e>
+                                <m:r>
+                                  <a:rPr lang="en-US" i="1">
+                                    <a:latin typeface="Cambria Math" panose="02040503050406030204" pitchFamily="18" charset="0"/>
+                                  </a:rPr>
+                                  <m:t>𝑊</m:t>
+                                </m:r>
+                              </m:e>
+                              <m:sub>
+                                <m:r>
+                                  <a:rPr lang="en-US" i="1">
+                                    <a:latin typeface="Cambria Math" panose="02040503050406030204" pitchFamily="18" charset="0"/>
+                                  </a:rPr>
+                                  <m:t>𝑖</m:t>
+                                </m:r>
+                                <m:r>
+                                  <a:rPr lang="en-US" i="1">
+                                    <a:latin typeface="Cambria Math" panose="02040503050406030204" pitchFamily="18" charset="0"/>
+                                  </a:rPr>
+                                  <m:t>,</m:t>
+                                </m:r>
+                                <m:r>
+                                  <a:rPr lang="en-US" i="1">
+                                    <a:latin typeface="Cambria Math" panose="02040503050406030204" pitchFamily="18" charset="0"/>
+                                  </a:rPr>
+                                  <m:t>𝑘</m:t>
+                                </m:r>
+                              </m:sub>
+                            </m:sSub>
+                          </m:e>
+                        </m:d>
+                      </m:num>
+                      <m:den>
+                        <m:r>
+                          <a:rPr lang="en-US" b="0" i="1" smtClean="0">
+                            <a:latin typeface="Cambria Math" panose="02040503050406030204" pitchFamily="18" charset="0"/>
+                          </a:rPr>
+                          <m:t>𝑡𝑟</m:t>
+                        </m:r>
+                        <m:d>
+                          <m:dPr>
+                            <m:ctrlPr>
+                              <a:rPr lang="en-US" b="0" i="1" smtClean="0">
+                                <a:latin typeface="Cambria Math" panose="02040503050406030204" pitchFamily="18" charset="0"/>
+                              </a:rPr>
+                            </m:ctrlPr>
+                          </m:dPr>
+                          <m:e>
+                            <m:sSub>
+                              <m:sSubPr>
+                                <m:ctrlPr>
+                                  <a:rPr lang="en-US" b="0" i="1" smtClean="0">
+                                    <a:latin typeface="Cambria Math" panose="02040503050406030204" pitchFamily="18" charset="0"/>
+                                  </a:rPr>
+                                </m:ctrlPr>
+                              </m:sSubPr>
+                              <m:e>
+                                <m:r>
+                                  <a:rPr lang="en-US" b="0" i="1" smtClean="0">
+                                    <a:latin typeface="Cambria Math" panose="02040503050406030204" pitchFamily="18" charset="0"/>
+                                  </a:rPr>
+                                  <m:t>𝑎</m:t>
+                                </m:r>
+                              </m:e>
+                              <m:sub>
+                                <m:r>
+                                  <a:rPr lang="en-US" b="0" i="1" smtClean="0">
+                                    <a:latin typeface="Cambria Math" panose="02040503050406030204" pitchFamily="18" charset="0"/>
+                                  </a:rPr>
+                                  <m:t>𝑖</m:t>
+                                </m:r>
+                                <m:r>
+                                  <a:rPr lang="en-US" b="0" i="1" smtClean="0">
+                                    <a:latin typeface="Cambria Math" panose="02040503050406030204" pitchFamily="18" charset="0"/>
+                                  </a:rPr>
+                                  <m:t>,</m:t>
+                                </m:r>
+                                <m:r>
+                                  <a:rPr lang="en-US" b="0" i="1" smtClean="0">
+                                    <a:latin typeface="Cambria Math" panose="02040503050406030204" pitchFamily="18" charset="0"/>
+                                  </a:rPr>
+                                  <m:t>𝑘</m:t>
+                                </m:r>
+                              </m:sub>
+                            </m:sSub>
+                          </m:e>
+                        </m:d>
+                      </m:den>
+                    </m:f>
+                  </m:oMath>
+                </a14:m>
+                <a:endParaRPr lang="en-US" dirty="0"/>
+              </a:p>
+              <a:p>
+                <a:pPr>
+                  <a:lnSpc>
+                    <a:spcPct val="90000"/>
+                  </a:lnSpc>
+                </a:pPr>
+                <a:r>
+                  <a:rPr lang="he-IL" dirty="0"/>
+                  <a:t>אם </a:t>
+                </a:r>
+                <a14:m>
+                  <m:oMath xmlns:m="http://schemas.openxmlformats.org/officeDocument/2006/math">
+                    <m:r>
+                      <a:rPr lang="en-US" b="0" i="1" smtClean="0">
+                        <a:latin typeface="Cambria Math" panose="02040503050406030204" pitchFamily="18" charset="0"/>
+                      </a:rPr>
+                      <m:t>𝜂</m:t>
+                    </m:r>
+                    <m:r>
+                      <a:rPr lang="en-US" b="0" i="1" smtClean="0">
+                        <a:latin typeface="Cambria Math" panose="02040503050406030204" pitchFamily="18" charset="0"/>
+                      </a:rPr>
+                      <m:t>∈[</m:t>
+                    </m:r>
+                    <m:r>
+                      <a:rPr lang="en-US" b="0" i="1" smtClean="0">
+                        <a:latin typeface="Cambria Math" panose="02040503050406030204" pitchFamily="18" charset="0"/>
+                      </a:rPr>
+                      <m:t>0</m:t>
+                    </m:r>
+                    <m:r>
+                      <a:rPr lang="en-US" b="0" i="1" smtClean="0">
+                        <a:latin typeface="Cambria Math" panose="02040503050406030204" pitchFamily="18" charset="0"/>
+                      </a:rPr>
+                      <m:t>.</m:t>
+                    </m:r>
+                    <m:r>
+                      <a:rPr lang="en-US" b="0" i="1" smtClean="0">
+                        <a:latin typeface="Cambria Math" panose="02040503050406030204" pitchFamily="18" charset="0"/>
+                      </a:rPr>
+                      <m:t>5</m:t>
+                    </m:r>
+                    <m:r>
+                      <a:rPr lang="en-US" b="0" i="1" smtClean="0">
+                        <a:latin typeface="Cambria Math" panose="02040503050406030204" pitchFamily="18" charset="0"/>
+                      </a:rPr>
+                      <m:t>,</m:t>
+                    </m:r>
+                    <m:r>
+                      <a:rPr lang="en-US" b="0" i="1" smtClean="0">
+                        <a:latin typeface="Cambria Math" panose="02040503050406030204" pitchFamily="18" charset="0"/>
+                      </a:rPr>
+                      <m:t>1</m:t>
+                    </m:r>
+                    <m:r>
+                      <a:rPr lang="en-US" b="0" i="1" smtClean="0">
+                        <a:latin typeface="Cambria Math" panose="02040503050406030204" pitchFamily="18" charset="0"/>
+                      </a:rPr>
+                      <m:t>.</m:t>
+                    </m:r>
+                    <m:r>
+                      <a:rPr lang="en-US" b="0" i="1" smtClean="0">
+                        <a:latin typeface="Cambria Math" panose="02040503050406030204" pitchFamily="18" charset="0"/>
+                      </a:rPr>
+                      <m:t>5</m:t>
+                    </m:r>
+                    <m:r>
+                      <a:rPr lang="en-US" b="0" i="1" smtClean="0">
+                        <a:latin typeface="Cambria Math" panose="02040503050406030204" pitchFamily="18" charset="0"/>
+                      </a:rPr>
+                      <m:t>]</m:t>
                     </m:r>
                   </m:oMath>
                 </a14:m>
-                <a:endParaRPr lang="he-IL" dirty="0"/>
+                <a:r>
+                  <a:rPr lang="he-IL" dirty="0"/>
+                  <a:t> נאמר כי המערכת תקינה </a:t>
+                </a:r>
+              </a:p>
+              <a:p>
+                <a:pPr>
+                  <a:lnSpc>
+                    <a:spcPct val="90000"/>
+                  </a:lnSpc>
+                </a:pPr>
+                <a:r>
+                  <a:rPr lang="he-IL" dirty="0"/>
+                  <a:t>כאשר </a:t>
+                </a:r>
+                <a14:m>
+                  <m:oMath xmlns:m="http://schemas.openxmlformats.org/officeDocument/2006/math">
+                    <m:r>
+                      <a:rPr lang="en-US" b="0" i="1" smtClean="0">
+                        <a:latin typeface="Cambria Math" panose="02040503050406030204" pitchFamily="18" charset="0"/>
+                      </a:rPr>
+                      <m:t>𝜂</m:t>
+                    </m:r>
+                    <m:r>
+                      <a:rPr lang="en-US" b="0" i="1" smtClean="0">
+                        <a:latin typeface="Cambria Math" panose="02040503050406030204" pitchFamily="18" charset="0"/>
+                      </a:rPr>
+                      <m:t>&gt;</m:t>
+                    </m:r>
+                    <m:r>
+                      <a:rPr lang="en-US" b="0" i="1" smtClean="0">
+                        <a:latin typeface="Cambria Math" panose="02040503050406030204" pitchFamily="18" charset="0"/>
+                      </a:rPr>
+                      <m:t>2</m:t>
+                    </m:r>
+                    <m:r>
+                      <a:rPr lang="en-US" b="0" i="1" smtClean="0">
+                        <a:latin typeface="Cambria Math" panose="02040503050406030204" pitchFamily="18" charset="0"/>
+                      </a:rPr>
+                      <m:t> </m:t>
+                    </m:r>
+                    <m:r>
+                      <m:rPr>
+                        <m:nor/>
+                      </m:rPr>
+                      <a:rPr lang="en-US" b="0" i="0" smtClean="0"/>
+                      <m:t>or</m:t>
+                    </m:r>
+                    <m:r>
+                      <m:rPr>
+                        <m:nor/>
+                      </m:rPr>
+                      <a:rPr lang="en-US" b="0" i="0" smtClean="0"/>
+                      <m:t> </m:t>
+                    </m:r>
+                    <m:r>
+                      <a:rPr lang="en-US" b="0" i="1" smtClean="0">
+                        <a:latin typeface="Cambria Math" panose="02040503050406030204" pitchFamily="18" charset="0"/>
+                      </a:rPr>
+                      <m:t>𝜂</m:t>
+                    </m:r>
+                    <m:r>
+                      <a:rPr lang="en-US" b="0" i="1" smtClean="0">
+                        <a:latin typeface="Cambria Math" panose="02040503050406030204" pitchFamily="18" charset="0"/>
+                      </a:rPr>
+                      <m:t>&lt;</m:t>
+                    </m:r>
+                    <m:r>
+                      <a:rPr lang="en-US" b="0" i="1" smtClean="0">
+                        <a:latin typeface="Cambria Math" panose="02040503050406030204" pitchFamily="18" charset="0"/>
+                      </a:rPr>
+                      <m:t>0</m:t>
+                    </m:r>
+                    <m:r>
+                      <a:rPr lang="en-US" b="0" i="1" smtClean="0">
+                        <a:latin typeface="Cambria Math" panose="02040503050406030204" pitchFamily="18" charset="0"/>
+                      </a:rPr>
+                      <m:t>.</m:t>
+                    </m:r>
+                    <m:r>
+                      <a:rPr lang="en-US" b="0" i="1" smtClean="0">
+                        <a:latin typeface="Cambria Math" panose="02040503050406030204" pitchFamily="18" charset="0"/>
+                      </a:rPr>
+                      <m:t>2</m:t>
+                    </m:r>
+                  </m:oMath>
+                </a14:m>
+                <a:r>
+                  <a:rPr lang="he-IL" dirty="0"/>
+                  <a:t> קיימת תקלה</a:t>
+                </a:r>
+              </a:p>
+              <a:p>
+                <a:pPr>
+                  <a:lnSpc>
+                    <a:spcPct val="90000"/>
+                  </a:lnSpc>
+                </a:pPr>
+                <a:r>
+                  <a:rPr lang="he-IL" dirty="0">
+                    <a:solidFill>
+                      <a:srgbClr val="FF0000"/>
+                    </a:solidFill>
+                    <a:highlight>
+                      <a:srgbClr val="FFFF00"/>
+                    </a:highlight>
+                  </a:rPr>
+                  <a:t>ובכל מקרה אחר מבחן זה אינו אפקטיבי ולא משפיע על הפילטר. </a:t>
+                </a:r>
+              </a:p>
+              <a:p>
+                <a:pPr>
+                  <a:lnSpc>
+                    <a:spcPct val="90000"/>
+                  </a:lnSpc>
+                </a:pPr>
+                <a:r>
+                  <a:rPr lang="he-IL" dirty="0"/>
+                  <a:t>המבחן מבוצע לאחר מבחן</a:t>
+                </a:r>
+                <a14:m>
+                  <m:oMath xmlns:m="http://schemas.openxmlformats.org/officeDocument/2006/math">
+                    <m:sSup>
+                      <m:sSupPr>
+                        <m:ctrlPr>
+                          <a:rPr lang="en-US" b="0" i="1" smtClean="0">
+                            <a:latin typeface="Cambria Math" panose="02040503050406030204" pitchFamily="18" charset="0"/>
+                          </a:rPr>
+                        </m:ctrlPr>
+                      </m:sSupPr>
+                      <m:e>
+                        <m:r>
+                          <a:rPr lang="en-US" b="0" i="1" smtClean="0">
+                            <a:latin typeface="Cambria Math" panose="02040503050406030204" pitchFamily="18" charset="0"/>
+                          </a:rPr>
+                          <m:t>𝜒</m:t>
+                        </m:r>
+                      </m:e>
+                      <m:sup>
+                        <m:r>
+                          <a:rPr lang="en-US" b="0" i="1" smtClean="0">
+                            <a:latin typeface="Cambria Math" panose="02040503050406030204" pitchFamily="18" charset="0"/>
+                          </a:rPr>
+                          <m:t>2</m:t>
+                        </m:r>
+                      </m:sup>
+                    </m:sSup>
+                  </m:oMath>
+                </a14:m>
+                <a:r>
+                  <a:rPr lang="en-US" dirty="0"/>
+                  <a:t> </a:t>
+                </a:r>
+                <a:r>
+                  <a:rPr lang="he-IL" dirty="0"/>
+                  <a:t> ושכן יכול לדרוס את תוצאת התקינות של המבחן הקודם.</a:t>
+                </a:r>
               </a:p>
             </p:txBody>
           </p:sp>
@@ -9495,14 +10340,18 @@
                 <a:spLocks noGrp="1" noRot="1" noChangeAspect="1" noMove="1" noResize="1" noEditPoints="1" noAdjustHandles="1" noChangeArrowheads="1" noChangeShapeType="1" noTextEdit="1"/>
               </p:cNvSpPr>
               <p:nvPr>
-                <p:ph idx="1"/>
+                <p:ph sz="half" idx="1"/>
               </p:nvPr>
             </p:nvSpPr>
             <p:spPr>
+              <a:xfrm>
+                <a:off x="5320145" y="2142067"/>
+                <a:ext cx="6186053" cy="3649134"/>
+              </a:xfrm>
               <a:blipFill>
-                <a:blip r:embed="rId2"/>
+                <a:blip r:embed="rId3"/>
                 <a:stretch>
-                  <a:fillRect r="-542"/>
+                  <a:fillRect t="-4674" r="-789" b="-1336"/>
                 </a:stretch>
               </a:blipFill>
             </p:spPr>
@@ -9521,10 +10370,312 @@
           </p:sp>
         </mc:Fallback>
       </mc:AlternateContent>
+      <p:pic>
+        <p:nvPicPr>
+          <p:cNvPr id="5" name="Picture 4" descr="A screenshot of a computer game&#10;&#10;AI-generated content may be incorrect.">
+            <a:extLst>
+              <a:ext uri="{FF2B5EF4-FFF2-40B4-BE49-F238E27FC236}">
+                <a16:creationId xmlns:a16="http://schemas.microsoft.com/office/drawing/2014/main" id="{2BC08775-A603-0C9C-7179-5AA62BC68B17}"/>
+              </a:ext>
+            </a:extLst>
+          </p:cNvPr>
+          <p:cNvPicPr>
+            <a:picLocks noChangeAspect="1"/>
+          </p:cNvPicPr>
+          <p:nvPr/>
+        </p:nvPicPr>
+        <p:blipFill>
+          <a:blip r:embed="rId4"/>
+          <a:stretch>
+            <a:fillRect/>
+          </a:stretch>
+        </p:blipFill>
+        <p:spPr>
+          <a:xfrm>
+            <a:off x="151614" y="2474278"/>
+            <a:ext cx="4995332" cy="2984711"/>
+          </a:xfrm>
+          <a:prstGeom prst="rect">
+            <a:avLst/>
+          </a:prstGeom>
+          <a:ln>
+            <a:noFill/>
+          </a:ln>
+          <a:effectLst>
+            <a:outerShdw blurRad="292100" dist="139700" dir="2700000" algn="tl" rotWithShape="0">
+              <a:srgbClr val="333333">
+                <a:alpha val="65000"/>
+              </a:srgbClr>
+            </a:outerShdw>
+          </a:effectLst>
+        </p:spPr>
+      </p:pic>
     </p:spTree>
     <p:extLst>
       <p:ext uri="{BB962C8B-B14F-4D97-AF65-F5344CB8AC3E}">
         <p14:creationId xmlns:p14="http://schemas.microsoft.com/office/powerpoint/2010/main" val="1209307768"/>
+      </p:ext>
+    </p:extLst>
+  </p:cSld>
+  <p:clrMapOvr>
+    <a:masterClrMapping/>
+  </p:clrMapOvr>
+</p:sld>
+</file>
+
+<file path=ppt/slides/slide18.xml><?xml version="1.0" encoding="utf-8"?>
+<p:sld xmlns:a="http://schemas.openxmlformats.org/drawingml/2006/main" xmlns:r="http://schemas.openxmlformats.org/officeDocument/2006/relationships" xmlns:p="http://schemas.openxmlformats.org/presentationml/2006/main">
+  <p:cSld>
+    <p:spTree>
+      <p:nvGrpSpPr>
+        <p:cNvPr id="1" name=""/>
+        <p:cNvGrpSpPr/>
+        <p:nvPr/>
+      </p:nvGrpSpPr>
+      <p:grpSpPr>
+        <a:xfrm>
+          <a:off x="0" y="0"/>
+          <a:ext cx="0" cy="0"/>
+          <a:chOff x="0" y="0"/>
+          <a:chExt cx="0" cy="0"/>
+        </a:xfrm>
+      </p:grpSpPr>
+      <p:sp>
+        <p:nvSpPr>
+          <p:cNvPr id="2" name="Title 1">
+            <a:extLst>
+              <a:ext uri="{FF2B5EF4-FFF2-40B4-BE49-F238E27FC236}">
+                <a16:creationId xmlns:a16="http://schemas.microsoft.com/office/drawing/2014/main" id="{05A21175-6962-9F40-C1F6-8BD969212041}"/>
+              </a:ext>
+            </a:extLst>
+          </p:cNvPr>
+          <p:cNvSpPr>
+            <a:spLocks noGrp="1"/>
+          </p:cNvSpPr>
+          <p:nvPr>
+            <p:ph type="title"/>
+          </p:nvPr>
+        </p:nvSpPr>
+        <p:spPr/>
+        <p:txBody>
+          <a:bodyPr/>
+          <a:lstStyle/>
+          <a:p>
+            <a:r>
+              <a:rPr lang="he-IL" b="1" dirty="0"/>
+              <a:t>טיפול בשגיאה </a:t>
+            </a:r>
+          </a:p>
+        </p:txBody>
+      </p:sp>
+      <p:sp>
+        <p:nvSpPr>
+          <p:cNvPr id="3" name="Content Placeholder 2">
+            <a:extLst>
+              <a:ext uri="{FF2B5EF4-FFF2-40B4-BE49-F238E27FC236}">
+                <a16:creationId xmlns:a16="http://schemas.microsoft.com/office/drawing/2014/main" id="{8FED3D57-9BEB-0235-0FFB-86F9A5402EEA}"/>
+              </a:ext>
+            </a:extLst>
+          </p:cNvPr>
+          <p:cNvSpPr>
+            <a:spLocks noGrp="1"/>
+          </p:cNvSpPr>
+          <p:nvPr>
+            <p:ph idx="1"/>
+          </p:nvPr>
+        </p:nvSpPr>
+        <p:spPr/>
+        <p:txBody>
+          <a:bodyPr anchor="t"/>
+          <a:lstStyle/>
+          <a:p>
+            <a:pPr marL="0" indent="0">
+              <a:buNone/>
+            </a:pPr>
+            <a:r>
+              <a:rPr lang="he-IL" dirty="0"/>
+              <a:t>לצורך התמודדות עם שגיאה בחיישן, בחנו שלוש אפשרויות</a:t>
+            </a:r>
+          </a:p>
+          <a:p>
+            <a:pPr marL="342900" indent="-342900">
+              <a:buFont typeface="+mj-lt"/>
+              <a:buAutoNum type="arabicPeriod"/>
+            </a:pPr>
+            <a:r>
+              <a:rPr lang="he-IL" dirty="0"/>
+              <a:t>השמה של השערוך הלוקלי להיות השערוך של הפילטר הגלובלי </a:t>
+            </a:r>
+            <a:r>
+              <a:rPr lang="he-IL" dirty="0" err="1"/>
+              <a:t>באיטרציה</a:t>
+            </a:r>
+            <a:r>
+              <a:rPr lang="he-IL" dirty="0"/>
+              <a:t> הקודמת</a:t>
+            </a:r>
+          </a:p>
+          <a:p>
+            <a:pPr marL="342900" indent="-342900">
+              <a:buFont typeface="+mj-lt"/>
+              <a:buAutoNum type="arabicPeriod"/>
+            </a:pPr>
+            <a:r>
+              <a:rPr lang="he-IL" dirty="0"/>
+              <a:t>דילוג על שלב העדכון לחלוטין</a:t>
+            </a:r>
+          </a:p>
+          <a:p>
+            <a:pPr marL="342900" indent="-342900">
+              <a:buFont typeface="+mj-lt"/>
+              <a:buAutoNum type="arabicPeriod"/>
+            </a:pPr>
+            <a:r>
+              <a:rPr lang="he-IL" dirty="0"/>
+              <a:t>השמה של השערוך הלוקלי להיות השערוך של הפילטר הגלובלי </a:t>
+            </a:r>
+            <a:r>
+              <a:rPr lang="he-IL" dirty="0" err="1"/>
+              <a:t>באיטרציה</a:t>
+            </a:r>
+            <a:r>
+              <a:rPr lang="he-IL" dirty="0"/>
+              <a:t> הקודמת + הגדלת </a:t>
+            </a:r>
+            <a:r>
+              <a:rPr lang="he-IL" dirty="0" err="1"/>
+              <a:t>הקוואריאנס</a:t>
+            </a:r>
+            <a:endParaRPr lang="he-IL" dirty="0"/>
+          </a:p>
+          <a:p>
+            <a:pPr marL="0" indent="0">
+              <a:buNone/>
+            </a:pPr>
+            <a:endParaRPr lang="he-IL" dirty="0"/>
+          </a:p>
+          <a:p>
+            <a:pPr marL="0" indent="0">
+              <a:buNone/>
+            </a:pPr>
+            <a:r>
+              <a:rPr lang="he-IL" dirty="0"/>
+              <a:t>שלושת האפשרויות נבחנו באמצעות </a:t>
+            </a:r>
+            <a:r>
+              <a:rPr lang="he-IL" dirty="0" err="1"/>
+              <a:t>סימלוציית</a:t>
+            </a:r>
+            <a:r>
+              <a:rPr lang="he-IL" dirty="0"/>
+              <a:t> מונטה קרלו עם הפרמטרים הבאים:</a:t>
+            </a:r>
+            <a:r>
+              <a:rPr lang="en-US" dirty="0"/>
+              <a:t> </a:t>
+            </a:r>
+          </a:p>
+          <a:p>
+            <a:r>
+              <a:rPr lang="he-IL" dirty="0"/>
+              <a:t>הסתברות לשגיאת החיישנים נעו מ 0 ל0.15 </a:t>
+            </a:r>
+          </a:p>
+          <a:p>
+            <a:r>
+              <a:rPr lang="he-IL" dirty="0"/>
+              <a:t>גודל השגיאה נע מ25 ל 300 </a:t>
+            </a:r>
+          </a:p>
+        </p:txBody>
+      </p:sp>
+    </p:spTree>
+    <p:extLst>
+      <p:ext uri="{BB962C8B-B14F-4D97-AF65-F5344CB8AC3E}">
+        <p14:creationId xmlns:p14="http://schemas.microsoft.com/office/powerpoint/2010/main" val="2272053023"/>
+      </p:ext>
+    </p:extLst>
+  </p:cSld>
+  <p:clrMapOvr>
+    <a:masterClrMapping/>
+  </p:clrMapOvr>
+</p:sld>
+</file>
+
+<file path=ppt/slides/slide19.xml><?xml version="1.0" encoding="utf-8"?>
+<p:sld xmlns:a="http://schemas.openxmlformats.org/drawingml/2006/main" xmlns:r="http://schemas.openxmlformats.org/officeDocument/2006/relationships" xmlns:p="http://schemas.openxmlformats.org/presentationml/2006/main">
+  <p:cSld>
+    <p:spTree>
+      <p:nvGrpSpPr>
+        <p:cNvPr id="1" name=""/>
+        <p:cNvGrpSpPr/>
+        <p:nvPr/>
+      </p:nvGrpSpPr>
+      <p:grpSpPr>
+        <a:xfrm>
+          <a:off x="0" y="0"/>
+          <a:ext cx="0" cy="0"/>
+          <a:chOff x="0" y="0"/>
+          <a:chExt cx="0" cy="0"/>
+        </a:xfrm>
+      </p:grpSpPr>
+      <p:sp>
+        <p:nvSpPr>
+          <p:cNvPr id="2" name="Title 1">
+            <a:extLst>
+              <a:ext uri="{FF2B5EF4-FFF2-40B4-BE49-F238E27FC236}">
+                <a16:creationId xmlns:a16="http://schemas.microsoft.com/office/drawing/2014/main" id="{ACB270BA-66F1-E7DF-C158-650CD7257BF8}"/>
+              </a:ext>
+            </a:extLst>
+          </p:cNvPr>
+          <p:cNvSpPr>
+            <a:spLocks noGrp="1"/>
+          </p:cNvSpPr>
+          <p:nvPr>
+            <p:ph type="title"/>
+          </p:nvPr>
+        </p:nvSpPr>
+        <p:spPr/>
+        <p:txBody>
+          <a:bodyPr/>
+          <a:lstStyle/>
+          <a:p>
+            <a:r>
+              <a:rPr lang="he-IL" b="1" dirty="0"/>
+              <a:t>תוצאות סימולציית מונטה קרלו</a:t>
+            </a:r>
+          </a:p>
+        </p:txBody>
+      </p:sp>
+      <p:sp>
+        <p:nvSpPr>
+          <p:cNvPr id="3" name="Content Placeholder 2">
+            <a:extLst>
+              <a:ext uri="{FF2B5EF4-FFF2-40B4-BE49-F238E27FC236}">
+                <a16:creationId xmlns:a16="http://schemas.microsoft.com/office/drawing/2014/main" id="{719A754E-6FEA-0CD9-E40B-1F1E57491491}"/>
+              </a:ext>
+            </a:extLst>
+          </p:cNvPr>
+          <p:cNvSpPr>
+            <a:spLocks noGrp="1"/>
+          </p:cNvSpPr>
+          <p:nvPr>
+            <p:ph idx="1"/>
+          </p:nvPr>
+        </p:nvSpPr>
+        <p:spPr/>
+        <p:txBody>
+          <a:bodyPr/>
+          <a:lstStyle/>
+          <a:p>
+            <a:endParaRPr lang="he-IL"/>
+          </a:p>
+        </p:txBody>
+      </p:sp>
+    </p:spTree>
+    <p:extLst>
+      <p:ext uri="{BB962C8B-B14F-4D97-AF65-F5344CB8AC3E}">
+        <p14:creationId xmlns:p14="http://schemas.microsoft.com/office/powerpoint/2010/main" val="5618096"/>
       </p:ext>
     </p:extLst>
   </p:cSld>
@@ -9573,10 +10724,10 @@
           <a:lstStyle/>
           <a:p>
             <a:r>
-              <a:rPr lang="he-IL" dirty="0"/>
+              <a:rPr lang="he-IL" b="1" dirty="0"/>
               <a:t>רקע</a:t>
             </a:r>
-            <a:endParaRPr lang="LID4096" dirty="0"/>
+            <a:endParaRPr lang="LID4096" b="1" dirty="0"/>
           </a:p>
         </p:txBody>
       </p:sp>
@@ -9605,6 +10756,53 @@
           </a:p>
         </p:txBody>
       </p:sp>
+      <p:pic>
+        <p:nvPicPr>
+          <p:cNvPr id="2050" name="Picture 2" descr="Chess, chess pieces, game, knight icon - Download on Iconfinder">
+            <a:extLst>
+              <a:ext uri="{FF2B5EF4-FFF2-40B4-BE49-F238E27FC236}">
+                <a16:creationId xmlns:a16="http://schemas.microsoft.com/office/drawing/2014/main" id="{9041A279-FE0F-86AC-86CA-A7C19F9D7763}"/>
+              </a:ext>
+            </a:extLst>
+          </p:cNvPr>
+          <p:cNvPicPr>
+            <a:picLocks noChangeAspect="1" noChangeArrowheads="1"/>
+          </p:cNvPicPr>
+          <p:nvPr/>
+        </p:nvPicPr>
+        <p:blipFill>
+          <a:blip r:embed="rId2">
+            <a:extLst>
+              <a:ext uri="{28A0092B-C50C-407E-A947-70E740481C1C}">
+                <a14:useLocalDpi xmlns:a14="http://schemas.microsoft.com/office/drawing/2010/main" val="0"/>
+              </a:ext>
+            </a:extLst>
+          </a:blip>
+          <a:srcRect/>
+          <a:stretch>
+            <a:fillRect/>
+          </a:stretch>
+        </p:blipFill>
+        <p:spPr bwMode="auto">
+          <a:xfrm>
+            <a:off x="0" y="5147953"/>
+            <a:ext cx="1710047" cy="1710047"/>
+          </a:xfrm>
+          <a:prstGeom prst="rect">
+            <a:avLst/>
+          </a:prstGeom>
+          <a:noFill/>
+          <a:extLst>
+            <a:ext uri="{909E8E84-426E-40DD-AFC4-6F175D3DCCD1}">
+              <a14:hiddenFill xmlns:a14="http://schemas.microsoft.com/office/drawing/2010/main">
+                <a:solidFill>
+                  <a:srgbClr val="FFFFFF"/>
+                </a:solidFill>
+              </a14:hiddenFill>
+            </a:ext>
+          </a:extLst>
+        </p:spPr>
+      </p:pic>
     </p:spTree>
     <p:extLst>
       <p:ext uri="{BB962C8B-B14F-4D97-AF65-F5344CB8AC3E}">
@@ -9657,18 +10855,18 @@
           <a:lstStyle/>
           <a:p>
             <a:r>
-              <a:rPr lang="he-IL" dirty="0"/>
+              <a:rPr lang="he-IL" b="1" dirty="0"/>
               <a:t>יישום</a:t>
             </a:r>
             <a:r>
-              <a:rPr lang="en-US" dirty="0"/>
+              <a:rPr lang="en-US" b="1" dirty="0"/>
               <a:t> </a:t>
             </a:r>
             <a:r>
-              <a:rPr lang="he-IL" dirty="0"/>
+              <a:rPr lang="he-IL" b="1" dirty="0"/>
               <a:t> - מודל מערכת</a:t>
             </a:r>
-            <a:endParaRPr lang="LID4096" dirty="0"/>
+            <a:endParaRPr lang="LID4096" b="1" dirty="0"/>
           </a:p>
         </p:txBody>
       </p:sp>
@@ -9692,7 +10890,7 @@
             </p:nvSpPr>
             <p:spPr/>
             <p:txBody>
-              <a:bodyPr/>
+              <a:bodyPr anchor="t"/>
               <a:lstStyle/>
               <a:p>
                 <a:r>
@@ -10630,7 +11828,7 @@
               <a:blipFill>
                 <a:blip r:embed="rId2"/>
                 <a:stretch>
-                  <a:fillRect r="-482"/>
+                  <a:fillRect t="-835" r="-482"/>
                 </a:stretch>
               </a:blipFill>
             </p:spPr>
@@ -10639,7 +11837,7 @@
               <a:lstStyle/>
               <a:p>
                 <a:r>
-                  <a:rPr lang="LID4096">
+                  <a:rPr lang="he-IL">
                     <a:noFill/>
                   </a:rPr>
                   <a:t> </a:t>
@@ -10701,10 +11899,10 @@
           <a:lstStyle/>
           <a:p>
             <a:r>
-              <a:rPr lang="he-IL" dirty="0"/>
+              <a:rPr lang="he-IL" b="1" dirty="0"/>
               <a:t>יישום – מודל מדידות</a:t>
             </a:r>
-            <a:endParaRPr lang="LID4096" dirty="0"/>
+            <a:endParaRPr lang="LID4096" b="1" dirty="0"/>
           </a:p>
         </p:txBody>
       </p:sp>
@@ -10733,7 +11931,7 @@
               </a:xfrm>
             </p:spPr>
             <p:txBody>
-              <a:bodyPr/>
+              <a:bodyPr anchor="t"/>
               <a:lstStyle/>
               <a:p>
                 <a:r>
@@ -11681,7 +12879,7 @@
               <a:blipFill>
                 <a:blip r:embed="rId2"/>
                 <a:stretch>
-                  <a:fillRect r="-394"/>
+                  <a:fillRect t="-668" r="-394"/>
                 </a:stretch>
               </a:blipFill>
             </p:spPr>
@@ -11690,7 +12888,7 @@
               <a:lstStyle/>
               <a:p>
                 <a:r>
-                  <a:rPr lang="LID4096">
+                  <a:rPr lang="he-IL">
                     <a:noFill/>
                   </a:rPr>
                   <a:t> </a:t>
@@ -11752,18 +12950,18 @@
           <a:lstStyle/>
           <a:p>
             <a:r>
-              <a:rPr lang="he-IL" dirty="0"/>
+              <a:rPr lang="he-IL" b="1" dirty="0"/>
               <a:t>מבנה ה – </a:t>
             </a:r>
             <a:r>
-              <a:rPr lang="en-US" dirty="0"/>
+              <a:rPr lang="en-US" b="1" dirty="0"/>
               <a:t>FKF</a:t>
             </a:r>
             <a:r>
-              <a:rPr lang="he-IL" dirty="0"/>
+              <a:rPr lang="he-IL" b="1" dirty="0"/>
               <a:t> (הגדרת המסנן הגלובלי)</a:t>
             </a:r>
-            <a:endParaRPr lang="LID4096" dirty="0"/>
+            <a:endParaRPr lang="LID4096" b="1" dirty="0"/>
           </a:p>
         </p:txBody>
       </p:sp>
@@ -11787,7 +12985,7 @@
             </p:nvSpPr>
             <p:spPr/>
             <p:txBody>
-              <a:bodyPr>
+              <a:bodyPr anchor="t">
                 <a:normAutofit lnSpcReduction="10000"/>
               </a:bodyPr>
               <a:lstStyle/>
@@ -12645,7 +13843,7 @@
               <a:blipFill>
                 <a:blip r:embed="rId3"/>
                 <a:stretch>
-                  <a:fillRect t="-4007" r="-482"/>
+                  <a:fillRect t="-1503" r="-482"/>
                 </a:stretch>
               </a:blipFill>
             </p:spPr>
@@ -12654,7 +13852,7 @@
               <a:lstStyle/>
               <a:p>
                 <a:r>
-                  <a:rPr lang="LID4096">
+                  <a:rPr lang="he-IL">
                     <a:noFill/>
                   </a:rPr>
                   <a:t> </a:t>
@@ -12721,18 +13919,18 @@
           <a:lstStyle/>
           <a:p>
             <a:r>
-              <a:rPr lang="he-IL" dirty="0"/>
+              <a:rPr lang="he-IL" b="1" dirty="0"/>
               <a:t>מבנה ה – </a:t>
             </a:r>
             <a:r>
-              <a:rPr lang="en-US" dirty="0"/>
+              <a:rPr lang="en-US" b="1" dirty="0"/>
               <a:t>FKF</a:t>
             </a:r>
             <a:r>
-              <a:rPr lang="he-IL" dirty="0"/>
+              <a:rPr lang="he-IL" b="1" dirty="0"/>
               <a:t> (היתוך אופטימלי)</a:t>
             </a:r>
-            <a:endParaRPr lang="LID4096" dirty="0"/>
+            <a:endParaRPr lang="LID4096" b="1" dirty="0"/>
           </a:p>
         </p:txBody>
       </p:sp>
@@ -12761,7 +13959,7 @@
               </a:xfrm>
             </p:spPr>
             <p:txBody>
-              <a:bodyPr/>
+              <a:bodyPr anchor="t"/>
               <a:lstStyle/>
               <a:p>
                 <a:r>
@@ -13588,7 +14786,7 @@
               <a:blipFill>
                 <a:blip r:embed="rId3"/>
                 <a:stretch>
-                  <a:fillRect r="-402"/>
+                  <a:fillRect t="-1002" r="-402"/>
                 </a:stretch>
               </a:blipFill>
             </p:spPr>
@@ -13664,18 +14862,18 @@
           <a:lstStyle/>
           <a:p>
             <a:r>
-              <a:rPr lang="he-IL" dirty="0"/>
+              <a:rPr lang="he-IL" b="1" dirty="0"/>
               <a:t>מבנה ה – </a:t>
             </a:r>
             <a:r>
-              <a:rPr lang="en-US" dirty="0"/>
+              <a:rPr lang="en-US" b="1" dirty="0"/>
               <a:t>FKF</a:t>
             </a:r>
             <a:r>
-              <a:rPr lang="he-IL" dirty="0"/>
+              <a:rPr lang="he-IL" b="1" dirty="0"/>
               <a:t> (תהליך עדכון)</a:t>
             </a:r>
-            <a:endParaRPr lang="LID4096" dirty="0"/>
+            <a:endParaRPr lang="LID4096" b="1" dirty="0"/>
           </a:p>
         </p:txBody>
       </p:sp>
@@ -13699,7 +14897,7 @@
             </p:nvSpPr>
             <p:spPr/>
             <p:txBody>
-              <a:bodyPr/>
+              <a:bodyPr anchor="t"/>
               <a:lstStyle/>
               <a:p>
                 <a:r>
@@ -14800,7 +15998,7 @@
               <a:blipFill>
                 <a:blip r:embed="rId2"/>
                 <a:stretch>
-                  <a:fillRect l="-421" r="-482" b="-1503"/>
+                  <a:fillRect l="-421" t="-1002" r="-482" b="-501"/>
                 </a:stretch>
               </a:blipFill>
             </p:spPr>
@@ -14871,18 +16069,18 @@
           <a:lstStyle/>
           <a:p>
             <a:r>
-              <a:rPr lang="he-IL" dirty="0"/>
+              <a:rPr lang="he-IL" b="1" dirty="0"/>
               <a:t>מבנה ה – </a:t>
             </a:r>
             <a:r>
-              <a:rPr lang="en-US" dirty="0"/>
+              <a:rPr lang="en-US" b="1" dirty="0"/>
               <a:t>FKF</a:t>
             </a:r>
             <a:r>
-              <a:rPr lang="he-IL" dirty="0"/>
+              <a:rPr lang="he-IL" b="1" dirty="0"/>
               <a:t> (תהליך קידום)</a:t>
             </a:r>
-            <a:endParaRPr lang="LID4096" dirty="0"/>
+            <a:endParaRPr lang="LID4096" b="1" dirty="0"/>
           </a:p>
         </p:txBody>
       </p:sp>
@@ -14906,7 +16104,7 @@
             </p:nvSpPr>
             <p:spPr/>
             <p:txBody>
-              <a:bodyPr/>
+              <a:bodyPr anchor="t"/>
               <a:lstStyle/>
               <a:p>
                 <a:r>
@@ -16521,7 +17719,7 @@
               <a:blipFill>
                 <a:blip r:embed="rId2"/>
                 <a:stretch>
-                  <a:fillRect r="-482"/>
+                  <a:fillRect t="-1002" r="-482"/>
                 </a:stretch>
               </a:blipFill>
             </p:spPr>
@@ -16592,15 +17790,15 @@
           <a:lstStyle/>
           <a:p>
             <a:r>
-              <a:rPr lang="he-IL" dirty="0"/>
+              <a:rPr lang="he-IL" b="1" dirty="0"/>
               <a:t>מבנה ה – </a:t>
             </a:r>
             <a:r>
-              <a:rPr lang="en-US" dirty="0"/>
+              <a:rPr lang="en-US" b="1" dirty="0"/>
               <a:t>FKF</a:t>
             </a:r>
             <a:r>
-              <a:rPr lang="he-IL" dirty="0"/>
+              <a:rPr lang="he-IL" b="1" dirty="0"/>
               <a:t> (תהליך קידום)</a:t>
             </a:r>
           </a:p>
@@ -16631,7 +17829,7 @@
               </a:xfrm>
             </p:spPr>
             <p:txBody>
-              <a:bodyPr>
+              <a:bodyPr anchor="t">
                 <a:normAutofit fontScale="85000" lnSpcReduction="10000"/>
               </a:bodyPr>
               <a:lstStyle/>

--- a/Federated Kalman filter.pptx
+++ b/Federated Kalman filter.pptx
@@ -5,7 +5,7 @@
     <p:sldMasterId id="2147483648" r:id="rId1"/>
   </p:sldMasterIdLst>
   <p:notesMasterIdLst>
-    <p:notesMasterId r:id="rId21"/>
+    <p:notesMasterId r:id="rId29"/>
   </p:notesMasterIdLst>
   <p:sldIdLst>
     <p:sldId id="256" r:id="rId2"/>
@@ -27,6 +27,14 @@
     <p:sldId id="272" r:id="rId18"/>
     <p:sldId id="273" r:id="rId19"/>
     <p:sldId id="274" r:id="rId20"/>
+    <p:sldId id="275" r:id="rId21"/>
+    <p:sldId id="276" r:id="rId22"/>
+    <p:sldId id="277" r:id="rId23"/>
+    <p:sldId id="278" r:id="rId24"/>
+    <p:sldId id="282" r:id="rId25"/>
+    <p:sldId id="279" r:id="rId26"/>
+    <p:sldId id="281" r:id="rId27"/>
+    <p:sldId id="280" r:id="rId28"/>
   </p:sldIdLst>
   <p:sldSz cx="12192000" cy="6858000"/>
   <p:notesSz cx="6858000" cy="9144000"/>
@@ -270,7 +278,7 @@
           <a:p>
             <a:fld id="{9FBC8B04-6135-4B93-86DB-9D89BE1381F3}" type="datetimeFigureOut">
               <a:rPr lang="he-IL" smtClean="0"/>
-              <a:t>כ"ד/אלול/תשפ"ה</a:t>
+              <a:t>כ"ז/אלול/תשפ"ה</a:t>
             </a:fld>
             <a:endParaRPr lang="he-IL"/>
           </a:p>
@@ -1143,7 +1151,7 @@
             <a:fld id="{B61BEF0D-F0BB-DE4B-95CE-6DB70DBA9567}" type="datetimeFigureOut">
               <a:rPr lang="en-US" smtClean="0"/>
               <a:pPr/>
-              <a:t>9/17/2025</a:t>
+              <a:t>9/20/2025</a:t>
             </a:fld>
             <a:endParaRPr lang="en-US" dirty="0"/>
           </a:p>
@@ -1491,7 +1499,7 @@
             <a:fld id="{B61BEF0D-F0BB-DE4B-95CE-6DB70DBA9567}" type="datetimeFigureOut">
               <a:rPr lang="en-US" smtClean="0"/>
               <a:pPr/>
-              <a:t>9/17/2025</a:t>
+              <a:t>9/20/2025</a:t>
             </a:fld>
             <a:endParaRPr lang="en-US" dirty="0"/>
           </a:p>
@@ -1793,7 +1801,7 @@
             <a:fld id="{B61BEF0D-F0BB-DE4B-95CE-6DB70DBA9567}" type="datetimeFigureOut">
               <a:rPr lang="en-US" smtClean="0"/>
               <a:pPr/>
-              <a:t>9/17/2025</a:t>
+              <a:t>9/20/2025</a:t>
             </a:fld>
             <a:endParaRPr lang="en-US" dirty="0"/>
           </a:p>
@@ -2385,7 +2393,7 @@
             <a:fld id="{B61BEF0D-F0BB-DE4B-95CE-6DB70DBA9567}" type="datetimeFigureOut">
               <a:rPr lang="en-US" smtClean="0"/>
               <a:pPr/>
-              <a:t>9/17/2025</a:t>
+              <a:t>9/20/2025</a:t>
             </a:fld>
             <a:endParaRPr lang="en-US" dirty="0"/>
           </a:p>
@@ -2687,7 +2695,7 @@
             <a:fld id="{B61BEF0D-F0BB-DE4B-95CE-6DB70DBA9567}" type="datetimeFigureOut">
               <a:rPr lang="en-US" smtClean="0"/>
               <a:pPr/>
-              <a:t>9/17/2025</a:t>
+              <a:t>9/20/2025</a:t>
             </a:fld>
             <a:endParaRPr lang="en-US" dirty="0"/>
           </a:p>
@@ -3273,7 +3281,7 @@
             <a:fld id="{B61BEF0D-F0BB-DE4B-95CE-6DB70DBA9567}" type="datetimeFigureOut">
               <a:rPr lang="en-US" smtClean="0"/>
               <a:pPr/>
-              <a:t>9/17/2025</a:t>
+              <a:t>9/20/2025</a:t>
             </a:fld>
             <a:endParaRPr lang="en-US" dirty="0"/>
           </a:p>
@@ -3624,7 +3632,7 @@
             <a:fld id="{B61BEF0D-F0BB-DE4B-95CE-6DB70DBA9567}" type="datetimeFigureOut">
               <a:rPr lang="en-US" smtClean="0"/>
               <a:pPr/>
-              <a:t>9/17/2025</a:t>
+              <a:t>9/20/2025</a:t>
             </a:fld>
             <a:endParaRPr lang="en-US" dirty="0"/>
           </a:p>
@@ -3846,7 +3854,7 @@
             <a:fld id="{B61BEF0D-F0BB-DE4B-95CE-6DB70DBA9567}" type="datetimeFigureOut">
               <a:rPr lang="en-US" smtClean="0"/>
               <a:pPr/>
-              <a:t>9/17/2025</a:t>
+              <a:t>9/20/2025</a:t>
             </a:fld>
             <a:endParaRPr lang="en-US" dirty="0"/>
           </a:p>
@@ -4132,7 +4140,7 @@
             <a:fld id="{B61BEF0D-F0BB-DE4B-95CE-6DB70DBA9567}" type="datetimeFigureOut">
               <a:rPr lang="en-US" smtClean="0"/>
               <a:pPr/>
-              <a:t>9/17/2025</a:t>
+              <a:t>9/20/2025</a:t>
             </a:fld>
             <a:endParaRPr lang="en-US" dirty="0"/>
           </a:p>
@@ -4386,7 +4394,7 @@
             <a:fld id="{B61BEF0D-F0BB-DE4B-95CE-6DB70DBA9567}" type="datetimeFigureOut">
               <a:rPr lang="en-US" smtClean="0"/>
               <a:pPr/>
-              <a:t>9/17/2025</a:t>
+              <a:t>9/20/2025</a:t>
             </a:fld>
             <a:endParaRPr lang="en-US" dirty="0"/>
           </a:p>
@@ -4686,7 +4694,7 @@
             <a:fld id="{B61BEF0D-F0BB-DE4B-95CE-6DB70DBA9567}" type="datetimeFigureOut">
               <a:rPr lang="en-US" smtClean="0"/>
               <a:pPr/>
-              <a:t>9/17/2025</a:t>
+              <a:t>9/20/2025</a:t>
             </a:fld>
             <a:endParaRPr lang="en-US" dirty="0"/>
           </a:p>
@@ -5017,7 +5025,7 @@
             <a:fld id="{B61BEF0D-F0BB-DE4B-95CE-6DB70DBA9567}" type="datetimeFigureOut">
               <a:rPr lang="en-US" smtClean="0"/>
               <a:pPr/>
-              <a:t>9/17/2025</a:t>
+              <a:t>9/20/2025</a:t>
             </a:fld>
             <a:endParaRPr lang="en-US" dirty="0"/>
           </a:p>
@@ -5452,7 +5460,7 @@
             <a:fld id="{B61BEF0D-F0BB-DE4B-95CE-6DB70DBA9567}" type="datetimeFigureOut">
               <a:rPr lang="en-US" smtClean="0"/>
               <a:pPr/>
-              <a:t>9/17/2025</a:t>
+              <a:t>9/20/2025</a:t>
             </a:fld>
             <a:endParaRPr lang="en-US" dirty="0"/>
           </a:p>
@@ -5633,7 +5641,7 @@
             <a:fld id="{B61BEF0D-F0BB-DE4B-95CE-6DB70DBA9567}" type="datetimeFigureOut">
               <a:rPr lang="en-US" smtClean="0"/>
               <a:pPr/>
-              <a:t>9/17/2025</a:t>
+              <a:t>9/20/2025</a:t>
             </a:fld>
             <a:endParaRPr lang="en-US" dirty="0"/>
           </a:p>
@@ -5782,7 +5790,7 @@
             <a:fld id="{B61BEF0D-F0BB-DE4B-95CE-6DB70DBA9567}" type="datetimeFigureOut">
               <a:rPr lang="en-US" smtClean="0"/>
               <a:pPr/>
-              <a:t>9/17/2025</a:t>
+              <a:t>9/20/2025</a:t>
             </a:fld>
             <a:endParaRPr lang="en-US" dirty="0"/>
           </a:p>
@@ -6107,7 +6115,7 @@
             <a:fld id="{B61BEF0D-F0BB-DE4B-95CE-6DB70DBA9567}" type="datetimeFigureOut">
               <a:rPr lang="en-US" smtClean="0"/>
               <a:pPr/>
-              <a:t>9/17/2025</a:t>
+              <a:t>9/20/2025</a:t>
             </a:fld>
             <a:endParaRPr lang="en-US" dirty="0"/>
           </a:p>
@@ -6455,7 +6463,7 @@
             <a:fld id="{B61BEF0D-F0BB-DE4B-95CE-6DB70DBA9567}" type="datetimeFigureOut">
               <a:rPr lang="en-US" smtClean="0"/>
               <a:pPr/>
-              <a:t>9/17/2025</a:t>
+              <a:t>9/20/2025</a:t>
             </a:fld>
             <a:endParaRPr lang="en-US" dirty="0"/>
           </a:p>
@@ -6684,7 +6692,7 @@
             <a:fld id="{B61BEF0D-F0BB-DE4B-95CE-6DB70DBA9567}" type="datetimeFigureOut">
               <a:rPr lang="en-US" smtClean="0"/>
               <a:pPr/>
-              <a:t>9/17/2025</a:t>
+              <a:t>9/20/2025</a:t>
             </a:fld>
             <a:endParaRPr lang="en-US" dirty="0"/>
           </a:p>
@@ -9570,8 +9578,8 @@
               </a:xfrm>
             </p:spPr>
             <p:txBody>
-              <a:bodyPr anchor="ctr">
-                <a:normAutofit lnSpcReduction="10000"/>
+              <a:bodyPr anchor="t">
+                <a:normAutofit/>
               </a:bodyPr>
               <a:lstStyle/>
               <a:p>
@@ -10099,85 +10107,6 @@
                 </a:pPr>
                 <a:r>
                   <a:rPr lang="he-IL" dirty="0"/>
-                  <a:t>אם </a:t>
-                </a:r>
-                <a14:m>
-                  <m:oMath xmlns:m="http://schemas.openxmlformats.org/officeDocument/2006/math">
-                    <m:r>
-                      <a:rPr lang="en-US" b="0" i="1" smtClean="0">
-                        <a:latin typeface="Cambria Math" panose="02040503050406030204" pitchFamily="18" charset="0"/>
-                      </a:rPr>
-                      <m:t>𝜂</m:t>
-                    </m:r>
-                    <m:r>
-                      <a:rPr lang="en-US" b="0" i="1" smtClean="0">
-                        <a:latin typeface="Cambria Math" panose="02040503050406030204" pitchFamily="18" charset="0"/>
-                      </a:rPr>
-                      <m:t>∈[</m:t>
-                    </m:r>
-                    <m:r>
-                      <a:rPr lang="en-US" b="0" i="1" smtClean="0">
-                        <a:latin typeface="Cambria Math" panose="02040503050406030204" pitchFamily="18" charset="0"/>
-                      </a:rPr>
-                      <m:t>0</m:t>
-                    </m:r>
-                    <m:r>
-                      <a:rPr lang="en-US" b="0" i="1" smtClean="0">
-                        <a:latin typeface="Cambria Math" panose="02040503050406030204" pitchFamily="18" charset="0"/>
-                      </a:rPr>
-                      <m:t>.</m:t>
-                    </m:r>
-                    <m:r>
-                      <a:rPr lang="en-US" b="0" i="1" smtClean="0">
-                        <a:latin typeface="Cambria Math" panose="02040503050406030204" pitchFamily="18" charset="0"/>
-                      </a:rPr>
-                      <m:t>5</m:t>
-                    </m:r>
-                    <m:r>
-                      <a:rPr lang="en-US" b="0" i="1" smtClean="0">
-                        <a:latin typeface="Cambria Math" panose="02040503050406030204" pitchFamily="18" charset="0"/>
-                      </a:rPr>
-                      <m:t>,</m:t>
-                    </m:r>
-                    <m:r>
-                      <a:rPr lang="en-US" b="0" i="1" smtClean="0">
-                        <a:latin typeface="Cambria Math" panose="02040503050406030204" pitchFamily="18" charset="0"/>
-                      </a:rPr>
-                      <m:t>1</m:t>
-                    </m:r>
-                    <m:r>
-                      <a:rPr lang="en-US" b="0" i="1" smtClean="0">
-                        <a:latin typeface="Cambria Math" panose="02040503050406030204" pitchFamily="18" charset="0"/>
-                      </a:rPr>
-                      <m:t>.</m:t>
-                    </m:r>
-                    <m:r>
-                      <a:rPr lang="en-US" b="0" i="1" smtClean="0">
-                        <a:latin typeface="Cambria Math" panose="02040503050406030204" pitchFamily="18" charset="0"/>
-                      </a:rPr>
-                      <m:t>5</m:t>
-                    </m:r>
-                    <m:r>
-                      <a:rPr lang="en-US" b="0" i="1" smtClean="0">
-                        <a:latin typeface="Cambria Math" panose="02040503050406030204" pitchFamily="18" charset="0"/>
-                      </a:rPr>
-                      <m:t>]</m:t>
-                    </m:r>
-                  </m:oMath>
-                </a14:m>
-                <a:r>
-                  <a:rPr lang="he-IL" dirty="0"/>
-                  <a:t> נאמר כי המערכת תקינה </a:t>
-                </a:r>
-              </a:p>
-              <a:p>
-                <a:pPr>
-                  <a:lnSpc>
-                    <a:spcPct val="90000"/>
-                  </a:lnSpc>
-                </a:pPr>
-                <a:r>
-                  <a:rPr lang="he-IL" dirty="0"/>
                   <a:t>כאשר </a:t>
                 </a:r>
                 <a14:m>
@@ -10257,72 +10186,6 @@
                   <a:t> קיימת תקלה</a:t>
                 </a:r>
               </a:p>
-              <a:p>
-                <a:pPr>
-                  <a:lnSpc>
-                    <a:spcPct val="90000"/>
-                  </a:lnSpc>
-                </a:pPr>
-                <a:r>
-                  <a:rPr lang="he-IL" dirty="0">
-                    <a:solidFill>
-                      <a:srgbClr val="FF0000"/>
-                    </a:solidFill>
-                    <a:highlight>
-                      <a:srgbClr val="FFFF00"/>
-                    </a:highlight>
-                  </a:rPr>
-                  <a:t>ובכל מקרה אחר מבחן זה אינו אפקטיבי ולא משפיע על הפילטר. </a:t>
-                </a:r>
-              </a:p>
-              <a:p>
-                <a:pPr>
-                  <a:lnSpc>
-                    <a:spcPct val="90000"/>
-                  </a:lnSpc>
-                </a:pPr>
-                <a:r>
-                  <a:rPr lang="he-IL" dirty="0"/>
-                  <a:t>המבחן מבוצע לאחר מבחן</a:t>
-                </a:r>
-                <a14:m>
-                  <m:oMath xmlns:m="http://schemas.openxmlformats.org/officeDocument/2006/math">
-                    <m:sSup>
-                      <m:sSupPr>
-                        <m:ctrlPr>
-                          <a:rPr lang="en-US" b="0" i="1" smtClean="0">
-                            <a:latin typeface="Cambria Math" panose="02040503050406030204" pitchFamily="18" charset="0"/>
-                          </a:rPr>
-                        </m:ctrlPr>
-                      </m:sSupPr>
-                      <m:e>
-                        <m:r>
-                          <a:rPr lang="en-US" b="0" i="1" smtClean="0">
-                            <a:latin typeface="Cambria Math" panose="02040503050406030204" pitchFamily="18" charset="0"/>
-                          </a:rPr>
-                          <m:t>𝜒</m:t>
-                        </m:r>
-                      </m:e>
-                      <m:sup>
-                        <m:r>
-                          <a:rPr lang="en-US" b="0" i="1" smtClean="0">
-                            <a:latin typeface="Cambria Math" panose="02040503050406030204" pitchFamily="18" charset="0"/>
-                          </a:rPr>
-                          <m:t>2</m:t>
-                        </m:r>
-                      </m:sup>
-                    </m:sSup>
-                  </m:oMath>
-                </a14:m>
-                <a:r>
-                  <a:rPr lang="en-US" dirty="0"/>
-                  <a:t> </a:t>
-                </a:r>
-                <a:r>
-                  <a:rPr lang="he-IL" dirty="0"/>
-                  <a:t> ושכן יכול לדרוס את תוצאת התקינות של המבחן הקודם.</a:t>
-                </a:r>
-              </a:p>
             </p:txBody>
           </p:sp>
         </mc:Choice>
@@ -10351,7 +10214,7 @@
               <a:blipFill>
                 <a:blip r:embed="rId3"/>
                 <a:stretch>
-                  <a:fillRect t="-4674" r="-789" b="-1336"/>
+                  <a:fillRect t="-4674" r="-789"/>
                 </a:stretch>
               </a:blipFill>
             </p:spPr>
@@ -10647,31 +10510,35 @@
           </a:p>
         </p:txBody>
       </p:sp>
-      <p:sp>
-        <p:nvSpPr>
-          <p:cNvPr id="3" name="Content Placeholder 2">
+      <p:pic>
+        <p:nvPicPr>
+          <p:cNvPr id="5" name="מציין מיקום תוכן 4" descr="תמונה שמכילה טקסט, תרשים, קו, עלילה&#10;&#10;תוכן בינה מלאכותית גנרטיבית עשוי להיות שגוי.">
             <a:extLst>
               <a:ext uri="{FF2B5EF4-FFF2-40B4-BE49-F238E27FC236}">
-                <a16:creationId xmlns:a16="http://schemas.microsoft.com/office/drawing/2014/main" id="{719A754E-6FEA-0CD9-E40B-1F1E57491491}"/>
+                <a16:creationId xmlns:a16="http://schemas.microsoft.com/office/drawing/2014/main" id="{B571594E-CC88-C55F-B6DE-4A6F9D46E64E}"/>
               </a:ext>
             </a:extLst>
           </p:cNvPr>
-          <p:cNvSpPr>
-            <a:spLocks noGrp="1"/>
-          </p:cNvSpPr>
+          <p:cNvPicPr>
+            <a:picLocks noGrp="1" noChangeAspect="1"/>
+          </p:cNvPicPr>
           <p:nvPr>
             <p:ph idx="1"/>
           </p:nvPr>
-        </p:nvSpPr>
-        <p:spPr/>
-        <p:txBody>
-          <a:bodyPr/>
-          <a:lstStyle/>
-          <a:p>
-            <a:endParaRPr lang="he-IL"/>
-          </a:p>
-        </p:txBody>
-      </p:sp>
+        </p:nvPicPr>
+        <p:blipFill>
+          <a:blip r:embed="rId2"/>
+          <a:stretch>
+            <a:fillRect/>
+          </a:stretch>
+        </p:blipFill>
+        <p:spPr>
+          <a:xfrm>
+            <a:off x="1305392" y="1749651"/>
+            <a:ext cx="10270187" cy="5108349"/>
+          </a:xfrm>
+        </p:spPr>
+      </p:pic>
     </p:spTree>
     <p:extLst>
       <p:ext uri="{BB962C8B-B14F-4D97-AF65-F5344CB8AC3E}">
@@ -10807,6 +10674,2544 @@
     <p:extLst>
       <p:ext uri="{BB962C8B-B14F-4D97-AF65-F5344CB8AC3E}">
         <p14:creationId xmlns:p14="http://schemas.microsoft.com/office/powerpoint/2010/main" val="732283860"/>
+      </p:ext>
+    </p:extLst>
+  </p:cSld>
+  <p:clrMapOvr>
+    <a:masterClrMapping/>
+  </p:clrMapOvr>
+</p:sld>
+</file>
+
+<file path=ppt/slides/slide20.xml><?xml version="1.0" encoding="utf-8"?>
+<p:sld xmlns:a="http://schemas.openxmlformats.org/drawingml/2006/main" xmlns:r="http://schemas.openxmlformats.org/officeDocument/2006/relationships" xmlns:p="http://schemas.openxmlformats.org/presentationml/2006/main">
+  <p:cSld>
+    <p:spTree>
+      <p:nvGrpSpPr>
+        <p:cNvPr id="1" name=""/>
+        <p:cNvGrpSpPr/>
+        <p:nvPr/>
+      </p:nvGrpSpPr>
+      <p:grpSpPr>
+        <a:xfrm>
+          <a:off x="0" y="0"/>
+          <a:ext cx="0" cy="0"/>
+          <a:chOff x="0" y="0"/>
+          <a:chExt cx="0" cy="0"/>
+        </a:xfrm>
+      </p:grpSpPr>
+      <p:sp>
+        <p:nvSpPr>
+          <p:cNvPr id="2" name="כותרת 1">
+            <a:extLst>
+              <a:ext uri="{FF2B5EF4-FFF2-40B4-BE49-F238E27FC236}">
+                <a16:creationId xmlns:a16="http://schemas.microsoft.com/office/drawing/2014/main" id="{C81264AB-ADA2-0F5A-A770-BBC04F59E613}"/>
+              </a:ext>
+            </a:extLst>
+          </p:cNvPr>
+          <p:cNvSpPr>
+            <a:spLocks noGrp="1"/>
+          </p:cNvSpPr>
+          <p:nvPr>
+            <p:ph type="title"/>
+          </p:nvPr>
+        </p:nvSpPr>
+        <p:spPr/>
+        <p:txBody>
+          <a:bodyPr/>
+          <a:lstStyle/>
+          <a:p>
+            <a:r>
+              <a:rPr lang="he-IL" dirty="0"/>
+              <a:t>אלגוריתם לכיול הפילטר הלוקליים</a:t>
+            </a:r>
+          </a:p>
+        </p:txBody>
+      </p:sp>
+      <p:sp>
+        <p:nvSpPr>
+          <p:cNvPr id="3" name="מציין מיקום תוכן 2">
+            <a:extLst>
+              <a:ext uri="{FF2B5EF4-FFF2-40B4-BE49-F238E27FC236}">
+                <a16:creationId xmlns:a16="http://schemas.microsoft.com/office/drawing/2014/main" id="{DB4DCA91-CBD6-8AD3-CC59-3F7A2BDA4B90}"/>
+              </a:ext>
+            </a:extLst>
+          </p:cNvPr>
+          <p:cNvSpPr>
+            <a:spLocks noGrp="1"/>
+          </p:cNvSpPr>
+          <p:nvPr>
+            <p:ph idx="1"/>
+          </p:nvPr>
+        </p:nvSpPr>
+        <p:spPr/>
+        <p:txBody>
+          <a:bodyPr anchor="t"/>
+          <a:lstStyle/>
+          <a:p>
+            <a:r>
+              <a:rPr lang="he-IL" dirty="0"/>
+              <a:t>נבחן מקרה מסוים בו יש לנו גישה למדידות אמינות לזמן מוקצב </a:t>
+            </a:r>
+          </a:p>
+          <a:p>
+            <a:r>
+              <a:rPr lang="he-IL" dirty="0"/>
+              <a:t>למשל - מערכת ניווט הרתומה לכלי טיס או מערכת ניווט בעלת גישה למדידות </a:t>
+            </a:r>
+            <a:r>
+              <a:rPr lang="en-US" dirty="0"/>
+              <a:t>GNSS</a:t>
+            </a:r>
+            <a:r>
+              <a:rPr lang="he-IL" dirty="0"/>
+              <a:t> לזמן מוגבל</a:t>
+            </a:r>
+          </a:p>
+          <a:p>
+            <a:r>
+              <a:rPr lang="he-IL" dirty="0"/>
+              <a:t>אלגוריתם זה יחולק לשני שלבים – שלב הכיול ושלב הפעולה</a:t>
+            </a:r>
+          </a:p>
+          <a:p>
+            <a:r>
+              <a:rPr lang="he-IL" dirty="0"/>
+              <a:t>מטרת שלב הכיול הינה לבחון את ביצועי הפילטרים הלוקליים אל מול פילטר </a:t>
+            </a:r>
+            <a:r>
+              <a:rPr lang="he-IL" dirty="0" err="1"/>
+              <a:t>רפרנס</a:t>
+            </a:r>
+            <a:r>
+              <a:rPr lang="he-IL" dirty="0"/>
+              <a:t> "אמין" המשויך למדידות האמינות</a:t>
+            </a:r>
+          </a:p>
+          <a:p>
+            <a:pPr marL="0" indent="0">
+              <a:buNone/>
+            </a:pPr>
+            <a:endParaRPr lang="he-IL" dirty="0"/>
+          </a:p>
+        </p:txBody>
+      </p:sp>
+    </p:spTree>
+    <p:extLst>
+      <p:ext uri="{BB962C8B-B14F-4D97-AF65-F5344CB8AC3E}">
+        <p14:creationId xmlns:p14="http://schemas.microsoft.com/office/powerpoint/2010/main" val="1982096127"/>
+      </p:ext>
+    </p:extLst>
+  </p:cSld>
+  <p:clrMapOvr>
+    <a:masterClrMapping/>
+  </p:clrMapOvr>
+</p:sld>
+</file>
+
+<file path=ppt/slides/slide21.xml><?xml version="1.0" encoding="utf-8"?>
+<p:sld xmlns:a="http://schemas.openxmlformats.org/drawingml/2006/main" xmlns:r="http://schemas.openxmlformats.org/officeDocument/2006/relationships" xmlns:p="http://schemas.openxmlformats.org/presentationml/2006/main">
+  <p:cSld>
+    <p:spTree>
+      <p:nvGrpSpPr>
+        <p:cNvPr id="1" name=""/>
+        <p:cNvGrpSpPr/>
+        <p:nvPr/>
+      </p:nvGrpSpPr>
+      <p:grpSpPr>
+        <a:xfrm>
+          <a:off x="0" y="0"/>
+          <a:ext cx="0" cy="0"/>
+          <a:chOff x="0" y="0"/>
+          <a:chExt cx="0" cy="0"/>
+        </a:xfrm>
+      </p:grpSpPr>
+      <p:sp>
+        <p:nvSpPr>
+          <p:cNvPr id="2" name="כותרת 1">
+            <a:extLst>
+              <a:ext uri="{FF2B5EF4-FFF2-40B4-BE49-F238E27FC236}">
+                <a16:creationId xmlns:a16="http://schemas.microsoft.com/office/drawing/2014/main" id="{89FF356C-0787-8EE2-0AFE-EA3D93136C02}"/>
+              </a:ext>
+            </a:extLst>
+          </p:cNvPr>
+          <p:cNvSpPr>
+            <a:spLocks noGrp="1"/>
+          </p:cNvSpPr>
+          <p:nvPr>
+            <p:ph type="title"/>
+          </p:nvPr>
+        </p:nvSpPr>
+        <p:spPr/>
+        <p:txBody>
+          <a:bodyPr/>
+          <a:lstStyle/>
+          <a:p>
+            <a:r>
+              <a:rPr lang="he-IL" dirty="0"/>
+              <a:t>שלב הכיול</a:t>
+            </a:r>
+          </a:p>
+        </p:txBody>
+      </p:sp>
+      <mc:AlternateContent xmlns:mc="http://schemas.openxmlformats.org/markup-compatibility/2006">
+        <mc:Choice xmlns:a14="http://schemas.microsoft.com/office/drawing/2010/main" Requires="a14">
+          <p:sp>
+            <p:nvSpPr>
+              <p:cNvPr id="3" name="מציין מיקום תוכן 2">
+                <a:extLst>
+                  <a:ext uri="{FF2B5EF4-FFF2-40B4-BE49-F238E27FC236}">
+                    <a16:creationId xmlns:a16="http://schemas.microsoft.com/office/drawing/2014/main" id="{3A4418D5-A81A-0EEE-6753-B2D38147C364}"/>
+                  </a:ext>
+                </a:extLst>
+              </p:cNvPr>
+              <p:cNvSpPr>
+                <a:spLocks noGrp="1"/>
+              </p:cNvSpPr>
+              <p:nvPr>
+                <p:ph idx="1"/>
+              </p:nvPr>
+            </p:nvSpPr>
+            <p:spPr>
+              <a:xfrm flipH="1">
+                <a:off x="-130629" y="2142067"/>
+                <a:ext cx="11636828" cy="3649133"/>
+              </a:xfrm>
+            </p:spPr>
+            <p:txBody>
+              <a:bodyPr anchor="t"/>
+              <a:lstStyle/>
+              <a:p>
+                <a:r>
+                  <a:rPr lang="he-IL" sz="2000" dirty="0"/>
+                  <a:t>מדידות המסופקות על ידי המערכת האמינה יעובדו בעזרת פילטר לוקלי נפרד, </a:t>
+                </a:r>
+                <a:r>
+                  <a:rPr lang="en-US" sz="2000" dirty="0"/>
+                  <a:t>reference filter</a:t>
+                </a:r>
+              </a:p>
+              <a:p>
+                <a:r>
+                  <a:rPr lang="he-IL" sz="2000" dirty="0"/>
+                  <a:t>שאר המדידות יעובדו על ידי שאר הפילטרים הלוקליים</a:t>
+                </a:r>
+              </a:p>
+              <a:p>
+                <a:r>
+                  <a:rPr lang="he-IL" sz="2000" dirty="0"/>
+                  <a:t>לכל פילטר לוקלי מחולק משקל עבור שלב ההתכה בפילטר הגלובלי. </a:t>
+                </a:r>
+              </a:p>
+              <a:p>
+                <a:r>
+                  <a:rPr lang="he-IL" sz="2000" dirty="0"/>
+                  <a:t>פילטר </a:t>
+                </a:r>
+                <a:r>
+                  <a:rPr lang="he-IL" sz="2000" dirty="0" err="1"/>
+                  <a:t>הרפרנס</a:t>
+                </a:r>
+                <a:r>
+                  <a:rPr lang="he-IL" sz="2000" dirty="0"/>
+                  <a:t> מקבל את המשקל המירבי (מוגדר ידנית) ושאר הפילטרים הלוקליים מחולקים באופן שווה</a:t>
+                </a:r>
+              </a:p>
+              <a:p>
+                <a:r>
+                  <a:rPr lang="he-IL" sz="2000" dirty="0"/>
+                  <a:t>כל פילטר מקדם ומעדכן את ווקטור המצב הלוקלי שלו בהתאם למדידות של החיישן המשויך אליו</a:t>
+                </a:r>
+              </a:p>
+              <a:p>
+                <a:r>
+                  <a:rPr lang="he-IL" sz="2000" dirty="0" err="1"/>
+                  <a:t>באיטרציית</a:t>
+                </a:r>
+                <a:r>
+                  <a:rPr lang="he-IL" sz="2000" dirty="0"/>
+                  <a:t> ההתכה, הפילטרים מותכים ע"פ המשקלים</a:t>
+                </a:r>
+              </a:p>
+              <a:p>
+                <a:r>
+                  <a:rPr lang="he-IL" sz="2000" dirty="0"/>
+                  <a:t>בכל רגע מוגדר תוצאות הפילטרים הלוקליים יושוו אל מול פילטר </a:t>
+                </a:r>
+                <a:r>
+                  <a:rPr lang="he-IL" sz="2000" dirty="0" err="1"/>
+                  <a:t>הרפרנס</a:t>
+                </a:r>
+                <a:r>
+                  <a:rPr lang="he-IL" sz="2000" dirty="0"/>
+                  <a:t> </a:t>
+                </a:r>
+                <a14:m>
+                  <m:oMath xmlns:m="http://schemas.openxmlformats.org/officeDocument/2006/math">
+                    <m:sSup>
+                      <m:sSupPr>
+                        <m:ctrlPr>
+                          <a:rPr lang="en-US" sz="2000" i="1">
+                            <a:latin typeface="Cambria Math" panose="02040503050406030204" pitchFamily="18" charset="0"/>
+                          </a:rPr>
+                        </m:ctrlPr>
+                      </m:sSupPr>
+                      <m:e>
+                        <m:d>
+                          <m:dPr>
+                            <m:ctrlPr>
+                              <a:rPr lang="en-US" sz="2000" i="1">
+                                <a:latin typeface="Cambria Math" panose="02040503050406030204" pitchFamily="18" charset="0"/>
+                              </a:rPr>
+                            </m:ctrlPr>
+                          </m:dPr>
+                          <m:e>
+                            <m:sSub>
+                              <m:sSubPr>
+                                <m:ctrlPr>
+                                  <a:rPr lang="en-US" sz="2000" i="1">
+                                    <a:latin typeface="Cambria Math" panose="02040503050406030204" pitchFamily="18" charset="0"/>
+                                  </a:rPr>
+                                </m:ctrlPr>
+                              </m:sSubPr>
+                              <m:e>
+                                <m:acc>
+                                  <m:accPr>
+                                    <m:chr m:val="̂"/>
+                                    <m:ctrlPr>
+                                      <a:rPr lang="en-US" sz="2000" i="1">
+                                        <a:latin typeface="Cambria Math" panose="02040503050406030204" pitchFamily="18" charset="0"/>
+                                      </a:rPr>
+                                    </m:ctrlPr>
+                                  </m:accPr>
+                                  <m:e>
+                                    <m:r>
+                                      <a:rPr lang="en-US" sz="2000" i="1">
+                                        <a:latin typeface="Cambria Math" panose="02040503050406030204" pitchFamily="18" charset="0"/>
+                                      </a:rPr>
+                                      <m:t>𝑥</m:t>
+                                    </m:r>
+                                  </m:e>
+                                </m:acc>
+                              </m:e>
+                              <m:sub>
+                                <m:r>
+                                  <a:rPr lang="en-US" sz="2000" i="1">
+                                    <a:latin typeface="Cambria Math" panose="02040503050406030204" pitchFamily="18" charset="0"/>
+                                  </a:rPr>
+                                  <m:t>𝑖</m:t>
+                                </m:r>
+                                <m:r>
+                                  <a:rPr lang="en-US" sz="2000" i="1">
+                                    <a:latin typeface="Cambria Math" panose="02040503050406030204" pitchFamily="18" charset="0"/>
+                                  </a:rPr>
+                                  <m:t>,</m:t>
+                                </m:r>
+                                <m:r>
+                                  <a:rPr lang="en-US" sz="2000" i="1">
+                                    <a:latin typeface="Cambria Math" panose="02040503050406030204" pitchFamily="18" charset="0"/>
+                                  </a:rPr>
+                                  <m:t>𝑘</m:t>
+                                </m:r>
+                              </m:sub>
+                            </m:sSub>
+                            <m:r>
+                              <a:rPr lang="en-US" sz="2000" i="1">
+                                <a:latin typeface="Cambria Math" panose="02040503050406030204" pitchFamily="18" charset="0"/>
+                              </a:rPr>
+                              <m:t>−</m:t>
+                            </m:r>
+                            <m:sSub>
+                              <m:sSubPr>
+                                <m:ctrlPr>
+                                  <a:rPr lang="en-US" sz="2000" i="1">
+                                    <a:latin typeface="Cambria Math" panose="02040503050406030204" pitchFamily="18" charset="0"/>
+                                  </a:rPr>
+                                </m:ctrlPr>
+                              </m:sSubPr>
+                              <m:e>
+                                <m:acc>
+                                  <m:accPr>
+                                    <m:chr m:val="̂"/>
+                                    <m:ctrlPr>
+                                      <a:rPr lang="en-US" sz="2000" i="1">
+                                        <a:latin typeface="Cambria Math" panose="02040503050406030204" pitchFamily="18" charset="0"/>
+                                      </a:rPr>
+                                    </m:ctrlPr>
+                                  </m:accPr>
+                                  <m:e>
+                                    <m:r>
+                                      <a:rPr lang="en-US" sz="2000" i="1">
+                                        <a:latin typeface="Cambria Math" panose="02040503050406030204" pitchFamily="18" charset="0"/>
+                                      </a:rPr>
+                                      <m:t>𝑥</m:t>
+                                    </m:r>
+                                  </m:e>
+                                </m:acc>
+                              </m:e>
+                              <m:sub>
+                                <m:r>
+                                  <a:rPr lang="en-US" sz="2000" i="1">
+                                    <a:latin typeface="Cambria Math" panose="02040503050406030204" pitchFamily="18" charset="0"/>
+                                  </a:rPr>
+                                  <m:t>𝑟𝑒𝑓</m:t>
+                                </m:r>
+                                <m:r>
+                                  <a:rPr lang="en-US" sz="2000" i="1">
+                                    <a:latin typeface="Cambria Math" panose="02040503050406030204" pitchFamily="18" charset="0"/>
+                                  </a:rPr>
+                                  <m:t>,</m:t>
+                                </m:r>
+                                <m:r>
+                                  <a:rPr lang="en-US" sz="2000" i="1">
+                                    <a:latin typeface="Cambria Math" panose="02040503050406030204" pitchFamily="18" charset="0"/>
+                                  </a:rPr>
+                                  <m:t>𝑘</m:t>
+                                </m:r>
+                              </m:sub>
+                            </m:sSub>
+                          </m:e>
+                        </m:d>
+                      </m:e>
+                      <m:sup>
+                        <m:r>
+                          <a:rPr lang="en-US" sz="2000" i="1">
+                            <a:latin typeface="Cambria Math" panose="02040503050406030204" pitchFamily="18" charset="0"/>
+                          </a:rPr>
+                          <m:t>𝑇</m:t>
+                        </m:r>
+                      </m:sup>
+                    </m:sSup>
+                  </m:oMath>
+                </a14:m>
+                <a:r>
+                  <a:rPr lang="en-US" sz="2000" dirty="0"/>
+                  <a:t> </a:t>
+                </a:r>
+                <a14:m>
+                  <m:oMath xmlns:m="http://schemas.openxmlformats.org/officeDocument/2006/math">
+                    <m:r>
+                      <a:rPr lang="en-US" sz="2000" i="1">
+                        <a:latin typeface="Cambria Math" panose="02040503050406030204" pitchFamily="18" charset="0"/>
+                      </a:rPr>
+                      <m:t>(</m:t>
+                    </m:r>
+                    <m:sSub>
+                      <m:sSubPr>
+                        <m:ctrlPr>
+                          <a:rPr lang="en-US" sz="2000" i="1">
+                            <a:latin typeface="Cambria Math" panose="02040503050406030204" pitchFamily="18" charset="0"/>
+                          </a:rPr>
+                        </m:ctrlPr>
+                      </m:sSubPr>
+                      <m:e>
+                        <m:acc>
+                          <m:accPr>
+                            <m:chr m:val="̂"/>
+                            <m:ctrlPr>
+                              <a:rPr lang="en-US" sz="2000" i="1">
+                                <a:latin typeface="Cambria Math" panose="02040503050406030204" pitchFamily="18" charset="0"/>
+                              </a:rPr>
+                            </m:ctrlPr>
+                          </m:accPr>
+                          <m:e>
+                            <m:r>
+                              <a:rPr lang="en-US" sz="2000" i="1">
+                                <a:latin typeface="Cambria Math" panose="02040503050406030204" pitchFamily="18" charset="0"/>
+                              </a:rPr>
+                              <m:t>𝑥</m:t>
+                            </m:r>
+                          </m:e>
+                        </m:acc>
+                      </m:e>
+                      <m:sub>
+                        <m:r>
+                          <a:rPr lang="en-US" sz="2000" i="1">
+                            <a:latin typeface="Cambria Math" panose="02040503050406030204" pitchFamily="18" charset="0"/>
+                          </a:rPr>
+                          <m:t>𝑖</m:t>
+                        </m:r>
+                        <m:r>
+                          <a:rPr lang="en-US" sz="2000" i="1">
+                            <a:latin typeface="Cambria Math" panose="02040503050406030204" pitchFamily="18" charset="0"/>
+                          </a:rPr>
+                          <m:t>,</m:t>
+                        </m:r>
+                        <m:r>
+                          <a:rPr lang="en-US" sz="2000" i="1">
+                            <a:latin typeface="Cambria Math" panose="02040503050406030204" pitchFamily="18" charset="0"/>
+                          </a:rPr>
+                          <m:t>𝑘</m:t>
+                        </m:r>
+                      </m:sub>
+                    </m:sSub>
+                    <m:r>
+                      <a:rPr lang="en-US" sz="2000" i="1">
+                        <a:latin typeface="Cambria Math" panose="02040503050406030204" pitchFamily="18" charset="0"/>
+                      </a:rPr>
+                      <m:t>−</m:t>
+                    </m:r>
+                    <m:sSub>
+                      <m:sSubPr>
+                        <m:ctrlPr>
+                          <a:rPr lang="en-US" sz="2000" i="1">
+                            <a:latin typeface="Cambria Math" panose="02040503050406030204" pitchFamily="18" charset="0"/>
+                          </a:rPr>
+                        </m:ctrlPr>
+                      </m:sSubPr>
+                      <m:e>
+                        <m:acc>
+                          <m:accPr>
+                            <m:chr m:val="̂"/>
+                            <m:ctrlPr>
+                              <a:rPr lang="en-US" sz="2000" i="1">
+                                <a:latin typeface="Cambria Math" panose="02040503050406030204" pitchFamily="18" charset="0"/>
+                              </a:rPr>
+                            </m:ctrlPr>
+                          </m:accPr>
+                          <m:e>
+                            <m:r>
+                              <a:rPr lang="en-US" sz="2000" i="1">
+                                <a:latin typeface="Cambria Math" panose="02040503050406030204" pitchFamily="18" charset="0"/>
+                              </a:rPr>
+                              <m:t>𝑥</m:t>
+                            </m:r>
+                          </m:e>
+                        </m:acc>
+                      </m:e>
+                      <m:sub>
+                        <m:r>
+                          <a:rPr lang="en-US" sz="2000" i="1">
+                            <a:latin typeface="Cambria Math" panose="02040503050406030204" pitchFamily="18" charset="0"/>
+                          </a:rPr>
+                          <m:t>𝑟𝑒𝑓</m:t>
+                        </m:r>
+                        <m:r>
+                          <a:rPr lang="en-US" sz="2000" i="1">
+                            <a:latin typeface="Cambria Math" panose="02040503050406030204" pitchFamily="18" charset="0"/>
+                          </a:rPr>
+                          <m:t>,</m:t>
+                        </m:r>
+                        <m:r>
+                          <a:rPr lang="en-US" sz="2000" i="1">
+                            <a:latin typeface="Cambria Math" panose="02040503050406030204" pitchFamily="18" charset="0"/>
+                          </a:rPr>
+                          <m:t>𝑘</m:t>
+                        </m:r>
+                      </m:sub>
+                    </m:sSub>
+                    <m:r>
+                      <a:rPr lang="en-US" sz="2000" i="1">
+                        <a:latin typeface="Cambria Math" panose="02040503050406030204" pitchFamily="18" charset="0"/>
+                      </a:rPr>
+                      <m:t>)</m:t>
+                    </m:r>
+                  </m:oMath>
+                </a14:m>
+                <a:endParaRPr lang="en-US" sz="2000" dirty="0"/>
+              </a:p>
+              <a:p>
+                <a:endParaRPr lang="he-IL" sz="2000" dirty="0"/>
+              </a:p>
+              <a:p>
+                <a:endParaRPr lang="en-US" sz="2000" dirty="0"/>
+              </a:p>
+              <a:p>
+                <a:pPr marL="0" indent="0">
+                  <a:buNone/>
+                </a:pPr>
+                <a:endParaRPr lang="he-IL" dirty="0"/>
+              </a:p>
+            </p:txBody>
+          </p:sp>
+        </mc:Choice>
+        <mc:Fallback>
+          <p:sp>
+            <p:nvSpPr>
+              <p:cNvPr id="3" name="מציין מיקום תוכן 2">
+                <a:extLst>
+                  <a:ext uri="{FF2B5EF4-FFF2-40B4-BE49-F238E27FC236}">
+                    <a16:creationId xmlns:a16="http://schemas.microsoft.com/office/drawing/2014/main" id="{3A4418D5-A81A-0EEE-6753-B2D38147C364}"/>
+                  </a:ext>
+                </a:extLst>
+              </p:cNvPr>
+              <p:cNvSpPr>
+                <a:spLocks noGrp="1" noRot="1" noChangeAspect="1" noMove="1" noResize="1" noEditPoints="1" noAdjustHandles="1" noChangeArrowheads="1" noChangeShapeType="1" noTextEdit="1"/>
+              </p:cNvSpPr>
+              <p:nvPr>
+                <p:ph idx="1"/>
+              </p:nvPr>
+            </p:nvSpPr>
+            <p:spPr>
+              <a:xfrm flipH="1">
+                <a:off x="-130629" y="2142067"/>
+                <a:ext cx="11636828" cy="3649133"/>
+              </a:xfrm>
+              <a:blipFill>
+                <a:blip r:embed="rId2"/>
+                <a:stretch>
+                  <a:fillRect t="-1002" r="-577"/>
+                </a:stretch>
+              </a:blipFill>
+            </p:spPr>
+            <p:txBody>
+              <a:bodyPr/>
+              <a:lstStyle/>
+              <a:p>
+                <a:r>
+                  <a:rPr lang="he-IL">
+                    <a:noFill/>
+                  </a:rPr>
+                  <a:t> </a:t>
+                </a:r>
+              </a:p>
+            </p:txBody>
+          </p:sp>
+        </mc:Fallback>
+      </mc:AlternateContent>
+    </p:spTree>
+    <p:extLst>
+      <p:ext uri="{BB962C8B-B14F-4D97-AF65-F5344CB8AC3E}">
+        <p14:creationId xmlns:p14="http://schemas.microsoft.com/office/powerpoint/2010/main" val="2433593873"/>
+      </p:ext>
+    </p:extLst>
+  </p:cSld>
+  <p:clrMapOvr>
+    <a:masterClrMapping/>
+  </p:clrMapOvr>
+</p:sld>
+</file>
+
+<file path=ppt/slides/slide22.xml><?xml version="1.0" encoding="utf-8"?>
+<p:sld xmlns:a="http://schemas.openxmlformats.org/drawingml/2006/main" xmlns:r="http://schemas.openxmlformats.org/officeDocument/2006/relationships" xmlns:p="http://schemas.openxmlformats.org/presentationml/2006/main">
+  <p:cSld>
+    <p:spTree>
+      <p:nvGrpSpPr>
+        <p:cNvPr id="1" name=""/>
+        <p:cNvGrpSpPr/>
+        <p:nvPr/>
+      </p:nvGrpSpPr>
+      <p:grpSpPr>
+        <a:xfrm>
+          <a:off x="0" y="0"/>
+          <a:ext cx="0" cy="0"/>
+          <a:chOff x="0" y="0"/>
+          <a:chExt cx="0" cy="0"/>
+        </a:xfrm>
+      </p:grpSpPr>
+      <p:sp>
+        <p:nvSpPr>
+          <p:cNvPr id="2" name="כותרת 1">
+            <a:extLst>
+              <a:ext uri="{FF2B5EF4-FFF2-40B4-BE49-F238E27FC236}">
+                <a16:creationId xmlns:a16="http://schemas.microsoft.com/office/drawing/2014/main" id="{C643D948-1E6C-1FDC-D466-4C0FEFA947C5}"/>
+              </a:ext>
+            </a:extLst>
+          </p:cNvPr>
+          <p:cNvSpPr>
+            <a:spLocks noGrp="1"/>
+          </p:cNvSpPr>
+          <p:nvPr>
+            <p:ph type="title"/>
+          </p:nvPr>
+        </p:nvSpPr>
+        <p:spPr/>
+        <p:txBody>
+          <a:bodyPr/>
+          <a:lstStyle/>
+          <a:p>
+            <a:r>
+              <a:rPr lang="he-IL" dirty="0"/>
+              <a:t>שלב הכיול – סיום</a:t>
+            </a:r>
+          </a:p>
+        </p:txBody>
+      </p:sp>
+      <mc:AlternateContent xmlns:mc="http://schemas.openxmlformats.org/markup-compatibility/2006">
+        <mc:Choice xmlns:a14="http://schemas.microsoft.com/office/drawing/2010/main" Requires="a14">
+          <p:sp>
+            <p:nvSpPr>
+              <p:cNvPr id="3" name="מציין מיקום תוכן 2">
+                <a:extLst>
+                  <a:ext uri="{FF2B5EF4-FFF2-40B4-BE49-F238E27FC236}">
+                    <a16:creationId xmlns:a16="http://schemas.microsoft.com/office/drawing/2014/main" id="{6B435218-4336-C227-2D99-BFF2408318D8}"/>
+                  </a:ext>
+                </a:extLst>
+              </p:cNvPr>
+              <p:cNvSpPr>
+                <a:spLocks noGrp="1"/>
+              </p:cNvSpPr>
+              <p:nvPr>
+                <p:ph idx="1"/>
+              </p:nvPr>
+            </p:nvSpPr>
+            <p:spPr>
+              <a:xfrm flipH="1">
+                <a:off x="308757" y="2142067"/>
+                <a:ext cx="11197441" cy="3649133"/>
+              </a:xfrm>
+            </p:spPr>
+            <p:txBody>
+              <a:bodyPr anchor="t"/>
+              <a:lstStyle/>
+              <a:p>
+                <a:r>
+                  <a:rPr lang="he-IL" dirty="0"/>
+                  <a:t>בסיום שלב הכיול, ריבועי השגיאות יסכמו </a:t>
+                </a:r>
+                <a14:m>
+                  <m:oMath xmlns:m="http://schemas.openxmlformats.org/officeDocument/2006/math">
+                    <m:sSub>
+                      <m:sSubPr>
+                        <m:ctrlPr>
+                          <a:rPr lang="en-US" i="1">
+                            <a:latin typeface="Cambria Math" panose="02040503050406030204" pitchFamily="18" charset="0"/>
+                          </a:rPr>
+                        </m:ctrlPr>
+                      </m:sSubPr>
+                      <m:e>
+                        <m:r>
+                          <a:rPr lang="en-US" i="1">
+                            <a:latin typeface="Cambria Math" panose="02040503050406030204" pitchFamily="18" charset="0"/>
+                          </a:rPr>
+                          <m:t>𝐸</m:t>
+                        </m:r>
+                      </m:e>
+                      <m:sub>
+                        <m:r>
+                          <a:rPr lang="en-US" i="1">
+                            <a:latin typeface="Cambria Math" panose="02040503050406030204" pitchFamily="18" charset="0"/>
+                          </a:rPr>
+                          <m:t>𝑖</m:t>
+                        </m:r>
+                      </m:sub>
+                    </m:sSub>
+                    <m:r>
+                      <a:rPr lang="en-US" i="1">
+                        <a:latin typeface="Cambria Math" panose="02040503050406030204" pitchFamily="18" charset="0"/>
+                      </a:rPr>
+                      <m:t>=</m:t>
+                    </m:r>
+                    <m:nary>
+                      <m:naryPr>
+                        <m:chr m:val="∑"/>
+                        <m:ctrlPr>
+                          <a:rPr lang="en-US" i="1">
+                            <a:latin typeface="Cambria Math" panose="02040503050406030204" pitchFamily="18" charset="0"/>
+                          </a:rPr>
+                        </m:ctrlPr>
+                      </m:naryPr>
+                      <m:sub>
+                        <m:r>
+                          <m:rPr>
+                            <m:brk m:alnAt="23"/>
+                          </m:rPr>
+                          <a:rPr lang="en-US" i="1">
+                            <a:latin typeface="Cambria Math" panose="02040503050406030204" pitchFamily="18" charset="0"/>
+                          </a:rPr>
+                          <m:t>𝑘</m:t>
+                        </m:r>
+                        <m:r>
+                          <a:rPr lang="en-US" i="1">
+                            <a:latin typeface="Cambria Math" panose="02040503050406030204" pitchFamily="18" charset="0"/>
+                          </a:rPr>
+                          <m:t>=</m:t>
+                        </m:r>
+                        <m:r>
+                          <m:rPr>
+                            <m:brk m:alnAt="23"/>
+                          </m:rPr>
+                          <a:rPr lang="en-US" i="1">
+                            <a:latin typeface="Cambria Math" panose="02040503050406030204" pitchFamily="18" charset="0"/>
+                          </a:rPr>
+                          <m:t>1</m:t>
+                        </m:r>
+                      </m:sub>
+                      <m:sup>
+                        <m:sSub>
+                          <m:sSubPr>
+                            <m:ctrlPr>
+                              <a:rPr lang="en-US" i="1">
+                                <a:latin typeface="Cambria Math" panose="02040503050406030204" pitchFamily="18" charset="0"/>
+                              </a:rPr>
+                            </m:ctrlPr>
+                          </m:sSubPr>
+                          <m:e>
+                            <m:r>
+                              <a:rPr lang="en-US" i="1">
+                                <a:latin typeface="Cambria Math" panose="02040503050406030204" pitchFamily="18" charset="0"/>
+                              </a:rPr>
+                              <m:t>𝑇</m:t>
+                            </m:r>
+                          </m:e>
+                          <m:sub>
+                            <m:r>
+                              <a:rPr lang="en-US" i="1">
+                                <a:latin typeface="Cambria Math" panose="02040503050406030204" pitchFamily="18" charset="0"/>
+                              </a:rPr>
+                              <m:t>𝑐</m:t>
+                            </m:r>
+                          </m:sub>
+                        </m:sSub>
+                      </m:sup>
+                      <m:e>
+                        <m:sSup>
+                          <m:sSupPr>
+                            <m:ctrlPr>
+                              <a:rPr lang="en-US" i="1">
+                                <a:latin typeface="Cambria Math" panose="02040503050406030204" pitchFamily="18" charset="0"/>
+                              </a:rPr>
+                            </m:ctrlPr>
+                          </m:sSupPr>
+                          <m:e>
+                            <m:d>
+                              <m:dPr>
+                                <m:ctrlPr>
+                                  <a:rPr lang="en-US" i="1">
+                                    <a:latin typeface="Cambria Math" panose="02040503050406030204" pitchFamily="18" charset="0"/>
+                                  </a:rPr>
+                                </m:ctrlPr>
+                              </m:dPr>
+                              <m:e>
+                                <m:sSub>
+                                  <m:sSubPr>
+                                    <m:ctrlPr>
+                                      <a:rPr lang="en-US" i="1">
+                                        <a:latin typeface="Cambria Math" panose="02040503050406030204" pitchFamily="18" charset="0"/>
+                                      </a:rPr>
+                                    </m:ctrlPr>
+                                  </m:sSubPr>
+                                  <m:e>
+                                    <m:acc>
+                                      <m:accPr>
+                                        <m:chr m:val="̂"/>
+                                        <m:ctrlPr>
+                                          <a:rPr lang="en-US" i="1">
+                                            <a:latin typeface="Cambria Math" panose="02040503050406030204" pitchFamily="18" charset="0"/>
+                                          </a:rPr>
+                                        </m:ctrlPr>
+                                      </m:accPr>
+                                      <m:e>
+                                        <m:r>
+                                          <a:rPr lang="en-US" i="1">
+                                            <a:latin typeface="Cambria Math" panose="02040503050406030204" pitchFamily="18" charset="0"/>
+                                          </a:rPr>
+                                          <m:t>𝑥</m:t>
+                                        </m:r>
+                                      </m:e>
+                                    </m:acc>
+                                  </m:e>
+                                  <m:sub>
+                                    <m:r>
+                                      <a:rPr lang="en-US" i="1">
+                                        <a:latin typeface="Cambria Math" panose="02040503050406030204" pitchFamily="18" charset="0"/>
+                                      </a:rPr>
+                                      <m:t>𝑖</m:t>
+                                    </m:r>
+                                    <m:r>
+                                      <a:rPr lang="en-US" i="1">
+                                        <a:latin typeface="Cambria Math" panose="02040503050406030204" pitchFamily="18" charset="0"/>
+                                      </a:rPr>
+                                      <m:t>,</m:t>
+                                    </m:r>
+                                    <m:r>
+                                      <a:rPr lang="en-US" i="1">
+                                        <a:latin typeface="Cambria Math" panose="02040503050406030204" pitchFamily="18" charset="0"/>
+                                      </a:rPr>
+                                      <m:t>𝑘</m:t>
+                                    </m:r>
+                                  </m:sub>
+                                </m:sSub>
+                                <m:r>
+                                  <a:rPr lang="en-US" i="1">
+                                    <a:latin typeface="Cambria Math" panose="02040503050406030204" pitchFamily="18" charset="0"/>
+                                  </a:rPr>
+                                  <m:t>−</m:t>
+                                </m:r>
+                                <m:sSub>
+                                  <m:sSubPr>
+                                    <m:ctrlPr>
+                                      <a:rPr lang="en-US" i="1">
+                                        <a:latin typeface="Cambria Math" panose="02040503050406030204" pitchFamily="18" charset="0"/>
+                                      </a:rPr>
+                                    </m:ctrlPr>
+                                  </m:sSubPr>
+                                  <m:e>
+                                    <m:acc>
+                                      <m:accPr>
+                                        <m:chr m:val="̂"/>
+                                        <m:ctrlPr>
+                                          <a:rPr lang="en-US" i="1">
+                                            <a:latin typeface="Cambria Math" panose="02040503050406030204" pitchFamily="18" charset="0"/>
+                                          </a:rPr>
+                                        </m:ctrlPr>
+                                      </m:accPr>
+                                      <m:e>
+                                        <m:r>
+                                          <a:rPr lang="en-US" i="1">
+                                            <a:latin typeface="Cambria Math" panose="02040503050406030204" pitchFamily="18" charset="0"/>
+                                          </a:rPr>
+                                          <m:t>𝑥</m:t>
+                                        </m:r>
+                                      </m:e>
+                                    </m:acc>
+                                  </m:e>
+                                  <m:sub>
+                                    <m:r>
+                                      <a:rPr lang="en-US" i="1">
+                                        <a:latin typeface="Cambria Math" panose="02040503050406030204" pitchFamily="18" charset="0"/>
+                                      </a:rPr>
+                                      <m:t>𝑟𝑒𝑓</m:t>
+                                    </m:r>
+                                    <m:r>
+                                      <a:rPr lang="en-US" i="1">
+                                        <a:latin typeface="Cambria Math" panose="02040503050406030204" pitchFamily="18" charset="0"/>
+                                      </a:rPr>
+                                      <m:t>,</m:t>
+                                    </m:r>
+                                    <m:r>
+                                      <a:rPr lang="en-US" i="1">
+                                        <a:latin typeface="Cambria Math" panose="02040503050406030204" pitchFamily="18" charset="0"/>
+                                      </a:rPr>
+                                      <m:t>𝑘</m:t>
+                                    </m:r>
+                                  </m:sub>
+                                </m:sSub>
+                              </m:e>
+                            </m:d>
+                          </m:e>
+                          <m:sup>
+                            <m:r>
+                              <a:rPr lang="en-US" i="1">
+                                <a:latin typeface="Cambria Math" panose="02040503050406030204" pitchFamily="18" charset="0"/>
+                              </a:rPr>
+                              <m:t>𝑇</m:t>
+                            </m:r>
+                          </m:sup>
+                        </m:sSup>
+                        <m:r>
+                          <m:rPr>
+                            <m:nor/>
+                          </m:rPr>
+                          <a:rPr lang="en-US" dirty="0"/>
+                          <m:t> </m:t>
+                        </m:r>
+                        <m:r>
+                          <a:rPr lang="en-US" i="1">
+                            <a:latin typeface="Cambria Math" panose="02040503050406030204" pitchFamily="18" charset="0"/>
+                          </a:rPr>
+                          <m:t>(</m:t>
+                        </m:r>
+                        <m:sSub>
+                          <m:sSubPr>
+                            <m:ctrlPr>
+                              <a:rPr lang="en-US" i="1">
+                                <a:latin typeface="Cambria Math" panose="02040503050406030204" pitchFamily="18" charset="0"/>
+                              </a:rPr>
+                            </m:ctrlPr>
+                          </m:sSubPr>
+                          <m:e>
+                            <m:acc>
+                              <m:accPr>
+                                <m:chr m:val="̂"/>
+                                <m:ctrlPr>
+                                  <a:rPr lang="en-US" i="1">
+                                    <a:latin typeface="Cambria Math" panose="02040503050406030204" pitchFamily="18" charset="0"/>
+                                  </a:rPr>
+                                </m:ctrlPr>
+                              </m:accPr>
+                              <m:e>
+                                <m:r>
+                                  <a:rPr lang="en-US" i="1">
+                                    <a:latin typeface="Cambria Math" panose="02040503050406030204" pitchFamily="18" charset="0"/>
+                                  </a:rPr>
+                                  <m:t>𝑥</m:t>
+                                </m:r>
+                              </m:e>
+                            </m:acc>
+                          </m:e>
+                          <m:sub>
+                            <m:r>
+                              <a:rPr lang="en-US" i="1">
+                                <a:latin typeface="Cambria Math" panose="02040503050406030204" pitchFamily="18" charset="0"/>
+                              </a:rPr>
+                              <m:t>𝑖</m:t>
+                            </m:r>
+                            <m:r>
+                              <a:rPr lang="en-US" i="1">
+                                <a:latin typeface="Cambria Math" panose="02040503050406030204" pitchFamily="18" charset="0"/>
+                              </a:rPr>
+                              <m:t>,</m:t>
+                            </m:r>
+                            <m:r>
+                              <a:rPr lang="en-US" i="1">
+                                <a:latin typeface="Cambria Math" panose="02040503050406030204" pitchFamily="18" charset="0"/>
+                              </a:rPr>
+                              <m:t>𝑘</m:t>
+                            </m:r>
+                          </m:sub>
+                        </m:sSub>
+                        <m:r>
+                          <a:rPr lang="en-US" i="1">
+                            <a:latin typeface="Cambria Math" panose="02040503050406030204" pitchFamily="18" charset="0"/>
+                          </a:rPr>
+                          <m:t>−</m:t>
+                        </m:r>
+                        <m:sSub>
+                          <m:sSubPr>
+                            <m:ctrlPr>
+                              <a:rPr lang="en-US" i="1">
+                                <a:latin typeface="Cambria Math" panose="02040503050406030204" pitchFamily="18" charset="0"/>
+                              </a:rPr>
+                            </m:ctrlPr>
+                          </m:sSubPr>
+                          <m:e>
+                            <m:acc>
+                              <m:accPr>
+                                <m:chr m:val="̂"/>
+                                <m:ctrlPr>
+                                  <a:rPr lang="en-US" i="1">
+                                    <a:latin typeface="Cambria Math" panose="02040503050406030204" pitchFamily="18" charset="0"/>
+                                  </a:rPr>
+                                </m:ctrlPr>
+                              </m:accPr>
+                              <m:e>
+                                <m:r>
+                                  <a:rPr lang="en-US" i="1">
+                                    <a:latin typeface="Cambria Math" panose="02040503050406030204" pitchFamily="18" charset="0"/>
+                                  </a:rPr>
+                                  <m:t>𝑥</m:t>
+                                </m:r>
+                              </m:e>
+                            </m:acc>
+                          </m:e>
+                          <m:sub>
+                            <m:r>
+                              <a:rPr lang="en-US" i="1">
+                                <a:latin typeface="Cambria Math" panose="02040503050406030204" pitchFamily="18" charset="0"/>
+                              </a:rPr>
+                              <m:t>𝑟𝑒𝑓</m:t>
+                            </m:r>
+                            <m:r>
+                              <a:rPr lang="en-US" i="1">
+                                <a:latin typeface="Cambria Math" panose="02040503050406030204" pitchFamily="18" charset="0"/>
+                              </a:rPr>
+                              <m:t>,</m:t>
+                            </m:r>
+                            <m:r>
+                              <a:rPr lang="en-US" i="1">
+                                <a:latin typeface="Cambria Math" panose="02040503050406030204" pitchFamily="18" charset="0"/>
+                              </a:rPr>
+                              <m:t>𝑘</m:t>
+                            </m:r>
+                          </m:sub>
+                        </m:sSub>
+                        <m:r>
+                          <a:rPr lang="en-US" i="1">
+                            <a:latin typeface="Cambria Math" panose="02040503050406030204" pitchFamily="18" charset="0"/>
+                          </a:rPr>
+                          <m:t>)</m:t>
+                        </m:r>
+                        <m:r>
+                          <m:rPr>
+                            <m:nor/>
+                          </m:rPr>
+                          <a:rPr lang="en-US" dirty="0"/>
+                          <m:t> </m:t>
+                        </m:r>
+                      </m:e>
+                    </m:nary>
+                  </m:oMath>
+                </a14:m>
+                <a:endParaRPr lang="en-US" dirty="0"/>
+              </a:p>
+              <a:p>
+                <a:r>
+                  <a:rPr lang="he-IL" dirty="0"/>
+                  <a:t>באמצעות סכום ריבועי השגיאות נחשב את ה </a:t>
+                </a:r>
+                <a:r>
+                  <a:rPr lang="en-US" dirty="0"/>
+                  <a:t>MSE</a:t>
+                </a:r>
+                <a:r>
+                  <a:rPr lang="he-IL" dirty="0"/>
+                  <a:t> </a:t>
+                </a:r>
+                <a:r>
+                  <a:rPr lang="en-US" dirty="0"/>
+                  <a:t>(mean square error)</a:t>
+                </a:r>
+                <a:r>
+                  <a:rPr lang="he-IL" dirty="0"/>
+                  <a:t> עבור כל פילטר </a:t>
+                </a:r>
+                <a14:m>
+                  <m:oMath xmlns:m="http://schemas.openxmlformats.org/officeDocument/2006/math">
+                    <m:r>
+                      <a:rPr lang="en-US" i="1">
+                        <a:latin typeface="Cambria Math" panose="02040503050406030204" pitchFamily="18" charset="0"/>
+                      </a:rPr>
+                      <m:t>𝑀𝑆</m:t>
+                    </m:r>
+                    <m:sSub>
+                      <m:sSubPr>
+                        <m:ctrlPr>
+                          <a:rPr lang="en-US" i="1">
+                            <a:latin typeface="Cambria Math" panose="02040503050406030204" pitchFamily="18" charset="0"/>
+                          </a:rPr>
+                        </m:ctrlPr>
+                      </m:sSubPr>
+                      <m:e>
+                        <m:r>
+                          <a:rPr lang="en-US" i="1">
+                            <a:latin typeface="Cambria Math" panose="02040503050406030204" pitchFamily="18" charset="0"/>
+                          </a:rPr>
+                          <m:t>𝐸</m:t>
+                        </m:r>
+                      </m:e>
+                      <m:sub>
+                        <m:r>
+                          <a:rPr lang="en-US" i="1">
+                            <a:latin typeface="Cambria Math" panose="02040503050406030204" pitchFamily="18" charset="0"/>
+                          </a:rPr>
+                          <m:t>𝑖</m:t>
+                        </m:r>
+                      </m:sub>
+                    </m:sSub>
+                    <m:r>
+                      <a:rPr lang="en-US" i="1">
+                        <a:latin typeface="Cambria Math" panose="02040503050406030204" pitchFamily="18" charset="0"/>
+                      </a:rPr>
+                      <m:t>=</m:t>
+                    </m:r>
+                    <m:f>
+                      <m:fPr>
+                        <m:ctrlPr>
+                          <a:rPr lang="en-US" i="1">
+                            <a:latin typeface="Cambria Math" panose="02040503050406030204" pitchFamily="18" charset="0"/>
+                          </a:rPr>
+                        </m:ctrlPr>
+                      </m:fPr>
+                      <m:num>
+                        <m:sSub>
+                          <m:sSubPr>
+                            <m:ctrlPr>
+                              <a:rPr lang="en-US" i="1">
+                                <a:latin typeface="Cambria Math" panose="02040503050406030204" pitchFamily="18" charset="0"/>
+                              </a:rPr>
+                            </m:ctrlPr>
+                          </m:sSubPr>
+                          <m:e>
+                            <m:r>
+                              <a:rPr lang="en-US" i="1">
+                                <a:latin typeface="Cambria Math" panose="02040503050406030204" pitchFamily="18" charset="0"/>
+                              </a:rPr>
+                              <m:t>𝐸</m:t>
+                            </m:r>
+                          </m:e>
+                          <m:sub>
+                            <m:r>
+                              <a:rPr lang="en-US" i="1">
+                                <a:latin typeface="Cambria Math" panose="02040503050406030204" pitchFamily="18" charset="0"/>
+                              </a:rPr>
+                              <m:t>𝑖</m:t>
+                            </m:r>
+                          </m:sub>
+                        </m:sSub>
+                      </m:num>
+                      <m:den>
+                        <m:sSub>
+                          <m:sSubPr>
+                            <m:ctrlPr>
+                              <a:rPr lang="en-US" i="1">
+                                <a:latin typeface="Cambria Math" panose="02040503050406030204" pitchFamily="18" charset="0"/>
+                              </a:rPr>
+                            </m:ctrlPr>
+                          </m:sSubPr>
+                          <m:e>
+                            <m:r>
+                              <a:rPr lang="en-US" i="1">
+                                <a:latin typeface="Cambria Math" panose="02040503050406030204" pitchFamily="18" charset="0"/>
+                              </a:rPr>
+                              <m:t>𝑇</m:t>
+                            </m:r>
+                          </m:e>
+                          <m:sub>
+                            <m:r>
+                              <a:rPr lang="en-US" i="1">
+                                <a:latin typeface="Cambria Math" panose="02040503050406030204" pitchFamily="18" charset="0"/>
+                              </a:rPr>
+                              <m:t>𝑐</m:t>
+                            </m:r>
+                          </m:sub>
+                        </m:sSub>
+                      </m:den>
+                    </m:f>
+                  </m:oMath>
+                </a14:m>
+                <a:endParaRPr lang="he-IL" dirty="0"/>
+              </a:p>
+              <a:p>
+                <a:r>
+                  <a:rPr lang="he-IL" dirty="0"/>
+                  <a:t>נחשב את המשקל אשר יינתן לכל פילטר באופן הבא: </a:t>
+                </a:r>
+                <a14:m>
+                  <m:oMath xmlns:m="http://schemas.openxmlformats.org/officeDocument/2006/math">
+                    <m:sSub>
+                      <m:sSubPr>
+                        <m:ctrlPr>
+                          <a:rPr lang="en-US" b="0" i="1" smtClean="0">
+                            <a:latin typeface="Cambria Math" panose="02040503050406030204" pitchFamily="18" charset="0"/>
+                          </a:rPr>
+                        </m:ctrlPr>
+                      </m:sSubPr>
+                      <m:e>
+                        <m:r>
+                          <a:rPr lang="en-US" b="0" i="1" smtClean="0">
+                            <a:latin typeface="Cambria Math" panose="02040503050406030204" pitchFamily="18" charset="0"/>
+                          </a:rPr>
+                          <m:t>𝜔</m:t>
+                        </m:r>
+                      </m:e>
+                      <m:sub>
+                        <m:r>
+                          <a:rPr lang="en-US" b="0" i="1" smtClean="0">
+                            <a:latin typeface="Cambria Math" panose="02040503050406030204" pitchFamily="18" charset="0"/>
+                          </a:rPr>
+                          <m:t>𝑖</m:t>
+                        </m:r>
+                      </m:sub>
+                    </m:sSub>
+                    <m:r>
+                      <a:rPr lang="en-US" b="0" i="1" smtClean="0">
+                        <a:latin typeface="Cambria Math" panose="02040503050406030204" pitchFamily="18" charset="0"/>
+                      </a:rPr>
+                      <m:t>=</m:t>
+                    </m:r>
+                    <m:f>
+                      <m:fPr>
+                        <m:ctrlPr>
+                          <a:rPr lang="en-US" b="0" i="1" smtClean="0">
+                            <a:latin typeface="Cambria Math" panose="02040503050406030204" pitchFamily="18" charset="0"/>
+                          </a:rPr>
+                        </m:ctrlPr>
+                      </m:fPr>
+                      <m:num>
+                        <m:f>
+                          <m:fPr>
+                            <m:ctrlPr>
+                              <a:rPr lang="en-US" b="0" i="1" smtClean="0">
+                                <a:latin typeface="Cambria Math" panose="02040503050406030204" pitchFamily="18" charset="0"/>
+                              </a:rPr>
+                            </m:ctrlPr>
+                          </m:fPr>
+                          <m:num>
+                            <m:r>
+                              <a:rPr lang="en-US" b="0" i="1" smtClean="0">
+                                <a:latin typeface="Cambria Math" panose="02040503050406030204" pitchFamily="18" charset="0"/>
+                              </a:rPr>
+                              <m:t>1</m:t>
+                            </m:r>
+                          </m:num>
+                          <m:den>
+                            <m:r>
+                              <a:rPr lang="en-US" b="0" i="1" smtClean="0">
+                                <a:latin typeface="Cambria Math" panose="02040503050406030204" pitchFamily="18" charset="0"/>
+                              </a:rPr>
+                              <m:t>𝑀𝑆</m:t>
+                            </m:r>
+                            <m:sSub>
+                              <m:sSubPr>
+                                <m:ctrlPr>
+                                  <a:rPr lang="en-US" b="0" i="1" smtClean="0">
+                                    <a:latin typeface="Cambria Math" panose="02040503050406030204" pitchFamily="18" charset="0"/>
+                                  </a:rPr>
+                                </m:ctrlPr>
+                              </m:sSubPr>
+                              <m:e>
+                                <m:r>
+                                  <a:rPr lang="en-US" b="0" i="1" smtClean="0">
+                                    <a:latin typeface="Cambria Math" panose="02040503050406030204" pitchFamily="18" charset="0"/>
+                                  </a:rPr>
+                                  <m:t>𝐸</m:t>
+                                </m:r>
+                              </m:e>
+                              <m:sub>
+                                <m:r>
+                                  <a:rPr lang="en-US" b="0" i="1" smtClean="0">
+                                    <a:latin typeface="Cambria Math" panose="02040503050406030204" pitchFamily="18" charset="0"/>
+                                  </a:rPr>
+                                  <m:t>𝑖</m:t>
+                                </m:r>
+                              </m:sub>
+                            </m:sSub>
+                          </m:den>
+                        </m:f>
+                      </m:num>
+                      <m:den>
+                        <m:nary>
+                          <m:naryPr>
+                            <m:chr m:val="∑"/>
+                            <m:ctrlPr>
+                              <a:rPr lang="en-US" b="0" i="1" smtClean="0">
+                                <a:latin typeface="Cambria Math" panose="02040503050406030204" pitchFamily="18" charset="0"/>
+                              </a:rPr>
+                            </m:ctrlPr>
+                          </m:naryPr>
+                          <m:sub>
+                            <m:r>
+                              <m:rPr>
+                                <m:brk m:alnAt="23"/>
+                              </m:rPr>
+                              <a:rPr lang="en-US" b="0" i="1" smtClean="0">
+                                <a:latin typeface="Cambria Math" panose="02040503050406030204" pitchFamily="18" charset="0"/>
+                              </a:rPr>
+                              <m:t>𝑗</m:t>
+                            </m:r>
+                            <m:r>
+                              <a:rPr lang="en-US" b="0" i="1" smtClean="0">
+                                <a:latin typeface="Cambria Math" panose="02040503050406030204" pitchFamily="18" charset="0"/>
+                              </a:rPr>
+                              <m:t>=</m:t>
+                            </m:r>
+                            <m:r>
+                              <m:rPr>
+                                <m:brk m:alnAt="23"/>
+                              </m:rPr>
+                              <a:rPr lang="en-US" b="0" i="1" smtClean="0">
+                                <a:latin typeface="Cambria Math" panose="02040503050406030204" pitchFamily="18" charset="0"/>
+                              </a:rPr>
+                              <m:t>1</m:t>
+                            </m:r>
+                          </m:sub>
+                          <m:sup>
+                            <m:r>
+                              <a:rPr lang="en-US" b="0" i="1" smtClean="0">
+                                <a:latin typeface="Cambria Math" panose="02040503050406030204" pitchFamily="18" charset="0"/>
+                              </a:rPr>
+                              <m:t>𝑁</m:t>
+                            </m:r>
+                          </m:sup>
+                          <m:e>
+                            <m:d>
+                              <m:dPr>
+                                <m:ctrlPr>
+                                  <a:rPr lang="en-US" b="0" i="1" smtClean="0">
+                                    <a:latin typeface="Cambria Math" panose="02040503050406030204" pitchFamily="18" charset="0"/>
+                                  </a:rPr>
+                                </m:ctrlPr>
+                              </m:dPr>
+                              <m:e>
+                                <m:f>
+                                  <m:fPr>
+                                    <m:ctrlPr>
+                                      <a:rPr lang="en-US" b="0" i="1" smtClean="0">
+                                        <a:latin typeface="Cambria Math" panose="02040503050406030204" pitchFamily="18" charset="0"/>
+                                      </a:rPr>
+                                    </m:ctrlPr>
+                                  </m:fPr>
+                                  <m:num>
+                                    <m:r>
+                                      <a:rPr lang="en-US" b="0" i="1" smtClean="0">
+                                        <a:latin typeface="Cambria Math" panose="02040503050406030204" pitchFamily="18" charset="0"/>
+                                      </a:rPr>
+                                      <m:t>1</m:t>
+                                    </m:r>
+                                  </m:num>
+                                  <m:den>
+                                    <m:r>
+                                      <a:rPr lang="en-US" b="0" i="1" smtClean="0">
+                                        <a:latin typeface="Cambria Math" panose="02040503050406030204" pitchFamily="18" charset="0"/>
+                                      </a:rPr>
+                                      <m:t>𝑀𝑆</m:t>
+                                    </m:r>
+                                    <m:sSub>
+                                      <m:sSubPr>
+                                        <m:ctrlPr>
+                                          <a:rPr lang="en-US" b="0" i="1" smtClean="0">
+                                            <a:latin typeface="Cambria Math" panose="02040503050406030204" pitchFamily="18" charset="0"/>
+                                          </a:rPr>
+                                        </m:ctrlPr>
+                                      </m:sSubPr>
+                                      <m:e>
+                                        <m:r>
+                                          <a:rPr lang="en-US" b="0" i="1" smtClean="0">
+                                            <a:latin typeface="Cambria Math" panose="02040503050406030204" pitchFamily="18" charset="0"/>
+                                          </a:rPr>
+                                          <m:t>𝐸</m:t>
+                                        </m:r>
+                                      </m:e>
+                                      <m:sub>
+                                        <m:r>
+                                          <a:rPr lang="en-US" b="0" i="1" smtClean="0">
+                                            <a:latin typeface="Cambria Math" panose="02040503050406030204" pitchFamily="18" charset="0"/>
+                                          </a:rPr>
+                                          <m:t>𝑗</m:t>
+                                        </m:r>
+                                      </m:sub>
+                                    </m:sSub>
+                                  </m:den>
+                                </m:f>
+                              </m:e>
+                            </m:d>
+                          </m:e>
+                        </m:nary>
+                      </m:den>
+                    </m:f>
+                  </m:oMath>
+                </a14:m>
+                <a:endParaRPr lang="en-US" dirty="0"/>
+              </a:p>
+              <a:p>
+                <a:r>
+                  <a:rPr lang="he-IL" dirty="0"/>
+                  <a:t>נגדיר פרמטר </a:t>
+                </a:r>
+                <a14:m>
+                  <m:oMath xmlns:m="http://schemas.openxmlformats.org/officeDocument/2006/math">
+                    <m:sSub>
+                      <m:sSubPr>
+                        <m:ctrlPr>
+                          <a:rPr lang="en-US" i="1">
+                            <a:latin typeface="Cambria Math" panose="02040503050406030204" pitchFamily="18" charset="0"/>
+                          </a:rPr>
+                        </m:ctrlPr>
+                      </m:sSubPr>
+                      <m:e>
+                        <m:r>
+                          <a:rPr lang="en-US" i="1">
+                            <a:latin typeface="Cambria Math" panose="02040503050406030204" pitchFamily="18" charset="0"/>
+                          </a:rPr>
+                          <m:t>𝛽</m:t>
+                        </m:r>
+                      </m:e>
+                      <m:sub>
+                        <m:r>
+                          <a:rPr lang="en-US" i="1">
+                            <a:latin typeface="Cambria Math" panose="02040503050406030204" pitchFamily="18" charset="0"/>
+                          </a:rPr>
+                          <m:t>𝑖</m:t>
+                        </m:r>
+                      </m:sub>
+                    </m:sSub>
+                  </m:oMath>
+                </a14:m>
+                <a:r>
+                  <a:rPr lang="he-IL" dirty="0"/>
+                  <a:t> המתאר את רמת האמינות של כל פילטר: </a:t>
+                </a:r>
+                <a14:m>
+                  <m:oMath xmlns:m="http://schemas.openxmlformats.org/officeDocument/2006/math">
+                    <m:r>
+                      <a:rPr lang="he-IL" b="0" i="0" smtClean="0">
+                        <a:latin typeface="Cambria Math" panose="02040503050406030204" pitchFamily="18" charset="0"/>
+                      </a:rPr>
+                      <m:t> </m:t>
+                    </m:r>
+                    <m:sSub>
+                      <m:sSubPr>
+                        <m:ctrlPr>
+                          <a:rPr lang="en-US" b="0" i="1" smtClean="0">
+                            <a:latin typeface="Cambria Math" panose="02040503050406030204" pitchFamily="18" charset="0"/>
+                          </a:rPr>
+                        </m:ctrlPr>
+                      </m:sSubPr>
+                      <m:e>
+                        <m:r>
+                          <a:rPr lang="en-US" b="0" i="1" smtClean="0">
+                            <a:latin typeface="Cambria Math" panose="02040503050406030204" pitchFamily="18" charset="0"/>
+                          </a:rPr>
+                          <m:t>𝛽</m:t>
+                        </m:r>
+                      </m:e>
+                      <m:sub>
+                        <m:r>
+                          <a:rPr lang="en-US" b="0" i="1" smtClean="0">
+                            <a:latin typeface="Cambria Math" panose="02040503050406030204" pitchFamily="18" charset="0"/>
+                          </a:rPr>
+                          <m:t>𝑖</m:t>
+                        </m:r>
+                      </m:sub>
+                    </m:sSub>
+                    <m:r>
+                      <a:rPr lang="en-US" b="0" i="1" smtClean="0">
+                        <a:latin typeface="Cambria Math" panose="02040503050406030204" pitchFamily="18" charset="0"/>
+                      </a:rPr>
+                      <m:t>=</m:t>
+                    </m:r>
+                    <m:r>
+                      <a:rPr lang="en-US" b="0" i="1" smtClean="0">
+                        <a:latin typeface="Cambria Math" panose="02040503050406030204" pitchFamily="18" charset="0"/>
+                      </a:rPr>
+                      <m:t>𝑁</m:t>
+                    </m:r>
+                    <m:r>
+                      <a:rPr lang="en-US" b="0" i="1" smtClean="0">
+                        <a:latin typeface="Cambria Math" panose="02040503050406030204" pitchFamily="18" charset="0"/>
+                      </a:rPr>
+                      <m:t>⋅</m:t>
+                    </m:r>
+                    <m:sSub>
+                      <m:sSubPr>
+                        <m:ctrlPr>
+                          <a:rPr lang="en-US" b="0" i="1" smtClean="0">
+                            <a:latin typeface="Cambria Math" panose="02040503050406030204" pitchFamily="18" charset="0"/>
+                          </a:rPr>
+                        </m:ctrlPr>
+                      </m:sSubPr>
+                      <m:e>
+                        <m:r>
+                          <a:rPr lang="en-US" b="0" i="1" smtClean="0">
+                            <a:latin typeface="Cambria Math" panose="02040503050406030204" pitchFamily="18" charset="0"/>
+                          </a:rPr>
+                          <m:t>𝜔</m:t>
+                        </m:r>
+                      </m:e>
+                      <m:sub>
+                        <m:r>
+                          <a:rPr lang="en-US" b="0" i="1" smtClean="0">
+                            <a:latin typeface="Cambria Math" panose="02040503050406030204" pitchFamily="18" charset="0"/>
+                          </a:rPr>
+                          <m:t>𝑖</m:t>
+                        </m:r>
+                      </m:sub>
+                    </m:sSub>
+                  </m:oMath>
+                </a14:m>
+                <a:r>
+                  <a:rPr lang="en-US" dirty="0"/>
+                  <a:t> </a:t>
+                </a:r>
+                <a:r>
+                  <a:rPr lang="he-IL" dirty="0"/>
+                  <a:t> כך ש- </a:t>
+                </a:r>
+                <a14:m>
+                  <m:oMath xmlns:m="http://schemas.openxmlformats.org/officeDocument/2006/math">
+                    <m:sSub>
+                      <m:sSubPr>
+                        <m:ctrlPr>
+                          <a:rPr lang="en-US" b="0" i="1" smtClean="0">
+                            <a:latin typeface="Cambria Math" panose="02040503050406030204" pitchFamily="18" charset="0"/>
+                          </a:rPr>
+                        </m:ctrlPr>
+                      </m:sSubPr>
+                      <m:e>
+                        <m:r>
+                          <a:rPr lang="en-US" b="0" i="1" smtClean="0">
+                            <a:latin typeface="Cambria Math" panose="02040503050406030204" pitchFamily="18" charset="0"/>
+                          </a:rPr>
+                          <m:t>∑</m:t>
+                        </m:r>
+                        <m:r>
+                          <a:rPr lang="en-US" b="0" i="1" smtClean="0">
+                            <a:latin typeface="Cambria Math" panose="02040503050406030204" pitchFamily="18" charset="0"/>
+                          </a:rPr>
+                          <m:t>𝛽</m:t>
+                        </m:r>
+                      </m:e>
+                      <m:sub>
+                        <m:r>
+                          <a:rPr lang="en-US" b="0" i="1" smtClean="0">
+                            <a:latin typeface="Cambria Math" panose="02040503050406030204" pitchFamily="18" charset="0"/>
+                          </a:rPr>
+                          <m:t>𝑖</m:t>
+                        </m:r>
+                      </m:sub>
+                    </m:sSub>
+                    <m:r>
+                      <a:rPr lang="en-US" b="0" i="1" smtClean="0">
+                        <a:latin typeface="Cambria Math" panose="02040503050406030204" pitchFamily="18" charset="0"/>
+                      </a:rPr>
+                      <m:t>=</m:t>
+                    </m:r>
+                    <m:r>
+                      <a:rPr lang="en-US" b="0" i="1" smtClean="0">
+                        <a:latin typeface="Cambria Math" panose="02040503050406030204" pitchFamily="18" charset="0"/>
+                      </a:rPr>
+                      <m:t>𝑁</m:t>
+                    </m:r>
+                  </m:oMath>
+                </a14:m>
+                <a:endParaRPr lang="en-US" dirty="0"/>
+              </a:p>
+              <a:p>
+                <a:r>
+                  <a:rPr lang="he-IL" dirty="0"/>
+                  <a:t>באמצעות פרמטר זה נבצע את ההתכה הגלובלית בשלב הפעולה</a:t>
+                </a:r>
+                <a:endParaRPr lang="en-US" dirty="0"/>
+              </a:p>
+            </p:txBody>
+          </p:sp>
+        </mc:Choice>
+        <mc:Fallback>
+          <p:sp>
+            <p:nvSpPr>
+              <p:cNvPr id="3" name="מציין מיקום תוכן 2">
+                <a:extLst>
+                  <a:ext uri="{FF2B5EF4-FFF2-40B4-BE49-F238E27FC236}">
+                    <a16:creationId xmlns:a16="http://schemas.microsoft.com/office/drawing/2014/main" id="{6B435218-4336-C227-2D99-BFF2408318D8}"/>
+                  </a:ext>
+                </a:extLst>
+              </p:cNvPr>
+              <p:cNvSpPr>
+                <a:spLocks noGrp="1" noRot="1" noChangeAspect="1" noMove="1" noResize="1" noEditPoints="1" noAdjustHandles="1" noChangeArrowheads="1" noChangeShapeType="1" noTextEdit="1"/>
+              </p:cNvSpPr>
+              <p:nvPr>
+                <p:ph idx="1"/>
+              </p:nvPr>
+            </p:nvSpPr>
+            <p:spPr>
+              <a:xfrm flipH="1">
+                <a:off x="308757" y="2142067"/>
+                <a:ext cx="11197441" cy="3649133"/>
+              </a:xfrm>
+              <a:blipFill>
+                <a:blip r:embed="rId2"/>
+                <a:stretch>
+                  <a:fillRect t="-10017" r="-436"/>
+                </a:stretch>
+              </a:blipFill>
+            </p:spPr>
+            <p:txBody>
+              <a:bodyPr/>
+              <a:lstStyle/>
+              <a:p>
+                <a:r>
+                  <a:rPr lang="he-IL">
+                    <a:noFill/>
+                  </a:rPr>
+                  <a:t> </a:t>
+                </a:r>
+              </a:p>
+            </p:txBody>
+          </p:sp>
+        </mc:Fallback>
+      </mc:AlternateContent>
+    </p:spTree>
+    <p:extLst>
+      <p:ext uri="{BB962C8B-B14F-4D97-AF65-F5344CB8AC3E}">
+        <p14:creationId xmlns:p14="http://schemas.microsoft.com/office/powerpoint/2010/main" val="2132749670"/>
+      </p:ext>
+    </p:extLst>
+  </p:cSld>
+  <p:clrMapOvr>
+    <a:masterClrMapping/>
+  </p:clrMapOvr>
+</p:sld>
+</file>
+
+<file path=ppt/slides/slide23.xml><?xml version="1.0" encoding="utf-8"?>
+<p:sld xmlns:a="http://schemas.openxmlformats.org/drawingml/2006/main" xmlns:r="http://schemas.openxmlformats.org/officeDocument/2006/relationships" xmlns:p="http://schemas.openxmlformats.org/presentationml/2006/main">
+  <p:cSld>
+    <p:spTree>
+      <p:nvGrpSpPr>
+        <p:cNvPr id="1" name=""/>
+        <p:cNvGrpSpPr/>
+        <p:nvPr/>
+      </p:nvGrpSpPr>
+      <p:grpSpPr>
+        <a:xfrm>
+          <a:off x="0" y="0"/>
+          <a:ext cx="0" cy="0"/>
+          <a:chOff x="0" y="0"/>
+          <a:chExt cx="0" cy="0"/>
+        </a:xfrm>
+      </p:grpSpPr>
+      <p:sp>
+        <p:nvSpPr>
+          <p:cNvPr id="2" name="כותרת 1">
+            <a:extLst>
+              <a:ext uri="{FF2B5EF4-FFF2-40B4-BE49-F238E27FC236}">
+                <a16:creationId xmlns:a16="http://schemas.microsoft.com/office/drawing/2014/main" id="{9F1A33F7-CE73-E53D-DDC4-30799EE85EFD}"/>
+              </a:ext>
+            </a:extLst>
+          </p:cNvPr>
+          <p:cNvSpPr>
+            <a:spLocks noGrp="1"/>
+          </p:cNvSpPr>
+          <p:nvPr>
+            <p:ph type="title"/>
+          </p:nvPr>
+        </p:nvSpPr>
+        <p:spPr/>
+        <p:txBody>
+          <a:bodyPr/>
+          <a:lstStyle/>
+          <a:p>
+            <a:r>
+              <a:rPr lang="he-IL" dirty="0"/>
+              <a:t>שלב הפעולה</a:t>
+            </a:r>
+          </a:p>
+        </p:txBody>
+      </p:sp>
+      <p:sp>
+        <p:nvSpPr>
+          <p:cNvPr id="3" name="מציין מיקום תוכן 2">
+            <a:extLst>
+              <a:ext uri="{FF2B5EF4-FFF2-40B4-BE49-F238E27FC236}">
+                <a16:creationId xmlns:a16="http://schemas.microsoft.com/office/drawing/2014/main" id="{AFC09AB6-F985-D459-121D-B34D7B381D7A}"/>
+              </a:ext>
+            </a:extLst>
+          </p:cNvPr>
+          <p:cNvSpPr>
+            <a:spLocks noGrp="1"/>
+          </p:cNvSpPr>
+          <p:nvPr>
+            <p:ph idx="1"/>
+          </p:nvPr>
+        </p:nvSpPr>
+        <p:spPr>
+          <a:xfrm flipH="1">
+            <a:off x="380009" y="2142067"/>
+            <a:ext cx="11126189" cy="3649133"/>
+          </a:xfrm>
+        </p:spPr>
+        <p:txBody>
+          <a:bodyPr anchor="t"/>
+          <a:lstStyle/>
+          <a:p>
+            <a:r>
+              <a:rPr lang="he-IL" dirty="0"/>
+              <a:t>פילטר </a:t>
+            </a:r>
+            <a:r>
+              <a:rPr lang="he-IL" dirty="0" err="1"/>
+              <a:t>הרפרנס</a:t>
+            </a:r>
+            <a:r>
+              <a:rPr lang="he-IL" dirty="0"/>
+              <a:t> אינו זמין בשלב זה</a:t>
+            </a:r>
+          </a:p>
+          <a:p>
+            <a:r>
+              <a:rPr lang="he-IL" dirty="0"/>
+              <a:t>לכל פילטר לוקלי הוצמד משקל המתאים לביצועיו בשלב הכיול</a:t>
+            </a:r>
+          </a:p>
+          <a:p>
+            <a:r>
+              <a:rPr lang="he-IL" dirty="0"/>
+              <a:t>כל פילטר לוקלי מקודם ומעודכן ע"פ החיישן השייך לו</a:t>
+            </a:r>
+          </a:p>
+          <a:p>
+            <a:r>
+              <a:rPr lang="he-IL" dirty="0" err="1"/>
+              <a:t>באיטרציית</a:t>
+            </a:r>
+            <a:r>
+              <a:rPr lang="he-IL" dirty="0"/>
+              <a:t> ההתכה, הפילטרים מותכים ע"פ המשקלים</a:t>
+            </a:r>
+          </a:p>
+          <a:p>
+            <a:endParaRPr lang="he-IL" dirty="0"/>
+          </a:p>
+          <a:p>
+            <a:endParaRPr lang="he-IL" dirty="0"/>
+          </a:p>
+          <a:p>
+            <a:endParaRPr lang="he-IL" dirty="0"/>
+          </a:p>
+        </p:txBody>
+      </p:sp>
+    </p:spTree>
+    <p:extLst>
+      <p:ext uri="{BB962C8B-B14F-4D97-AF65-F5344CB8AC3E}">
+        <p14:creationId xmlns:p14="http://schemas.microsoft.com/office/powerpoint/2010/main" val="1958389208"/>
+      </p:ext>
+    </p:extLst>
+  </p:cSld>
+  <p:clrMapOvr>
+    <a:masterClrMapping/>
+  </p:clrMapOvr>
+</p:sld>
+</file>
+
+<file path=ppt/slides/slide24.xml><?xml version="1.0" encoding="utf-8"?>
+<p:sld xmlns:a="http://schemas.openxmlformats.org/drawingml/2006/main" xmlns:r="http://schemas.openxmlformats.org/officeDocument/2006/relationships" xmlns:p="http://schemas.openxmlformats.org/presentationml/2006/main">
+  <p:cSld>
+    <p:spTree>
+      <p:nvGrpSpPr>
+        <p:cNvPr id="1" name=""/>
+        <p:cNvGrpSpPr/>
+        <p:nvPr/>
+      </p:nvGrpSpPr>
+      <p:grpSpPr>
+        <a:xfrm>
+          <a:off x="0" y="0"/>
+          <a:ext cx="0" cy="0"/>
+          <a:chOff x="0" y="0"/>
+          <a:chExt cx="0" cy="0"/>
+        </a:xfrm>
+      </p:grpSpPr>
+      <p:sp>
+        <p:nvSpPr>
+          <p:cNvPr id="2" name="כותרת 1">
+            <a:extLst>
+              <a:ext uri="{FF2B5EF4-FFF2-40B4-BE49-F238E27FC236}">
+                <a16:creationId xmlns:a16="http://schemas.microsoft.com/office/drawing/2014/main" id="{F0EC9741-1F97-CB30-5D86-808CE465FF6F}"/>
+              </a:ext>
+            </a:extLst>
+          </p:cNvPr>
+          <p:cNvSpPr>
+            <a:spLocks noGrp="1"/>
+          </p:cNvSpPr>
+          <p:nvPr>
+            <p:ph type="title"/>
+          </p:nvPr>
+        </p:nvSpPr>
+        <p:spPr/>
+        <p:txBody>
+          <a:bodyPr/>
+          <a:lstStyle/>
+          <a:p>
+            <a:r>
+              <a:rPr lang="he-IL" dirty="0"/>
+              <a:t>התכת הפילטרים</a:t>
+            </a:r>
+          </a:p>
+        </p:txBody>
+      </p:sp>
+      <mc:AlternateContent xmlns:mc="http://schemas.openxmlformats.org/markup-compatibility/2006">
+        <mc:Choice xmlns:a14="http://schemas.microsoft.com/office/drawing/2010/main" Requires="a14">
+          <p:sp>
+            <p:nvSpPr>
+              <p:cNvPr id="3" name="מציין מיקום תוכן 2">
+                <a:extLst>
+                  <a:ext uri="{FF2B5EF4-FFF2-40B4-BE49-F238E27FC236}">
+                    <a16:creationId xmlns:a16="http://schemas.microsoft.com/office/drawing/2014/main" id="{E919699B-1FA2-122A-2725-9D5BDBD93119}"/>
+                  </a:ext>
+                </a:extLst>
+              </p:cNvPr>
+              <p:cNvSpPr>
+                <a:spLocks noGrp="1"/>
+              </p:cNvSpPr>
+              <p:nvPr>
+                <p:ph idx="1"/>
+              </p:nvPr>
+            </p:nvSpPr>
+            <p:spPr>
+              <a:xfrm flipH="1">
+                <a:off x="807521" y="2142067"/>
+                <a:ext cx="10698677" cy="3649133"/>
+              </a:xfrm>
+            </p:spPr>
+            <p:txBody>
+              <a:bodyPr anchor="t"/>
+              <a:lstStyle/>
+              <a:p>
+                <a:r>
+                  <a:rPr lang="he-IL" dirty="0"/>
+                  <a:t>בשני השלבים, ההתכה מבוצעת במוד אינפורמציה </a:t>
+                </a:r>
+                <a14:m>
+                  <m:oMath xmlns:m="http://schemas.openxmlformats.org/officeDocument/2006/math">
+                    <m:sSub>
+                      <m:sSubPr>
+                        <m:ctrlPr>
+                          <a:rPr lang="en-US" b="0" i="1" smtClean="0">
+                            <a:latin typeface="Cambria Math" panose="02040503050406030204" pitchFamily="18" charset="0"/>
+                          </a:rPr>
+                        </m:ctrlPr>
+                      </m:sSubPr>
+                      <m:e>
+                        <m:r>
+                          <a:rPr lang="en-US" b="0" i="1" smtClean="0">
+                            <a:latin typeface="Cambria Math" panose="02040503050406030204" pitchFamily="18" charset="0"/>
+                          </a:rPr>
+                          <m:t>𝑌</m:t>
+                        </m:r>
+                      </m:e>
+                      <m:sub>
+                        <m:r>
+                          <a:rPr lang="en-US" b="0" i="1" smtClean="0">
+                            <a:latin typeface="Cambria Math" panose="02040503050406030204" pitchFamily="18" charset="0"/>
+                          </a:rPr>
+                          <m:t>𝑖</m:t>
+                        </m:r>
+                        <m:r>
+                          <a:rPr lang="en-US" b="0" i="1" smtClean="0">
+                            <a:latin typeface="Cambria Math" panose="02040503050406030204" pitchFamily="18" charset="0"/>
+                          </a:rPr>
+                          <m:t>,</m:t>
+                        </m:r>
+                        <m:r>
+                          <a:rPr lang="en-US" b="0" i="1" smtClean="0">
+                            <a:latin typeface="Cambria Math" panose="02040503050406030204" pitchFamily="18" charset="0"/>
+                          </a:rPr>
+                          <m:t>𝑘</m:t>
+                        </m:r>
+                      </m:sub>
+                    </m:sSub>
+                    <m:r>
+                      <a:rPr lang="en-US" b="0" i="1" smtClean="0">
+                        <a:latin typeface="Cambria Math" panose="02040503050406030204" pitchFamily="18" charset="0"/>
+                      </a:rPr>
+                      <m:t>=</m:t>
+                    </m:r>
+                    <m:sSup>
+                      <m:sSupPr>
+                        <m:ctrlPr>
+                          <a:rPr lang="en-US" b="0" i="1" smtClean="0">
+                            <a:latin typeface="Cambria Math" panose="02040503050406030204" pitchFamily="18" charset="0"/>
+                          </a:rPr>
+                        </m:ctrlPr>
+                      </m:sSupPr>
+                      <m:e>
+                        <m:d>
+                          <m:dPr>
+                            <m:ctrlPr>
+                              <a:rPr lang="en-US" b="0" i="1" smtClean="0">
+                                <a:latin typeface="Cambria Math" panose="02040503050406030204" pitchFamily="18" charset="0"/>
+                              </a:rPr>
+                            </m:ctrlPr>
+                          </m:dPr>
+                          <m:e>
+                            <m:sSub>
+                              <m:sSubPr>
+                                <m:ctrlPr>
+                                  <a:rPr lang="en-US" b="0" i="1" smtClean="0">
+                                    <a:latin typeface="Cambria Math" panose="02040503050406030204" pitchFamily="18" charset="0"/>
+                                  </a:rPr>
+                                </m:ctrlPr>
+                              </m:sSubPr>
+                              <m:e>
+                                <m:r>
+                                  <a:rPr lang="en-US" b="0" i="1" smtClean="0">
+                                    <a:latin typeface="Cambria Math" panose="02040503050406030204" pitchFamily="18" charset="0"/>
+                                  </a:rPr>
+                                  <m:t>𝑃</m:t>
+                                </m:r>
+                              </m:e>
+                              <m:sub>
+                                <m:r>
+                                  <a:rPr lang="en-US" b="0" i="1" smtClean="0">
+                                    <a:latin typeface="Cambria Math" panose="02040503050406030204" pitchFamily="18" charset="0"/>
+                                  </a:rPr>
+                                  <m:t>𝑖</m:t>
+                                </m:r>
+                                <m:r>
+                                  <a:rPr lang="en-US" b="0" i="1" smtClean="0">
+                                    <a:latin typeface="Cambria Math" panose="02040503050406030204" pitchFamily="18" charset="0"/>
+                                  </a:rPr>
+                                  <m:t>,</m:t>
+                                </m:r>
+                                <m:r>
+                                  <a:rPr lang="en-US" b="0" i="1" smtClean="0">
+                                    <a:latin typeface="Cambria Math" panose="02040503050406030204" pitchFamily="18" charset="0"/>
+                                  </a:rPr>
+                                  <m:t>𝑘</m:t>
+                                </m:r>
+                              </m:sub>
+                            </m:sSub>
+                          </m:e>
+                        </m:d>
+                      </m:e>
+                      <m:sup>
+                        <m:r>
+                          <a:rPr lang="en-US" b="0" i="1" smtClean="0">
+                            <a:latin typeface="Cambria Math" panose="02040503050406030204" pitchFamily="18" charset="0"/>
+                          </a:rPr>
+                          <m:t>−</m:t>
+                        </m:r>
+                        <m:r>
+                          <a:rPr lang="en-US" b="0" i="1" smtClean="0">
+                            <a:latin typeface="Cambria Math" panose="02040503050406030204" pitchFamily="18" charset="0"/>
+                          </a:rPr>
+                          <m:t>1</m:t>
+                        </m:r>
+                      </m:sup>
+                    </m:sSup>
+                  </m:oMath>
+                </a14:m>
+                <a:r>
+                  <a:rPr lang="en-US" dirty="0"/>
+                  <a:t> </a:t>
+                </a:r>
+                <a14:m>
+                  <m:oMath xmlns:m="http://schemas.openxmlformats.org/officeDocument/2006/math">
+                    <m:sSub>
+                      <m:sSubPr>
+                        <m:ctrlPr>
+                          <a:rPr lang="en-US" b="0" i="1" dirty="0" smtClean="0">
+                            <a:latin typeface="Cambria Math" panose="02040503050406030204" pitchFamily="18" charset="0"/>
+                          </a:rPr>
+                        </m:ctrlPr>
+                      </m:sSubPr>
+                      <m:e>
+                        <m:r>
+                          <a:rPr lang="en-US" b="0" i="1" dirty="0" smtClean="0">
+                            <a:latin typeface="Cambria Math" panose="02040503050406030204" pitchFamily="18" charset="0"/>
+                          </a:rPr>
+                          <m:t>𝑦</m:t>
+                        </m:r>
+                      </m:e>
+                      <m:sub>
+                        <m:r>
+                          <a:rPr lang="en-US" b="0" i="1" dirty="0" smtClean="0">
+                            <a:latin typeface="Cambria Math" panose="02040503050406030204" pitchFamily="18" charset="0"/>
+                          </a:rPr>
+                          <m:t>𝑖</m:t>
+                        </m:r>
+                        <m:r>
+                          <a:rPr lang="en-US" b="0" i="1" dirty="0" smtClean="0">
+                            <a:latin typeface="Cambria Math" panose="02040503050406030204" pitchFamily="18" charset="0"/>
+                          </a:rPr>
+                          <m:t>,</m:t>
+                        </m:r>
+                        <m:r>
+                          <a:rPr lang="en-US" b="0" i="1" dirty="0" smtClean="0">
+                            <a:latin typeface="Cambria Math" panose="02040503050406030204" pitchFamily="18" charset="0"/>
+                          </a:rPr>
+                          <m:t>𝑘</m:t>
+                        </m:r>
+                      </m:sub>
+                    </m:sSub>
+                    <m:r>
+                      <a:rPr lang="en-US" b="0" i="1" dirty="0" smtClean="0">
+                        <a:latin typeface="Cambria Math" panose="02040503050406030204" pitchFamily="18" charset="0"/>
+                      </a:rPr>
+                      <m:t>=</m:t>
+                    </m:r>
+                    <m:sSup>
+                      <m:sSupPr>
+                        <m:ctrlPr>
+                          <a:rPr lang="en-US" b="0" i="1" dirty="0" smtClean="0">
+                            <a:latin typeface="Cambria Math" panose="02040503050406030204" pitchFamily="18" charset="0"/>
+                          </a:rPr>
+                        </m:ctrlPr>
+                      </m:sSupPr>
+                      <m:e>
+                        <m:d>
+                          <m:dPr>
+                            <m:ctrlPr>
+                              <a:rPr lang="en-US" b="0" i="1" dirty="0" smtClean="0">
+                                <a:latin typeface="Cambria Math" panose="02040503050406030204" pitchFamily="18" charset="0"/>
+                              </a:rPr>
+                            </m:ctrlPr>
+                          </m:dPr>
+                          <m:e>
+                            <m:sSub>
+                              <m:sSubPr>
+                                <m:ctrlPr>
+                                  <a:rPr lang="en-US" b="0" i="1" dirty="0" smtClean="0">
+                                    <a:latin typeface="Cambria Math" panose="02040503050406030204" pitchFamily="18" charset="0"/>
+                                  </a:rPr>
+                                </m:ctrlPr>
+                              </m:sSubPr>
+                              <m:e>
+                                <m:r>
+                                  <a:rPr lang="en-US" b="0" i="1" dirty="0" smtClean="0">
+                                    <a:latin typeface="Cambria Math" panose="02040503050406030204" pitchFamily="18" charset="0"/>
+                                  </a:rPr>
+                                  <m:t>𝑃</m:t>
+                                </m:r>
+                              </m:e>
+                              <m:sub>
+                                <m:r>
+                                  <a:rPr lang="en-US" b="0" i="1" dirty="0" smtClean="0">
+                                    <a:latin typeface="Cambria Math" panose="02040503050406030204" pitchFamily="18" charset="0"/>
+                                  </a:rPr>
+                                  <m:t>𝑖</m:t>
+                                </m:r>
+                                <m:r>
+                                  <a:rPr lang="en-US" b="0" i="1" dirty="0" smtClean="0">
+                                    <a:latin typeface="Cambria Math" panose="02040503050406030204" pitchFamily="18" charset="0"/>
+                                  </a:rPr>
+                                  <m:t>,</m:t>
+                                </m:r>
+                                <m:r>
+                                  <a:rPr lang="en-US" b="0" i="1" dirty="0" smtClean="0">
+                                    <a:latin typeface="Cambria Math" panose="02040503050406030204" pitchFamily="18" charset="0"/>
+                                  </a:rPr>
+                                  <m:t>𝑘</m:t>
+                                </m:r>
+                              </m:sub>
+                            </m:sSub>
+                          </m:e>
+                        </m:d>
+                      </m:e>
+                      <m:sup>
+                        <m:r>
+                          <a:rPr lang="en-US" b="0" i="1" dirty="0" smtClean="0">
+                            <a:latin typeface="Cambria Math" panose="02040503050406030204" pitchFamily="18" charset="0"/>
+                          </a:rPr>
+                          <m:t>−</m:t>
+                        </m:r>
+                        <m:r>
+                          <a:rPr lang="en-US" b="0" i="1" dirty="0" smtClean="0">
+                            <a:latin typeface="Cambria Math" panose="02040503050406030204" pitchFamily="18" charset="0"/>
+                          </a:rPr>
+                          <m:t>1</m:t>
+                        </m:r>
+                      </m:sup>
+                    </m:sSup>
+                    <m:sSub>
+                      <m:sSubPr>
+                        <m:ctrlPr>
+                          <a:rPr lang="he-IL" b="0" i="1" dirty="0" smtClean="0">
+                            <a:latin typeface="Cambria Math" panose="02040503050406030204" pitchFamily="18" charset="0"/>
+                          </a:rPr>
+                        </m:ctrlPr>
+                      </m:sSubPr>
+                      <m:e>
+                        <m:acc>
+                          <m:accPr>
+                            <m:chr m:val="̂"/>
+                            <m:ctrlPr>
+                              <a:rPr lang="en-US" b="0" i="1" dirty="0" smtClean="0">
+                                <a:latin typeface="Cambria Math" panose="02040503050406030204" pitchFamily="18" charset="0"/>
+                              </a:rPr>
+                            </m:ctrlPr>
+                          </m:accPr>
+                          <m:e>
+                            <m:r>
+                              <a:rPr lang="en-US" b="0" i="1" dirty="0" smtClean="0">
+                                <a:latin typeface="Cambria Math" panose="02040503050406030204" pitchFamily="18" charset="0"/>
+                              </a:rPr>
+                              <m:t>𝑥</m:t>
+                            </m:r>
+                          </m:e>
+                        </m:acc>
+                      </m:e>
+                      <m:sub>
+                        <m:r>
+                          <a:rPr lang="en-US" b="0" i="1" dirty="0" smtClean="0">
+                            <a:latin typeface="Cambria Math" panose="02040503050406030204" pitchFamily="18" charset="0"/>
+                          </a:rPr>
+                          <m:t>𝑖</m:t>
+                        </m:r>
+                        <m:r>
+                          <a:rPr lang="en-US" b="0" i="1" dirty="0" smtClean="0">
+                            <a:latin typeface="Cambria Math" panose="02040503050406030204" pitchFamily="18" charset="0"/>
+                          </a:rPr>
+                          <m:t>,</m:t>
+                        </m:r>
+                        <m:r>
+                          <a:rPr lang="en-US" b="0" i="1" dirty="0" smtClean="0">
+                            <a:latin typeface="Cambria Math" panose="02040503050406030204" pitchFamily="18" charset="0"/>
+                          </a:rPr>
+                          <m:t>𝑘</m:t>
+                        </m:r>
+                      </m:sub>
+                    </m:sSub>
+                  </m:oMath>
+                </a14:m>
+                <a:endParaRPr lang="he-IL" dirty="0"/>
+              </a:p>
+              <a:p>
+                <a:endParaRPr lang="he-IL" dirty="0"/>
+              </a:p>
+            </p:txBody>
+          </p:sp>
+        </mc:Choice>
+        <mc:Fallback>
+          <p:sp>
+            <p:nvSpPr>
+              <p:cNvPr id="3" name="מציין מיקום תוכן 2">
+                <a:extLst>
+                  <a:ext uri="{FF2B5EF4-FFF2-40B4-BE49-F238E27FC236}">
+                    <a16:creationId xmlns:a16="http://schemas.microsoft.com/office/drawing/2014/main" id="{E919699B-1FA2-122A-2725-9D5BDBD93119}"/>
+                  </a:ext>
+                </a:extLst>
+              </p:cNvPr>
+              <p:cNvSpPr>
+                <a:spLocks noGrp="1" noRot="1" noChangeAspect="1" noMove="1" noResize="1" noEditPoints="1" noAdjustHandles="1" noChangeArrowheads="1" noChangeShapeType="1" noTextEdit="1"/>
+              </p:cNvSpPr>
+              <p:nvPr>
+                <p:ph idx="1"/>
+              </p:nvPr>
+            </p:nvSpPr>
+            <p:spPr>
+              <a:xfrm flipH="1">
+                <a:off x="807521" y="2142067"/>
+                <a:ext cx="10698677" cy="3649133"/>
+              </a:xfrm>
+              <a:blipFill>
+                <a:blip r:embed="rId2"/>
+                <a:stretch>
+                  <a:fillRect r="-456"/>
+                </a:stretch>
+              </a:blipFill>
+            </p:spPr>
+            <p:txBody>
+              <a:bodyPr/>
+              <a:lstStyle/>
+              <a:p>
+                <a:r>
+                  <a:rPr lang="he-IL">
+                    <a:noFill/>
+                  </a:rPr>
+                  <a:t> </a:t>
+                </a:r>
+              </a:p>
+            </p:txBody>
+          </p:sp>
+        </mc:Fallback>
+      </mc:AlternateContent>
+    </p:spTree>
+    <p:extLst>
+      <p:ext uri="{BB962C8B-B14F-4D97-AF65-F5344CB8AC3E}">
+        <p14:creationId xmlns:p14="http://schemas.microsoft.com/office/powerpoint/2010/main" val="2931897129"/>
+      </p:ext>
+    </p:extLst>
+  </p:cSld>
+  <p:clrMapOvr>
+    <a:masterClrMapping/>
+  </p:clrMapOvr>
+</p:sld>
+</file>
+
+<file path=ppt/slides/slide25.xml><?xml version="1.0" encoding="utf-8"?>
+<p:sld xmlns:a="http://schemas.openxmlformats.org/drawingml/2006/main" xmlns:r="http://schemas.openxmlformats.org/officeDocument/2006/relationships" xmlns:p="http://schemas.openxmlformats.org/presentationml/2006/main">
+  <p:cSld>
+    <p:spTree>
+      <p:nvGrpSpPr>
+        <p:cNvPr id="1" name=""/>
+        <p:cNvGrpSpPr/>
+        <p:nvPr/>
+      </p:nvGrpSpPr>
+      <p:grpSpPr>
+        <a:xfrm>
+          <a:off x="0" y="0"/>
+          <a:ext cx="0" cy="0"/>
+          <a:chOff x="0" y="0"/>
+          <a:chExt cx="0" cy="0"/>
+        </a:xfrm>
+      </p:grpSpPr>
+      <p:sp>
+        <p:nvSpPr>
+          <p:cNvPr id="2" name="כותרת 1">
+            <a:extLst>
+              <a:ext uri="{FF2B5EF4-FFF2-40B4-BE49-F238E27FC236}">
+                <a16:creationId xmlns:a16="http://schemas.microsoft.com/office/drawing/2014/main" id="{85C1662D-7376-D2BF-6010-D67FD4ADC613}"/>
+              </a:ext>
+            </a:extLst>
+          </p:cNvPr>
+          <p:cNvSpPr>
+            <a:spLocks noGrp="1"/>
+          </p:cNvSpPr>
+          <p:nvPr>
+            <p:ph type="title"/>
+          </p:nvPr>
+        </p:nvSpPr>
+        <p:spPr/>
+        <p:txBody>
+          <a:bodyPr/>
+          <a:lstStyle/>
+          <a:p>
+            <a:r>
+              <a:rPr lang="he-IL" dirty="0"/>
+              <a:t>ביצועים</a:t>
+            </a:r>
+          </a:p>
+        </p:txBody>
+      </p:sp>
+      <p:sp>
+        <p:nvSpPr>
+          <p:cNvPr id="3" name="מציין מיקום תוכן 2">
+            <a:extLst>
+              <a:ext uri="{FF2B5EF4-FFF2-40B4-BE49-F238E27FC236}">
+                <a16:creationId xmlns:a16="http://schemas.microsoft.com/office/drawing/2014/main" id="{86D7FCE2-C709-EC4A-5B91-F209412C2D78}"/>
+              </a:ext>
+            </a:extLst>
+          </p:cNvPr>
+          <p:cNvSpPr>
+            <a:spLocks noGrp="1"/>
+          </p:cNvSpPr>
+          <p:nvPr>
+            <p:ph idx="1"/>
+          </p:nvPr>
+        </p:nvSpPr>
+        <p:spPr/>
+        <p:txBody>
+          <a:bodyPr anchor="t"/>
+          <a:lstStyle/>
+          <a:p>
+            <a:r>
+              <a:rPr lang="he-IL" dirty="0"/>
+              <a:t>לצורך בדיקת ביצועים ראשונית, נבחרה ריצה של 600 שניות, כאשר 100 השניות הראשונות היו שלב הכיול</a:t>
+            </a:r>
+          </a:p>
+          <a:p>
+            <a:r>
+              <a:rPr lang="he-IL" dirty="0"/>
+              <a:t>כל פילטר לוקלי (כולל פילטר </a:t>
+            </a:r>
+            <a:r>
+              <a:rPr lang="he-IL" dirty="0" err="1"/>
+              <a:t>הרפרנס</a:t>
+            </a:r>
+            <a:r>
+              <a:rPr lang="he-IL" dirty="0"/>
+              <a:t>) התעדכן בכל </a:t>
+            </a:r>
+            <a:r>
+              <a:rPr lang="he-IL" dirty="0" err="1"/>
+              <a:t>איטרציה</a:t>
+            </a:r>
+            <a:r>
+              <a:rPr lang="he-IL" dirty="0"/>
+              <a:t>, וההתכה בוצעה כל 10 </a:t>
+            </a:r>
+            <a:r>
+              <a:rPr lang="he-IL" dirty="0" err="1"/>
+              <a:t>איטרציות</a:t>
+            </a:r>
+            <a:endParaRPr lang="he-IL" dirty="0"/>
+          </a:p>
+        </p:txBody>
+      </p:sp>
+      <p:pic>
+        <p:nvPicPr>
+          <p:cNvPr id="5" name="תמונה 4">
+            <a:extLst>
+              <a:ext uri="{FF2B5EF4-FFF2-40B4-BE49-F238E27FC236}">
+                <a16:creationId xmlns:a16="http://schemas.microsoft.com/office/drawing/2014/main" id="{A7D086E7-18EF-5034-87EB-31437B9DD035}"/>
+              </a:ext>
+            </a:extLst>
+          </p:cNvPr>
+          <p:cNvPicPr>
+            <a:picLocks noChangeAspect="1"/>
+          </p:cNvPicPr>
+          <p:nvPr/>
+        </p:nvPicPr>
+        <p:blipFill>
+          <a:blip r:embed="rId2"/>
+          <a:stretch>
+            <a:fillRect/>
+          </a:stretch>
+        </p:blipFill>
+        <p:spPr>
+          <a:xfrm>
+            <a:off x="3198420" y="3014855"/>
+            <a:ext cx="5795160" cy="3498760"/>
+          </a:xfrm>
+          <a:prstGeom prst="rect">
+            <a:avLst/>
+          </a:prstGeom>
+        </p:spPr>
+      </p:pic>
+    </p:spTree>
+    <p:extLst>
+      <p:ext uri="{BB962C8B-B14F-4D97-AF65-F5344CB8AC3E}">
+        <p14:creationId xmlns:p14="http://schemas.microsoft.com/office/powerpoint/2010/main" val="2305190681"/>
+      </p:ext>
+    </p:extLst>
+  </p:cSld>
+  <p:clrMapOvr>
+    <a:masterClrMapping/>
+  </p:clrMapOvr>
+</p:sld>
+</file>
+
+<file path=ppt/slides/slide26.xml><?xml version="1.0" encoding="utf-8"?>
+<p:sld xmlns:a="http://schemas.openxmlformats.org/drawingml/2006/main" xmlns:r="http://schemas.openxmlformats.org/officeDocument/2006/relationships" xmlns:p="http://schemas.openxmlformats.org/presentationml/2006/main">
+  <p:cSld>
+    <p:spTree>
+      <p:nvGrpSpPr>
+        <p:cNvPr id="1" name=""/>
+        <p:cNvGrpSpPr/>
+        <p:nvPr/>
+      </p:nvGrpSpPr>
+      <p:grpSpPr>
+        <a:xfrm>
+          <a:off x="0" y="0"/>
+          <a:ext cx="0" cy="0"/>
+          <a:chOff x="0" y="0"/>
+          <a:chExt cx="0" cy="0"/>
+        </a:xfrm>
+      </p:grpSpPr>
+      <p:sp>
+        <p:nvSpPr>
+          <p:cNvPr id="2" name="כותרת 1">
+            <a:extLst>
+              <a:ext uri="{FF2B5EF4-FFF2-40B4-BE49-F238E27FC236}">
+                <a16:creationId xmlns:a16="http://schemas.microsoft.com/office/drawing/2014/main" id="{22CBD7DD-1A1A-3200-E2B3-7F206B85552C}"/>
+              </a:ext>
+            </a:extLst>
+          </p:cNvPr>
+          <p:cNvSpPr>
+            <a:spLocks noGrp="1"/>
+          </p:cNvSpPr>
+          <p:nvPr>
+            <p:ph type="title"/>
+          </p:nvPr>
+        </p:nvSpPr>
+        <p:spPr/>
+        <p:txBody>
+          <a:bodyPr/>
+          <a:lstStyle/>
+          <a:p>
+            <a:r>
+              <a:rPr lang="he-IL" dirty="0"/>
+              <a:t>ביצועים</a:t>
+            </a:r>
+          </a:p>
+        </p:txBody>
+      </p:sp>
+      <p:pic>
+        <p:nvPicPr>
+          <p:cNvPr id="5" name="מציין מיקום תוכן 4">
+            <a:extLst>
+              <a:ext uri="{FF2B5EF4-FFF2-40B4-BE49-F238E27FC236}">
+                <a16:creationId xmlns:a16="http://schemas.microsoft.com/office/drawing/2014/main" id="{BD9734D6-7DD2-04AB-3617-47F3E90898EC}"/>
+              </a:ext>
+            </a:extLst>
+          </p:cNvPr>
+          <p:cNvPicPr>
+            <a:picLocks noGrp="1" noChangeAspect="1"/>
+          </p:cNvPicPr>
+          <p:nvPr>
+            <p:ph idx="1"/>
+          </p:nvPr>
+        </p:nvPicPr>
+        <p:blipFill>
+          <a:blip r:embed="rId2"/>
+          <a:stretch>
+            <a:fillRect/>
+          </a:stretch>
+        </p:blipFill>
+        <p:spPr>
+          <a:xfrm>
+            <a:off x="494356" y="2349290"/>
+            <a:ext cx="5425797" cy="3260526"/>
+          </a:xfrm>
+          <a:prstGeom prst="rect">
+            <a:avLst/>
+          </a:prstGeom>
+        </p:spPr>
+      </p:pic>
+      <p:pic>
+        <p:nvPicPr>
+          <p:cNvPr id="7" name="תמונה 6">
+            <a:extLst>
+              <a:ext uri="{FF2B5EF4-FFF2-40B4-BE49-F238E27FC236}">
+                <a16:creationId xmlns:a16="http://schemas.microsoft.com/office/drawing/2014/main" id="{6CC38423-59DF-BBDE-E644-4F1EA945449B}"/>
+              </a:ext>
+            </a:extLst>
+          </p:cNvPr>
+          <p:cNvPicPr>
+            <a:picLocks noChangeAspect="1"/>
+          </p:cNvPicPr>
+          <p:nvPr/>
+        </p:nvPicPr>
+        <p:blipFill>
+          <a:blip r:embed="rId3"/>
+          <a:stretch>
+            <a:fillRect/>
+          </a:stretch>
+        </p:blipFill>
+        <p:spPr>
+          <a:xfrm>
+            <a:off x="6096000" y="2349290"/>
+            <a:ext cx="5899064" cy="3260526"/>
+          </a:xfrm>
+          <a:prstGeom prst="rect">
+            <a:avLst/>
+          </a:prstGeom>
+        </p:spPr>
+      </p:pic>
+    </p:spTree>
+    <p:extLst>
+      <p:ext uri="{BB962C8B-B14F-4D97-AF65-F5344CB8AC3E}">
+        <p14:creationId xmlns:p14="http://schemas.microsoft.com/office/powerpoint/2010/main" val="1275767560"/>
+      </p:ext>
+    </p:extLst>
+  </p:cSld>
+  <p:clrMapOvr>
+    <a:masterClrMapping/>
+  </p:clrMapOvr>
+</p:sld>
+</file>
+
+<file path=ppt/slides/slide27.xml><?xml version="1.0" encoding="utf-8"?>
+<p:sld xmlns:a="http://schemas.openxmlformats.org/drawingml/2006/main" xmlns:r="http://schemas.openxmlformats.org/officeDocument/2006/relationships" xmlns:p="http://schemas.openxmlformats.org/presentationml/2006/main">
+  <p:cSld>
+    <p:spTree>
+      <p:nvGrpSpPr>
+        <p:cNvPr id="1" name="">
+          <a:extLst>
+            <a:ext uri="{FF2B5EF4-FFF2-40B4-BE49-F238E27FC236}">
+              <a16:creationId xmlns:a16="http://schemas.microsoft.com/office/drawing/2014/main" id="{014E4EBE-005D-448E-AC47-6120E02991E0}"/>
+            </a:ext>
+          </a:extLst>
+        </p:cNvPr>
+        <p:cNvGrpSpPr/>
+        <p:nvPr/>
+      </p:nvGrpSpPr>
+      <p:grpSpPr>
+        <a:xfrm>
+          <a:off x="0" y="0"/>
+          <a:ext cx="0" cy="0"/>
+          <a:chOff x="0" y="0"/>
+          <a:chExt cx="0" cy="0"/>
+        </a:xfrm>
+      </p:grpSpPr>
+      <p:sp>
+        <p:nvSpPr>
+          <p:cNvPr id="2" name="Title 1">
+            <a:extLst>
+              <a:ext uri="{FF2B5EF4-FFF2-40B4-BE49-F238E27FC236}">
+                <a16:creationId xmlns:a16="http://schemas.microsoft.com/office/drawing/2014/main" id="{AFB44116-5F48-415F-3085-754F3A684D4D}"/>
+              </a:ext>
+            </a:extLst>
+          </p:cNvPr>
+          <p:cNvSpPr>
+            <a:spLocks noGrp="1"/>
+          </p:cNvSpPr>
+          <p:nvPr>
+            <p:ph type="title"/>
+          </p:nvPr>
+        </p:nvSpPr>
+        <p:spPr/>
+        <p:txBody>
+          <a:bodyPr/>
+          <a:lstStyle/>
+          <a:p>
+            <a:r>
+              <a:rPr lang="he-IL" b="1" dirty="0"/>
+              <a:t>תוצאות סימולציית מונטה קרלו</a:t>
+            </a:r>
+          </a:p>
+        </p:txBody>
+      </p:sp>
+      <p:sp>
+        <p:nvSpPr>
+          <p:cNvPr id="4" name="מציין מיקום תוכן 3">
+            <a:extLst>
+              <a:ext uri="{FF2B5EF4-FFF2-40B4-BE49-F238E27FC236}">
+                <a16:creationId xmlns:a16="http://schemas.microsoft.com/office/drawing/2014/main" id="{CDCE1E5A-507C-6B63-7CB0-46D218F7D69F}"/>
+              </a:ext>
+            </a:extLst>
+          </p:cNvPr>
+          <p:cNvSpPr>
+            <a:spLocks noGrp="1"/>
+          </p:cNvSpPr>
+          <p:nvPr>
+            <p:ph idx="1"/>
+          </p:nvPr>
+        </p:nvSpPr>
+        <p:spPr/>
+        <p:txBody>
+          <a:bodyPr/>
+          <a:lstStyle/>
+          <a:p>
+            <a:endParaRPr lang="he-IL"/>
+          </a:p>
+        </p:txBody>
+      </p:sp>
+    </p:spTree>
+    <p:extLst>
+      <p:ext uri="{BB962C8B-B14F-4D97-AF65-F5344CB8AC3E}">
+        <p14:creationId xmlns:p14="http://schemas.microsoft.com/office/powerpoint/2010/main" val="4136154103"/>
       </p:ext>
     </p:extLst>
   </p:cSld>

--- a/Federated Kalman filter.pptx
+++ b/Federated Kalman filter.pptx
@@ -278,7 +278,7 @@
           <a:p>
             <a:fld id="{9FBC8B04-6135-4B93-86DB-9D89BE1381F3}" type="datetimeFigureOut">
               <a:rPr lang="he-IL" smtClean="0"/>
-              <a:t>כ"ז/אלול/תשפ"ה</a:t>
+              <a:t>כ"ט/אלול/תשפ"ה</a:t>
             </a:fld>
             <a:endParaRPr lang="he-IL"/>
           </a:p>
@@ -1151,7 +1151,7 @@
             <a:fld id="{B61BEF0D-F0BB-DE4B-95CE-6DB70DBA9567}" type="datetimeFigureOut">
               <a:rPr lang="en-US" smtClean="0"/>
               <a:pPr/>
-              <a:t>9/20/2025</a:t>
+              <a:t>9/22/2025</a:t>
             </a:fld>
             <a:endParaRPr lang="en-US" dirty="0"/>
           </a:p>
@@ -1499,7 +1499,7 @@
             <a:fld id="{B61BEF0D-F0BB-DE4B-95CE-6DB70DBA9567}" type="datetimeFigureOut">
               <a:rPr lang="en-US" smtClean="0"/>
               <a:pPr/>
-              <a:t>9/20/2025</a:t>
+              <a:t>9/22/2025</a:t>
             </a:fld>
             <a:endParaRPr lang="en-US" dirty="0"/>
           </a:p>
@@ -1801,7 +1801,7 @@
             <a:fld id="{B61BEF0D-F0BB-DE4B-95CE-6DB70DBA9567}" type="datetimeFigureOut">
               <a:rPr lang="en-US" smtClean="0"/>
               <a:pPr/>
-              <a:t>9/20/2025</a:t>
+              <a:t>9/22/2025</a:t>
             </a:fld>
             <a:endParaRPr lang="en-US" dirty="0"/>
           </a:p>
@@ -2393,7 +2393,7 @@
             <a:fld id="{B61BEF0D-F0BB-DE4B-95CE-6DB70DBA9567}" type="datetimeFigureOut">
               <a:rPr lang="en-US" smtClean="0"/>
               <a:pPr/>
-              <a:t>9/20/2025</a:t>
+              <a:t>9/22/2025</a:t>
             </a:fld>
             <a:endParaRPr lang="en-US" dirty="0"/>
           </a:p>
@@ -2695,7 +2695,7 @@
             <a:fld id="{B61BEF0D-F0BB-DE4B-95CE-6DB70DBA9567}" type="datetimeFigureOut">
               <a:rPr lang="en-US" smtClean="0"/>
               <a:pPr/>
-              <a:t>9/20/2025</a:t>
+              <a:t>9/22/2025</a:t>
             </a:fld>
             <a:endParaRPr lang="en-US" dirty="0"/>
           </a:p>
@@ -3281,7 +3281,7 @@
             <a:fld id="{B61BEF0D-F0BB-DE4B-95CE-6DB70DBA9567}" type="datetimeFigureOut">
               <a:rPr lang="en-US" smtClean="0"/>
               <a:pPr/>
-              <a:t>9/20/2025</a:t>
+              <a:t>9/22/2025</a:t>
             </a:fld>
             <a:endParaRPr lang="en-US" dirty="0"/>
           </a:p>
@@ -3632,7 +3632,7 @@
             <a:fld id="{B61BEF0D-F0BB-DE4B-95CE-6DB70DBA9567}" type="datetimeFigureOut">
               <a:rPr lang="en-US" smtClean="0"/>
               <a:pPr/>
-              <a:t>9/20/2025</a:t>
+              <a:t>9/22/2025</a:t>
             </a:fld>
             <a:endParaRPr lang="en-US" dirty="0"/>
           </a:p>
@@ -3854,7 +3854,7 @@
             <a:fld id="{B61BEF0D-F0BB-DE4B-95CE-6DB70DBA9567}" type="datetimeFigureOut">
               <a:rPr lang="en-US" smtClean="0"/>
               <a:pPr/>
-              <a:t>9/20/2025</a:t>
+              <a:t>9/22/2025</a:t>
             </a:fld>
             <a:endParaRPr lang="en-US" dirty="0"/>
           </a:p>
@@ -4140,7 +4140,7 @@
             <a:fld id="{B61BEF0D-F0BB-DE4B-95CE-6DB70DBA9567}" type="datetimeFigureOut">
               <a:rPr lang="en-US" smtClean="0"/>
               <a:pPr/>
-              <a:t>9/20/2025</a:t>
+              <a:t>9/22/2025</a:t>
             </a:fld>
             <a:endParaRPr lang="en-US" dirty="0"/>
           </a:p>
@@ -4394,7 +4394,7 @@
             <a:fld id="{B61BEF0D-F0BB-DE4B-95CE-6DB70DBA9567}" type="datetimeFigureOut">
               <a:rPr lang="en-US" smtClean="0"/>
               <a:pPr/>
-              <a:t>9/20/2025</a:t>
+              <a:t>9/22/2025</a:t>
             </a:fld>
             <a:endParaRPr lang="en-US" dirty="0"/>
           </a:p>
@@ -4694,7 +4694,7 @@
             <a:fld id="{B61BEF0D-F0BB-DE4B-95CE-6DB70DBA9567}" type="datetimeFigureOut">
               <a:rPr lang="en-US" smtClean="0"/>
               <a:pPr/>
-              <a:t>9/20/2025</a:t>
+              <a:t>9/22/2025</a:t>
             </a:fld>
             <a:endParaRPr lang="en-US" dirty="0"/>
           </a:p>
@@ -5025,7 +5025,7 @@
             <a:fld id="{B61BEF0D-F0BB-DE4B-95CE-6DB70DBA9567}" type="datetimeFigureOut">
               <a:rPr lang="en-US" smtClean="0"/>
               <a:pPr/>
-              <a:t>9/20/2025</a:t>
+              <a:t>9/22/2025</a:t>
             </a:fld>
             <a:endParaRPr lang="en-US" dirty="0"/>
           </a:p>
@@ -5460,7 +5460,7 @@
             <a:fld id="{B61BEF0D-F0BB-DE4B-95CE-6DB70DBA9567}" type="datetimeFigureOut">
               <a:rPr lang="en-US" smtClean="0"/>
               <a:pPr/>
-              <a:t>9/20/2025</a:t>
+              <a:t>9/22/2025</a:t>
             </a:fld>
             <a:endParaRPr lang="en-US" dirty="0"/>
           </a:p>
@@ -5641,7 +5641,7 @@
             <a:fld id="{B61BEF0D-F0BB-DE4B-95CE-6DB70DBA9567}" type="datetimeFigureOut">
               <a:rPr lang="en-US" smtClean="0"/>
               <a:pPr/>
-              <a:t>9/20/2025</a:t>
+              <a:t>9/22/2025</a:t>
             </a:fld>
             <a:endParaRPr lang="en-US" dirty="0"/>
           </a:p>
@@ -5790,7 +5790,7 @@
             <a:fld id="{B61BEF0D-F0BB-DE4B-95CE-6DB70DBA9567}" type="datetimeFigureOut">
               <a:rPr lang="en-US" smtClean="0"/>
               <a:pPr/>
-              <a:t>9/20/2025</a:t>
+              <a:t>9/22/2025</a:t>
             </a:fld>
             <a:endParaRPr lang="en-US" dirty="0"/>
           </a:p>
@@ -6115,7 +6115,7 @@
             <a:fld id="{B61BEF0D-F0BB-DE4B-95CE-6DB70DBA9567}" type="datetimeFigureOut">
               <a:rPr lang="en-US" smtClean="0"/>
               <a:pPr/>
-              <a:t>9/20/2025</a:t>
+              <a:t>9/22/2025</a:t>
             </a:fld>
             <a:endParaRPr lang="en-US" dirty="0"/>
           </a:p>
@@ -6463,7 +6463,7 @@
             <a:fld id="{B61BEF0D-F0BB-DE4B-95CE-6DB70DBA9567}" type="datetimeFigureOut">
               <a:rPr lang="en-US" smtClean="0"/>
               <a:pPr/>
-              <a:t>9/20/2025</a:t>
+              <a:t>9/22/2025</a:t>
             </a:fld>
             <a:endParaRPr lang="en-US" dirty="0"/>
           </a:p>
@@ -6692,7 +6692,7 @@
             <a:fld id="{B61BEF0D-F0BB-DE4B-95CE-6DB70DBA9567}" type="datetimeFigureOut">
               <a:rPr lang="en-US" smtClean="0"/>
               <a:pPr/>
-              <a:t>9/20/2025</a:t>
+              <a:t>9/22/2025</a:t>
             </a:fld>
             <a:endParaRPr lang="en-US" dirty="0"/>
           </a:p>
@@ -9553,8 +9553,8 @@
           </a:p>
         </p:txBody>
       </p:sp>
-      <mc:AlternateContent xmlns:mc="http://schemas.openxmlformats.org/markup-compatibility/2006">
-        <mc:Choice xmlns:a14="http://schemas.microsoft.com/office/drawing/2010/main" Requires="a14">
+      <mc:AlternateContent xmlns:mc="http://schemas.openxmlformats.org/markup-compatibility/2006" xmlns:a14="http://schemas.microsoft.com/office/drawing/2010/main">
+        <mc:Choice Requires="a14">
           <p:sp>
             <p:nvSpPr>
               <p:cNvPr id="3" name="Content Placeholder 2">
@@ -10189,7 +10189,7 @@
             </p:txBody>
           </p:sp>
         </mc:Choice>
-        <mc:Fallback>
+        <mc:Fallback xmlns="">
           <p:sp>
             <p:nvSpPr>
               <p:cNvPr id="3" name="Content Placeholder 2">
@@ -10854,8 +10854,8 @@
           </a:p>
         </p:txBody>
       </p:sp>
-      <mc:AlternateContent xmlns:mc="http://schemas.openxmlformats.org/markup-compatibility/2006">
-        <mc:Choice xmlns:a14="http://schemas.microsoft.com/office/drawing/2010/main" Requires="a14">
+      <mc:AlternateContent xmlns:mc="http://schemas.openxmlformats.org/markup-compatibility/2006" xmlns:a14="http://schemas.microsoft.com/office/drawing/2010/main">
+        <mc:Choice Requires="a14">
           <p:sp>
             <p:nvSpPr>
               <p:cNvPr id="3" name="מציין מיקום תוכן 2">
@@ -11225,7 +11225,7 @@
             </p:txBody>
           </p:sp>
         </mc:Choice>
-        <mc:Fallback>
+        <mc:Fallback xmlns="">
           <p:sp>
             <p:nvSpPr>
               <p:cNvPr id="3" name="מציין מיקום תוכן 2">
@@ -11855,7 +11855,23 @@
               <a:p>
                 <a:r>
                   <a:rPr lang="he-IL" dirty="0"/>
-                  <a:t>נחשב את המשקל אשר יינתן לכל פילטר באופן הבא: </a:t>
+                  <a:t>נחשב את המשקל</a:t>
+                </a:r>
+                <a:r>
+                  <a:rPr lang="en-US" dirty="0"/>
+                  <a:t> </a:t>
+                </a:r>
+                <a:r>
+                  <a:rPr lang="he-IL" dirty="0"/>
+                  <a:t>(</a:t>
+                </a:r>
+                <a:r>
+                  <a:rPr lang="en-US" dirty="0"/>
+                  <a:t>ISF = INFORMATION SHARING FACTOR</a:t>
+                </a:r>
+                <a:r>
+                  <a:rPr lang="he-IL" dirty="0"/>
+                  <a:t>) אשר יינתן לכל פילטר באופן הבא: </a:t>
                 </a:r>
                 <a14:m>
                   <m:oMath xmlns:m="http://schemas.openxmlformats.org/officeDocument/2006/math">
@@ -11872,7 +11888,7 @@
                           <a:rPr lang="en-US" b="0" i="1" smtClean="0">
                             <a:latin typeface="Cambria Math" panose="02040503050406030204" pitchFamily="18" charset="0"/>
                           </a:rPr>
-                          <m:t>𝜔</m:t>
+                          <m:t>𝛽</m:t>
                         </m:r>
                       </m:e>
                       <m:sub>
@@ -12067,48 +12083,21 @@
               <a:p>
                 <a:r>
                   <a:rPr lang="he-IL" dirty="0"/>
-                  <a:t>נגדיר פרמטר </a:t>
+                  <a:t>באמצעות משקל זה נבצע התכה גלובלית במוד אינפורמציה</a:t>
                 </a:r>
-                <a14:m>
-                  <m:oMath xmlns:m="http://schemas.openxmlformats.org/officeDocument/2006/math">
-                    <m:sSub>
-                      <m:sSubPr>
-                        <m:ctrlPr>
-                          <a:rPr lang="en-US" i="1">
-                            <a:latin typeface="Cambria Math" panose="02040503050406030204" pitchFamily="18" charset="0"/>
-                          </a:rPr>
-                        </m:ctrlPr>
-                      </m:sSubPr>
-                      <m:e>
-                        <m:r>
-                          <a:rPr lang="en-US" i="1">
-                            <a:latin typeface="Cambria Math" panose="02040503050406030204" pitchFamily="18" charset="0"/>
-                          </a:rPr>
-                          <m:t>𝛽</m:t>
-                        </m:r>
-                      </m:e>
-                      <m:sub>
-                        <m:r>
-                          <a:rPr lang="en-US" i="1">
-                            <a:latin typeface="Cambria Math" panose="02040503050406030204" pitchFamily="18" charset="0"/>
-                          </a:rPr>
-                          <m:t>𝑖</m:t>
-                        </m:r>
-                      </m:sub>
-                    </m:sSub>
-                  </m:oMath>
-                </a14:m>
+              </a:p>
+              <a:p>
                 <a:r>
                   <a:rPr lang="he-IL" dirty="0"/>
-                  <a:t> המתאר את רמת האמינות של כל פילטר: </a:t>
+                  <a:t>הערה – </a:t>
                 </a:r>
                 <a14:m>
                   <m:oMath xmlns:m="http://schemas.openxmlformats.org/officeDocument/2006/math">
                     <m:r>
-                      <a:rPr lang="he-IL" b="0" i="0" smtClean="0">
+                      <a:rPr lang="en-US" b="0" i="1" smtClean="0">
                         <a:latin typeface="Cambria Math" panose="02040503050406030204" pitchFamily="18" charset="0"/>
                       </a:rPr>
-                      <m:t> </m:t>
+                      <m:t>∑</m:t>
                     </m:r>
                     <m:sSub>
                       <m:sSubPr>
@@ -12145,103 +12134,10 @@
                       <a:rPr lang="en-US" b="0" i="1" smtClean="0">
                         <a:latin typeface="Cambria Math" panose="02040503050406030204" pitchFamily="18" charset="0"/>
                       </a:rPr>
-                      <m:t>𝑁</m:t>
-                    </m:r>
-                    <m:r>
-                      <a:rPr lang="en-US" b="0" i="1" smtClean="0">
-                        <a:latin typeface="Cambria Math" panose="02040503050406030204" pitchFamily="18" charset="0"/>
-                      </a:rPr>
-                      <m:t>⋅</m:t>
-                    </m:r>
-                    <m:sSub>
-                      <m:sSubPr>
-                        <m:ctrlPr>
-                          <a:rPr lang="en-US" b="0" i="1" smtClean="0">
-                            <a:latin typeface="Cambria Math" panose="02040503050406030204" pitchFamily="18" charset="0"/>
-                          </a:rPr>
-                        </m:ctrlPr>
-                      </m:sSubPr>
-                      <m:e>
-                        <m:r>
-                          <a:rPr lang="en-US" b="0" i="1" smtClean="0">
-                            <a:latin typeface="Cambria Math" panose="02040503050406030204" pitchFamily="18" charset="0"/>
-                          </a:rPr>
-                          <m:t>𝜔</m:t>
-                        </m:r>
-                      </m:e>
-                      <m:sub>
-                        <m:r>
-                          <a:rPr lang="en-US" b="0" i="1" smtClean="0">
-                            <a:latin typeface="Cambria Math" panose="02040503050406030204" pitchFamily="18" charset="0"/>
-                          </a:rPr>
-                          <m:t>𝑖</m:t>
-                        </m:r>
-                      </m:sub>
-                    </m:sSub>
-                  </m:oMath>
-                </a14:m>
-                <a:r>
-                  <a:rPr lang="en-US" dirty="0"/>
-                  <a:t> </a:t>
-                </a:r>
-                <a:r>
-                  <a:rPr lang="he-IL" dirty="0"/>
-                  <a:t> כך ש- </a:t>
-                </a:r>
-                <a14:m>
-                  <m:oMath xmlns:m="http://schemas.openxmlformats.org/officeDocument/2006/math">
-                    <m:sSub>
-                      <m:sSubPr>
-                        <m:ctrlPr>
-                          <a:rPr lang="en-US" b="0" i="1" smtClean="0">
-                            <a:latin typeface="Cambria Math" panose="02040503050406030204" pitchFamily="18" charset="0"/>
-                          </a:rPr>
-                        </m:ctrlPr>
-                      </m:sSubPr>
-                      <m:e>
-                        <m:r>
-                          <a:rPr lang="en-US" b="0" i="1" smtClean="0">
-                            <a:latin typeface="Cambria Math" panose="02040503050406030204" pitchFamily="18" charset="0"/>
-                          </a:rPr>
-                          <m:t>∑</m:t>
-                        </m:r>
-                        <m:r>
-                          <a:rPr lang="en-US" b="0" i="1" smtClean="0">
-                            <a:latin typeface="Cambria Math" panose="02040503050406030204" pitchFamily="18" charset="0"/>
-                          </a:rPr>
-                          <m:t>𝛽</m:t>
-                        </m:r>
-                      </m:e>
-                      <m:sub>
-                        <m:r>
-                          <a:rPr lang="en-US" b="0" i="1" smtClean="0">
-                            <a:latin typeface="Cambria Math" panose="02040503050406030204" pitchFamily="18" charset="0"/>
-                          </a:rPr>
-                          <m:t>𝑖</m:t>
-                        </m:r>
-                      </m:sub>
-                    </m:sSub>
-                    <m:r>
-                      <a:rPr lang="en-US" b="0" i="1" smtClean="0">
-                        <a:latin typeface="Cambria Math" panose="02040503050406030204" pitchFamily="18" charset="0"/>
-                      </a:rPr>
-                      <m:t>=</m:t>
-                    </m:r>
-                    <m:r>
-                      <a:rPr lang="en-US" b="0" i="1" smtClean="0">
-                        <a:latin typeface="Cambria Math" panose="02040503050406030204" pitchFamily="18" charset="0"/>
-                      </a:rPr>
-                      <m:t>𝑁</m:t>
+                      <m:t>1</m:t>
                     </m:r>
                   </m:oMath>
                 </a14:m>
-                <a:endParaRPr lang="en-US" dirty="0"/>
-              </a:p>
-              <a:p>
-                <a:r>
-                  <a:rPr lang="he-IL" dirty="0"/>
-                  <a:t>באמצעות פרמטר זה נבצע את ההתכה הגלובלית בשלב הפעולה</a:t>
-                </a:r>
                 <a:endParaRPr lang="en-US" dirty="0"/>
               </a:p>
             </p:txBody>
@@ -12281,7 +12177,7 @@
               <a:lstStyle/>
               <a:p>
                 <a:r>
-                  <a:rPr lang="he-IL">
+                  <a:rPr lang="en-US">
                     <a:noFill/>
                   </a:rPr>
                   <a:t> </a:t>
@@ -12407,7 +12303,13 @@
             </a:r>
             <a:r>
               <a:rPr lang="he-IL" dirty="0"/>
-              <a:t> ההתכה, הפילטרים מותכים ע"פ המשקלים</a:t>
+              <a:t> ההתכה, הפילטרים התקינים מותכים ע"פ המשקלים</a:t>
+            </a:r>
+          </a:p>
+          <a:p>
+            <a:r>
+              <a:rPr lang="he-IL" dirty="0"/>
+              <a:t>לאחר ההתכה, האינפורמציה של השערוך הגלובלי משותפת חזרה לפילטרים הלוקליים התקינים</a:t>
             </a:r>
           </a:p>
           <a:p>
@@ -12504,12 +12406,14 @@
               </a:xfrm>
             </p:spPr>
             <p:txBody>
-              <a:bodyPr anchor="t"/>
+              <a:bodyPr anchor="t">
+                <a:normAutofit lnSpcReduction="10000"/>
+              </a:bodyPr>
               <a:lstStyle/>
               <a:p>
                 <a:r>
                   <a:rPr lang="he-IL" dirty="0"/>
-                  <a:t>בשני השלבים, ההתכה מבוצעת במוד אינפורמציה </a:t>
+                  <a:t>בשני השלבים, הפילטר התקינים מותכים במוד אינפורמציה </a:t>
                 </a:r>
                 <a14:m>
                   <m:oMath xmlns:m="http://schemas.openxmlformats.org/officeDocument/2006/math">
@@ -12804,6 +12708,696 @@
                     </m:sSub>
                   </m:oMath>
                 </a14:m>
+                <a:endParaRPr lang="en-US" dirty="0"/>
+              </a:p>
+              <a:p>
+                <a:r>
+                  <a:rPr lang="he-IL" dirty="0"/>
+                  <a:t>משקל מנורמל של הפילטרים התקינים מחושב באופן הבא: </a:t>
+                </a:r>
+                <a14:m>
+                  <m:oMath xmlns:m="http://schemas.openxmlformats.org/officeDocument/2006/math">
+                    <m:sSub>
+                      <m:sSubPr>
+                        <m:ctrlPr>
+                          <a:rPr lang="en-US" b="0" i="1" smtClean="0">
+                            <a:latin typeface="Cambria Math" panose="02040503050406030204" pitchFamily="18" charset="0"/>
+                          </a:rPr>
+                        </m:ctrlPr>
+                      </m:sSubPr>
+                      <m:e>
+                        <m:r>
+                          <a:rPr lang="en-US" b="0" i="1" smtClean="0">
+                            <a:latin typeface="Cambria Math" panose="02040503050406030204" pitchFamily="18" charset="0"/>
+                          </a:rPr>
+                          <m:t>𝜔</m:t>
+                        </m:r>
+                      </m:e>
+                      <m:sub>
+                        <m:r>
+                          <a:rPr lang="en-US" b="0" i="1" smtClean="0">
+                            <a:latin typeface="Cambria Math" panose="02040503050406030204" pitchFamily="18" charset="0"/>
+                          </a:rPr>
+                          <m:t>𝑖</m:t>
+                        </m:r>
+                      </m:sub>
+                    </m:sSub>
+                    <m:r>
+                      <a:rPr lang="en-US" b="0" i="1" smtClean="0">
+                        <a:latin typeface="Cambria Math" panose="02040503050406030204" pitchFamily="18" charset="0"/>
+                      </a:rPr>
+                      <m:t>=</m:t>
+                    </m:r>
+                    <m:f>
+                      <m:fPr>
+                        <m:ctrlPr>
+                          <a:rPr lang="en-US" b="0" i="1" smtClean="0">
+                            <a:latin typeface="Cambria Math" panose="02040503050406030204" pitchFamily="18" charset="0"/>
+                          </a:rPr>
+                        </m:ctrlPr>
+                      </m:fPr>
+                      <m:num>
+                        <m:sSub>
+                          <m:sSubPr>
+                            <m:ctrlPr>
+                              <a:rPr lang="en-US" b="0" i="1" smtClean="0">
+                                <a:latin typeface="Cambria Math" panose="02040503050406030204" pitchFamily="18" charset="0"/>
+                              </a:rPr>
+                            </m:ctrlPr>
+                          </m:sSubPr>
+                          <m:e>
+                            <m:r>
+                              <a:rPr lang="en-US" b="0" i="1" smtClean="0">
+                                <a:latin typeface="Cambria Math" panose="02040503050406030204" pitchFamily="18" charset="0"/>
+                              </a:rPr>
+                              <m:t>𝛽</m:t>
+                            </m:r>
+                          </m:e>
+                          <m:sub>
+                            <m:r>
+                              <a:rPr lang="en-US" b="0" i="1" smtClean="0">
+                                <a:latin typeface="Cambria Math" panose="02040503050406030204" pitchFamily="18" charset="0"/>
+                              </a:rPr>
+                              <m:t>𝑖</m:t>
+                            </m:r>
+                          </m:sub>
+                        </m:sSub>
+                      </m:num>
+                      <m:den>
+                        <m:nary>
+                          <m:naryPr>
+                            <m:chr m:val="∑"/>
+                            <m:supHide m:val="on"/>
+                            <m:ctrlPr>
+                              <a:rPr lang="en-US" b="0" i="1" smtClean="0">
+                                <a:latin typeface="Cambria Math" panose="02040503050406030204" pitchFamily="18" charset="0"/>
+                              </a:rPr>
+                            </m:ctrlPr>
+                          </m:naryPr>
+                          <m:sub>
+                            <m:r>
+                              <a:rPr lang="en-US" b="0" i="1" smtClean="0">
+                                <a:latin typeface="Cambria Math" panose="02040503050406030204" pitchFamily="18" charset="0"/>
+                              </a:rPr>
+                              <m:t>𝑣𝑎𝑙𝑖𝑑</m:t>
+                            </m:r>
+                          </m:sub>
+                          <m:sup/>
+                          <m:e>
+                            <m:sSub>
+                              <m:sSubPr>
+                                <m:ctrlPr>
+                                  <a:rPr lang="en-US" b="0" i="1" smtClean="0">
+                                    <a:latin typeface="Cambria Math" panose="02040503050406030204" pitchFamily="18" charset="0"/>
+                                  </a:rPr>
+                                </m:ctrlPr>
+                              </m:sSubPr>
+                              <m:e>
+                                <m:r>
+                                  <a:rPr lang="en-US" b="0" i="1" smtClean="0">
+                                    <a:latin typeface="Cambria Math" panose="02040503050406030204" pitchFamily="18" charset="0"/>
+                                  </a:rPr>
+                                  <m:t>𝛽</m:t>
+                                </m:r>
+                              </m:e>
+                              <m:sub>
+                                <m:r>
+                                  <a:rPr lang="en-US" b="0" i="1" smtClean="0">
+                                    <a:latin typeface="Cambria Math" panose="02040503050406030204" pitchFamily="18" charset="0"/>
+                                  </a:rPr>
+                                  <m:t>𝑗</m:t>
+                                </m:r>
+                              </m:sub>
+                            </m:sSub>
+                          </m:e>
+                        </m:nary>
+                      </m:den>
+                    </m:f>
+                  </m:oMath>
+                </a14:m>
+                <a:endParaRPr lang="he-IL" dirty="0"/>
+              </a:p>
+              <a:p>
+                <a:r>
+                  <a:rPr lang="he-IL" dirty="0"/>
+                  <a:t>מטריצת האינפורמציה הגלובלית מחושבת כשקלול כל מטריצות האינפורמציה הלוקליות </a:t>
+                </a:r>
+                <a14:m>
+                  <m:oMath xmlns:m="http://schemas.openxmlformats.org/officeDocument/2006/math">
+                    <m:sSub>
+                      <m:sSubPr>
+                        <m:ctrlPr>
+                          <a:rPr lang="en-US" i="1">
+                            <a:latin typeface="Cambria Math" panose="02040503050406030204" pitchFamily="18" charset="0"/>
+                          </a:rPr>
+                        </m:ctrlPr>
+                      </m:sSubPr>
+                      <m:e>
+                        <m:r>
+                          <a:rPr lang="en-US" i="1">
+                            <a:latin typeface="Cambria Math" panose="02040503050406030204" pitchFamily="18" charset="0"/>
+                          </a:rPr>
+                          <m:t>𝑌</m:t>
+                        </m:r>
+                      </m:e>
+                      <m:sub>
+                        <m:r>
+                          <a:rPr lang="en-US" i="1">
+                            <a:latin typeface="Cambria Math" panose="02040503050406030204" pitchFamily="18" charset="0"/>
+                          </a:rPr>
+                          <m:t>𝑔</m:t>
+                        </m:r>
+                        <m:r>
+                          <a:rPr lang="en-US" i="1">
+                            <a:latin typeface="Cambria Math" panose="02040503050406030204" pitchFamily="18" charset="0"/>
+                          </a:rPr>
+                          <m:t>,</m:t>
+                        </m:r>
+                        <m:r>
+                          <a:rPr lang="en-US" i="1">
+                            <a:latin typeface="Cambria Math" panose="02040503050406030204" pitchFamily="18" charset="0"/>
+                          </a:rPr>
+                          <m:t>𝑘</m:t>
+                        </m:r>
+                      </m:sub>
+                    </m:sSub>
+                    <m:r>
+                      <a:rPr lang="en-US" i="1">
+                        <a:latin typeface="Cambria Math" panose="02040503050406030204" pitchFamily="18" charset="0"/>
+                      </a:rPr>
+                      <m:t>=</m:t>
+                    </m:r>
+                    <m:nary>
+                      <m:naryPr>
+                        <m:chr m:val="∑"/>
+                        <m:supHide m:val="on"/>
+                        <m:ctrlPr>
+                          <a:rPr lang="en-US" i="1">
+                            <a:latin typeface="Cambria Math" panose="02040503050406030204" pitchFamily="18" charset="0"/>
+                          </a:rPr>
+                        </m:ctrlPr>
+                      </m:naryPr>
+                      <m:sub>
+                        <m:r>
+                          <a:rPr lang="en-US" i="1">
+                            <a:latin typeface="Cambria Math" panose="02040503050406030204" pitchFamily="18" charset="0"/>
+                          </a:rPr>
+                          <m:t>𝑣𝑎𝑙𝑖𝑑</m:t>
+                        </m:r>
+                      </m:sub>
+                      <m:sup/>
+                      <m:e>
+                        <m:sSub>
+                          <m:sSubPr>
+                            <m:ctrlPr>
+                              <a:rPr lang="en-US" i="1">
+                                <a:latin typeface="Cambria Math" panose="02040503050406030204" pitchFamily="18" charset="0"/>
+                              </a:rPr>
+                            </m:ctrlPr>
+                          </m:sSubPr>
+                          <m:e>
+                            <m:r>
+                              <a:rPr lang="en-US" i="1">
+                                <a:latin typeface="Cambria Math" panose="02040503050406030204" pitchFamily="18" charset="0"/>
+                              </a:rPr>
+                              <m:t>𝜔</m:t>
+                            </m:r>
+                          </m:e>
+                          <m:sub>
+                            <m:r>
+                              <a:rPr lang="en-US" i="1">
+                                <a:latin typeface="Cambria Math" panose="02040503050406030204" pitchFamily="18" charset="0"/>
+                              </a:rPr>
+                              <m:t>𝑖</m:t>
+                            </m:r>
+                          </m:sub>
+                        </m:sSub>
+                        <m:sSub>
+                          <m:sSubPr>
+                            <m:ctrlPr>
+                              <a:rPr lang="en-US" i="1">
+                                <a:latin typeface="Cambria Math" panose="02040503050406030204" pitchFamily="18" charset="0"/>
+                              </a:rPr>
+                            </m:ctrlPr>
+                          </m:sSubPr>
+                          <m:e>
+                            <m:r>
+                              <a:rPr lang="en-US" i="1">
+                                <a:latin typeface="Cambria Math" panose="02040503050406030204" pitchFamily="18" charset="0"/>
+                              </a:rPr>
+                              <m:t>𝑌</m:t>
+                            </m:r>
+                          </m:e>
+                          <m:sub>
+                            <m:r>
+                              <a:rPr lang="en-US" i="1">
+                                <a:latin typeface="Cambria Math" panose="02040503050406030204" pitchFamily="18" charset="0"/>
+                              </a:rPr>
+                              <m:t>𝑖</m:t>
+                            </m:r>
+                            <m:r>
+                              <a:rPr lang="en-US" i="1">
+                                <a:latin typeface="Cambria Math" panose="02040503050406030204" pitchFamily="18" charset="0"/>
+                              </a:rPr>
+                              <m:t>,</m:t>
+                            </m:r>
+                            <m:r>
+                              <a:rPr lang="en-US" i="1">
+                                <a:latin typeface="Cambria Math" panose="02040503050406030204" pitchFamily="18" charset="0"/>
+                              </a:rPr>
+                              <m:t>𝑘</m:t>
+                            </m:r>
+                          </m:sub>
+                        </m:sSub>
+                      </m:e>
+                    </m:nary>
+                  </m:oMath>
+                </a14:m>
+                <a:endParaRPr lang="en-US" dirty="0"/>
+              </a:p>
+              <a:p>
+                <a:r>
+                  <a:rPr lang="he-IL" dirty="0"/>
+                  <a:t>ווקטור האינפורמציה הגלובלי מחושב באותו האופן </a:t>
+                </a:r>
+                <a14:m>
+                  <m:oMath xmlns:m="http://schemas.openxmlformats.org/officeDocument/2006/math">
+                    <m:sSub>
+                      <m:sSubPr>
+                        <m:ctrlPr>
+                          <a:rPr lang="en-US" b="0" i="1" smtClean="0">
+                            <a:latin typeface="Cambria Math" panose="02040503050406030204" pitchFamily="18" charset="0"/>
+                          </a:rPr>
+                        </m:ctrlPr>
+                      </m:sSubPr>
+                      <m:e>
+                        <m:r>
+                          <a:rPr lang="en-US" b="0" i="1" smtClean="0">
+                            <a:latin typeface="Cambria Math" panose="02040503050406030204" pitchFamily="18" charset="0"/>
+                          </a:rPr>
+                          <m:t>𝑦</m:t>
+                        </m:r>
+                      </m:e>
+                      <m:sub>
+                        <m:r>
+                          <a:rPr lang="en-US" b="0" i="1" smtClean="0">
+                            <a:latin typeface="Cambria Math" panose="02040503050406030204" pitchFamily="18" charset="0"/>
+                          </a:rPr>
+                          <m:t>𝑔</m:t>
+                        </m:r>
+                        <m:r>
+                          <a:rPr lang="en-US" b="0" i="1" smtClean="0">
+                            <a:latin typeface="Cambria Math" panose="02040503050406030204" pitchFamily="18" charset="0"/>
+                          </a:rPr>
+                          <m:t>,</m:t>
+                        </m:r>
+                        <m:r>
+                          <a:rPr lang="en-US" b="0" i="1" smtClean="0">
+                            <a:latin typeface="Cambria Math" panose="02040503050406030204" pitchFamily="18" charset="0"/>
+                          </a:rPr>
+                          <m:t>𝑘</m:t>
+                        </m:r>
+                      </m:sub>
+                    </m:sSub>
+                    <m:r>
+                      <a:rPr lang="en-US" b="0" i="1" smtClean="0">
+                        <a:latin typeface="Cambria Math" panose="02040503050406030204" pitchFamily="18" charset="0"/>
+                      </a:rPr>
+                      <m:t>=</m:t>
+                    </m:r>
+                    <m:nary>
+                      <m:naryPr>
+                        <m:chr m:val="∑"/>
+                        <m:supHide m:val="on"/>
+                        <m:ctrlPr>
+                          <a:rPr lang="en-US" b="0" i="1" smtClean="0">
+                            <a:latin typeface="Cambria Math" panose="02040503050406030204" pitchFamily="18" charset="0"/>
+                          </a:rPr>
+                        </m:ctrlPr>
+                      </m:naryPr>
+                      <m:sub>
+                        <m:r>
+                          <a:rPr lang="en-US" b="0" i="1" smtClean="0">
+                            <a:latin typeface="Cambria Math" panose="02040503050406030204" pitchFamily="18" charset="0"/>
+                          </a:rPr>
+                          <m:t>𝑣𝑎𝑙𝑖𝑑</m:t>
+                        </m:r>
+                      </m:sub>
+                      <m:sup/>
+                      <m:e>
+                        <m:sSub>
+                          <m:sSubPr>
+                            <m:ctrlPr>
+                              <a:rPr lang="en-US" b="0" i="1" smtClean="0">
+                                <a:latin typeface="Cambria Math" panose="02040503050406030204" pitchFamily="18" charset="0"/>
+                              </a:rPr>
+                            </m:ctrlPr>
+                          </m:sSubPr>
+                          <m:e>
+                            <m:r>
+                              <a:rPr lang="en-US" b="0" i="1" smtClean="0">
+                                <a:latin typeface="Cambria Math" panose="02040503050406030204" pitchFamily="18" charset="0"/>
+                              </a:rPr>
+                              <m:t>𝜔</m:t>
+                            </m:r>
+                          </m:e>
+                          <m:sub>
+                            <m:r>
+                              <a:rPr lang="en-US" b="0" i="1" smtClean="0">
+                                <a:latin typeface="Cambria Math" panose="02040503050406030204" pitchFamily="18" charset="0"/>
+                              </a:rPr>
+                              <m:t>𝑖</m:t>
+                            </m:r>
+                          </m:sub>
+                        </m:sSub>
+                        <m:sSub>
+                          <m:sSubPr>
+                            <m:ctrlPr>
+                              <a:rPr lang="en-US" b="0" i="1" smtClean="0">
+                                <a:latin typeface="Cambria Math" panose="02040503050406030204" pitchFamily="18" charset="0"/>
+                              </a:rPr>
+                            </m:ctrlPr>
+                          </m:sSubPr>
+                          <m:e>
+                            <m:r>
+                              <a:rPr lang="en-US" b="0" i="1" smtClean="0">
+                                <a:latin typeface="Cambria Math" panose="02040503050406030204" pitchFamily="18" charset="0"/>
+                              </a:rPr>
+                              <m:t>𝑦</m:t>
+                            </m:r>
+                          </m:e>
+                          <m:sub>
+                            <m:r>
+                              <a:rPr lang="en-US" b="0" i="1" smtClean="0">
+                                <a:latin typeface="Cambria Math" panose="02040503050406030204" pitchFamily="18" charset="0"/>
+                              </a:rPr>
+                              <m:t>𝑖</m:t>
+                            </m:r>
+                            <m:r>
+                              <a:rPr lang="en-US" b="0" i="1" smtClean="0">
+                                <a:latin typeface="Cambria Math" panose="02040503050406030204" pitchFamily="18" charset="0"/>
+                              </a:rPr>
+                              <m:t>,</m:t>
+                            </m:r>
+                            <m:r>
+                              <a:rPr lang="en-US" b="0" i="1" smtClean="0">
+                                <a:latin typeface="Cambria Math" panose="02040503050406030204" pitchFamily="18" charset="0"/>
+                              </a:rPr>
+                              <m:t>𝑘</m:t>
+                            </m:r>
+                          </m:sub>
+                        </m:sSub>
+                      </m:e>
+                    </m:nary>
+                  </m:oMath>
+                </a14:m>
+                <a:endParaRPr lang="en-US" b="0" dirty="0"/>
+              </a:p>
+              <a:p>
+                <a:r>
+                  <a:rPr lang="he-IL" dirty="0"/>
+                  <a:t>ובאמצעותם מחושבים </a:t>
+                </a:r>
+                <a:r>
+                  <a:rPr lang="he-IL" dirty="0" err="1"/>
+                  <a:t>השערוכים</a:t>
+                </a:r>
+                <a:r>
+                  <a:rPr lang="he-IL" dirty="0"/>
+                  <a:t> הגלובליים </a:t>
+                </a:r>
+              </a:p>
+              <a:p>
+                <a14:m>
+                  <m:oMath xmlns:m="http://schemas.openxmlformats.org/officeDocument/2006/math">
+                    <m:sSub>
+                      <m:sSubPr>
+                        <m:ctrlPr>
+                          <a:rPr lang="en-US" b="0" i="1" smtClean="0">
+                            <a:latin typeface="Cambria Math" panose="02040503050406030204" pitchFamily="18" charset="0"/>
+                          </a:rPr>
+                        </m:ctrlPr>
+                      </m:sSubPr>
+                      <m:e>
+                        <m:r>
+                          <a:rPr lang="en-US" b="0" i="1" smtClean="0">
+                            <a:latin typeface="Cambria Math" panose="02040503050406030204" pitchFamily="18" charset="0"/>
+                          </a:rPr>
+                          <m:t>𝑃</m:t>
+                        </m:r>
+                      </m:e>
+                      <m:sub>
+                        <m:r>
+                          <a:rPr lang="en-US" b="0" i="1" smtClean="0">
+                            <a:latin typeface="Cambria Math" panose="02040503050406030204" pitchFamily="18" charset="0"/>
+                          </a:rPr>
+                          <m:t>𝑔</m:t>
+                        </m:r>
+                        <m:r>
+                          <a:rPr lang="en-US" b="0" i="1" smtClean="0">
+                            <a:latin typeface="Cambria Math" panose="02040503050406030204" pitchFamily="18" charset="0"/>
+                          </a:rPr>
+                          <m:t>,</m:t>
+                        </m:r>
+                        <m:r>
+                          <a:rPr lang="en-US" b="0" i="1" smtClean="0">
+                            <a:latin typeface="Cambria Math" panose="02040503050406030204" pitchFamily="18" charset="0"/>
+                          </a:rPr>
+                          <m:t>𝑘</m:t>
+                        </m:r>
+                      </m:sub>
+                    </m:sSub>
+                    <m:r>
+                      <a:rPr lang="en-US" b="0" i="1" smtClean="0">
+                        <a:latin typeface="Cambria Math" panose="02040503050406030204" pitchFamily="18" charset="0"/>
+                      </a:rPr>
+                      <m:t>=</m:t>
+                    </m:r>
+                    <m:sSup>
+                      <m:sSupPr>
+                        <m:ctrlPr>
+                          <a:rPr lang="en-US" b="0" i="1" smtClean="0">
+                            <a:latin typeface="Cambria Math" panose="02040503050406030204" pitchFamily="18" charset="0"/>
+                          </a:rPr>
+                        </m:ctrlPr>
+                      </m:sSupPr>
+                      <m:e>
+                        <m:d>
+                          <m:dPr>
+                            <m:ctrlPr>
+                              <a:rPr lang="en-US" b="0" i="1" smtClean="0">
+                                <a:latin typeface="Cambria Math" panose="02040503050406030204" pitchFamily="18" charset="0"/>
+                              </a:rPr>
+                            </m:ctrlPr>
+                          </m:dPr>
+                          <m:e>
+                            <m:sSub>
+                              <m:sSubPr>
+                                <m:ctrlPr>
+                                  <a:rPr lang="en-US" b="0" i="1" smtClean="0">
+                                    <a:latin typeface="Cambria Math" panose="02040503050406030204" pitchFamily="18" charset="0"/>
+                                  </a:rPr>
+                                </m:ctrlPr>
+                              </m:sSubPr>
+                              <m:e>
+                                <m:r>
+                                  <a:rPr lang="en-US" b="0" i="1" smtClean="0">
+                                    <a:latin typeface="Cambria Math" panose="02040503050406030204" pitchFamily="18" charset="0"/>
+                                  </a:rPr>
+                                  <m:t>𝑌</m:t>
+                                </m:r>
+                              </m:e>
+                              <m:sub>
+                                <m:r>
+                                  <a:rPr lang="en-US" b="0" i="1" smtClean="0">
+                                    <a:latin typeface="Cambria Math" panose="02040503050406030204" pitchFamily="18" charset="0"/>
+                                  </a:rPr>
+                                  <m:t>𝑔</m:t>
+                                </m:r>
+                                <m:r>
+                                  <a:rPr lang="en-US" b="0" i="1" smtClean="0">
+                                    <a:latin typeface="Cambria Math" panose="02040503050406030204" pitchFamily="18" charset="0"/>
+                                  </a:rPr>
+                                  <m:t>,</m:t>
+                                </m:r>
+                                <m:r>
+                                  <a:rPr lang="en-US" b="0" i="1" smtClean="0">
+                                    <a:latin typeface="Cambria Math" panose="02040503050406030204" pitchFamily="18" charset="0"/>
+                                  </a:rPr>
+                                  <m:t>𝑘</m:t>
+                                </m:r>
+                              </m:sub>
+                            </m:sSub>
+                          </m:e>
+                        </m:d>
+                      </m:e>
+                      <m:sup>
+                        <m:r>
+                          <a:rPr lang="en-US" b="0" i="1" smtClean="0">
+                            <a:latin typeface="Cambria Math" panose="02040503050406030204" pitchFamily="18" charset="0"/>
+                          </a:rPr>
+                          <m:t>−</m:t>
+                        </m:r>
+                        <m:r>
+                          <a:rPr lang="en-US" b="0" i="1" smtClean="0">
+                            <a:latin typeface="Cambria Math" panose="02040503050406030204" pitchFamily="18" charset="0"/>
+                          </a:rPr>
+                          <m:t>1</m:t>
+                        </m:r>
+                      </m:sup>
+                    </m:sSup>
+                  </m:oMath>
+                </a14:m>
+                <a:endParaRPr lang="en-US" dirty="0"/>
+              </a:p>
+              <a:p>
+                <a14:m>
+                  <m:oMath xmlns:m="http://schemas.openxmlformats.org/officeDocument/2006/math">
+                    <m:sSub>
+                      <m:sSubPr>
+                        <m:ctrlPr>
+                          <a:rPr lang="en-US" b="0" i="1" dirty="0" smtClean="0">
+                            <a:latin typeface="Cambria Math" panose="02040503050406030204" pitchFamily="18" charset="0"/>
+                          </a:rPr>
+                        </m:ctrlPr>
+                      </m:sSubPr>
+                      <m:e>
+                        <m:acc>
+                          <m:accPr>
+                            <m:chr m:val="̂"/>
+                            <m:ctrlPr>
+                              <a:rPr lang="en-US" b="0" i="1" smtClean="0">
+                                <a:latin typeface="Cambria Math" panose="02040503050406030204" pitchFamily="18" charset="0"/>
+                              </a:rPr>
+                            </m:ctrlPr>
+                          </m:accPr>
+                          <m:e>
+                            <m:r>
+                              <a:rPr lang="en-US" b="0" i="1" smtClean="0">
+                                <a:latin typeface="Cambria Math" panose="02040503050406030204" pitchFamily="18" charset="0"/>
+                              </a:rPr>
+                              <m:t>𝑥</m:t>
+                            </m:r>
+                          </m:e>
+                        </m:acc>
+                      </m:e>
+                      <m:sub>
+                        <m:r>
+                          <a:rPr lang="en-US" b="0" i="1" dirty="0" smtClean="0">
+                            <a:latin typeface="Cambria Math" panose="02040503050406030204" pitchFamily="18" charset="0"/>
+                          </a:rPr>
+                          <m:t>𝑔</m:t>
+                        </m:r>
+                        <m:r>
+                          <a:rPr lang="en-US" b="0" i="1" dirty="0" smtClean="0">
+                            <a:latin typeface="Cambria Math" panose="02040503050406030204" pitchFamily="18" charset="0"/>
+                          </a:rPr>
+                          <m:t>,</m:t>
+                        </m:r>
+                        <m:r>
+                          <a:rPr lang="en-US" b="0" i="1" dirty="0" smtClean="0">
+                            <a:latin typeface="Cambria Math" panose="02040503050406030204" pitchFamily="18" charset="0"/>
+                          </a:rPr>
+                          <m:t>𝑘</m:t>
+                        </m:r>
+                      </m:sub>
+                    </m:sSub>
+                    <m:r>
+                      <a:rPr lang="en-US" b="0" i="1" dirty="0" smtClean="0">
+                        <a:latin typeface="Cambria Math" panose="02040503050406030204" pitchFamily="18" charset="0"/>
+                      </a:rPr>
+                      <m:t>=</m:t>
+                    </m:r>
+                    <m:sSub>
+                      <m:sSubPr>
+                        <m:ctrlPr>
+                          <a:rPr lang="en-US" b="0" i="1" dirty="0" smtClean="0">
+                            <a:latin typeface="Cambria Math" panose="02040503050406030204" pitchFamily="18" charset="0"/>
+                          </a:rPr>
+                        </m:ctrlPr>
+                      </m:sSubPr>
+                      <m:e>
+                        <m:r>
+                          <a:rPr lang="en-US" b="0" i="1" dirty="0" smtClean="0">
+                            <a:latin typeface="Cambria Math" panose="02040503050406030204" pitchFamily="18" charset="0"/>
+                          </a:rPr>
+                          <m:t>𝑃</m:t>
+                        </m:r>
+                      </m:e>
+                      <m:sub>
+                        <m:r>
+                          <a:rPr lang="en-US" b="0" i="1" dirty="0" smtClean="0">
+                            <a:latin typeface="Cambria Math" panose="02040503050406030204" pitchFamily="18" charset="0"/>
+                          </a:rPr>
+                          <m:t>𝑔</m:t>
+                        </m:r>
+                        <m:r>
+                          <a:rPr lang="en-US" b="0" i="1" dirty="0" smtClean="0">
+                            <a:latin typeface="Cambria Math" panose="02040503050406030204" pitchFamily="18" charset="0"/>
+                          </a:rPr>
+                          <m:t>,</m:t>
+                        </m:r>
+                        <m:r>
+                          <a:rPr lang="en-US" b="0" i="1" dirty="0" smtClean="0">
+                            <a:latin typeface="Cambria Math" panose="02040503050406030204" pitchFamily="18" charset="0"/>
+                          </a:rPr>
+                          <m:t>𝑘</m:t>
+                        </m:r>
+                      </m:sub>
+                    </m:sSub>
+                    <m:sSub>
+                      <m:sSubPr>
+                        <m:ctrlPr>
+                          <a:rPr lang="en-US" b="0" i="1" dirty="0" smtClean="0">
+                            <a:latin typeface="Cambria Math" panose="02040503050406030204" pitchFamily="18" charset="0"/>
+                          </a:rPr>
+                        </m:ctrlPr>
+                      </m:sSubPr>
+                      <m:e>
+                        <m:r>
+                          <a:rPr lang="en-US" b="0" i="1" dirty="0" smtClean="0">
+                            <a:latin typeface="Cambria Math" panose="02040503050406030204" pitchFamily="18" charset="0"/>
+                          </a:rPr>
+                          <m:t>𝑦</m:t>
+                        </m:r>
+                      </m:e>
+                      <m:sub>
+                        <m:r>
+                          <a:rPr lang="en-US" b="0" i="1" dirty="0" smtClean="0">
+                            <a:latin typeface="Cambria Math" panose="02040503050406030204" pitchFamily="18" charset="0"/>
+                          </a:rPr>
+                          <m:t>𝑔</m:t>
+                        </m:r>
+                        <m:r>
+                          <a:rPr lang="en-US" b="0" i="1" dirty="0" smtClean="0">
+                            <a:latin typeface="Cambria Math" panose="02040503050406030204" pitchFamily="18" charset="0"/>
+                          </a:rPr>
+                          <m:t>,</m:t>
+                        </m:r>
+                        <m:r>
+                          <a:rPr lang="en-US" b="0" i="1" dirty="0" smtClean="0">
+                            <a:latin typeface="Cambria Math" panose="02040503050406030204" pitchFamily="18" charset="0"/>
+                          </a:rPr>
+                          <m:t>𝑘</m:t>
+                        </m:r>
+                      </m:sub>
+                    </m:sSub>
+                  </m:oMath>
+                </a14:m>
+                <a:endParaRPr lang="en-US" dirty="0"/>
+              </a:p>
+              <a:p>
+                <a:pPr marL="0" indent="0">
+                  <a:buNone/>
+                </a:pPr>
+                <a:r>
+                  <a:rPr lang="he-IL" dirty="0"/>
+                  <a:t>בסוף ההתכה, כל שערוך לוקלי תקין מאותחל </a:t>
+                </a:r>
+                <a:r>
+                  <a:rPr lang="he-IL"/>
+                  <a:t>להיות השערוך הגלובלי</a:t>
+                </a:r>
                 <a:endParaRPr lang="he-IL" dirty="0"/>
               </a:p>
               <a:p>
@@ -12837,7 +13431,7 @@
               <a:blipFill>
                 <a:blip r:embed="rId2"/>
                 <a:stretch>
-                  <a:fillRect r="-456"/>
+                  <a:fillRect r="-513"/>
                 </a:stretch>
               </a:blipFill>
             </p:spPr>
@@ -12846,7 +13440,7 @@
               <a:lstStyle/>
               <a:p>
                 <a:r>
-                  <a:rPr lang="he-IL">
+                  <a:rPr lang="en-US">
                     <a:noFill/>
                   </a:rPr>
                   <a:t> </a:t>
